--- a/5kurs/graf/Tem521PPRpresent.pptx
+++ b/5kurs/graf/Tem521PPRpresent.pptx
@@ -2,10 +2,12 @@
 <file path=ppt/presentation.xml><?xml version="1.0" encoding="utf-8"?>
 <p:presentation xmlns:a="http://schemas.openxmlformats.org/drawingml/2006/main" xmlns:r="http://schemas.openxmlformats.org/officeDocument/2006/relationships" xmlns:p="http://schemas.openxmlformats.org/presentationml/2006/main" saveSubsetFonts="1">
   <p:sldMasterIdLst>
-    <p:sldMasterId id="2147483648" r:id="rId1"/>
+    <p:sldMasterId id="2147483684" r:id="rId1"/>
   </p:sldMasterIdLst>
   <p:sldIdLst>
     <p:sldId id="256" r:id="rId2"/>
+    <p:sldId id="257" r:id="rId3"/>
+    <p:sldId id="258" r:id="rId4"/>
   </p:sldIdLst>
   <p:sldSz cx="9144000" cy="6858000" type="screen4x3"/>
   <p:notesSz cx="6858000" cy="9144000"/>
@@ -107,8 +109,2364 @@
 </p:presentation>
 </file>
 
+<file path=ppt/diagrams/colors1.xml><?xml version="1.0" encoding="utf-8"?>
+<dgm:colorsDef xmlns:dgm="http://schemas.openxmlformats.org/drawingml/2006/diagram" xmlns:a="http://schemas.openxmlformats.org/drawingml/2006/main" uniqueId="urn:microsoft.com/office/officeart/2005/8/colors/accent1_2">
+  <dgm:title val=""/>
+  <dgm:desc val=""/>
+  <dgm:catLst>
+    <dgm:cat type="accent1" pri="11200"/>
+  </dgm:catLst>
+  <dgm:styleLbl name="node0">
+    <dgm:fillClrLst meth="repeat">
+      <a:schemeClr val="accent1"/>
+    </dgm:fillClrLst>
+    <dgm:linClrLst meth="repeat">
+      <a:schemeClr val="lt1"/>
+    </dgm:linClrLst>
+    <dgm:effectClrLst/>
+    <dgm:txLinClrLst/>
+    <dgm:txFillClrLst/>
+    <dgm:txEffectClrLst/>
+  </dgm:styleLbl>
+  <dgm:styleLbl name="alignNode1">
+    <dgm:fillClrLst meth="repeat">
+      <a:schemeClr val="accent1"/>
+    </dgm:fillClrLst>
+    <dgm:linClrLst meth="repeat">
+      <a:schemeClr val="accent1"/>
+    </dgm:linClrLst>
+    <dgm:effectClrLst/>
+    <dgm:txLinClrLst/>
+    <dgm:txFillClrLst/>
+    <dgm:txEffectClrLst/>
+  </dgm:styleLbl>
+  <dgm:styleLbl name="node1">
+    <dgm:fillClrLst meth="repeat">
+      <a:schemeClr val="accent1"/>
+    </dgm:fillClrLst>
+    <dgm:linClrLst meth="repeat">
+      <a:schemeClr val="lt1"/>
+    </dgm:linClrLst>
+    <dgm:effectClrLst/>
+    <dgm:txLinClrLst/>
+    <dgm:txFillClrLst/>
+    <dgm:txEffectClrLst/>
+  </dgm:styleLbl>
+  <dgm:styleLbl name="lnNode1">
+    <dgm:fillClrLst meth="repeat">
+      <a:schemeClr val="accent1"/>
+    </dgm:fillClrLst>
+    <dgm:linClrLst meth="repeat">
+      <a:schemeClr val="lt1"/>
+    </dgm:linClrLst>
+    <dgm:effectClrLst/>
+    <dgm:txLinClrLst/>
+    <dgm:txFillClrLst/>
+    <dgm:txEffectClrLst/>
+  </dgm:styleLbl>
+  <dgm:styleLbl name="vennNode1">
+    <dgm:fillClrLst meth="repeat">
+      <a:schemeClr val="accent1">
+        <a:alpha val="50000"/>
+      </a:schemeClr>
+    </dgm:fillClrLst>
+    <dgm:linClrLst meth="repeat">
+      <a:schemeClr val="lt1"/>
+    </dgm:linClrLst>
+    <dgm:effectClrLst/>
+    <dgm:txLinClrLst/>
+    <dgm:txFillClrLst/>
+    <dgm:txEffectClrLst/>
+  </dgm:styleLbl>
+  <dgm:styleLbl name="node2">
+    <dgm:fillClrLst meth="repeat">
+      <a:schemeClr val="accent1"/>
+    </dgm:fillClrLst>
+    <dgm:linClrLst meth="repeat">
+      <a:schemeClr val="lt1"/>
+    </dgm:linClrLst>
+    <dgm:effectClrLst/>
+    <dgm:txLinClrLst/>
+    <dgm:txFillClrLst/>
+    <dgm:txEffectClrLst/>
+  </dgm:styleLbl>
+  <dgm:styleLbl name="node3">
+    <dgm:fillClrLst meth="repeat">
+      <a:schemeClr val="accent1"/>
+    </dgm:fillClrLst>
+    <dgm:linClrLst meth="repeat">
+      <a:schemeClr val="lt1"/>
+    </dgm:linClrLst>
+    <dgm:effectClrLst/>
+    <dgm:txLinClrLst/>
+    <dgm:txFillClrLst/>
+    <dgm:txEffectClrLst/>
+  </dgm:styleLbl>
+  <dgm:styleLbl name="node4">
+    <dgm:fillClrLst meth="repeat">
+      <a:schemeClr val="accent1"/>
+    </dgm:fillClrLst>
+    <dgm:linClrLst meth="repeat">
+      <a:schemeClr val="lt1"/>
+    </dgm:linClrLst>
+    <dgm:effectClrLst/>
+    <dgm:txLinClrLst/>
+    <dgm:txFillClrLst/>
+    <dgm:txEffectClrLst/>
+  </dgm:styleLbl>
+  <dgm:styleLbl name="fgImgPlace1">
+    <dgm:fillClrLst meth="repeat">
+      <a:schemeClr val="accent1">
+        <a:tint val="50000"/>
+      </a:schemeClr>
+    </dgm:fillClrLst>
+    <dgm:linClrLst meth="repeat">
+      <a:schemeClr val="lt1"/>
+    </dgm:linClrLst>
+    <dgm:effectClrLst/>
+    <dgm:txLinClrLst/>
+    <dgm:txFillClrLst meth="repeat">
+      <a:schemeClr val="lt1"/>
+    </dgm:txFillClrLst>
+    <dgm:txEffectClrLst/>
+  </dgm:styleLbl>
+  <dgm:styleLbl name="alignImgPlace1">
+    <dgm:fillClrLst meth="repeat">
+      <a:schemeClr val="accent1">
+        <a:tint val="50000"/>
+      </a:schemeClr>
+    </dgm:fillClrLst>
+    <dgm:linClrLst meth="repeat">
+      <a:schemeClr val="lt1"/>
+    </dgm:linClrLst>
+    <dgm:effectClrLst/>
+    <dgm:txLinClrLst/>
+    <dgm:txFillClrLst meth="repeat">
+      <a:schemeClr val="lt1"/>
+    </dgm:txFillClrLst>
+    <dgm:txEffectClrLst/>
+  </dgm:styleLbl>
+  <dgm:styleLbl name="bgImgPlace1">
+    <dgm:fillClrLst meth="repeat">
+      <a:schemeClr val="accent1">
+        <a:tint val="50000"/>
+      </a:schemeClr>
+    </dgm:fillClrLst>
+    <dgm:linClrLst meth="repeat">
+      <a:schemeClr val="lt1"/>
+    </dgm:linClrLst>
+    <dgm:effectClrLst/>
+    <dgm:txLinClrLst/>
+    <dgm:txFillClrLst meth="repeat">
+      <a:schemeClr val="lt1"/>
+    </dgm:txFillClrLst>
+    <dgm:txEffectClrLst/>
+  </dgm:styleLbl>
+  <dgm:styleLbl name="sibTrans2D1">
+    <dgm:fillClrLst meth="repeat">
+      <a:schemeClr val="accent1">
+        <a:tint val="60000"/>
+      </a:schemeClr>
+    </dgm:fillClrLst>
+    <dgm:linClrLst meth="repeat">
+      <a:schemeClr val="accent1">
+        <a:tint val="60000"/>
+      </a:schemeClr>
+    </dgm:linClrLst>
+    <dgm:effectClrLst/>
+    <dgm:txLinClrLst/>
+    <dgm:txFillClrLst/>
+    <dgm:txEffectClrLst/>
+  </dgm:styleLbl>
+  <dgm:styleLbl name="fgSibTrans2D1">
+    <dgm:fillClrLst meth="repeat">
+      <a:schemeClr val="accent1">
+        <a:tint val="60000"/>
+      </a:schemeClr>
+    </dgm:fillClrLst>
+    <dgm:linClrLst meth="repeat">
+      <a:schemeClr val="accent1">
+        <a:tint val="60000"/>
+      </a:schemeClr>
+    </dgm:linClrLst>
+    <dgm:effectClrLst/>
+    <dgm:txLinClrLst/>
+    <dgm:txFillClrLst/>
+    <dgm:txEffectClrLst/>
+  </dgm:styleLbl>
+  <dgm:styleLbl name="bgSibTrans2D1">
+    <dgm:fillClrLst meth="repeat">
+      <a:schemeClr val="accent1">
+        <a:tint val="60000"/>
+      </a:schemeClr>
+    </dgm:fillClrLst>
+    <dgm:linClrLst meth="repeat">
+      <a:schemeClr val="accent1">
+        <a:tint val="60000"/>
+      </a:schemeClr>
+    </dgm:linClrLst>
+    <dgm:effectClrLst/>
+    <dgm:txLinClrLst/>
+    <dgm:txFillClrLst/>
+    <dgm:txEffectClrLst/>
+  </dgm:styleLbl>
+  <dgm:styleLbl name="sibTrans1D1">
+    <dgm:fillClrLst meth="repeat">
+      <a:schemeClr val="accent1"/>
+    </dgm:fillClrLst>
+    <dgm:linClrLst meth="repeat">
+      <a:schemeClr val="accent1"/>
+    </dgm:linClrLst>
+    <dgm:effectClrLst/>
+    <dgm:txLinClrLst/>
+    <dgm:txFillClrLst meth="repeat">
+      <a:schemeClr val="tx1"/>
+    </dgm:txFillClrLst>
+    <dgm:txEffectClrLst/>
+  </dgm:styleLbl>
+  <dgm:styleLbl name="callout">
+    <dgm:fillClrLst meth="repeat">
+      <a:schemeClr val="accent1"/>
+    </dgm:fillClrLst>
+    <dgm:linClrLst meth="repeat">
+      <a:schemeClr val="accent1">
+        <a:tint val="50000"/>
+      </a:schemeClr>
+    </dgm:linClrLst>
+    <dgm:effectClrLst/>
+    <dgm:txLinClrLst/>
+    <dgm:txFillClrLst meth="repeat">
+      <a:schemeClr val="tx1"/>
+    </dgm:txFillClrLst>
+    <dgm:txEffectClrLst/>
+  </dgm:styleLbl>
+  <dgm:styleLbl name="asst0">
+    <dgm:fillClrLst meth="repeat">
+      <a:schemeClr val="accent1"/>
+    </dgm:fillClrLst>
+    <dgm:linClrLst meth="repeat">
+      <a:schemeClr val="lt1"/>
+    </dgm:linClrLst>
+    <dgm:effectClrLst/>
+    <dgm:txLinClrLst/>
+    <dgm:txFillClrLst/>
+    <dgm:txEffectClrLst/>
+  </dgm:styleLbl>
+  <dgm:styleLbl name="asst1">
+    <dgm:fillClrLst meth="repeat">
+      <a:schemeClr val="accent1"/>
+    </dgm:fillClrLst>
+    <dgm:linClrLst meth="repeat">
+      <a:schemeClr val="lt1"/>
+    </dgm:linClrLst>
+    <dgm:effectClrLst/>
+    <dgm:txLinClrLst/>
+    <dgm:txFillClrLst/>
+    <dgm:txEffectClrLst/>
+  </dgm:styleLbl>
+  <dgm:styleLbl name="asst2">
+    <dgm:fillClrLst meth="repeat">
+      <a:schemeClr val="accent1"/>
+    </dgm:fillClrLst>
+    <dgm:linClrLst meth="repeat">
+      <a:schemeClr val="lt1"/>
+    </dgm:linClrLst>
+    <dgm:effectClrLst/>
+    <dgm:txLinClrLst/>
+    <dgm:txFillClrLst/>
+    <dgm:txEffectClrLst/>
+  </dgm:styleLbl>
+  <dgm:styleLbl name="asst3">
+    <dgm:fillClrLst meth="repeat">
+      <a:schemeClr val="accent1"/>
+    </dgm:fillClrLst>
+    <dgm:linClrLst meth="repeat">
+      <a:schemeClr val="lt1"/>
+    </dgm:linClrLst>
+    <dgm:effectClrLst/>
+    <dgm:txLinClrLst/>
+    <dgm:txFillClrLst/>
+    <dgm:txEffectClrLst/>
+  </dgm:styleLbl>
+  <dgm:styleLbl name="asst4">
+    <dgm:fillClrLst meth="repeat">
+      <a:schemeClr val="accent1"/>
+    </dgm:fillClrLst>
+    <dgm:linClrLst meth="repeat">
+      <a:schemeClr val="lt1"/>
+    </dgm:linClrLst>
+    <dgm:effectClrLst/>
+    <dgm:txLinClrLst/>
+    <dgm:txFillClrLst/>
+    <dgm:txEffectClrLst/>
+  </dgm:styleLbl>
+  <dgm:styleLbl name="parChTrans2D1">
+    <dgm:fillClrLst meth="repeat">
+      <a:schemeClr val="accent1">
+        <a:tint val="60000"/>
+      </a:schemeClr>
+    </dgm:fillClrLst>
+    <dgm:linClrLst meth="repeat">
+      <a:schemeClr val="accent1">
+        <a:tint val="60000"/>
+      </a:schemeClr>
+    </dgm:linClrLst>
+    <dgm:effectClrLst/>
+    <dgm:txLinClrLst/>
+    <dgm:txFillClrLst meth="repeat">
+      <a:schemeClr val="lt1"/>
+    </dgm:txFillClrLst>
+    <dgm:txEffectClrLst/>
+  </dgm:styleLbl>
+  <dgm:styleLbl name="parChTrans2D2">
+    <dgm:fillClrLst meth="repeat">
+      <a:schemeClr val="accent1"/>
+    </dgm:fillClrLst>
+    <dgm:linClrLst meth="repeat">
+      <a:schemeClr val="accent1"/>
+    </dgm:linClrLst>
+    <dgm:effectClrLst/>
+    <dgm:txLinClrLst/>
+    <dgm:txFillClrLst meth="repeat">
+      <a:schemeClr val="lt1"/>
+    </dgm:txFillClrLst>
+    <dgm:txEffectClrLst/>
+  </dgm:styleLbl>
+  <dgm:styleLbl name="parChTrans2D3">
+    <dgm:fillClrLst meth="repeat">
+      <a:schemeClr val="accent1"/>
+    </dgm:fillClrLst>
+    <dgm:linClrLst meth="repeat">
+      <a:schemeClr val="accent1"/>
+    </dgm:linClrLst>
+    <dgm:effectClrLst/>
+    <dgm:txLinClrLst/>
+    <dgm:txFillClrLst meth="repeat">
+      <a:schemeClr val="lt1"/>
+    </dgm:txFillClrLst>
+    <dgm:txEffectClrLst/>
+  </dgm:styleLbl>
+  <dgm:styleLbl name="parChTrans2D4">
+    <dgm:fillClrLst meth="repeat">
+      <a:schemeClr val="accent1"/>
+    </dgm:fillClrLst>
+    <dgm:linClrLst meth="repeat">
+      <a:schemeClr val="accent1"/>
+    </dgm:linClrLst>
+    <dgm:effectClrLst/>
+    <dgm:txLinClrLst/>
+    <dgm:txFillClrLst meth="repeat">
+      <a:schemeClr val="lt1"/>
+    </dgm:txFillClrLst>
+    <dgm:txEffectClrLst/>
+  </dgm:styleLbl>
+  <dgm:styleLbl name="parChTrans1D1">
+    <dgm:fillClrLst meth="repeat">
+      <a:schemeClr val="accent1"/>
+    </dgm:fillClrLst>
+    <dgm:linClrLst meth="repeat">
+      <a:schemeClr val="accent1">
+        <a:shade val="60000"/>
+      </a:schemeClr>
+    </dgm:linClrLst>
+    <dgm:effectClrLst/>
+    <dgm:txLinClrLst/>
+    <dgm:txFillClrLst meth="repeat">
+      <a:schemeClr val="tx1"/>
+    </dgm:txFillClrLst>
+    <dgm:txEffectClrLst/>
+  </dgm:styleLbl>
+  <dgm:styleLbl name="parChTrans1D2">
+    <dgm:fillClrLst meth="repeat">
+      <a:schemeClr val="accent1"/>
+    </dgm:fillClrLst>
+    <dgm:linClrLst meth="repeat">
+      <a:schemeClr val="accent1">
+        <a:shade val="60000"/>
+      </a:schemeClr>
+    </dgm:linClrLst>
+    <dgm:effectClrLst/>
+    <dgm:txLinClrLst/>
+    <dgm:txFillClrLst meth="repeat">
+      <a:schemeClr val="tx1"/>
+    </dgm:txFillClrLst>
+    <dgm:txEffectClrLst/>
+  </dgm:styleLbl>
+  <dgm:styleLbl name="parChTrans1D3">
+    <dgm:fillClrLst meth="repeat">
+      <a:schemeClr val="accent1"/>
+    </dgm:fillClrLst>
+    <dgm:linClrLst meth="repeat">
+      <a:schemeClr val="accent1">
+        <a:shade val="80000"/>
+      </a:schemeClr>
+    </dgm:linClrLst>
+    <dgm:effectClrLst/>
+    <dgm:txLinClrLst/>
+    <dgm:txFillClrLst meth="repeat">
+      <a:schemeClr val="tx1"/>
+    </dgm:txFillClrLst>
+    <dgm:txEffectClrLst/>
+  </dgm:styleLbl>
+  <dgm:styleLbl name="parChTrans1D4">
+    <dgm:fillClrLst meth="repeat">
+      <a:schemeClr val="accent1"/>
+    </dgm:fillClrLst>
+    <dgm:linClrLst meth="repeat">
+      <a:schemeClr val="accent1">
+        <a:shade val="80000"/>
+      </a:schemeClr>
+    </dgm:linClrLst>
+    <dgm:effectClrLst/>
+    <dgm:txLinClrLst/>
+    <dgm:txFillClrLst meth="repeat">
+      <a:schemeClr val="tx1"/>
+    </dgm:txFillClrLst>
+    <dgm:txEffectClrLst/>
+  </dgm:styleLbl>
+  <dgm:styleLbl name="fgAcc1">
+    <dgm:fillClrLst meth="repeat">
+      <a:schemeClr val="lt1">
+        <a:alpha val="90000"/>
+      </a:schemeClr>
+    </dgm:fillClrLst>
+    <dgm:linClrLst meth="repeat">
+      <a:schemeClr val="accent1"/>
+    </dgm:linClrLst>
+    <dgm:effectClrLst/>
+    <dgm:txLinClrLst/>
+    <dgm:txFillClrLst meth="repeat">
+      <a:schemeClr val="dk1"/>
+    </dgm:txFillClrLst>
+    <dgm:txEffectClrLst/>
+  </dgm:styleLbl>
+  <dgm:styleLbl name="conFgAcc1">
+    <dgm:fillClrLst meth="repeat">
+      <a:schemeClr val="lt1">
+        <a:alpha val="90000"/>
+      </a:schemeClr>
+    </dgm:fillClrLst>
+    <dgm:linClrLst meth="repeat">
+      <a:schemeClr val="accent1"/>
+    </dgm:linClrLst>
+    <dgm:effectClrLst/>
+    <dgm:txLinClrLst/>
+    <dgm:txFillClrLst meth="repeat">
+      <a:schemeClr val="dk1"/>
+    </dgm:txFillClrLst>
+    <dgm:txEffectClrLst/>
+  </dgm:styleLbl>
+  <dgm:styleLbl name="alignAcc1">
+    <dgm:fillClrLst meth="repeat">
+      <a:schemeClr val="lt1">
+        <a:alpha val="90000"/>
+      </a:schemeClr>
+    </dgm:fillClrLst>
+    <dgm:linClrLst meth="repeat">
+      <a:schemeClr val="accent1"/>
+    </dgm:linClrLst>
+    <dgm:effectClrLst/>
+    <dgm:txLinClrLst/>
+    <dgm:txFillClrLst meth="repeat">
+      <a:schemeClr val="dk1"/>
+    </dgm:txFillClrLst>
+    <dgm:txEffectClrLst/>
+  </dgm:styleLbl>
+  <dgm:styleLbl name="trAlignAcc1">
+    <dgm:fillClrLst meth="repeat">
+      <a:schemeClr val="lt1">
+        <a:alpha val="40000"/>
+      </a:schemeClr>
+    </dgm:fillClrLst>
+    <dgm:linClrLst meth="repeat">
+      <a:schemeClr val="accent1"/>
+    </dgm:linClrLst>
+    <dgm:effectClrLst/>
+    <dgm:txLinClrLst/>
+    <dgm:txFillClrLst meth="repeat">
+      <a:schemeClr val="dk1"/>
+    </dgm:txFillClrLst>
+    <dgm:txEffectClrLst/>
+  </dgm:styleLbl>
+  <dgm:styleLbl name="bgAcc1">
+    <dgm:fillClrLst meth="repeat">
+      <a:schemeClr val="lt1">
+        <a:alpha val="90000"/>
+      </a:schemeClr>
+    </dgm:fillClrLst>
+    <dgm:linClrLst meth="repeat">
+      <a:schemeClr val="accent1"/>
+    </dgm:linClrLst>
+    <dgm:effectClrLst/>
+    <dgm:txLinClrLst/>
+    <dgm:txFillClrLst meth="repeat">
+      <a:schemeClr val="dk1"/>
+    </dgm:txFillClrLst>
+    <dgm:txEffectClrLst/>
+  </dgm:styleLbl>
+  <dgm:styleLbl name="solidFgAcc1">
+    <dgm:fillClrLst meth="repeat">
+      <a:schemeClr val="lt1"/>
+    </dgm:fillClrLst>
+    <dgm:linClrLst meth="repeat">
+      <a:schemeClr val="accent1"/>
+    </dgm:linClrLst>
+    <dgm:effectClrLst/>
+    <dgm:txLinClrLst/>
+    <dgm:txFillClrLst meth="repeat">
+      <a:schemeClr val="dk1"/>
+    </dgm:txFillClrLst>
+    <dgm:txEffectClrLst/>
+  </dgm:styleLbl>
+  <dgm:styleLbl name="solidAlignAcc1">
+    <dgm:fillClrLst meth="repeat">
+      <a:schemeClr val="lt1"/>
+    </dgm:fillClrLst>
+    <dgm:linClrLst meth="repeat">
+      <a:schemeClr val="accent1"/>
+    </dgm:linClrLst>
+    <dgm:effectClrLst/>
+    <dgm:txLinClrLst/>
+    <dgm:txFillClrLst meth="repeat">
+      <a:schemeClr val="dk1"/>
+    </dgm:txFillClrLst>
+    <dgm:txEffectClrLst/>
+  </dgm:styleLbl>
+  <dgm:styleLbl name="solidBgAcc1">
+    <dgm:fillClrLst meth="repeat">
+      <a:schemeClr val="lt1"/>
+    </dgm:fillClrLst>
+    <dgm:linClrLst meth="repeat">
+      <a:schemeClr val="accent1"/>
+    </dgm:linClrLst>
+    <dgm:effectClrLst/>
+    <dgm:txLinClrLst/>
+    <dgm:txFillClrLst meth="repeat">
+      <a:schemeClr val="dk1"/>
+    </dgm:txFillClrLst>
+    <dgm:txEffectClrLst/>
+  </dgm:styleLbl>
+  <dgm:styleLbl name="fgAccFollowNode1">
+    <dgm:fillClrLst meth="repeat">
+      <a:schemeClr val="accent1">
+        <a:alpha val="90000"/>
+        <a:tint val="40000"/>
+      </a:schemeClr>
+    </dgm:fillClrLst>
+    <dgm:linClrLst meth="repeat">
+      <a:schemeClr val="accent1">
+        <a:alpha val="90000"/>
+        <a:tint val="40000"/>
+      </a:schemeClr>
+    </dgm:linClrLst>
+    <dgm:effectClrLst/>
+    <dgm:txLinClrLst/>
+    <dgm:txFillClrLst meth="repeat">
+      <a:schemeClr val="dk1"/>
+    </dgm:txFillClrLst>
+    <dgm:txEffectClrLst/>
+  </dgm:styleLbl>
+  <dgm:styleLbl name="alignAccFollowNode1">
+    <dgm:fillClrLst meth="repeat">
+      <a:schemeClr val="accent1">
+        <a:alpha val="90000"/>
+        <a:tint val="40000"/>
+      </a:schemeClr>
+    </dgm:fillClrLst>
+    <dgm:linClrLst meth="repeat">
+      <a:schemeClr val="accent1">
+        <a:alpha val="90000"/>
+        <a:tint val="40000"/>
+      </a:schemeClr>
+    </dgm:linClrLst>
+    <dgm:effectClrLst/>
+    <dgm:txLinClrLst/>
+    <dgm:txFillClrLst meth="repeat">
+      <a:schemeClr val="dk1"/>
+    </dgm:txFillClrLst>
+    <dgm:txEffectClrLst/>
+  </dgm:styleLbl>
+  <dgm:styleLbl name="bgAccFollowNode1">
+    <dgm:fillClrLst meth="repeat">
+      <a:schemeClr val="accent1">
+        <a:alpha val="90000"/>
+        <a:tint val="40000"/>
+      </a:schemeClr>
+    </dgm:fillClrLst>
+    <dgm:linClrLst meth="repeat">
+      <a:schemeClr val="accent1">
+        <a:alpha val="90000"/>
+        <a:tint val="40000"/>
+      </a:schemeClr>
+    </dgm:linClrLst>
+    <dgm:effectClrLst/>
+    <dgm:txLinClrLst/>
+    <dgm:txFillClrLst meth="repeat">
+      <a:schemeClr val="dk1"/>
+    </dgm:txFillClrLst>
+    <dgm:txEffectClrLst/>
+  </dgm:styleLbl>
+  <dgm:styleLbl name="fgAcc0">
+    <dgm:fillClrLst meth="repeat">
+      <a:schemeClr val="lt1">
+        <a:alpha val="90000"/>
+      </a:schemeClr>
+    </dgm:fillClrLst>
+    <dgm:linClrLst meth="repeat">
+      <a:schemeClr val="accent1"/>
+    </dgm:linClrLst>
+    <dgm:effectClrLst/>
+    <dgm:txLinClrLst/>
+    <dgm:txFillClrLst meth="repeat">
+      <a:schemeClr val="dk1"/>
+    </dgm:txFillClrLst>
+    <dgm:txEffectClrLst/>
+  </dgm:styleLbl>
+  <dgm:styleLbl name="fgAcc2">
+    <dgm:fillClrLst meth="repeat">
+      <a:schemeClr val="lt1">
+        <a:alpha val="90000"/>
+      </a:schemeClr>
+    </dgm:fillClrLst>
+    <dgm:linClrLst meth="repeat">
+      <a:schemeClr val="accent1"/>
+    </dgm:linClrLst>
+    <dgm:effectClrLst/>
+    <dgm:txLinClrLst/>
+    <dgm:txFillClrLst meth="repeat">
+      <a:schemeClr val="dk1"/>
+    </dgm:txFillClrLst>
+    <dgm:txEffectClrLst/>
+  </dgm:styleLbl>
+  <dgm:styleLbl name="fgAcc3">
+    <dgm:fillClrLst meth="repeat">
+      <a:schemeClr val="lt1">
+        <a:alpha val="90000"/>
+      </a:schemeClr>
+    </dgm:fillClrLst>
+    <dgm:linClrLst meth="repeat">
+      <a:schemeClr val="accent1"/>
+    </dgm:linClrLst>
+    <dgm:effectClrLst/>
+    <dgm:txLinClrLst/>
+    <dgm:txFillClrLst meth="repeat">
+      <a:schemeClr val="dk1"/>
+    </dgm:txFillClrLst>
+    <dgm:txEffectClrLst/>
+  </dgm:styleLbl>
+  <dgm:styleLbl name="fgAcc4">
+    <dgm:fillClrLst meth="repeat">
+      <a:schemeClr val="lt1">
+        <a:alpha val="90000"/>
+      </a:schemeClr>
+    </dgm:fillClrLst>
+    <dgm:linClrLst meth="repeat">
+      <a:schemeClr val="accent1"/>
+    </dgm:linClrLst>
+    <dgm:effectClrLst/>
+    <dgm:txLinClrLst/>
+    <dgm:txFillClrLst meth="repeat">
+      <a:schemeClr val="dk1"/>
+    </dgm:txFillClrLst>
+    <dgm:txEffectClrLst/>
+  </dgm:styleLbl>
+  <dgm:styleLbl name="bgShp">
+    <dgm:fillClrLst meth="repeat">
+      <a:schemeClr val="accent1">
+        <a:tint val="40000"/>
+      </a:schemeClr>
+    </dgm:fillClrLst>
+    <dgm:linClrLst meth="repeat">
+      <a:schemeClr val="accent1"/>
+    </dgm:linClrLst>
+    <dgm:effectClrLst/>
+    <dgm:txLinClrLst/>
+    <dgm:txFillClrLst meth="repeat">
+      <a:schemeClr val="dk1"/>
+    </dgm:txFillClrLst>
+    <dgm:txEffectClrLst/>
+  </dgm:styleLbl>
+  <dgm:styleLbl name="dkBgShp">
+    <dgm:fillClrLst meth="repeat">
+      <a:schemeClr val="accent1">
+        <a:shade val="80000"/>
+      </a:schemeClr>
+    </dgm:fillClrLst>
+    <dgm:linClrLst meth="repeat">
+      <a:schemeClr val="accent1"/>
+    </dgm:linClrLst>
+    <dgm:effectClrLst/>
+    <dgm:txLinClrLst/>
+    <dgm:txFillClrLst meth="repeat">
+      <a:schemeClr val="lt1"/>
+    </dgm:txFillClrLst>
+    <dgm:txEffectClrLst/>
+  </dgm:styleLbl>
+  <dgm:styleLbl name="trBgShp">
+    <dgm:fillClrLst meth="repeat">
+      <a:schemeClr val="accent1">
+        <a:tint val="50000"/>
+        <a:alpha val="40000"/>
+      </a:schemeClr>
+    </dgm:fillClrLst>
+    <dgm:linClrLst meth="repeat">
+      <a:schemeClr val="accent1"/>
+    </dgm:linClrLst>
+    <dgm:effectClrLst/>
+    <dgm:txLinClrLst/>
+    <dgm:txFillClrLst meth="repeat">
+      <a:schemeClr val="lt1"/>
+    </dgm:txFillClrLst>
+    <dgm:txEffectClrLst/>
+  </dgm:styleLbl>
+  <dgm:styleLbl name="fgShp">
+    <dgm:fillClrLst meth="repeat">
+      <a:schemeClr val="accent1">
+        <a:tint val="60000"/>
+      </a:schemeClr>
+    </dgm:fillClrLst>
+    <dgm:linClrLst meth="repeat">
+      <a:schemeClr val="lt1"/>
+    </dgm:linClrLst>
+    <dgm:effectClrLst/>
+    <dgm:txLinClrLst/>
+    <dgm:txFillClrLst meth="repeat">
+      <a:schemeClr val="dk1"/>
+    </dgm:txFillClrLst>
+    <dgm:txEffectClrLst/>
+  </dgm:styleLbl>
+  <dgm:styleLbl name="revTx">
+    <dgm:fillClrLst meth="repeat">
+      <a:schemeClr val="lt1">
+        <a:alpha val="0"/>
+      </a:schemeClr>
+    </dgm:fillClrLst>
+    <dgm:linClrLst meth="repeat">
+      <a:schemeClr val="dk1">
+        <a:alpha val="0"/>
+      </a:schemeClr>
+    </dgm:linClrLst>
+    <dgm:effectClrLst/>
+    <dgm:txLinClrLst/>
+    <dgm:txFillClrLst meth="repeat">
+      <a:schemeClr val="tx1"/>
+    </dgm:txFillClrLst>
+    <dgm:txEffectClrLst/>
+  </dgm:styleLbl>
+</dgm:colorsDef>
+</file>
+
+<file path=ppt/diagrams/data1.xml><?xml version="1.0" encoding="utf-8"?>
+<dgm:dataModel xmlns:dgm="http://schemas.openxmlformats.org/drawingml/2006/diagram" xmlns:a="http://schemas.openxmlformats.org/drawingml/2006/main">
+  <dgm:ptLst>
+    <dgm:pt modelId="{7BC75F85-ECE2-409F-B5A8-176467AFCF14}" type="doc">
+      <dgm:prSet loTypeId="urn:microsoft.com/office/officeart/2005/8/layout/radial4" loCatId="relationship" qsTypeId="urn:microsoft.com/office/officeart/2005/8/quickstyle/simple1" qsCatId="simple" csTypeId="urn:microsoft.com/office/officeart/2005/8/colors/accent1_2" csCatId="accent1" phldr="1"/>
+      <dgm:spPr/>
+      <dgm:t>
+        <a:bodyPr/>
+        <a:lstStyle/>
+        <a:p>
+          <a:endParaRPr lang="ru-RU"/>
+        </a:p>
+      </dgm:t>
+    </dgm:pt>
+    <dgm:pt modelId="{1746C91F-4B1F-4465-8175-98C05733A160}">
+      <dgm:prSet phldrT="[Текст]"/>
+      <dgm:spPr/>
+      <dgm:t>
+        <a:bodyPr/>
+        <a:lstStyle/>
+        <a:p>
+          <a:r>
+            <a:rPr lang="ru-RU" dirty="0" smtClean="0"/>
+            <a:t>КСППР</a:t>
+          </a:r>
+          <a:endParaRPr lang="ru-RU" dirty="0"/>
+        </a:p>
+      </dgm:t>
+    </dgm:pt>
+    <dgm:pt modelId="{9B9539AB-833A-4691-BB6B-64AD0CDE34A8}" type="parTrans" cxnId="{C23F8AE5-7C87-412D-A678-97175B3DB156}">
+      <dgm:prSet/>
+      <dgm:spPr/>
+      <dgm:t>
+        <a:bodyPr/>
+        <a:lstStyle/>
+        <a:p>
+          <a:endParaRPr lang="ru-RU"/>
+        </a:p>
+      </dgm:t>
+    </dgm:pt>
+    <dgm:pt modelId="{A40A5C8E-8FE2-435C-913B-4F8D7C3421E0}" type="sibTrans" cxnId="{C23F8AE5-7C87-412D-A678-97175B3DB156}">
+      <dgm:prSet/>
+      <dgm:spPr/>
+      <dgm:t>
+        <a:bodyPr/>
+        <a:lstStyle/>
+        <a:p>
+          <a:endParaRPr lang="ru-RU"/>
+        </a:p>
+      </dgm:t>
+    </dgm:pt>
+    <dgm:pt modelId="{F5D6D4A5-34D2-43C5-AE6D-36E68EF94C99}">
+      <dgm:prSet phldrT="[Текст]"/>
+      <dgm:spPr/>
+      <dgm:t>
+        <a:bodyPr/>
+        <a:lstStyle/>
+        <a:p>
+          <a:r>
+            <a:rPr lang="en-US" dirty="0" smtClean="0"/>
+            <a:t>ERP</a:t>
+          </a:r>
+          <a:endParaRPr lang="ru-RU" dirty="0"/>
+        </a:p>
+      </dgm:t>
+    </dgm:pt>
+    <dgm:pt modelId="{119037E7-367B-4BFF-81C2-7B84EFC3B8DD}" type="parTrans" cxnId="{B31E5606-9477-41B1-BE71-E683683672DE}">
+      <dgm:prSet/>
+      <dgm:spPr/>
+      <dgm:t>
+        <a:bodyPr/>
+        <a:lstStyle/>
+        <a:p>
+          <a:endParaRPr lang="ru-RU"/>
+        </a:p>
+      </dgm:t>
+    </dgm:pt>
+    <dgm:pt modelId="{FC3DBBE2-1D70-4BF3-A74D-8D2088DDCF34}" type="sibTrans" cxnId="{B31E5606-9477-41B1-BE71-E683683672DE}">
+      <dgm:prSet/>
+      <dgm:spPr/>
+      <dgm:t>
+        <a:bodyPr/>
+        <a:lstStyle/>
+        <a:p>
+          <a:endParaRPr lang="ru-RU"/>
+        </a:p>
+      </dgm:t>
+    </dgm:pt>
+    <dgm:pt modelId="{27356A8B-E80E-466D-A4B0-B3AEE2D62B7C}">
+      <dgm:prSet phldrT="[Текст]"/>
+      <dgm:spPr/>
+      <dgm:t>
+        <a:bodyPr/>
+        <a:lstStyle/>
+        <a:p>
+          <a:r>
+            <a:rPr lang="en-US" dirty="0" smtClean="0"/>
+            <a:t>CSM</a:t>
+          </a:r>
+          <a:endParaRPr lang="ru-RU" dirty="0"/>
+        </a:p>
+      </dgm:t>
+    </dgm:pt>
+    <dgm:pt modelId="{9AF1024E-DD2A-4455-AAA2-03C0A76D35D4}" type="parTrans" cxnId="{0B82AC6E-BB8F-4CBD-A0D0-27FA8984C44F}">
+      <dgm:prSet/>
+      <dgm:spPr/>
+      <dgm:t>
+        <a:bodyPr/>
+        <a:lstStyle/>
+        <a:p>
+          <a:endParaRPr lang="ru-RU"/>
+        </a:p>
+      </dgm:t>
+    </dgm:pt>
+    <dgm:pt modelId="{95CEB554-DF26-4837-8C25-3FFD1A002FC9}" type="sibTrans" cxnId="{0B82AC6E-BB8F-4CBD-A0D0-27FA8984C44F}">
+      <dgm:prSet/>
+      <dgm:spPr/>
+      <dgm:t>
+        <a:bodyPr/>
+        <a:lstStyle/>
+        <a:p>
+          <a:endParaRPr lang="ru-RU"/>
+        </a:p>
+      </dgm:t>
+    </dgm:pt>
+    <dgm:pt modelId="{BE11D951-3C1B-4DC3-A801-B178DAB2D39F}">
+      <dgm:prSet phldrT="[Текст]"/>
+      <dgm:spPr/>
+      <dgm:t>
+        <a:bodyPr/>
+        <a:lstStyle/>
+        <a:p>
+          <a:r>
+            <a:rPr lang="en-US" dirty="0" smtClean="0"/>
+            <a:t>CRM</a:t>
+          </a:r>
+          <a:endParaRPr lang="ru-RU" dirty="0"/>
+        </a:p>
+      </dgm:t>
+    </dgm:pt>
+    <dgm:pt modelId="{9C5A01B0-D8B7-4D7E-8FB5-E2586C7FEBFC}" type="parTrans" cxnId="{B56EDF69-42AB-4E19-AC19-F84F0696B2D6}">
+      <dgm:prSet/>
+      <dgm:spPr/>
+      <dgm:t>
+        <a:bodyPr/>
+        <a:lstStyle/>
+        <a:p>
+          <a:endParaRPr lang="ru-RU"/>
+        </a:p>
+      </dgm:t>
+    </dgm:pt>
+    <dgm:pt modelId="{10D67A31-9E69-40AC-A22F-115FA30830BF}" type="sibTrans" cxnId="{B56EDF69-42AB-4E19-AC19-F84F0696B2D6}">
+      <dgm:prSet/>
+      <dgm:spPr/>
+      <dgm:t>
+        <a:bodyPr/>
+        <a:lstStyle/>
+        <a:p>
+          <a:endParaRPr lang="ru-RU"/>
+        </a:p>
+      </dgm:t>
+    </dgm:pt>
+    <dgm:pt modelId="{86908134-5176-4445-B54E-01F2400E2233}">
+      <dgm:prSet phldrT="[Текст]"/>
+      <dgm:spPr/>
+      <dgm:t>
+        <a:bodyPr/>
+        <a:lstStyle/>
+        <a:p>
+          <a:r>
+            <a:rPr lang="en-US" dirty="0" smtClean="0"/>
+            <a:t>PLM</a:t>
+          </a:r>
+          <a:endParaRPr lang="ru-RU" dirty="0"/>
+        </a:p>
+      </dgm:t>
+    </dgm:pt>
+    <dgm:pt modelId="{4067613B-1207-4E98-84C1-E6E3ECC9B915}" type="parTrans" cxnId="{652A323A-5F9B-4BA6-83E6-57520FDBF010}">
+      <dgm:prSet/>
+      <dgm:spPr/>
+      <dgm:t>
+        <a:bodyPr/>
+        <a:lstStyle/>
+        <a:p>
+          <a:endParaRPr lang="ru-RU"/>
+        </a:p>
+      </dgm:t>
+    </dgm:pt>
+    <dgm:pt modelId="{EB0B0018-335B-4FAA-A84E-9C177381A061}" type="sibTrans" cxnId="{652A323A-5F9B-4BA6-83E6-57520FDBF010}">
+      <dgm:prSet/>
+      <dgm:spPr/>
+      <dgm:t>
+        <a:bodyPr/>
+        <a:lstStyle/>
+        <a:p>
+          <a:endParaRPr lang="ru-RU"/>
+        </a:p>
+      </dgm:t>
+    </dgm:pt>
+    <dgm:pt modelId="{077C8559-FFE8-47A9-A8F1-0B03F60FD0D2}" type="pres">
+      <dgm:prSet presAssocID="{7BC75F85-ECE2-409F-B5A8-176467AFCF14}" presName="cycle" presStyleCnt="0">
+        <dgm:presLayoutVars>
+          <dgm:chMax val="1"/>
+          <dgm:dir/>
+          <dgm:animLvl val="ctr"/>
+          <dgm:resizeHandles val="exact"/>
+        </dgm:presLayoutVars>
+      </dgm:prSet>
+      <dgm:spPr/>
+    </dgm:pt>
+    <dgm:pt modelId="{2AB0E042-8A5C-479B-B0E7-62403C6D1687}" type="pres">
+      <dgm:prSet presAssocID="{1746C91F-4B1F-4465-8175-98C05733A160}" presName="centerShape" presStyleLbl="node0" presStyleIdx="0" presStyleCnt="1"/>
+      <dgm:spPr/>
+    </dgm:pt>
+    <dgm:pt modelId="{BB1E94A0-5804-4B43-9360-E371ADA41282}" type="pres">
+      <dgm:prSet presAssocID="{119037E7-367B-4BFF-81C2-7B84EFC3B8DD}" presName="parTrans" presStyleLbl="bgSibTrans2D1" presStyleIdx="0" presStyleCnt="4"/>
+      <dgm:spPr/>
+    </dgm:pt>
+    <dgm:pt modelId="{78A56745-F5CC-455A-81AA-BB47AA406921}" type="pres">
+      <dgm:prSet presAssocID="{F5D6D4A5-34D2-43C5-AE6D-36E68EF94C99}" presName="node" presStyleLbl="node1" presStyleIdx="0" presStyleCnt="4">
+        <dgm:presLayoutVars>
+          <dgm:bulletEnabled val="1"/>
+        </dgm:presLayoutVars>
+      </dgm:prSet>
+      <dgm:spPr/>
+      <dgm:t>
+        <a:bodyPr/>
+        <a:lstStyle/>
+        <a:p>
+          <a:endParaRPr lang="ru-RU"/>
+        </a:p>
+      </dgm:t>
+    </dgm:pt>
+    <dgm:pt modelId="{26B48DFA-D4F4-40A8-80A3-8C01DB2C5213}" type="pres">
+      <dgm:prSet presAssocID="{9AF1024E-DD2A-4455-AAA2-03C0A76D35D4}" presName="parTrans" presStyleLbl="bgSibTrans2D1" presStyleIdx="1" presStyleCnt="4"/>
+      <dgm:spPr/>
+    </dgm:pt>
+    <dgm:pt modelId="{A42930F9-467B-44B9-9846-00B21B70EE2D}" type="pres">
+      <dgm:prSet presAssocID="{27356A8B-E80E-466D-A4B0-B3AEE2D62B7C}" presName="node" presStyleLbl="node1" presStyleIdx="1" presStyleCnt="4">
+        <dgm:presLayoutVars>
+          <dgm:bulletEnabled val="1"/>
+        </dgm:presLayoutVars>
+      </dgm:prSet>
+      <dgm:spPr/>
+    </dgm:pt>
+    <dgm:pt modelId="{8FCD3254-982B-4916-891C-275BF1D14115}" type="pres">
+      <dgm:prSet presAssocID="{9C5A01B0-D8B7-4D7E-8FB5-E2586C7FEBFC}" presName="parTrans" presStyleLbl="bgSibTrans2D1" presStyleIdx="2" presStyleCnt="4"/>
+      <dgm:spPr/>
+    </dgm:pt>
+    <dgm:pt modelId="{CD8C6F4E-C072-45FC-934B-46D50ACB01B1}" type="pres">
+      <dgm:prSet presAssocID="{BE11D951-3C1B-4DC3-A801-B178DAB2D39F}" presName="node" presStyleLbl="node1" presStyleIdx="2" presStyleCnt="4">
+        <dgm:presLayoutVars>
+          <dgm:bulletEnabled val="1"/>
+        </dgm:presLayoutVars>
+      </dgm:prSet>
+      <dgm:spPr/>
+      <dgm:t>
+        <a:bodyPr/>
+        <a:lstStyle/>
+        <a:p>
+          <a:endParaRPr lang="ru-RU"/>
+        </a:p>
+      </dgm:t>
+    </dgm:pt>
+    <dgm:pt modelId="{D77BE649-1BEA-4DDF-8B25-085177C1946B}" type="pres">
+      <dgm:prSet presAssocID="{4067613B-1207-4E98-84C1-E6E3ECC9B915}" presName="parTrans" presStyleLbl="bgSibTrans2D1" presStyleIdx="3" presStyleCnt="4"/>
+      <dgm:spPr/>
+    </dgm:pt>
+    <dgm:pt modelId="{CBFADEF7-5F44-4A16-B0D7-94E014C0862A}" type="pres">
+      <dgm:prSet presAssocID="{86908134-5176-4445-B54E-01F2400E2233}" presName="node" presStyleLbl="node1" presStyleIdx="3" presStyleCnt="4">
+        <dgm:presLayoutVars>
+          <dgm:bulletEnabled val="1"/>
+        </dgm:presLayoutVars>
+      </dgm:prSet>
+      <dgm:spPr/>
+      <dgm:t>
+        <a:bodyPr/>
+        <a:lstStyle/>
+        <a:p>
+          <a:endParaRPr lang="ru-RU"/>
+        </a:p>
+      </dgm:t>
+    </dgm:pt>
+  </dgm:ptLst>
+  <dgm:cxnLst>
+    <dgm:cxn modelId="{0B82AC6E-BB8F-4CBD-A0D0-27FA8984C44F}" srcId="{1746C91F-4B1F-4465-8175-98C05733A160}" destId="{27356A8B-E80E-466D-A4B0-B3AEE2D62B7C}" srcOrd="1" destOrd="0" parTransId="{9AF1024E-DD2A-4455-AAA2-03C0A76D35D4}" sibTransId="{95CEB554-DF26-4837-8C25-3FFD1A002FC9}"/>
+    <dgm:cxn modelId="{5CFB6E7E-73C1-418D-B512-2FBCAFCA002F}" type="presOf" srcId="{BE11D951-3C1B-4DC3-A801-B178DAB2D39F}" destId="{CD8C6F4E-C072-45FC-934B-46D50ACB01B1}" srcOrd="0" destOrd="0" presId="urn:microsoft.com/office/officeart/2005/8/layout/radial4"/>
+    <dgm:cxn modelId="{0BD2E077-294B-4E02-86DC-16B3E66D4454}" type="presOf" srcId="{9AF1024E-DD2A-4455-AAA2-03C0A76D35D4}" destId="{26B48DFA-D4F4-40A8-80A3-8C01DB2C5213}" srcOrd="0" destOrd="0" presId="urn:microsoft.com/office/officeart/2005/8/layout/radial4"/>
+    <dgm:cxn modelId="{B31E5606-9477-41B1-BE71-E683683672DE}" srcId="{1746C91F-4B1F-4465-8175-98C05733A160}" destId="{F5D6D4A5-34D2-43C5-AE6D-36E68EF94C99}" srcOrd="0" destOrd="0" parTransId="{119037E7-367B-4BFF-81C2-7B84EFC3B8DD}" sibTransId="{FC3DBBE2-1D70-4BF3-A74D-8D2088DDCF34}"/>
+    <dgm:cxn modelId="{2B96316D-03F0-43EB-8B15-97FAB0FC126B}" type="presOf" srcId="{27356A8B-E80E-466D-A4B0-B3AEE2D62B7C}" destId="{A42930F9-467B-44B9-9846-00B21B70EE2D}" srcOrd="0" destOrd="0" presId="urn:microsoft.com/office/officeart/2005/8/layout/radial4"/>
+    <dgm:cxn modelId="{652A323A-5F9B-4BA6-83E6-57520FDBF010}" srcId="{1746C91F-4B1F-4465-8175-98C05733A160}" destId="{86908134-5176-4445-B54E-01F2400E2233}" srcOrd="3" destOrd="0" parTransId="{4067613B-1207-4E98-84C1-E6E3ECC9B915}" sibTransId="{EB0B0018-335B-4FAA-A84E-9C177381A061}"/>
+    <dgm:cxn modelId="{153A6396-59B4-4B3B-90E9-2231CC957E18}" type="presOf" srcId="{119037E7-367B-4BFF-81C2-7B84EFC3B8DD}" destId="{BB1E94A0-5804-4B43-9360-E371ADA41282}" srcOrd="0" destOrd="0" presId="urn:microsoft.com/office/officeart/2005/8/layout/radial4"/>
+    <dgm:cxn modelId="{C5952CE0-19C7-41BC-AF58-EABA619A69C4}" type="presOf" srcId="{7BC75F85-ECE2-409F-B5A8-176467AFCF14}" destId="{077C8559-FFE8-47A9-A8F1-0B03F60FD0D2}" srcOrd="0" destOrd="0" presId="urn:microsoft.com/office/officeart/2005/8/layout/radial4"/>
+    <dgm:cxn modelId="{C23F8AE5-7C87-412D-A678-97175B3DB156}" srcId="{7BC75F85-ECE2-409F-B5A8-176467AFCF14}" destId="{1746C91F-4B1F-4465-8175-98C05733A160}" srcOrd="0" destOrd="0" parTransId="{9B9539AB-833A-4691-BB6B-64AD0CDE34A8}" sibTransId="{A40A5C8E-8FE2-435C-913B-4F8D7C3421E0}"/>
+    <dgm:cxn modelId="{182E32F2-395B-4D9C-9771-D1FE5CEA27E0}" type="presOf" srcId="{4067613B-1207-4E98-84C1-E6E3ECC9B915}" destId="{D77BE649-1BEA-4DDF-8B25-085177C1946B}" srcOrd="0" destOrd="0" presId="urn:microsoft.com/office/officeart/2005/8/layout/radial4"/>
+    <dgm:cxn modelId="{EDD98F7F-27BD-403A-A852-4F3CB424B0D8}" type="presOf" srcId="{86908134-5176-4445-B54E-01F2400E2233}" destId="{CBFADEF7-5F44-4A16-B0D7-94E014C0862A}" srcOrd="0" destOrd="0" presId="urn:microsoft.com/office/officeart/2005/8/layout/radial4"/>
+    <dgm:cxn modelId="{87EF7C4F-AFBA-4347-8586-88E7E79127AC}" type="presOf" srcId="{F5D6D4A5-34D2-43C5-AE6D-36E68EF94C99}" destId="{78A56745-F5CC-455A-81AA-BB47AA406921}" srcOrd="0" destOrd="0" presId="urn:microsoft.com/office/officeart/2005/8/layout/radial4"/>
+    <dgm:cxn modelId="{B56EDF69-42AB-4E19-AC19-F84F0696B2D6}" srcId="{1746C91F-4B1F-4465-8175-98C05733A160}" destId="{BE11D951-3C1B-4DC3-A801-B178DAB2D39F}" srcOrd="2" destOrd="0" parTransId="{9C5A01B0-D8B7-4D7E-8FB5-E2586C7FEBFC}" sibTransId="{10D67A31-9E69-40AC-A22F-115FA30830BF}"/>
+    <dgm:cxn modelId="{899CB0F8-55C6-4429-A696-46B0EE908DE7}" type="presOf" srcId="{1746C91F-4B1F-4465-8175-98C05733A160}" destId="{2AB0E042-8A5C-479B-B0E7-62403C6D1687}" srcOrd="0" destOrd="0" presId="urn:microsoft.com/office/officeart/2005/8/layout/radial4"/>
+    <dgm:cxn modelId="{5492F091-7A7E-42D6-BD85-668A1FE0C8A3}" type="presOf" srcId="{9C5A01B0-D8B7-4D7E-8FB5-E2586C7FEBFC}" destId="{8FCD3254-982B-4916-891C-275BF1D14115}" srcOrd="0" destOrd="0" presId="urn:microsoft.com/office/officeart/2005/8/layout/radial4"/>
+    <dgm:cxn modelId="{BC707669-5402-40EE-9A55-C5101B39E8DF}" type="presParOf" srcId="{077C8559-FFE8-47A9-A8F1-0B03F60FD0D2}" destId="{2AB0E042-8A5C-479B-B0E7-62403C6D1687}" srcOrd="0" destOrd="0" presId="urn:microsoft.com/office/officeart/2005/8/layout/radial4"/>
+    <dgm:cxn modelId="{8132A77A-1E92-4CD2-AA92-38A4BF59E569}" type="presParOf" srcId="{077C8559-FFE8-47A9-A8F1-0B03F60FD0D2}" destId="{BB1E94A0-5804-4B43-9360-E371ADA41282}" srcOrd="1" destOrd="0" presId="urn:microsoft.com/office/officeart/2005/8/layout/radial4"/>
+    <dgm:cxn modelId="{DAC280CB-A0AC-4EDA-9171-1E11B99D0C58}" type="presParOf" srcId="{077C8559-FFE8-47A9-A8F1-0B03F60FD0D2}" destId="{78A56745-F5CC-455A-81AA-BB47AA406921}" srcOrd="2" destOrd="0" presId="urn:microsoft.com/office/officeart/2005/8/layout/radial4"/>
+    <dgm:cxn modelId="{392E5504-4130-4A2E-8973-E722683A3011}" type="presParOf" srcId="{077C8559-FFE8-47A9-A8F1-0B03F60FD0D2}" destId="{26B48DFA-D4F4-40A8-80A3-8C01DB2C5213}" srcOrd="3" destOrd="0" presId="urn:microsoft.com/office/officeart/2005/8/layout/radial4"/>
+    <dgm:cxn modelId="{E26EEA10-ADE0-4B91-A132-4A6600798AB7}" type="presParOf" srcId="{077C8559-FFE8-47A9-A8F1-0B03F60FD0D2}" destId="{A42930F9-467B-44B9-9846-00B21B70EE2D}" srcOrd="4" destOrd="0" presId="urn:microsoft.com/office/officeart/2005/8/layout/radial4"/>
+    <dgm:cxn modelId="{C8517398-3650-44B6-8559-871C04F38218}" type="presParOf" srcId="{077C8559-FFE8-47A9-A8F1-0B03F60FD0D2}" destId="{8FCD3254-982B-4916-891C-275BF1D14115}" srcOrd="5" destOrd="0" presId="urn:microsoft.com/office/officeart/2005/8/layout/radial4"/>
+    <dgm:cxn modelId="{136E920F-05C7-4084-88BA-DB8878EC6DAA}" type="presParOf" srcId="{077C8559-FFE8-47A9-A8F1-0B03F60FD0D2}" destId="{CD8C6F4E-C072-45FC-934B-46D50ACB01B1}" srcOrd="6" destOrd="0" presId="urn:microsoft.com/office/officeart/2005/8/layout/radial4"/>
+    <dgm:cxn modelId="{6692F5BB-00AC-4D3C-B48D-B5138B7E2883}" type="presParOf" srcId="{077C8559-FFE8-47A9-A8F1-0B03F60FD0D2}" destId="{D77BE649-1BEA-4DDF-8B25-085177C1946B}" srcOrd="7" destOrd="0" presId="urn:microsoft.com/office/officeart/2005/8/layout/radial4"/>
+    <dgm:cxn modelId="{18CB5D60-72AB-4C01-9717-45CDAABD6741}" type="presParOf" srcId="{077C8559-FFE8-47A9-A8F1-0B03F60FD0D2}" destId="{CBFADEF7-5F44-4A16-B0D7-94E014C0862A}" srcOrd="8" destOrd="0" presId="urn:microsoft.com/office/officeart/2005/8/layout/radial4"/>
+  </dgm:cxnLst>
+  <dgm:bg/>
+  <dgm:whole/>
+</dgm:dataModel>
+</file>
+
+<file path=ppt/diagrams/layout1.xml><?xml version="1.0" encoding="utf-8"?>
+<dgm:layoutDef xmlns:dgm="http://schemas.openxmlformats.org/drawingml/2006/diagram" xmlns:a="http://schemas.openxmlformats.org/drawingml/2006/main" uniqueId="urn:microsoft.com/office/officeart/2005/8/layout/radial4">
+  <dgm:title val=""/>
+  <dgm:desc val=""/>
+  <dgm:catLst>
+    <dgm:cat type="relationship" pri="19000"/>
+  </dgm:catLst>
+  <dgm:sampData>
+    <dgm:dataModel>
+      <dgm:ptLst>
+        <dgm:pt modelId="0" type="doc"/>
+        <dgm:pt modelId="1">
+          <dgm:prSet phldr="1"/>
+        </dgm:pt>
+        <dgm:pt modelId="11">
+          <dgm:prSet phldr="1"/>
+        </dgm:pt>
+        <dgm:pt modelId="12">
+          <dgm:prSet phldr="1"/>
+        </dgm:pt>
+        <dgm:pt modelId="13">
+          <dgm:prSet phldr="1"/>
+        </dgm:pt>
+      </dgm:ptLst>
+      <dgm:cxnLst>
+        <dgm:cxn modelId="2" srcId="0" destId="1" srcOrd="0" destOrd="0"/>
+        <dgm:cxn modelId="3" srcId="1" destId="11" srcOrd="0" destOrd="0"/>
+        <dgm:cxn modelId="4" srcId="1" destId="12" srcOrd="1" destOrd="0"/>
+        <dgm:cxn modelId="5" srcId="1" destId="13" srcOrd="2" destOrd="0"/>
+      </dgm:cxnLst>
+      <dgm:bg/>
+      <dgm:whole/>
+    </dgm:dataModel>
+  </dgm:sampData>
+  <dgm:styleData>
+    <dgm:dataModel>
+      <dgm:ptLst>
+        <dgm:pt modelId="0" type="doc"/>
+        <dgm:pt modelId="1"/>
+        <dgm:pt modelId="11"/>
+        <dgm:pt modelId="12"/>
+      </dgm:ptLst>
+      <dgm:cxnLst>
+        <dgm:cxn modelId="2" srcId="0" destId="1" srcOrd="0" destOrd="0"/>
+        <dgm:cxn modelId="15" srcId="1" destId="11" srcOrd="0" destOrd="0"/>
+        <dgm:cxn modelId="16" srcId="1" destId="12" srcOrd="1" destOrd="0"/>
+      </dgm:cxnLst>
+      <dgm:bg/>
+      <dgm:whole/>
+    </dgm:dataModel>
+  </dgm:styleData>
+  <dgm:clrData>
+    <dgm:dataModel>
+      <dgm:ptLst>
+        <dgm:pt modelId="0" type="doc"/>
+        <dgm:pt modelId="1"/>
+        <dgm:pt modelId="11"/>
+        <dgm:pt modelId="12"/>
+        <dgm:pt modelId="13"/>
+        <dgm:pt modelId="14"/>
+        <dgm:pt modelId="15"/>
+        <dgm:pt modelId="16"/>
+      </dgm:ptLst>
+      <dgm:cxnLst>
+        <dgm:cxn modelId="2" srcId="0" destId="1" srcOrd="0" destOrd="0"/>
+        <dgm:cxn modelId="16" srcId="1" destId="11" srcOrd="0" destOrd="0"/>
+        <dgm:cxn modelId="17" srcId="1" destId="12" srcOrd="1" destOrd="0"/>
+        <dgm:cxn modelId="18" srcId="1" destId="13" srcOrd="2" destOrd="0"/>
+        <dgm:cxn modelId="19" srcId="1" destId="14" srcOrd="3" destOrd="0"/>
+        <dgm:cxn modelId="20" srcId="1" destId="15" srcOrd="4" destOrd="0"/>
+        <dgm:cxn modelId="21" srcId="1" destId="16" srcOrd="5" destOrd="0"/>
+      </dgm:cxnLst>
+      <dgm:bg/>
+      <dgm:whole/>
+    </dgm:dataModel>
+  </dgm:clrData>
+  <dgm:layoutNode name="cycle">
+    <dgm:varLst>
+      <dgm:chMax val="1"/>
+      <dgm:dir/>
+      <dgm:animLvl val="ctr"/>
+      <dgm:resizeHandles val="exact"/>
+    </dgm:varLst>
+    <dgm:choose name="Name0">
+      <dgm:if name="Name1" func="var" arg="dir" op="equ" val="norm">
+        <dgm:choose name="Name2">
+          <dgm:if name="Name3" axis="ch ch" ptType="node node" st="1 1" cnt="1 0" func="cnt" op="lte" val="1">
+            <dgm:alg type="cycle">
+              <dgm:param type="stAng" val="0"/>
+              <dgm:param type="spanAng" val="360"/>
+              <dgm:param type="ctrShpMap" val="fNode"/>
+            </dgm:alg>
+          </dgm:if>
+          <dgm:else name="Name4">
+            <dgm:choose name="Name5">
+              <dgm:if name="Name6" axis="ch ch" ptType="node node" st="1 1" cnt="1 0" func="cnt" op="lte" val="3">
+                <dgm:alg type="cycle">
+                  <dgm:param type="stAng" val="-55"/>
+                  <dgm:param type="spanAng" val="110"/>
+                  <dgm:param type="ctrShpMap" val="fNode"/>
+                </dgm:alg>
+              </dgm:if>
+              <dgm:else name="Name7">
+                <dgm:choose name="Name8">
+                  <dgm:if name="Name9" axis="ch ch" ptType="node node" st="1 1" cnt="1 0" func="cnt" op="equ" val="4">
+                    <dgm:alg type="cycle">
+                      <dgm:param type="stAng" val="-75"/>
+                      <dgm:param type="spanAng" val="150"/>
+                      <dgm:param type="ctrShpMap" val="fNode"/>
+                    </dgm:alg>
+                  </dgm:if>
+                  <dgm:else name="Name10">
+                    <dgm:alg type="cycle">
+                      <dgm:param type="stAng" val="-90"/>
+                      <dgm:param type="spanAng" val="180"/>
+                      <dgm:param type="ctrShpMap" val="fNode"/>
+                    </dgm:alg>
+                  </dgm:else>
+                </dgm:choose>
+              </dgm:else>
+            </dgm:choose>
+          </dgm:else>
+        </dgm:choose>
+      </dgm:if>
+      <dgm:else name="Name11">
+        <dgm:choose name="Name12">
+          <dgm:if name="Name13" axis="ch ch" ptType="node node" st="1 1" cnt="1 0" func="cnt" op="lte" val="1">
+            <dgm:alg type="cycle">
+              <dgm:param type="stAng" val="0"/>
+              <dgm:param type="spanAng" val="-360"/>
+              <dgm:param type="ctrShpMap" val="fNode"/>
+            </dgm:alg>
+          </dgm:if>
+          <dgm:else name="Name14">
+            <dgm:choose name="Name15">
+              <dgm:if name="Name16" axis="ch ch" ptType="node node" st="1 1" cnt="1 0" func="cnt" op="lte" val="3">
+                <dgm:alg type="cycle">
+                  <dgm:param type="stAng" val="55"/>
+                  <dgm:param type="spanAng" val="-110"/>
+                  <dgm:param type="ctrShpMap" val="fNode"/>
+                </dgm:alg>
+              </dgm:if>
+              <dgm:else name="Name17">
+                <dgm:choose name="Name18">
+                  <dgm:if name="Name19" axis="ch ch" ptType="node node" st="1 1" cnt="1 0" func="cnt" op="equ" val="4">
+                    <dgm:alg type="cycle">
+                      <dgm:param type="stAng" val="75"/>
+                      <dgm:param type="spanAng" val="-150"/>
+                      <dgm:param type="ctrShpMap" val="fNode"/>
+                    </dgm:alg>
+                  </dgm:if>
+                  <dgm:else name="Name20">
+                    <dgm:alg type="cycle">
+                      <dgm:param type="stAng" val="90"/>
+                      <dgm:param type="spanAng" val="-180"/>
+                      <dgm:param type="ctrShpMap" val="fNode"/>
+                    </dgm:alg>
+                  </dgm:else>
+                </dgm:choose>
+              </dgm:else>
+            </dgm:choose>
+          </dgm:else>
+        </dgm:choose>
+      </dgm:else>
+    </dgm:choose>
+    <dgm:shape xmlns:r="http://schemas.openxmlformats.org/officeDocument/2006/relationships" r:blip="">
+      <dgm:adjLst/>
+    </dgm:shape>
+    <dgm:presOf/>
+    <dgm:constrLst>
+      <dgm:constr type="w" for="ch" forName="centerShape" refType="w"/>
+      <dgm:constr type="w" for="ch" forName="node" refType="w" refFor="ch" refForName="centerShape" fact="0.95"/>
+      <dgm:constr type="h" for="ch" forName="parTrans" refType="w" refFor="ch" refForName="centerShape" fact="0.285"/>
+      <dgm:constr type="sp" refType="w" refFor="ch" refForName="centerShape" op="equ" fact="0.23"/>
+      <dgm:constr type="sibSp" refType="w" refFor="ch" refForName="node" fact="0.1"/>
+      <dgm:constr type="primFontSz" for="ch" forName="node" op="equ"/>
+    </dgm:constrLst>
+    <dgm:choose name="Name21">
+      <dgm:if name="Name22" axis="ch ch" ptType="node node" st="1 1" cnt="1 0" func="cnt" op="lte" val="5">
+        <dgm:ruleLst>
+          <dgm:rule type="w" for="ch" forName="centerShape" val="NaN" fact="0.27" max="NaN"/>
+        </dgm:ruleLst>
+      </dgm:if>
+      <dgm:else name="Name23">
+        <dgm:ruleLst>
+          <dgm:rule type="w" for="ch" forName="centerShape" val="NaN" fact="0.27" max="NaN"/>
+          <dgm:rule type="w" for="ch" forName="node" val="NaN" fact="0.7" max="NaN"/>
+        </dgm:ruleLst>
+      </dgm:else>
+    </dgm:choose>
+    <dgm:forEach name="Name24" axis="ch" ptType="node" cnt="1">
+      <dgm:layoutNode name="centerShape" styleLbl="node0">
+        <dgm:alg type="tx"/>
+        <dgm:shape xmlns:r="http://schemas.openxmlformats.org/officeDocument/2006/relationships" type="ellipse" r:blip="">
+          <dgm:adjLst/>
+        </dgm:shape>
+        <dgm:presOf axis="self"/>
+        <dgm:constrLst>
+          <dgm:constr type="tMarg" refType="primFontSz" fact="0.05"/>
+          <dgm:constr type="bMarg" refType="primFontSz" fact="0.05"/>
+          <dgm:constr type="lMarg" refType="primFontSz" fact="0.05"/>
+          <dgm:constr type="rMarg" refType="primFontSz" fact="0.05"/>
+          <dgm:constr type="primFontSz" val="65"/>
+          <dgm:constr type="h" refType="w"/>
+        </dgm:constrLst>
+        <dgm:ruleLst>
+          <dgm:rule type="primFontSz" val="5" fact="NaN" max="NaN"/>
+        </dgm:ruleLst>
+      </dgm:layoutNode>
+      <dgm:forEach name="Name25" axis="ch">
+        <dgm:forEach name="Name26" axis="self" ptType="parTrans">
+          <dgm:layoutNode name="parTrans" styleLbl="bgSibTrans2D1">
+            <dgm:alg type="conn">
+              <dgm:param type="begPts" val="auto"/>
+              <dgm:param type="endPts" val="ctr"/>
+              <dgm:param type="endSty" val="noArr"/>
+              <dgm:param type="begSty" val="arr"/>
+            </dgm:alg>
+            <dgm:shape xmlns:r="http://schemas.openxmlformats.org/officeDocument/2006/relationships" type="conn" r:blip="">
+              <dgm:adjLst/>
+            </dgm:shape>
+            <dgm:presOf axis="self"/>
+            <dgm:constrLst>
+              <dgm:constr type="begPad" refType="connDist" fact="0.055"/>
+              <dgm:constr type="endPad"/>
+            </dgm:constrLst>
+            <dgm:ruleLst/>
+          </dgm:layoutNode>
+        </dgm:forEach>
+        <dgm:forEach name="Name27" axis="self" ptType="node">
+          <dgm:layoutNode name="node" styleLbl="node1">
+            <dgm:varLst>
+              <dgm:bulletEnabled val="1"/>
+            </dgm:varLst>
+            <dgm:alg type="tx"/>
+            <dgm:shape xmlns:r="http://schemas.openxmlformats.org/officeDocument/2006/relationships" type="roundRect" r:blip="">
+              <dgm:adjLst>
+                <dgm:adj idx="1" val="0.1"/>
+              </dgm:adjLst>
+            </dgm:shape>
+            <dgm:presOf axis="desOrSelf" ptType="node"/>
+            <dgm:constrLst>
+              <dgm:constr type="primFontSz" val="65"/>
+              <dgm:constr type="h" refType="w" fact="0.8"/>
+              <dgm:constr type="tMarg" refType="primFontSz" fact="0.15"/>
+              <dgm:constr type="bMarg" refType="primFontSz" fact="0.15"/>
+              <dgm:constr type="lMarg" refType="primFontSz" fact="0.15"/>
+              <dgm:constr type="rMarg" refType="primFontSz" fact="0.15"/>
+            </dgm:constrLst>
+            <dgm:ruleLst>
+              <dgm:rule type="primFontSz" val="5" fact="NaN" max="NaN"/>
+            </dgm:ruleLst>
+          </dgm:layoutNode>
+        </dgm:forEach>
+      </dgm:forEach>
+    </dgm:forEach>
+  </dgm:layoutNode>
+</dgm:layoutDef>
+</file>
+
+<file path=ppt/diagrams/quickStyle1.xml><?xml version="1.0" encoding="utf-8"?>
+<dgm:styleDef xmlns:dgm="http://schemas.openxmlformats.org/drawingml/2006/diagram" xmlns:a="http://schemas.openxmlformats.org/drawingml/2006/main" uniqueId="urn:microsoft.com/office/officeart/2005/8/quickstyle/simple1">
+  <dgm:title val=""/>
+  <dgm:desc val=""/>
+  <dgm:catLst>
+    <dgm:cat type="simple" pri="10100"/>
+  </dgm:catLst>
+  <dgm:scene3d>
+    <a:camera prst="orthographicFront"/>
+    <a:lightRig rig="threePt" dir="t"/>
+  </dgm:scene3d>
+  <dgm:styleLbl name="node0">
+    <dgm:scene3d>
+      <a:camera prst="orthographicFront"/>
+      <a:lightRig rig="threePt" dir="t"/>
+    </dgm:scene3d>
+    <dgm:sp3d/>
+    <dgm:txPr/>
+    <dgm:style>
+      <a:lnRef idx="2">
+        <a:scrgbClr r="0" g="0" b="0"/>
+      </a:lnRef>
+      <a:fillRef idx="1">
+        <a:scrgbClr r="0" g="0" b="0"/>
+      </a:fillRef>
+      <a:effectRef idx="0">
+        <a:scrgbClr r="0" g="0" b="0"/>
+      </a:effectRef>
+      <a:fontRef idx="minor">
+        <a:schemeClr val="lt1"/>
+      </a:fontRef>
+    </dgm:style>
+  </dgm:styleLbl>
+  <dgm:styleLbl name="lnNode1">
+    <dgm:scene3d>
+      <a:camera prst="orthographicFront"/>
+      <a:lightRig rig="threePt" dir="t"/>
+    </dgm:scene3d>
+    <dgm:sp3d/>
+    <dgm:txPr/>
+    <dgm:style>
+      <a:lnRef idx="2">
+        <a:scrgbClr r="0" g="0" b="0"/>
+      </a:lnRef>
+      <a:fillRef idx="1">
+        <a:scrgbClr r="0" g="0" b="0"/>
+      </a:fillRef>
+      <a:effectRef idx="0">
+        <a:scrgbClr r="0" g="0" b="0"/>
+      </a:effectRef>
+      <a:fontRef idx="minor">
+        <a:schemeClr val="lt1"/>
+      </a:fontRef>
+    </dgm:style>
+  </dgm:styleLbl>
+  <dgm:styleLbl name="vennNode1">
+    <dgm:scene3d>
+      <a:camera prst="orthographicFront"/>
+      <a:lightRig rig="threePt" dir="t"/>
+    </dgm:scene3d>
+    <dgm:sp3d/>
+    <dgm:txPr/>
+    <dgm:style>
+      <a:lnRef idx="2">
+        <a:scrgbClr r="0" g="0" b="0"/>
+      </a:lnRef>
+      <a:fillRef idx="1">
+        <a:scrgbClr r="0" g="0" b="0"/>
+      </a:fillRef>
+      <a:effectRef idx="0">
+        <a:scrgbClr r="0" g="0" b="0"/>
+      </a:effectRef>
+      <a:fontRef idx="minor">
+        <a:schemeClr val="tx1"/>
+      </a:fontRef>
+    </dgm:style>
+  </dgm:styleLbl>
+  <dgm:styleLbl name="alignNode1">
+    <dgm:scene3d>
+      <a:camera prst="orthographicFront"/>
+      <a:lightRig rig="threePt" dir="t"/>
+    </dgm:scene3d>
+    <dgm:sp3d/>
+    <dgm:txPr/>
+    <dgm:style>
+      <a:lnRef idx="2">
+        <a:scrgbClr r="0" g="0" b="0"/>
+      </a:lnRef>
+      <a:fillRef idx="1">
+        <a:scrgbClr r="0" g="0" b="0"/>
+      </a:fillRef>
+      <a:effectRef idx="0">
+        <a:scrgbClr r="0" g="0" b="0"/>
+      </a:effectRef>
+      <a:fontRef idx="minor">
+        <a:schemeClr val="lt1"/>
+      </a:fontRef>
+    </dgm:style>
+  </dgm:styleLbl>
+  <dgm:styleLbl name="node1">
+    <dgm:scene3d>
+      <a:camera prst="orthographicFront"/>
+      <a:lightRig rig="threePt" dir="t"/>
+    </dgm:scene3d>
+    <dgm:sp3d/>
+    <dgm:txPr/>
+    <dgm:style>
+      <a:lnRef idx="2">
+        <a:scrgbClr r="0" g="0" b="0"/>
+      </a:lnRef>
+      <a:fillRef idx="1">
+        <a:scrgbClr r="0" g="0" b="0"/>
+      </a:fillRef>
+      <a:effectRef idx="0">
+        <a:scrgbClr r="0" g="0" b="0"/>
+      </a:effectRef>
+      <a:fontRef idx="minor">
+        <a:schemeClr val="lt1"/>
+      </a:fontRef>
+    </dgm:style>
+  </dgm:styleLbl>
+  <dgm:styleLbl name="node2">
+    <dgm:scene3d>
+      <a:camera prst="orthographicFront"/>
+      <a:lightRig rig="threePt" dir="t"/>
+    </dgm:scene3d>
+    <dgm:sp3d/>
+    <dgm:txPr/>
+    <dgm:style>
+      <a:lnRef idx="2">
+        <a:scrgbClr r="0" g="0" b="0"/>
+      </a:lnRef>
+      <a:fillRef idx="1">
+        <a:scrgbClr r="0" g="0" b="0"/>
+      </a:fillRef>
+      <a:effectRef idx="0">
+        <a:scrgbClr r="0" g="0" b="0"/>
+      </a:effectRef>
+      <a:fontRef idx="minor">
+        <a:schemeClr val="lt1"/>
+      </a:fontRef>
+    </dgm:style>
+  </dgm:styleLbl>
+  <dgm:styleLbl name="node3">
+    <dgm:scene3d>
+      <a:camera prst="orthographicFront"/>
+      <a:lightRig rig="threePt" dir="t"/>
+    </dgm:scene3d>
+    <dgm:sp3d/>
+    <dgm:txPr/>
+    <dgm:style>
+      <a:lnRef idx="2">
+        <a:scrgbClr r="0" g="0" b="0"/>
+      </a:lnRef>
+      <a:fillRef idx="1">
+        <a:scrgbClr r="0" g="0" b="0"/>
+      </a:fillRef>
+      <a:effectRef idx="0">
+        <a:scrgbClr r="0" g="0" b="0"/>
+      </a:effectRef>
+      <a:fontRef idx="minor">
+        <a:schemeClr val="lt1"/>
+      </a:fontRef>
+    </dgm:style>
+  </dgm:styleLbl>
+  <dgm:styleLbl name="node4">
+    <dgm:scene3d>
+      <a:camera prst="orthographicFront"/>
+      <a:lightRig rig="threePt" dir="t"/>
+    </dgm:scene3d>
+    <dgm:sp3d/>
+    <dgm:txPr/>
+    <dgm:style>
+      <a:lnRef idx="2">
+        <a:scrgbClr r="0" g="0" b="0"/>
+      </a:lnRef>
+      <a:fillRef idx="1">
+        <a:scrgbClr r="0" g="0" b="0"/>
+      </a:fillRef>
+      <a:effectRef idx="0">
+        <a:scrgbClr r="0" g="0" b="0"/>
+      </a:effectRef>
+      <a:fontRef idx="minor">
+        <a:schemeClr val="lt1"/>
+      </a:fontRef>
+    </dgm:style>
+  </dgm:styleLbl>
+  <dgm:styleLbl name="fgImgPlace1">
+    <dgm:scene3d>
+      <a:camera prst="orthographicFront"/>
+      <a:lightRig rig="threePt" dir="t"/>
+    </dgm:scene3d>
+    <dgm:sp3d/>
+    <dgm:txPr/>
+    <dgm:style>
+      <a:lnRef idx="2">
+        <a:scrgbClr r="0" g="0" b="0"/>
+      </a:lnRef>
+      <a:fillRef idx="1">
+        <a:scrgbClr r="0" g="0" b="0"/>
+      </a:fillRef>
+      <a:effectRef idx="0">
+        <a:scrgbClr r="0" g="0" b="0"/>
+      </a:effectRef>
+      <a:fontRef idx="minor"/>
+    </dgm:style>
+  </dgm:styleLbl>
+  <dgm:styleLbl name="alignImgPlace1">
+    <dgm:scene3d>
+      <a:camera prst="orthographicFront"/>
+      <a:lightRig rig="threePt" dir="t"/>
+    </dgm:scene3d>
+    <dgm:sp3d/>
+    <dgm:txPr/>
+    <dgm:style>
+      <a:lnRef idx="2">
+        <a:scrgbClr r="0" g="0" b="0"/>
+      </a:lnRef>
+      <a:fillRef idx="1">
+        <a:scrgbClr r="0" g="0" b="0"/>
+      </a:fillRef>
+      <a:effectRef idx="0">
+        <a:scrgbClr r="0" g="0" b="0"/>
+      </a:effectRef>
+      <a:fontRef idx="minor"/>
+    </dgm:style>
+  </dgm:styleLbl>
+  <dgm:styleLbl name="bgImgPlace1">
+    <dgm:scene3d>
+      <a:camera prst="orthographicFront"/>
+      <a:lightRig rig="threePt" dir="t"/>
+    </dgm:scene3d>
+    <dgm:sp3d/>
+    <dgm:txPr/>
+    <dgm:style>
+      <a:lnRef idx="2">
+        <a:scrgbClr r="0" g="0" b="0"/>
+      </a:lnRef>
+      <a:fillRef idx="1">
+        <a:scrgbClr r="0" g="0" b="0"/>
+      </a:fillRef>
+      <a:effectRef idx="0">
+        <a:scrgbClr r="0" g="0" b="0"/>
+      </a:effectRef>
+      <a:fontRef idx="minor"/>
+    </dgm:style>
+  </dgm:styleLbl>
+  <dgm:styleLbl name="sibTrans2D1">
+    <dgm:scene3d>
+      <a:camera prst="orthographicFront"/>
+      <a:lightRig rig="threePt" dir="t"/>
+    </dgm:scene3d>
+    <dgm:sp3d/>
+    <dgm:txPr/>
+    <dgm:style>
+      <a:lnRef idx="0">
+        <a:scrgbClr r="0" g="0" b="0"/>
+      </a:lnRef>
+      <a:fillRef idx="1">
+        <a:scrgbClr r="0" g="0" b="0"/>
+      </a:fillRef>
+      <a:effectRef idx="0">
+        <a:scrgbClr r="0" g="0" b="0"/>
+      </a:effectRef>
+      <a:fontRef idx="minor">
+        <a:schemeClr val="lt1"/>
+      </a:fontRef>
+    </dgm:style>
+  </dgm:styleLbl>
+  <dgm:styleLbl name="fgSibTrans2D1">
+    <dgm:scene3d>
+      <a:camera prst="orthographicFront"/>
+      <a:lightRig rig="threePt" dir="t"/>
+    </dgm:scene3d>
+    <dgm:sp3d/>
+    <dgm:txPr/>
+    <dgm:style>
+      <a:lnRef idx="0">
+        <a:scrgbClr r="0" g="0" b="0"/>
+      </a:lnRef>
+      <a:fillRef idx="1">
+        <a:scrgbClr r="0" g="0" b="0"/>
+      </a:fillRef>
+      <a:effectRef idx="0">
+        <a:scrgbClr r="0" g="0" b="0"/>
+      </a:effectRef>
+      <a:fontRef idx="minor">
+        <a:schemeClr val="lt1"/>
+      </a:fontRef>
+    </dgm:style>
+  </dgm:styleLbl>
+  <dgm:styleLbl name="bgSibTrans2D1">
+    <dgm:scene3d>
+      <a:camera prst="orthographicFront"/>
+      <a:lightRig rig="threePt" dir="t"/>
+    </dgm:scene3d>
+    <dgm:sp3d/>
+    <dgm:txPr/>
+    <dgm:style>
+      <a:lnRef idx="0">
+        <a:scrgbClr r="0" g="0" b="0"/>
+      </a:lnRef>
+      <a:fillRef idx="1">
+        <a:scrgbClr r="0" g="0" b="0"/>
+      </a:fillRef>
+      <a:effectRef idx="0">
+        <a:scrgbClr r="0" g="0" b="0"/>
+      </a:effectRef>
+      <a:fontRef idx="minor">
+        <a:schemeClr val="lt1"/>
+      </a:fontRef>
+    </dgm:style>
+  </dgm:styleLbl>
+  <dgm:styleLbl name="sibTrans1D1">
+    <dgm:scene3d>
+      <a:camera prst="orthographicFront"/>
+      <a:lightRig rig="threePt" dir="t"/>
+    </dgm:scene3d>
+    <dgm:sp3d/>
+    <dgm:txPr/>
+    <dgm:style>
+      <a:lnRef idx="1">
+        <a:scrgbClr r="0" g="0" b="0"/>
+      </a:lnRef>
+      <a:fillRef idx="0">
+        <a:scrgbClr r="0" g="0" b="0"/>
+      </a:fillRef>
+      <a:effectRef idx="0">
+        <a:scrgbClr r="0" g="0" b="0"/>
+      </a:effectRef>
+      <a:fontRef idx="minor"/>
+    </dgm:style>
+  </dgm:styleLbl>
+  <dgm:styleLbl name="callout">
+    <dgm:scene3d>
+      <a:camera prst="orthographicFront"/>
+      <a:lightRig rig="threePt" dir="t"/>
+    </dgm:scene3d>
+    <dgm:sp3d/>
+    <dgm:txPr/>
+    <dgm:style>
+      <a:lnRef idx="2">
+        <a:scrgbClr r="0" g="0" b="0"/>
+      </a:lnRef>
+      <a:fillRef idx="1">
+        <a:scrgbClr r="0" g="0" b="0"/>
+      </a:fillRef>
+      <a:effectRef idx="0">
+        <a:scrgbClr r="0" g="0" b="0"/>
+      </a:effectRef>
+      <a:fontRef idx="minor"/>
+    </dgm:style>
+  </dgm:styleLbl>
+  <dgm:styleLbl name="asst0">
+    <dgm:scene3d>
+      <a:camera prst="orthographicFront"/>
+      <a:lightRig rig="threePt" dir="t"/>
+    </dgm:scene3d>
+    <dgm:sp3d/>
+    <dgm:txPr/>
+    <dgm:style>
+      <a:lnRef idx="2">
+        <a:scrgbClr r="0" g="0" b="0"/>
+      </a:lnRef>
+      <a:fillRef idx="1">
+        <a:scrgbClr r="0" g="0" b="0"/>
+      </a:fillRef>
+      <a:effectRef idx="0">
+        <a:scrgbClr r="0" g="0" b="0"/>
+      </a:effectRef>
+      <a:fontRef idx="minor">
+        <a:schemeClr val="lt1"/>
+      </a:fontRef>
+    </dgm:style>
+  </dgm:styleLbl>
+  <dgm:styleLbl name="asst1">
+    <dgm:scene3d>
+      <a:camera prst="orthographicFront"/>
+      <a:lightRig rig="threePt" dir="t"/>
+    </dgm:scene3d>
+    <dgm:sp3d/>
+    <dgm:txPr/>
+    <dgm:style>
+      <a:lnRef idx="2">
+        <a:scrgbClr r="0" g="0" b="0"/>
+      </a:lnRef>
+      <a:fillRef idx="1">
+        <a:scrgbClr r="0" g="0" b="0"/>
+      </a:fillRef>
+      <a:effectRef idx="0">
+        <a:scrgbClr r="0" g="0" b="0"/>
+      </a:effectRef>
+      <a:fontRef idx="minor">
+        <a:schemeClr val="lt1"/>
+      </a:fontRef>
+    </dgm:style>
+  </dgm:styleLbl>
+  <dgm:styleLbl name="asst2">
+    <dgm:scene3d>
+      <a:camera prst="orthographicFront"/>
+      <a:lightRig rig="threePt" dir="t"/>
+    </dgm:scene3d>
+    <dgm:sp3d/>
+    <dgm:txPr/>
+    <dgm:style>
+      <a:lnRef idx="2">
+        <a:scrgbClr r="0" g="0" b="0"/>
+      </a:lnRef>
+      <a:fillRef idx="1">
+        <a:scrgbClr r="0" g="0" b="0"/>
+      </a:fillRef>
+      <a:effectRef idx="0">
+        <a:scrgbClr r="0" g="0" b="0"/>
+      </a:effectRef>
+      <a:fontRef idx="minor">
+        <a:schemeClr val="lt1"/>
+      </a:fontRef>
+    </dgm:style>
+  </dgm:styleLbl>
+  <dgm:styleLbl name="asst3">
+    <dgm:scene3d>
+      <a:camera prst="orthographicFront"/>
+      <a:lightRig rig="threePt" dir="t"/>
+    </dgm:scene3d>
+    <dgm:sp3d/>
+    <dgm:txPr/>
+    <dgm:style>
+      <a:lnRef idx="2">
+        <a:scrgbClr r="0" g="0" b="0"/>
+      </a:lnRef>
+      <a:fillRef idx="1">
+        <a:scrgbClr r="0" g="0" b="0"/>
+      </a:fillRef>
+      <a:effectRef idx="0">
+        <a:scrgbClr r="0" g="0" b="0"/>
+      </a:effectRef>
+      <a:fontRef idx="minor">
+        <a:schemeClr val="lt1"/>
+      </a:fontRef>
+    </dgm:style>
+  </dgm:styleLbl>
+  <dgm:styleLbl name="asst4">
+    <dgm:scene3d>
+      <a:camera prst="orthographicFront"/>
+      <a:lightRig rig="threePt" dir="t"/>
+    </dgm:scene3d>
+    <dgm:sp3d/>
+    <dgm:txPr/>
+    <dgm:style>
+      <a:lnRef idx="2">
+        <a:scrgbClr r="0" g="0" b="0"/>
+      </a:lnRef>
+      <a:fillRef idx="1">
+        <a:scrgbClr r="0" g="0" b="0"/>
+      </a:fillRef>
+      <a:effectRef idx="0">
+        <a:scrgbClr r="0" g="0" b="0"/>
+      </a:effectRef>
+      <a:fontRef idx="minor">
+        <a:schemeClr val="lt1"/>
+      </a:fontRef>
+    </dgm:style>
+  </dgm:styleLbl>
+  <dgm:styleLbl name="parChTrans2D1">
+    <dgm:scene3d>
+      <a:camera prst="orthographicFront"/>
+      <a:lightRig rig="threePt" dir="t"/>
+    </dgm:scene3d>
+    <dgm:sp3d/>
+    <dgm:txPr/>
+    <dgm:style>
+      <a:lnRef idx="2">
+        <a:scrgbClr r="0" g="0" b="0"/>
+      </a:lnRef>
+      <a:fillRef idx="1">
+        <a:scrgbClr r="0" g="0" b="0"/>
+      </a:fillRef>
+      <a:effectRef idx="0">
+        <a:scrgbClr r="0" g="0" b="0"/>
+      </a:effectRef>
+      <a:fontRef idx="minor">
+        <a:schemeClr val="lt1"/>
+      </a:fontRef>
+    </dgm:style>
+  </dgm:styleLbl>
+  <dgm:styleLbl name="parChTrans2D2">
+    <dgm:scene3d>
+      <a:camera prst="orthographicFront"/>
+      <a:lightRig rig="threePt" dir="t"/>
+    </dgm:scene3d>
+    <dgm:sp3d/>
+    <dgm:txPr/>
+    <dgm:style>
+      <a:lnRef idx="2">
+        <a:scrgbClr r="0" g="0" b="0"/>
+      </a:lnRef>
+      <a:fillRef idx="1">
+        <a:scrgbClr r="0" g="0" b="0"/>
+      </a:fillRef>
+      <a:effectRef idx="0">
+        <a:scrgbClr r="0" g="0" b="0"/>
+      </a:effectRef>
+      <a:fontRef idx="minor">
+        <a:schemeClr val="lt1"/>
+      </a:fontRef>
+    </dgm:style>
+  </dgm:styleLbl>
+  <dgm:styleLbl name="parChTrans2D3">
+    <dgm:scene3d>
+      <a:camera prst="orthographicFront"/>
+      <a:lightRig rig="threePt" dir="t"/>
+    </dgm:scene3d>
+    <dgm:sp3d/>
+    <dgm:txPr/>
+    <dgm:style>
+      <a:lnRef idx="2">
+        <a:scrgbClr r="0" g="0" b="0"/>
+      </a:lnRef>
+      <a:fillRef idx="1">
+        <a:scrgbClr r="0" g="0" b="0"/>
+      </a:fillRef>
+      <a:effectRef idx="0">
+        <a:scrgbClr r="0" g="0" b="0"/>
+      </a:effectRef>
+      <a:fontRef idx="minor">
+        <a:schemeClr val="lt1"/>
+      </a:fontRef>
+    </dgm:style>
+  </dgm:styleLbl>
+  <dgm:styleLbl name="parChTrans2D4">
+    <dgm:scene3d>
+      <a:camera prst="orthographicFront"/>
+      <a:lightRig rig="threePt" dir="t"/>
+    </dgm:scene3d>
+    <dgm:sp3d/>
+    <dgm:txPr/>
+    <dgm:style>
+      <a:lnRef idx="2">
+        <a:scrgbClr r="0" g="0" b="0"/>
+      </a:lnRef>
+      <a:fillRef idx="1">
+        <a:scrgbClr r="0" g="0" b="0"/>
+      </a:fillRef>
+      <a:effectRef idx="0">
+        <a:scrgbClr r="0" g="0" b="0"/>
+      </a:effectRef>
+      <a:fontRef idx="minor">
+        <a:schemeClr val="lt1"/>
+      </a:fontRef>
+    </dgm:style>
+  </dgm:styleLbl>
+  <dgm:styleLbl name="parChTrans1D1">
+    <dgm:scene3d>
+      <a:camera prst="orthographicFront"/>
+      <a:lightRig rig="threePt" dir="t"/>
+    </dgm:scene3d>
+    <dgm:sp3d/>
+    <dgm:txPr/>
+    <dgm:style>
+      <a:lnRef idx="2">
+        <a:scrgbClr r="0" g="0" b="0"/>
+      </a:lnRef>
+      <a:fillRef idx="0">
+        <a:scrgbClr r="0" g="0" b="0"/>
+      </a:fillRef>
+      <a:effectRef idx="0">
+        <a:scrgbClr r="0" g="0" b="0"/>
+      </a:effectRef>
+      <a:fontRef idx="minor"/>
+    </dgm:style>
+  </dgm:styleLbl>
+  <dgm:styleLbl name="parChTrans1D2">
+    <dgm:scene3d>
+      <a:camera prst="orthographicFront"/>
+      <a:lightRig rig="threePt" dir="t"/>
+    </dgm:scene3d>
+    <dgm:sp3d/>
+    <dgm:txPr/>
+    <dgm:style>
+      <a:lnRef idx="2">
+        <a:scrgbClr r="0" g="0" b="0"/>
+      </a:lnRef>
+      <a:fillRef idx="0">
+        <a:scrgbClr r="0" g="0" b="0"/>
+      </a:fillRef>
+      <a:effectRef idx="0">
+        <a:scrgbClr r="0" g="0" b="0"/>
+      </a:effectRef>
+      <a:fontRef idx="minor"/>
+    </dgm:style>
+  </dgm:styleLbl>
+  <dgm:styleLbl name="parChTrans1D3">
+    <dgm:scene3d>
+      <a:camera prst="orthographicFront"/>
+      <a:lightRig rig="threePt" dir="t"/>
+    </dgm:scene3d>
+    <dgm:sp3d/>
+    <dgm:txPr/>
+    <dgm:style>
+      <a:lnRef idx="2">
+        <a:scrgbClr r="0" g="0" b="0"/>
+      </a:lnRef>
+      <a:fillRef idx="0">
+        <a:scrgbClr r="0" g="0" b="0"/>
+      </a:fillRef>
+      <a:effectRef idx="0">
+        <a:scrgbClr r="0" g="0" b="0"/>
+      </a:effectRef>
+      <a:fontRef idx="minor"/>
+    </dgm:style>
+  </dgm:styleLbl>
+  <dgm:styleLbl name="parChTrans1D4">
+    <dgm:scene3d>
+      <a:camera prst="orthographicFront"/>
+      <a:lightRig rig="threePt" dir="t"/>
+    </dgm:scene3d>
+    <dgm:sp3d/>
+    <dgm:txPr/>
+    <dgm:style>
+      <a:lnRef idx="2">
+        <a:scrgbClr r="0" g="0" b="0"/>
+      </a:lnRef>
+      <a:fillRef idx="0">
+        <a:scrgbClr r="0" g="0" b="0"/>
+      </a:fillRef>
+      <a:effectRef idx="0">
+        <a:scrgbClr r="0" g="0" b="0"/>
+      </a:effectRef>
+      <a:fontRef idx="minor"/>
+    </dgm:style>
+  </dgm:styleLbl>
+  <dgm:styleLbl name="fgAcc1">
+    <dgm:scene3d>
+      <a:camera prst="orthographicFront"/>
+      <a:lightRig rig="threePt" dir="t"/>
+    </dgm:scene3d>
+    <dgm:sp3d/>
+    <dgm:txPr/>
+    <dgm:style>
+      <a:lnRef idx="2">
+        <a:scrgbClr r="0" g="0" b="0"/>
+      </a:lnRef>
+      <a:fillRef idx="1">
+        <a:scrgbClr r="0" g="0" b="0"/>
+      </a:fillRef>
+      <a:effectRef idx="0">
+        <a:scrgbClr r="0" g="0" b="0"/>
+      </a:effectRef>
+      <a:fontRef idx="minor"/>
+    </dgm:style>
+  </dgm:styleLbl>
+  <dgm:styleLbl name="conFgAcc1">
+    <dgm:scene3d>
+      <a:camera prst="orthographicFront"/>
+      <a:lightRig rig="threePt" dir="t"/>
+    </dgm:scene3d>
+    <dgm:sp3d/>
+    <dgm:txPr/>
+    <dgm:style>
+      <a:lnRef idx="2">
+        <a:scrgbClr r="0" g="0" b="0"/>
+      </a:lnRef>
+      <a:fillRef idx="1">
+        <a:scrgbClr r="0" g="0" b="0"/>
+      </a:fillRef>
+      <a:effectRef idx="0">
+        <a:scrgbClr r="0" g="0" b="0"/>
+      </a:effectRef>
+      <a:fontRef idx="minor"/>
+    </dgm:style>
+  </dgm:styleLbl>
+  <dgm:styleLbl name="alignAcc1">
+    <dgm:scene3d>
+      <a:camera prst="orthographicFront"/>
+      <a:lightRig rig="threePt" dir="t"/>
+    </dgm:scene3d>
+    <dgm:sp3d/>
+    <dgm:txPr/>
+    <dgm:style>
+      <a:lnRef idx="2">
+        <a:scrgbClr r="0" g="0" b="0"/>
+      </a:lnRef>
+      <a:fillRef idx="1">
+        <a:scrgbClr r="0" g="0" b="0"/>
+      </a:fillRef>
+      <a:effectRef idx="0">
+        <a:scrgbClr r="0" g="0" b="0"/>
+      </a:effectRef>
+      <a:fontRef idx="minor"/>
+    </dgm:style>
+  </dgm:styleLbl>
+  <dgm:styleLbl name="trAlignAcc1">
+    <dgm:scene3d>
+      <a:camera prst="orthographicFront"/>
+      <a:lightRig rig="threePt" dir="t"/>
+    </dgm:scene3d>
+    <dgm:sp3d/>
+    <dgm:txPr/>
+    <dgm:style>
+      <a:lnRef idx="1">
+        <a:scrgbClr r="0" g="0" b="0"/>
+      </a:lnRef>
+      <a:fillRef idx="1">
+        <a:scrgbClr r="0" g="0" b="0"/>
+      </a:fillRef>
+      <a:effectRef idx="0">
+        <a:scrgbClr r="0" g="0" b="0"/>
+      </a:effectRef>
+      <a:fontRef idx="minor"/>
+    </dgm:style>
+  </dgm:styleLbl>
+  <dgm:styleLbl name="bgAcc1">
+    <dgm:scene3d>
+      <a:camera prst="orthographicFront"/>
+      <a:lightRig rig="threePt" dir="t"/>
+    </dgm:scene3d>
+    <dgm:sp3d/>
+    <dgm:txPr/>
+    <dgm:style>
+      <a:lnRef idx="2">
+        <a:scrgbClr r="0" g="0" b="0"/>
+      </a:lnRef>
+      <a:fillRef idx="1">
+        <a:scrgbClr r="0" g="0" b="0"/>
+      </a:fillRef>
+      <a:effectRef idx="0">
+        <a:scrgbClr r="0" g="0" b="0"/>
+      </a:effectRef>
+      <a:fontRef idx="minor"/>
+    </dgm:style>
+  </dgm:styleLbl>
+  <dgm:styleLbl name="solidFgAcc1">
+    <dgm:scene3d>
+      <a:camera prst="orthographicFront"/>
+      <a:lightRig rig="threePt" dir="t"/>
+    </dgm:scene3d>
+    <dgm:sp3d/>
+    <dgm:txPr/>
+    <dgm:style>
+      <a:lnRef idx="2">
+        <a:scrgbClr r="0" g="0" b="0"/>
+      </a:lnRef>
+      <a:fillRef idx="1">
+        <a:scrgbClr r="0" g="0" b="0"/>
+      </a:fillRef>
+      <a:effectRef idx="0">
+        <a:scrgbClr r="0" g="0" b="0"/>
+      </a:effectRef>
+      <a:fontRef idx="minor"/>
+    </dgm:style>
+  </dgm:styleLbl>
+  <dgm:styleLbl name="solidAlignAcc1">
+    <dgm:scene3d>
+      <a:camera prst="orthographicFront"/>
+      <a:lightRig rig="threePt" dir="t"/>
+    </dgm:scene3d>
+    <dgm:sp3d/>
+    <dgm:txPr/>
+    <dgm:style>
+      <a:lnRef idx="2">
+        <a:scrgbClr r="0" g="0" b="0"/>
+      </a:lnRef>
+      <a:fillRef idx="1">
+        <a:scrgbClr r="0" g="0" b="0"/>
+      </a:fillRef>
+      <a:effectRef idx="0">
+        <a:scrgbClr r="0" g="0" b="0"/>
+      </a:effectRef>
+      <a:fontRef idx="minor"/>
+    </dgm:style>
+  </dgm:styleLbl>
+  <dgm:styleLbl name="solidBgAcc1">
+    <dgm:scene3d>
+      <a:camera prst="orthographicFront"/>
+      <a:lightRig rig="threePt" dir="t"/>
+    </dgm:scene3d>
+    <dgm:sp3d/>
+    <dgm:txPr/>
+    <dgm:style>
+      <a:lnRef idx="2">
+        <a:scrgbClr r="0" g="0" b="0"/>
+      </a:lnRef>
+      <a:fillRef idx="1">
+        <a:scrgbClr r="0" g="0" b="0"/>
+      </a:fillRef>
+      <a:effectRef idx="0">
+        <a:scrgbClr r="0" g="0" b="0"/>
+      </a:effectRef>
+      <a:fontRef idx="minor"/>
+    </dgm:style>
+  </dgm:styleLbl>
+  <dgm:styleLbl name="fgAccFollowNode1">
+    <dgm:scene3d>
+      <a:camera prst="orthographicFront"/>
+      <a:lightRig rig="threePt" dir="t"/>
+    </dgm:scene3d>
+    <dgm:sp3d/>
+    <dgm:txPr/>
+    <dgm:style>
+      <a:lnRef idx="2">
+        <a:scrgbClr r="0" g="0" b="0"/>
+      </a:lnRef>
+      <a:fillRef idx="1">
+        <a:scrgbClr r="0" g="0" b="0"/>
+      </a:fillRef>
+      <a:effectRef idx="0">
+        <a:scrgbClr r="0" g="0" b="0"/>
+      </a:effectRef>
+      <a:fontRef idx="minor"/>
+    </dgm:style>
+  </dgm:styleLbl>
+  <dgm:styleLbl name="alignAccFollowNode1">
+    <dgm:scene3d>
+      <a:camera prst="orthographicFront"/>
+      <a:lightRig rig="threePt" dir="t"/>
+    </dgm:scene3d>
+    <dgm:sp3d/>
+    <dgm:txPr/>
+    <dgm:style>
+      <a:lnRef idx="2">
+        <a:scrgbClr r="0" g="0" b="0"/>
+      </a:lnRef>
+      <a:fillRef idx="1">
+        <a:scrgbClr r="0" g="0" b="0"/>
+      </a:fillRef>
+      <a:effectRef idx="0">
+        <a:scrgbClr r="0" g="0" b="0"/>
+      </a:effectRef>
+      <a:fontRef idx="minor"/>
+    </dgm:style>
+  </dgm:styleLbl>
+  <dgm:styleLbl name="bgAccFollowNode1">
+    <dgm:scene3d>
+      <a:camera prst="orthographicFront"/>
+      <a:lightRig rig="threePt" dir="t"/>
+    </dgm:scene3d>
+    <dgm:sp3d/>
+    <dgm:txPr/>
+    <dgm:style>
+      <a:lnRef idx="2">
+        <a:scrgbClr r="0" g="0" b="0"/>
+      </a:lnRef>
+      <a:fillRef idx="1">
+        <a:scrgbClr r="0" g="0" b="0"/>
+      </a:fillRef>
+      <a:effectRef idx="0">
+        <a:scrgbClr r="0" g="0" b="0"/>
+      </a:effectRef>
+      <a:fontRef idx="minor"/>
+    </dgm:style>
+  </dgm:styleLbl>
+  <dgm:styleLbl name="fgAcc0">
+    <dgm:scene3d>
+      <a:camera prst="orthographicFront"/>
+      <a:lightRig rig="threePt" dir="t"/>
+    </dgm:scene3d>
+    <dgm:sp3d/>
+    <dgm:txPr/>
+    <dgm:style>
+      <a:lnRef idx="2">
+        <a:scrgbClr r="0" g="0" b="0"/>
+      </a:lnRef>
+      <a:fillRef idx="1">
+        <a:scrgbClr r="0" g="0" b="0"/>
+      </a:fillRef>
+      <a:effectRef idx="0">
+        <a:scrgbClr r="0" g="0" b="0"/>
+      </a:effectRef>
+      <a:fontRef idx="minor"/>
+    </dgm:style>
+  </dgm:styleLbl>
+  <dgm:styleLbl name="fgAcc2">
+    <dgm:scene3d>
+      <a:camera prst="orthographicFront"/>
+      <a:lightRig rig="threePt" dir="t"/>
+    </dgm:scene3d>
+    <dgm:sp3d/>
+    <dgm:txPr/>
+    <dgm:style>
+      <a:lnRef idx="2">
+        <a:scrgbClr r="0" g="0" b="0"/>
+      </a:lnRef>
+      <a:fillRef idx="1">
+        <a:scrgbClr r="0" g="0" b="0"/>
+      </a:fillRef>
+      <a:effectRef idx="0">
+        <a:scrgbClr r="0" g="0" b="0"/>
+      </a:effectRef>
+      <a:fontRef idx="minor"/>
+    </dgm:style>
+  </dgm:styleLbl>
+  <dgm:styleLbl name="fgAcc3">
+    <dgm:scene3d>
+      <a:camera prst="orthographicFront"/>
+      <a:lightRig rig="threePt" dir="t"/>
+    </dgm:scene3d>
+    <dgm:sp3d/>
+    <dgm:txPr/>
+    <dgm:style>
+      <a:lnRef idx="2">
+        <a:scrgbClr r="0" g="0" b="0"/>
+      </a:lnRef>
+      <a:fillRef idx="1">
+        <a:scrgbClr r="0" g="0" b="0"/>
+      </a:fillRef>
+      <a:effectRef idx="0">
+        <a:scrgbClr r="0" g="0" b="0"/>
+      </a:effectRef>
+      <a:fontRef idx="minor"/>
+    </dgm:style>
+  </dgm:styleLbl>
+  <dgm:styleLbl name="fgAcc4">
+    <dgm:scene3d>
+      <a:camera prst="orthographicFront"/>
+      <a:lightRig rig="threePt" dir="t"/>
+    </dgm:scene3d>
+    <dgm:sp3d/>
+    <dgm:txPr/>
+    <dgm:style>
+      <a:lnRef idx="2">
+        <a:scrgbClr r="0" g="0" b="0"/>
+      </a:lnRef>
+      <a:fillRef idx="1">
+        <a:scrgbClr r="0" g="0" b="0"/>
+      </a:fillRef>
+      <a:effectRef idx="0">
+        <a:scrgbClr r="0" g="0" b="0"/>
+      </a:effectRef>
+      <a:fontRef idx="minor"/>
+    </dgm:style>
+  </dgm:styleLbl>
+  <dgm:styleLbl name="bgShp">
+    <dgm:scene3d>
+      <a:camera prst="orthographicFront"/>
+      <a:lightRig rig="threePt" dir="t"/>
+    </dgm:scene3d>
+    <dgm:sp3d/>
+    <dgm:txPr/>
+    <dgm:style>
+      <a:lnRef idx="0">
+        <a:scrgbClr r="0" g="0" b="0"/>
+      </a:lnRef>
+      <a:fillRef idx="1">
+        <a:scrgbClr r="0" g="0" b="0"/>
+      </a:fillRef>
+      <a:effectRef idx="0">
+        <a:scrgbClr r="0" g="0" b="0"/>
+      </a:effectRef>
+      <a:fontRef idx="minor"/>
+    </dgm:style>
+  </dgm:styleLbl>
+  <dgm:styleLbl name="dkBgShp">
+    <dgm:scene3d>
+      <a:camera prst="orthographicFront"/>
+      <a:lightRig rig="threePt" dir="t"/>
+    </dgm:scene3d>
+    <dgm:sp3d/>
+    <dgm:txPr/>
+    <dgm:style>
+      <a:lnRef idx="0">
+        <a:scrgbClr r="0" g="0" b="0"/>
+      </a:lnRef>
+      <a:fillRef idx="1">
+        <a:scrgbClr r="0" g="0" b="0"/>
+      </a:fillRef>
+      <a:effectRef idx="0">
+        <a:scrgbClr r="0" g="0" b="0"/>
+      </a:effectRef>
+      <a:fontRef idx="minor"/>
+    </dgm:style>
+  </dgm:styleLbl>
+  <dgm:styleLbl name="trBgShp">
+    <dgm:scene3d>
+      <a:camera prst="orthographicFront"/>
+      <a:lightRig rig="threePt" dir="t"/>
+    </dgm:scene3d>
+    <dgm:sp3d/>
+    <dgm:txPr/>
+    <dgm:style>
+      <a:lnRef idx="0">
+        <a:scrgbClr r="0" g="0" b="0"/>
+      </a:lnRef>
+      <a:fillRef idx="1">
+        <a:scrgbClr r="0" g="0" b="0"/>
+      </a:fillRef>
+      <a:effectRef idx="0">
+        <a:scrgbClr r="0" g="0" b="0"/>
+      </a:effectRef>
+      <a:fontRef idx="minor"/>
+    </dgm:style>
+  </dgm:styleLbl>
+  <dgm:styleLbl name="fgShp">
+    <dgm:scene3d>
+      <a:camera prst="orthographicFront"/>
+      <a:lightRig rig="threePt" dir="t"/>
+    </dgm:scene3d>
+    <dgm:sp3d/>
+    <dgm:txPr/>
+    <dgm:style>
+      <a:lnRef idx="2">
+        <a:scrgbClr r="0" g="0" b="0"/>
+      </a:lnRef>
+      <a:fillRef idx="1">
+        <a:scrgbClr r="0" g="0" b="0"/>
+      </a:fillRef>
+      <a:effectRef idx="0">
+        <a:scrgbClr r="0" g="0" b="0"/>
+      </a:effectRef>
+      <a:fontRef idx="minor"/>
+    </dgm:style>
+  </dgm:styleLbl>
+  <dgm:styleLbl name="revTx">
+    <dgm:scene3d>
+      <a:camera prst="orthographicFront"/>
+      <a:lightRig rig="threePt" dir="t"/>
+    </dgm:scene3d>
+    <dgm:sp3d/>
+    <dgm:txPr/>
+    <dgm:style>
+      <a:lnRef idx="0">
+        <a:scrgbClr r="0" g="0" b="0"/>
+      </a:lnRef>
+      <a:fillRef idx="0">
+        <a:scrgbClr r="0" g="0" b="0"/>
+      </a:fillRef>
+      <a:effectRef idx="0">
+        <a:scrgbClr r="0" g="0" b="0"/>
+      </a:effectRef>
+      <a:fontRef idx="minor"/>
+    </dgm:style>
+  </dgm:styleLbl>
+</dgm:styleDef>
+</file>
+
 <file path=ppt/slideLayouts/slideLayout1.xml><?xml version="1.0" encoding="utf-8"?>
-<p:sldLayout xmlns:a="http://schemas.openxmlformats.org/drawingml/2006/main" xmlns:r="http://schemas.openxmlformats.org/officeDocument/2006/relationships" xmlns:p="http://schemas.openxmlformats.org/presentationml/2006/main" type="title" preserve="1">
+<p:sldLayout xmlns:a="http://schemas.openxmlformats.org/drawingml/2006/main" xmlns:r="http://schemas.openxmlformats.org/officeDocument/2006/relationships" xmlns:p="http://schemas.openxmlformats.org/presentationml/2006/main" showMasterSp="0" type="title" preserve="1">
   <p:cSld name="Титульный слайд">
     <p:spTree>
       <p:nvGrpSpPr>
@@ -126,7 +2484,529 @@
       </p:grpSpPr>
       <p:sp>
         <p:nvSpPr>
-          <p:cNvPr id="2" name="Заголовок 1"/>
+          <p:cNvPr id="23" name="Прямоугольник 22"/>
+          <p:cNvSpPr/>
+          <p:nvPr/>
+        </p:nvSpPr>
+        <p:spPr>
+          <a:xfrm flipV="1">
+            <a:off x="5410182" y="3810000"/>
+            <a:ext cx="3733819" cy="91087"/>
+          </a:xfrm>
+          <a:prstGeom prst="rect">
+            <a:avLst/>
+          </a:prstGeom>
+          <a:solidFill>
+            <a:schemeClr val="accent2">
+              <a:alpha val="100000"/>
+            </a:schemeClr>
+          </a:solidFill>
+          <a:ln w="50800" cap="rnd" cmpd="thickThin" algn="ctr">
+            <a:noFill/>
+            <a:prstDash val="solid"/>
+          </a:ln>
+          <a:effectLst/>
+        </p:spPr>
+        <p:style>
+          <a:lnRef idx="3">
+            <a:schemeClr val="lt1"/>
+          </a:lnRef>
+          <a:fillRef idx="1">
+            <a:schemeClr val="accent1"/>
+          </a:fillRef>
+          <a:effectRef idx="1">
+            <a:schemeClr val="accent1"/>
+          </a:effectRef>
+          <a:fontRef idx="minor">
+            <a:schemeClr val="lt1"/>
+          </a:fontRef>
+        </p:style>
+        <p:txBody>
+          <a:bodyPr anchor="ctr"/>
+          <a:lstStyle/>
+          <a:p>
+            <a:pPr algn="ctr" eaLnBrk="1" latinLnBrk="0" hangingPunct="1"/>
+            <a:endParaRPr kumimoji="0" lang="en-US"/>
+          </a:p>
+        </p:txBody>
+      </p:sp>
+      <p:sp>
+        <p:nvSpPr>
+          <p:cNvPr id="24" name="Прямоугольник 23"/>
+          <p:cNvSpPr/>
+          <p:nvPr/>
+        </p:nvSpPr>
+        <p:spPr>
+          <a:xfrm flipV="1">
+            <a:off x="5410200" y="3897010"/>
+            <a:ext cx="3733801" cy="192024"/>
+          </a:xfrm>
+          <a:prstGeom prst="rect">
+            <a:avLst/>
+          </a:prstGeom>
+          <a:solidFill>
+            <a:schemeClr val="accent2">
+              <a:alpha val="50000"/>
+            </a:schemeClr>
+          </a:solidFill>
+          <a:ln w="50800" cap="rnd" cmpd="thickThin" algn="ctr">
+            <a:noFill/>
+            <a:prstDash val="solid"/>
+          </a:ln>
+          <a:effectLst/>
+        </p:spPr>
+        <p:style>
+          <a:lnRef idx="3">
+            <a:schemeClr val="lt1"/>
+          </a:lnRef>
+          <a:fillRef idx="1">
+            <a:schemeClr val="accent1"/>
+          </a:fillRef>
+          <a:effectRef idx="1">
+            <a:schemeClr val="accent1"/>
+          </a:effectRef>
+          <a:fontRef idx="minor">
+            <a:schemeClr val="lt1"/>
+          </a:fontRef>
+        </p:style>
+        <p:txBody>
+          <a:bodyPr anchor="ctr"/>
+          <a:lstStyle/>
+          <a:p>
+            <a:pPr algn="ctr" eaLnBrk="1" latinLnBrk="0" hangingPunct="1"/>
+            <a:endParaRPr kumimoji="0" lang="en-US"/>
+          </a:p>
+        </p:txBody>
+      </p:sp>
+      <p:sp>
+        <p:nvSpPr>
+          <p:cNvPr id="25" name="Прямоугольник 24"/>
+          <p:cNvSpPr/>
+          <p:nvPr/>
+        </p:nvSpPr>
+        <p:spPr>
+          <a:xfrm flipV="1">
+            <a:off x="5410200" y="4115167"/>
+            <a:ext cx="3733801" cy="9144"/>
+          </a:xfrm>
+          <a:prstGeom prst="rect">
+            <a:avLst/>
+          </a:prstGeom>
+          <a:solidFill>
+            <a:schemeClr val="accent2">
+              <a:alpha val="65000"/>
+            </a:schemeClr>
+          </a:solidFill>
+          <a:ln w="50800" cap="rnd" cmpd="thickThin" algn="ctr">
+            <a:noFill/>
+            <a:prstDash val="solid"/>
+          </a:ln>
+          <a:effectLst/>
+        </p:spPr>
+        <p:style>
+          <a:lnRef idx="3">
+            <a:schemeClr val="lt1"/>
+          </a:lnRef>
+          <a:fillRef idx="1">
+            <a:schemeClr val="accent1"/>
+          </a:fillRef>
+          <a:effectRef idx="1">
+            <a:schemeClr val="accent1"/>
+          </a:effectRef>
+          <a:fontRef idx="minor">
+            <a:schemeClr val="lt1"/>
+          </a:fontRef>
+        </p:style>
+        <p:txBody>
+          <a:bodyPr anchor="ctr"/>
+          <a:lstStyle/>
+          <a:p>
+            <a:pPr algn="ctr" eaLnBrk="1" latinLnBrk="0" hangingPunct="1"/>
+            <a:endParaRPr kumimoji="0" lang="en-US"/>
+          </a:p>
+        </p:txBody>
+      </p:sp>
+      <p:sp>
+        <p:nvSpPr>
+          <p:cNvPr id="26" name="Прямоугольник 25"/>
+          <p:cNvSpPr/>
+          <p:nvPr/>
+        </p:nvSpPr>
+        <p:spPr>
+          <a:xfrm flipV="1">
+            <a:off x="5410200" y="4164403"/>
+            <a:ext cx="1965960" cy="18288"/>
+          </a:xfrm>
+          <a:prstGeom prst="rect">
+            <a:avLst/>
+          </a:prstGeom>
+          <a:solidFill>
+            <a:schemeClr val="accent2">
+              <a:alpha val="60000"/>
+            </a:schemeClr>
+          </a:solidFill>
+          <a:ln w="50800" cap="rnd" cmpd="thickThin" algn="ctr">
+            <a:noFill/>
+            <a:prstDash val="solid"/>
+          </a:ln>
+          <a:effectLst/>
+        </p:spPr>
+        <p:style>
+          <a:lnRef idx="3">
+            <a:schemeClr val="lt1"/>
+          </a:lnRef>
+          <a:fillRef idx="1">
+            <a:schemeClr val="accent1"/>
+          </a:fillRef>
+          <a:effectRef idx="1">
+            <a:schemeClr val="accent1"/>
+          </a:effectRef>
+          <a:fontRef idx="minor">
+            <a:schemeClr val="lt1"/>
+          </a:fontRef>
+        </p:style>
+        <p:txBody>
+          <a:bodyPr anchor="ctr"/>
+          <a:lstStyle/>
+          <a:p>
+            <a:pPr algn="ctr" eaLnBrk="1" latinLnBrk="0" hangingPunct="1"/>
+            <a:endParaRPr kumimoji="0" lang="en-US"/>
+          </a:p>
+        </p:txBody>
+      </p:sp>
+      <p:sp>
+        <p:nvSpPr>
+          <p:cNvPr id="27" name="Прямоугольник 26"/>
+          <p:cNvSpPr/>
+          <p:nvPr/>
+        </p:nvSpPr>
+        <p:spPr>
+          <a:xfrm flipV="1">
+            <a:off x="5410200" y="4199572"/>
+            <a:ext cx="1965960" cy="9144"/>
+          </a:xfrm>
+          <a:prstGeom prst="rect">
+            <a:avLst/>
+          </a:prstGeom>
+          <a:solidFill>
+            <a:schemeClr val="accent2">
+              <a:alpha val="65000"/>
+            </a:schemeClr>
+          </a:solidFill>
+          <a:ln w="50800" cap="rnd" cmpd="thickThin" algn="ctr">
+            <a:noFill/>
+            <a:prstDash val="solid"/>
+          </a:ln>
+          <a:effectLst/>
+        </p:spPr>
+        <p:style>
+          <a:lnRef idx="3">
+            <a:schemeClr val="lt1"/>
+          </a:lnRef>
+          <a:fillRef idx="1">
+            <a:schemeClr val="accent1"/>
+          </a:fillRef>
+          <a:effectRef idx="1">
+            <a:schemeClr val="accent1"/>
+          </a:effectRef>
+          <a:fontRef idx="minor">
+            <a:schemeClr val="lt1"/>
+          </a:fontRef>
+        </p:style>
+        <p:txBody>
+          <a:bodyPr anchor="ctr"/>
+          <a:lstStyle/>
+          <a:p>
+            <a:pPr algn="ctr" eaLnBrk="1" latinLnBrk="0" hangingPunct="1"/>
+            <a:endParaRPr kumimoji="0" lang="en-US"/>
+          </a:p>
+        </p:txBody>
+      </p:sp>
+      <p:sp useBgFill="1">
+        <p:nvSpPr>
+          <p:cNvPr id="30" name="Скругленный прямоугольник 29"/>
+          <p:cNvSpPr/>
+          <p:nvPr/>
+        </p:nvSpPr>
+        <p:spPr bwMode="white">
+          <a:xfrm>
+            <a:off x="5410200" y="3962400"/>
+            <a:ext cx="3063240" cy="27432"/>
+          </a:xfrm>
+          <a:prstGeom prst="roundRect">
+            <a:avLst>
+              <a:gd name="adj" fmla="val 16667"/>
+            </a:avLst>
+          </a:prstGeom>
+          <a:ln w="50800" cap="rnd" cmpd="thickThin" algn="ctr">
+            <a:noFill/>
+            <a:prstDash val="solid"/>
+          </a:ln>
+          <a:effectLst/>
+        </p:spPr>
+        <p:style>
+          <a:lnRef idx="3">
+            <a:schemeClr val="lt1"/>
+          </a:lnRef>
+          <a:fillRef idx="1">
+            <a:schemeClr val="accent1"/>
+          </a:fillRef>
+          <a:effectRef idx="1">
+            <a:schemeClr val="accent1"/>
+          </a:effectRef>
+          <a:fontRef idx="minor">
+            <a:schemeClr val="lt1"/>
+          </a:fontRef>
+        </p:style>
+        <p:txBody>
+          <a:bodyPr anchor="ctr"/>
+          <a:lstStyle/>
+          <a:p>
+            <a:pPr algn="ctr" eaLnBrk="1" latinLnBrk="0" hangingPunct="1"/>
+            <a:endParaRPr kumimoji="0" lang="en-US"/>
+          </a:p>
+        </p:txBody>
+      </p:sp>
+      <p:sp useBgFill="1">
+        <p:nvSpPr>
+          <p:cNvPr id="31" name="Скругленный прямоугольник 30"/>
+          <p:cNvSpPr/>
+          <p:nvPr/>
+        </p:nvSpPr>
+        <p:spPr bwMode="white">
+          <a:xfrm>
+            <a:off x="7376507" y="4060983"/>
+            <a:ext cx="1600200" cy="36576"/>
+          </a:xfrm>
+          <a:prstGeom prst="roundRect">
+            <a:avLst>
+              <a:gd name="adj" fmla="val 16667"/>
+            </a:avLst>
+          </a:prstGeom>
+          <a:ln w="50800" cap="rnd" cmpd="thickThin" algn="ctr">
+            <a:noFill/>
+            <a:prstDash val="solid"/>
+          </a:ln>
+          <a:effectLst/>
+        </p:spPr>
+        <p:style>
+          <a:lnRef idx="3">
+            <a:schemeClr val="lt1"/>
+          </a:lnRef>
+          <a:fillRef idx="1">
+            <a:schemeClr val="accent1"/>
+          </a:fillRef>
+          <a:effectRef idx="1">
+            <a:schemeClr val="accent1"/>
+          </a:effectRef>
+          <a:fontRef idx="minor">
+            <a:schemeClr val="lt1"/>
+          </a:fontRef>
+        </p:style>
+        <p:txBody>
+          <a:bodyPr anchor="ctr"/>
+          <a:lstStyle/>
+          <a:p>
+            <a:pPr algn="ctr" eaLnBrk="1" latinLnBrk="0" hangingPunct="1"/>
+            <a:endParaRPr kumimoji="0" lang="en-US"/>
+          </a:p>
+        </p:txBody>
+      </p:sp>
+      <p:sp>
+        <p:nvSpPr>
+          <p:cNvPr id="7" name="Прямоугольник 6"/>
+          <p:cNvSpPr/>
+          <p:nvPr/>
+        </p:nvSpPr>
+        <p:spPr>
+          <a:xfrm>
+            <a:off x="1" y="3649662"/>
+            <a:ext cx="9144000" cy="244170"/>
+          </a:xfrm>
+          <a:prstGeom prst="rect">
+            <a:avLst/>
+          </a:prstGeom>
+          <a:solidFill>
+            <a:schemeClr val="accent2">
+              <a:alpha val="50000"/>
+            </a:schemeClr>
+          </a:solidFill>
+          <a:ln w="50800" cap="rnd" cmpd="thickThin" algn="ctr">
+            <a:noFill/>
+            <a:prstDash val="solid"/>
+          </a:ln>
+          <a:effectLst/>
+        </p:spPr>
+        <p:style>
+          <a:lnRef idx="3">
+            <a:schemeClr val="lt1"/>
+          </a:lnRef>
+          <a:fillRef idx="1">
+            <a:schemeClr val="accent1"/>
+          </a:fillRef>
+          <a:effectRef idx="1">
+            <a:schemeClr val="accent1"/>
+          </a:effectRef>
+          <a:fontRef idx="minor">
+            <a:schemeClr val="lt1"/>
+          </a:fontRef>
+        </p:style>
+        <p:txBody>
+          <a:bodyPr anchor="ctr"/>
+          <a:lstStyle/>
+          <a:p>
+            <a:pPr algn="ctr" eaLnBrk="1" latinLnBrk="0" hangingPunct="1"/>
+            <a:endParaRPr kumimoji="0" lang="en-US"/>
+          </a:p>
+        </p:txBody>
+      </p:sp>
+      <p:sp>
+        <p:nvSpPr>
+          <p:cNvPr id="10" name="Прямоугольник 9"/>
+          <p:cNvSpPr/>
+          <p:nvPr/>
+        </p:nvSpPr>
+        <p:spPr>
+          <a:xfrm>
+            <a:off x="0" y="3675527"/>
+            <a:ext cx="9144001" cy="140677"/>
+          </a:xfrm>
+          <a:prstGeom prst="rect">
+            <a:avLst/>
+          </a:prstGeom>
+          <a:solidFill>
+            <a:schemeClr val="accent2">
+              <a:alpha val="100000"/>
+            </a:schemeClr>
+          </a:solidFill>
+          <a:ln w="50800" cap="rnd" cmpd="thickThin" algn="ctr">
+            <a:noFill/>
+            <a:prstDash val="solid"/>
+          </a:ln>
+          <a:effectLst/>
+        </p:spPr>
+        <p:style>
+          <a:lnRef idx="3">
+            <a:schemeClr val="lt1"/>
+          </a:lnRef>
+          <a:fillRef idx="1">
+            <a:schemeClr val="accent1"/>
+          </a:fillRef>
+          <a:effectRef idx="1">
+            <a:schemeClr val="accent1"/>
+          </a:effectRef>
+          <a:fontRef idx="minor">
+            <a:schemeClr val="lt1"/>
+          </a:fontRef>
+        </p:style>
+        <p:txBody>
+          <a:bodyPr anchor="ctr"/>
+          <a:lstStyle/>
+          <a:p>
+            <a:pPr algn="ctr" eaLnBrk="1" latinLnBrk="0" hangingPunct="1"/>
+            <a:endParaRPr kumimoji="0" lang="en-US"/>
+          </a:p>
+        </p:txBody>
+      </p:sp>
+      <p:sp>
+        <p:nvSpPr>
+          <p:cNvPr id="11" name="Прямоугольник 10"/>
+          <p:cNvSpPr/>
+          <p:nvPr/>
+        </p:nvSpPr>
+        <p:spPr>
+          <a:xfrm flipV="1">
+            <a:off x="6414051" y="3643090"/>
+            <a:ext cx="2729950" cy="248432"/>
+          </a:xfrm>
+          <a:prstGeom prst="rect">
+            <a:avLst/>
+          </a:prstGeom>
+          <a:solidFill>
+            <a:schemeClr val="accent2">
+              <a:alpha val="100000"/>
+            </a:schemeClr>
+          </a:solidFill>
+          <a:ln w="50800" cap="rnd" cmpd="thickThin" algn="ctr">
+            <a:noFill/>
+            <a:prstDash val="solid"/>
+          </a:ln>
+          <a:effectLst/>
+        </p:spPr>
+        <p:style>
+          <a:lnRef idx="3">
+            <a:schemeClr val="lt1"/>
+          </a:lnRef>
+          <a:fillRef idx="1">
+            <a:schemeClr val="accent1"/>
+          </a:fillRef>
+          <a:effectRef idx="1">
+            <a:schemeClr val="accent1"/>
+          </a:effectRef>
+          <a:fontRef idx="minor">
+            <a:schemeClr val="lt1"/>
+          </a:fontRef>
+        </p:style>
+        <p:txBody>
+          <a:bodyPr anchor="ctr"/>
+          <a:lstStyle/>
+          <a:p>
+            <a:pPr algn="ctr" eaLnBrk="1" latinLnBrk="0" hangingPunct="1"/>
+            <a:endParaRPr kumimoji="0" lang="en-US"/>
+          </a:p>
+        </p:txBody>
+      </p:sp>
+      <p:sp>
+        <p:nvSpPr>
+          <p:cNvPr id="19" name="Прямоугольник 18"/>
+          <p:cNvSpPr/>
+          <p:nvPr/>
+        </p:nvSpPr>
+        <p:spPr>
+          <a:xfrm>
+            <a:off x="0" y="0"/>
+            <a:ext cx="9144000" cy="3701700"/>
+          </a:xfrm>
+          <a:prstGeom prst="rect">
+            <a:avLst/>
+          </a:prstGeom>
+          <a:solidFill>
+            <a:schemeClr val="tx2">
+              <a:alpha val="100000"/>
+            </a:schemeClr>
+          </a:solidFill>
+          <a:ln w="50800" cap="rnd" cmpd="thickThin" algn="ctr">
+            <a:noFill/>
+            <a:prstDash val="solid"/>
+          </a:ln>
+          <a:effectLst/>
+        </p:spPr>
+        <p:style>
+          <a:lnRef idx="3">
+            <a:schemeClr val="lt1"/>
+          </a:lnRef>
+          <a:fillRef idx="1">
+            <a:schemeClr val="accent1"/>
+          </a:fillRef>
+          <a:effectRef idx="1">
+            <a:schemeClr val="accent1"/>
+          </a:effectRef>
+          <a:fontRef idx="minor">
+            <a:schemeClr val="lt1"/>
+          </a:fontRef>
+        </p:style>
+        <p:txBody>
+          <a:bodyPr anchor="ctr"/>
+          <a:lstStyle/>
+          <a:p>
+            <a:pPr algn="ctr" eaLnBrk="1" latinLnBrk="0" hangingPunct="1"/>
+            <a:endParaRPr kumimoji="0" lang="en-US"/>
+          </a:p>
+        </p:txBody>
+      </p:sp>
+      <p:sp>
+        <p:nvSpPr>
+          <p:cNvPr id="8" name="Заголовок 7"/>
           <p:cNvSpPr>
             <a:spLocks noGrp="1"/>
           </p:cNvSpPr>
@@ -136,25 +3016,33 @@
         </p:nvSpPr>
         <p:spPr>
           <a:xfrm>
-            <a:off x="685800" y="2130425"/>
-            <a:ext cx="7772400" cy="1470025"/>
+            <a:off x="457200" y="2401887"/>
+            <a:ext cx="8458200" cy="1470025"/>
           </a:xfrm>
         </p:spPr>
         <p:txBody>
-          <a:bodyPr/>
-          <a:lstStyle/>
-          <a:p>
-            <a:r>
-              <a:rPr lang="ru-RU" smtClean="0"/>
+          <a:bodyPr anchor="b"/>
+          <a:lstStyle>
+            <a:lvl1pPr>
+              <a:defRPr sz="4400">
+                <a:solidFill>
+                  <a:schemeClr val="bg1"/>
+                </a:solidFill>
+              </a:defRPr>
+            </a:lvl1pPr>
+          </a:lstStyle>
+          <a:p>
+            <a:r>
+              <a:rPr kumimoji="0" lang="ru-RU" smtClean="0"/>
               <a:t>Образец заголовка</a:t>
             </a:r>
-            <a:endParaRPr lang="ru-RU"/>
-          </a:p>
-        </p:txBody>
-      </p:sp>
-      <p:sp>
-        <p:nvSpPr>
-          <p:cNvPr id="3" name="Подзаголовок 2"/>
+            <a:endParaRPr kumimoji="0" lang="en-US"/>
+          </a:p>
+        </p:txBody>
+      </p:sp>
+      <p:sp>
+        <p:nvSpPr>
+          <p:cNvPr id="9" name="Подзаголовок 8"/>
           <p:cNvSpPr>
             <a:spLocks noGrp="1"/>
           </p:cNvSpPr>
@@ -164,116 +3052,58 @@
         </p:nvSpPr>
         <p:spPr>
           <a:xfrm>
-            <a:off x="1371600" y="3886200"/>
-            <a:ext cx="6400800" cy="1752600"/>
+            <a:off x="457200" y="3899938"/>
+            <a:ext cx="4953000" cy="1752600"/>
           </a:xfrm>
         </p:spPr>
         <p:txBody>
           <a:bodyPr/>
           <a:lstStyle>
-            <a:lvl1pPr marL="0" indent="0" algn="ctr">
+            <a:lvl1pPr marL="64008" indent="0" algn="l">
               <a:buNone/>
-              <a:defRPr>
+              <a:defRPr sz="2400">
                 <a:solidFill>
-                  <a:schemeClr val="tx1">
-                    <a:tint val="75000"/>
-                  </a:schemeClr>
+                  <a:schemeClr val="tx2"/>
                 </a:solidFill>
               </a:defRPr>
             </a:lvl1pPr>
             <a:lvl2pPr marL="457200" indent="0" algn="ctr">
               <a:buNone/>
-              <a:defRPr>
-                <a:solidFill>
-                  <a:schemeClr val="tx1">
-                    <a:tint val="75000"/>
-                  </a:schemeClr>
-                </a:solidFill>
-              </a:defRPr>
             </a:lvl2pPr>
             <a:lvl3pPr marL="914400" indent="0" algn="ctr">
               <a:buNone/>
-              <a:defRPr>
-                <a:solidFill>
-                  <a:schemeClr val="tx1">
-                    <a:tint val="75000"/>
-                  </a:schemeClr>
-                </a:solidFill>
-              </a:defRPr>
             </a:lvl3pPr>
             <a:lvl4pPr marL="1371600" indent="0" algn="ctr">
               <a:buNone/>
-              <a:defRPr>
-                <a:solidFill>
-                  <a:schemeClr val="tx1">
-                    <a:tint val="75000"/>
-                  </a:schemeClr>
-                </a:solidFill>
-              </a:defRPr>
             </a:lvl4pPr>
             <a:lvl5pPr marL="1828800" indent="0" algn="ctr">
               <a:buNone/>
-              <a:defRPr>
-                <a:solidFill>
-                  <a:schemeClr val="tx1">
-                    <a:tint val="75000"/>
-                  </a:schemeClr>
-                </a:solidFill>
-              </a:defRPr>
             </a:lvl5pPr>
             <a:lvl6pPr marL="2286000" indent="0" algn="ctr">
               <a:buNone/>
-              <a:defRPr>
-                <a:solidFill>
-                  <a:schemeClr val="tx1">
-                    <a:tint val="75000"/>
-                  </a:schemeClr>
-                </a:solidFill>
-              </a:defRPr>
             </a:lvl6pPr>
             <a:lvl7pPr marL="2743200" indent="0" algn="ctr">
               <a:buNone/>
-              <a:defRPr>
-                <a:solidFill>
-                  <a:schemeClr val="tx1">
-                    <a:tint val="75000"/>
-                  </a:schemeClr>
-                </a:solidFill>
-              </a:defRPr>
             </a:lvl7pPr>
             <a:lvl8pPr marL="3200400" indent="0" algn="ctr">
               <a:buNone/>
-              <a:defRPr>
-                <a:solidFill>
-                  <a:schemeClr val="tx1">
-                    <a:tint val="75000"/>
-                  </a:schemeClr>
-                </a:solidFill>
-              </a:defRPr>
             </a:lvl8pPr>
             <a:lvl9pPr marL="3657600" indent="0" algn="ctr">
               <a:buNone/>
-              <a:defRPr>
-                <a:solidFill>
-                  <a:schemeClr val="tx1">
-                    <a:tint val="75000"/>
-                  </a:schemeClr>
-                </a:solidFill>
-              </a:defRPr>
             </a:lvl9pPr>
           </a:lstStyle>
           <a:p>
             <a:r>
-              <a:rPr lang="ru-RU" smtClean="0"/>
+              <a:rPr kumimoji="0" lang="ru-RU" smtClean="0"/>
               <a:t>Образец подзаголовка</a:t>
             </a:r>
-            <a:endParaRPr lang="ru-RU"/>
-          </a:p>
-        </p:txBody>
-      </p:sp>
-      <p:sp>
-        <p:nvSpPr>
-          <p:cNvPr id="4" name="Дата 3"/>
+            <a:endParaRPr kumimoji="0" lang="en-US"/>
+          </a:p>
+        </p:txBody>
+      </p:sp>
+      <p:sp>
+        <p:nvSpPr>
+          <p:cNvPr id="28" name="Дата 27"/>
           <p:cNvSpPr>
             <a:spLocks noGrp="1"/>
           </p:cNvSpPr>
@@ -281,7 +3111,12 @@
             <p:ph type="dt" sz="half" idx="10"/>
           </p:nvPr>
         </p:nvSpPr>
-        <p:spPr/>
+        <p:spPr>
+          <a:xfrm>
+            <a:off x="6705600" y="4206240"/>
+            <a:ext cx="960120" cy="457200"/>
+          </a:xfrm>
+        </p:spPr>
         <p:txBody>
           <a:bodyPr/>
           <a:lstStyle/>
@@ -297,7 +3132,7 @@
       </p:sp>
       <p:sp>
         <p:nvSpPr>
-          <p:cNvPr id="5" name="Нижний колонтитул 4"/>
+          <p:cNvPr id="17" name="Нижний колонтитул 16"/>
           <p:cNvSpPr>
             <a:spLocks noGrp="1"/>
           </p:cNvSpPr>
@@ -305,7 +3140,12 @@
             <p:ph type="ftr" sz="quarter" idx="11"/>
           </p:nvPr>
         </p:nvSpPr>
-        <p:spPr/>
+        <p:spPr>
+          <a:xfrm>
+            <a:off x="5410200" y="4205288"/>
+            <a:ext cx="1295400" cy="457200"/>
+          </a:xfrm>
+        </p:spPr>
         <p:txBody>
           <a:bodyPr/>
           <a:lstStyle/>
@@ -316,7 +3156,7 @@
       </p:sp>
       <p:sp>
         <p:nvSpPr>
-          <p:cNvPr id="6" name="Номер слайда 5"/>
+          <p:cNvPr id="29" name="Номер слайда 28"/>
           <p:cNvSpPr>
             <a:spLocks noGrp="1"/>
           </p:cNvSpPr>
@@ -324,10 +3164,23 @@
             <p:ph type="sldNum" sz="quarter" idx="12"/>
           </p:nvPr>
         </p:nvSpPr>
-        <p:spPr/>
+        <p:spPr>
+          <a:xfrm>
+            <a:off x="8320088" y="1136"/>
+            <a:ext cx="747712" cy="365760"/>
+          </a:xfrm>
+        </p:spPr>
         <p:txBody>
           <a:bodyPr/>
-          <a:lstStyle/>
+          <a:lstStyle>
+            <a:lvl1pPr algn="r">
+              <a:defRPr sz="1800">
+                <a:solidFill>
+                  <a:schemeClr val="bg1"/>
+                </a:solidFill>
+              </a:defRPr>
+            </a:lvl1pPr>
+          </a:lstStyle>
           <a:p>
             <a:fld id="{725C68B6-61C2-468F-89AB-4B9F7531AA68}" type="slidenum">
               <a:rPr lang="ru-RU" smtClean="0"/>
@@ -379,10 +3232,10 @@
           <a:lstStyle/>
           <a:p>
             <a:r>
-              <a:rPr lang="ru-RU" smtClean="0"/>
+              <a:rPr kumimoji="0" lang="ru-RU" smtClean="0"/>
               <a:t>Образец заголовка</a:t>
             </a:r>
-            <a:endParaRPr lang="ru-RU"/>
+            <a:endParaRPr kumimoji="0" lang="en-US"/>
           </a:p>
         </p:txBody>
       </p:sp>
@@ -401,40 +3254,40 @@
           <a:bodyPr vert="eaVert"/>
           <a:lstStyle/>
           <a:p>
-            <a:pPr lvl="0"/>
+            <a:pPr lvl="0" eaLnBrk="1" latinLnBrk="0" hangingPunct="1"/>
             <a:r>
               <a:rPr lang="ru-RU" smtClean="0"/>
               <a:t>Образец текста</a:t>
             </a:r>
           </a:p>
           <a:p>
-            <a:pPr lvl="1"/>
+            <a:pPr lvl="1" eaLnBrk="1" latinLnBrk="0" hangingPunct="1"/>
             <a:r>
               <a:rPr lang="ru-RU" smtClean="0"/>
               <a:t>Второй уровень</a:t>
             </a:r>
           </a:p>
           <a:p>
-            <a:pPr lvl="2"/>
+            <a:pPr lvl="2" eaLnBrk="1" latinLnBrk="0" hangingPunct="1"/>
             <a:r>
               <a:rPr lang="ru-RU" smtClean="0"/>
               <a:t>Третий уровень</a:t>
             </a:r>
           </a:p>
           <a:p>
-            <a:pPr lvl="3"/>
+            <a:pPr lvl="3" eaLnBrk="1" latinLnBrk="0" hangingPunct="1"/>
             <a:r>
               <a:rPr lang="ru-RU" smtClean="0"/>
               <a:t>Четвертый уровень</a:t>
             </a:r>
           </a:p>
           <a:p>
-            <a:pPr lvl="4"/>
+            <a:pPr lvl="4" eaLnBrk="1" latinLnBrk="0" hangingPunct="1"/>
             <a:r>
               <a:rPr lang="ru-RU" smtClean="0"/>
               <a:t>Пятый уровень</a:t>
             </a:r>
-            <a:endParaRPr lang="ru-RU"/>
+            <a:endParaRPr kumimoji="0" lang="en-US"/>
           </a:p>
         </p:txBody>
       </p:sp>
@@ -542,8 +3395,8 @@
         </p:nvSpPr>
         <p:spPr>
           <a:xfrm>
-            <a:off x="6629400" y="274638"/>
-            <a:ext cx="2057400" cy="5851525"/>
+            <a:off x="6781800" y="1143000"/>
+            <a:ext cx="1905000" cy="5486400"/>
           </a:xfrm>
         </p:spPr>
         <p:txBody>
@@ -551,10 +3404,10 @@
           <a:lstStyle/>
           <a:p>
             <a:r>
-              <a:rPr lang="ru-RU" smtClean="0"/>
+              <a:rPr kumimoji="0" lang="ru-RU" smtClean="0"/>
               <a:t>Образец заголовка</a:t>
             </a:r>
-            <a:endParaRPr lang="ru-RU"/>
+            <a:endParaRPr kumimoji="0" lang="en-US"/>
           </a:p>
         </p:txBody>
       </p:sp>
@@ -570,48 +3423,48 @@
         </p:nvSpPr>
         <p:spPr>
           <a:xfrm>
-            <a:off x="457200" y="274638"/>
-            <a:ext cx="6019800" cy="5851525"/>
+            <a:off x="457200" y="1143000"/>
+            <a:ext cx="6248400" cy="5486400"/>
           </a:xfrm>
         </p:spPr>
         <p:txBody>
           <a:bodyPr vert="eaVert"/>
           <a:lstStyle/>
           <a:p>
-            <a:pPr lvl="0"/>
+            <a:pPr lvl="0" eaLnBrk="1" latinLnBrk="0" hangingPunct="1"/>
             <a:r>
               <a:rPr lang="ru-RU" smtClean="0"/>
               <a:t>Образец текста</a:t>
             </a:r>
           </a:p>
           <a:p>
-            <a:pPr lvl="1"/>
+            <a:pPr lvl="1" eaLnBrk="1" latinLnBrk="0" hangingPunct="1"/>
             <a:r>
               <a:rPr lang="ru-RU" smtClean="0"/>
               <a:t>Второй уровень</a:t>
             </a:r>
           </a:p>
           <a:p>
-            <a:pPr lvl="2"/>
+            <a:pPr lvl="2" eaLnBrk="1" latinLnBrk="0" hangingPunct="1"/>
             <a:r>
               <a:rPr lang="ru-RU" smtClean="0"/>
               <a:t>Третий уровень</a:t>
             </a:r>
           </a:p>
           <a:p>
-            <a:pPr lvl="3"/>
+            <a:pPr lvl="3" eaLnBrk="1" latinLnBrk="0" hangingPunct="1"/>
             <a:r>
               <a:rPr lang="ru-RU" smtClean="0"/>
               <a:t>Четвертый уровень</a:t>
             </a:r>
           </a:p>
           <a:p>
-            <a:pPr lvl="4"/>
+            <a:pPr lvl="4" eaLnBrk="1" latinLnBrk="0" hangingPunct="1"/>
             <a:r>
               <a:rPr lang="ru-RU" smtClean="0"/>
               <a:t>Пятый уровень</a:t>
             </a:r>
-            <a:endParaRPr lang="ru-RU"/>
+            <a:endParaRPr kumimoji="0" lang="en-US"/>
           </a:p>
         </p:txBody>
       </p:sp>
@@ -723,10 +3576,10 @@
           <a:lstStyle/>
           <a:p>
             <a:r>
-              <a:rPr lang="ru-RU" smtClean="0"/>
+              <a:rPr kumimoji="0" lang="ru-RU" smtClean="0"/>
               <a:t>Образец заголовка</a:t>
             </a:r>
-            <a:endParaRPr lang="ru-RU"/>
+            <a:endParaRPr kumimoji="0" lang="en-US"/>
           </a:p>
         </p:txBody>
       </p:sp>
@@ -745,40 +3598,40 @@
           <a:bodyPr/>
           <a:lstStyle/>
           <a:p>
-            <a:pPr lvl="0"/>
+            <a:pPr lvl="0" eaLnBrk="1" latinLnBrk="0" hangingPunct="1"/>
             <a:r>
               <a:rPr lang="ru-RU" smtClean="0"/>
               <a:t>Образец текста</a:t>
             </a:r>
           </a:p>
           <a:p>
-            <a:pPr lvl="1"/>
+            <a:pPr lvl="1" eaLnBrk="1" latinLnBrk="0" hangingPunct="1"/>
             <a:r>
               <a:rPr lang="ru-RU" smtClean="0"/>
               <a:t>Второй уровень</a:t>
             </a:r>
           </a:p>
           <a:p>
-            <a:pPr lvl="2"/>
+            <a:pPr lvl="2" eaLnBrk="1" latinLnBrk="0" hangingPunct="1"/>
             <a:r>
               <a:rPr lang="ru-RU" smtClean="0"/>
               <a:t>Третий уровень</a:t>
             </a:r>
           </a:p>
           <a:p>
-            <a:pPr lvl="3"/>
+            <a:pPr lvl="3" eaLnBrk="1" latinLnBrk="0" hangingPunct="1"/>
             <a:r>
               <a:rPr lang="ru-RU" smtClean="0"/>
               <a:t>Четвертый уровень</a:t>
             </a:r>
           </a:p>
           <a:p>
-            <a:pPr lvl="4"/>
+            <a:pPr lvl="4" eaLnBrk="1" latinLnBrk="0" hangingPunct="1"/>
             <a:r>
               <a:rPr lang="ru-RU" smtClean="0"/>
               <a:t>Пятый уровень</a:t>
             </a:r>
-            <a:endParaRPr lang="ru-RU"/>
+            <a:endParaRPr kumimoji="0" lang="en-US"/>
           </a:p>
         </p:txBody>
       </p:sp>
@@ -886,23 +3739,45 @@
         </p:nvSpPr>
         <p:spPr>
           <a:xfrm>
-            <a:off x="722313" y="4406900"/>
+            <a:off x="722313" y="1981200"/>
             <a:ext cx="7772400" cy="1362075"/>
           </a:xfrm>
         </p:spPr>
         <p:txBody>
-          <a:bodyPr anchor="t"/>
+          <a:bodyPr anchor="b">
+            <a:noAutofit/>
+          </a:bodyPr>
           <a:lstStyle>
             <a:lvl1pPr algn="l">
-              <a:defRPr sz="4000" b="1" cap="all"/>
+              <a:buNone/>
+              <a:defRPr sz="4300" b="1" cap="none" baseline="0">
+                <a:ln w="12700">
+                  <a:solidFill>
+                    <a:schemeClr val="accent2">
+                      <a:shade val="90000"/>
+                      <a:satMod val="150000"/>
+                    </a:schemeClr>
+                  </a:solidFill>
+                </a:ln>
+                <a:solidFill>
+                  <a:srgbClr val="FFFFFF"/>
+                </a:solidFill>
+                <a:effectLst>
+                  <a:outerShdw blurRad="38100" dist="38100" dir="5400000" algn="tl" rotWithShape="0">
+                    <a:srgbClr val="000000">
+                      <a:alpha val="25000"/>
+                    </a:srgbClr>
+                  </a:outerShdw>
+                </a:effectLst>
+              </a:defRPr>
             </a:lvl1pPr>
           </a:lstStyle>
           <a:p>
             <a:r>
-              <a:rPr lang="ru-RU" smtClean="0"/>
+              <a:rPr kumimoji="0" lang="ru-RU" smtClean="0"/>
               <a:t>Образец заголовка</a:t>
             </a:r>
-            <a:endParaRPr lang="ru-RU"/>
+            <a:endParaRPr kumimoji="0" lang="en-US"/>
           </a:p>
         </p:txBody>
       </p:sp>
@@ -918,24 +3793,22 @@
         </p:nvSpPr>
         <p:spPr>
           <a:xfrm>
-            <a:off x="722313" y="2906713"/>
-            <a:ext cx="7772400" cy="1500187"/>
+            <a:off x="722313" y="3367088"/>
+            <a:ext cx="7772400" cy="1509712"/>
           </a:xfrm>
         </p:spPr>
         <p:txBody>
-          <a:bodyPr anchor="b"/>
+          <a:bodyPr anchor="t"/>
           <a:lstStyle>
-            <a:lvl1pPr marL="0" indent="0">
+            <a:lvl1pPr marL="45720" indent="0">
               <a:buNone/>
-              <a:defRPr sz="2000">
+              <a:defRPr sz="2100" b="0">
                 <a:solidFill>
-                  <a:schemeClr val="tx1">
-                    <a:tint val="75000"/>
-                  </a:schemeClr>
+                  <a:schemeClr val="tx2"/>
                 </a:solidFill>
               </a:defRPr>
             </a:lvl1pPr>
-            <a:lvl2pPr marL="457200" indent="0">
+            <a:lvl2pPr>
               <a:buNone/>
               <a:defRPr sz="1800">
                 <a:solidFill>
@@ -945,7 +3818,7 @@
                 </a:solidFill>
               </a:defRPr>
             </a:lvl2pPr>
-            <a:lvl3pPr marL="914400" indent="0">
+            <a:lvl3pPr>
               <a:buNone/>
               <a:defRPr sz="1600">
                 <a:solidFill>
@@ -955,7 +3828,7 @@
                 </a:solidFill>
               </a:defRPr>
             </a:lvl3pPr>
-            <a:lvl4pPr marL="1371600" indent="0">
+            <a:lvl4pPr>
               <a:buNone/>
               <a:defRPr sz="1400">
                 <a:solidFill>
@@ -965,7 +3838,7 @@
                 </a:solidFill>
               </a:defRPr>
             </a:lvl4pPr>
-            <a:lvl5pPr marL="1828800" indent="0">
+            <a:lvl5pPr>
               <a:buNone/>
               <a:defRPr sz="1400">
                 <a:solidFill>
@@ -975,51 +3848,11 @@
                 </a:solidFill>
               </a:defRPr>
             </a:lvl5pPr>
-            <a:lvl6pPr marL="2286000" indent="0">
-              <a:buNone/>
-              <a:defRPr sz="1400">
-                <a:solidFill>
-                  <a:schemeClr val="tx1">
-                    <a:tint val="75000"/>
-                  </a:schemeClr>
-                </a:solidFill>
-              </a:defRPr>
-            </a:lvl6pPr>
-            <a:lvl7pPr marL="2743200" indent="0">
-              <a:buNone/>
-              <a:defRPr sz="1400">
-                <a:solidFill>
-                  <a:schemeClr val="tx1">
-                    <a:tint val="75000"/>
-                  </a:schemeClr>
-                </a:solidFill>
-              </a:defRPr>
-            </a:lvl7pPr>
-            <a:lvl8pPr marL="3200400" indent="0">
-              <a:buNone/>
-              <a:defRPr sz="1400">
-                <a:solidFill>
-                  <a:schemeClr val="tx1">
-                    <a:tint val="75000"/>
-                  </a:schemeClr>
-                </a:solidFill>
-              </a:defRPr>
-            </a:lvl8pPr>
-            <a:lvl9pPr marL="3657600" indent="0">
-              <a:buNone/>
-              <a:defRPr sz="1400">
-                <a:solidFill>
-                  <a:schemeClr val="tx1">
-                    <a:tint val="75000"/>
-                  </a:schemeClr>
-                </a:solidFill>
-              </a:defRPr>
-            </a:lvl9pPr>
           </a:lstStyle>
           <a:p>
-            <a:pPr lvl="0"/>
-            <a:r>
-              <a:rPr lang="ru-RU" smtClean="0"/>
+            <a:pPr lvl="0" eaLnBrk="1" latinLnBrk="0" hangingPunct="1"/>
+            <a:r>
+              <a:rPr kumimoji="0" lang="ru-RU" smtClean="0"/>
               <a:t>Образец текста</a:t>
             </a:r>
           </a:p>
@@ -1133,10 +3966,10 @@
           <a:lstStyle/>
           <a:p>
             <a:r>
-              <a:rPr lang="ru-RU" smtClean="0"/>
+              <a:rPr kumimoji="0" lang="ru-RU" smtClean="0"/>
               <a:t>Образец заголовка</a:t>
             </a:r>
-            <a:endParaRPr lang="ru-RU"/>
+            <a:endParaRPr kumimoji="0" lang="en-US"/>
           </a:p>
         </p:txBody>
       </p:sp>
@@ -1152,7 +3985,7 @@
         </p:nvSpPr>
         <p:spPr>
           <a:xfrm>
-            <a:off x="457200" y="1600200"/>
+            <a:off x="457200" y="2249424"/>
             <a:ext cx="4038600" cy="4525963"/>
           </a:xfrm>
         </p:spPr>
@@ -1160,13 +3993,13 @@
           <a:bodyPr/>
           <a:lstStyle>
             <a:lvl1pPr>
-              <a:defRPr sz="2800"/>
+              <a:defRPr sz="2000"/>
             </a:lvl1pPr>
             <a:lvl2pPr>
-              <a:defRPr sz="2400"/>
+              <a:defRPr sz="1900"/>
             </a:lvl2pPr>
             <a:lvl3pPr>
-              <a:defRPr sz="2000"/>
+              <a:defRPr sz="1800"/>
             </a:lvl3pPr>
             <a:lvl4pPr>
               <a:defRPr sz="1800"/>
@@ -1174,54 +4007,42 @@
             <a:lvl5pPr>
               <a:defRPr sz="1800"/>
             </a:lvl5pPr>
-            <a:lvl6pPr>
-              <a:defRPr sz="1800"/>
-            </a:lvl6pPr>
-            <a:lvl7pPr>
-              <a:defRPr sz="1800"/>
-            </a:lvl7pPr>
-            <a:lvl8pPr>
-              <a:defRPr sz="1800"/>
-            </a:lvl8pPr>
-            <a:lvl9pPr>
-              <a:defRPr sz="1800"/>
-            </a:lvl9pPr>
           </a:lstStyle>
           <a:p>
-            <a:pPr lvl="0"/>
+            <a:pPr lvl="0" eaLnBrk="1" latinLnBrk="0" hangingPunct="1"/>
             <a:r>
               <a:rPr lang="ru-RU" smtClean="0"/>
               <a:t>Образец текста</a:t>
             </a:r>
           </a:p>
           <a:p>
-            <a:pPr lvl="1"/>
+            <a:pPr lvl="1" eaLnBrk="1" latinLnBrk="0" hangingPunct="1"/>
             <a:r>
               <a:rPr lang="ru-RU" smtClean="0"/>
               <a:t>Второй уровень</a:t>
             </a:r>
           </a:p>
           <a:p>
-            <a:pPr lvl="2"/>
+            <a:pPr lvl="2" eaLnBrk="1" latinLnBrk="0" hangingPunct="1"/>
             <a:r>
               <a:rPr lang="ru-RU" smtClean="0"/>
               <a:t>Третий уровень</a:t>
             </a:r>
           </a:p>
           <a:p>
-            <a:pPr lvl="3"/>
+            <a:pPr lvl="3" eaLnBrk="1" latinLnBrk="0" hangingPunct="1"/>
             <a:r>
               <a:rPr lang="ru-RU" smtClean="0"/>
               <a:t>Четвертый уровень</a:t>
             </a:r>
           </a:p>
           <a:p>
-            <a:pPr lvl="4"/>
+            <a:pPr lvl="4" eaLnBrk="1" latinLnBrk="0" hangingPunct="1"/>
             <a:r>
               <a:rPr lang="ru-RU" smtClean="0"/>
               <a:t>Пятый уровень</a:t>
             </a:r>
-            <a:endParaRPr lang="ru-RU"/>
+            <a:endParaRPr kumimoji="0" lang="en-US"/>
           </a:p>
         </p:txBody>
       </p:sp>
@@ -1237,7 +4058,7 @@
         </p:nvSpPr>
         <p:spPr>
           <a:xfrm>
-            <a:off x="4648200" y="1600200"/>
+            <a:off x="4648200" y="2249424"/>
             <a:ext cx="4038600" cy="4525963"/>
           </a:xfrm>
         </p:spPr>
@@ -1245,13 +4066,13 @@
           <a:bodyPr/>
           <a:lstStyle>
             <a:lvl1pPr>
-              <a:defRPr sz="2800"/>
+              <a:defRPr sz="2000"/>
             </a:lvl1pPr>
             <a:lvl2pPr>
-              <a:defRPr sz="2400"/>
+              <a:defRPr sz="1900"/>
             </a:lvl2pPr>
             <a:lvl3pPr>
-              <a:defRPr sz="2000"/>
+              <a:defRPr sz="1800"/>
             </a:lvl3pPr>
             <a:lvl4pPr>
               <a:defRPr sz="1800"/>
@@ -1259,54 +4080,42 @@
             <a:lvl5pPr>
               <a:defRPr sz="1800"/>
             </a:lvl5pPr>
-            <a:lvl6pPr>
-              <a:defRPr sz="1800"/>
-            </a:lvl6pPr>
-            <a:lvl7pPr>
-              <a:defRPr sz="1800"/>
-            </a:lvl7pPr>
-            <a:lvl8pPr>
-              <a:defRPr sz="1800"/>
-            </a:lvl8pPr>
-            <a:lvl9pPr>
-              <a:defRPr sz="1800"/>
-            </a:lvl9pPr>
           </a:lstStyle>
           <a:p>
-            <a:pPr lvl="0"/>
+            <a:pPr lvl="0" eaLnBrk="1" latinLnBrk="0" hangingPunct="1"/>
             <a:r>
               <a:rPr lang="ru-RU" smtClean="0"/>
               <a:t>Образец текста</a:t>
             </a:r>
           </a:p>
           <a:p>
-            <a:pPr lvl="1"/>
+            <a:pPr lvl="1" eaLnBrk="1" latinLnBrk="0" hangingPunct="1"/>
             <a:r>
               <a:rPr lang="ru-RU" smtClean="0"/>
               <a:t>Второй уровень</a:t>
             </a:r>
           </a:p>
           <a:p>
-            <a:pPr lvl="2"/>
+            <a:pPr lvl="2" eaLnBrk="1" latinLnBrk="0" hangingPunct="1"/>
             <a:r>
               <a:rPr lang="ru-RU" smtClean="0"/>
               <a:t>Третий уровень</a:t>
             </a:r>
           </a:p>
           <a:p>
-            <a:pPr lvl="3"/>
+            <a:pPr lvl="3" eaLnBrk="1" latinLnBrk="0" hangingPunct="1"/>
             <a:r>
               <a:rPr lang="ru-RU" smtClean="0"/>
               <a:t>Четвертый уровень</a:t>
             </a:r>
           </a:p>
           <a:p>
-            <a:pPr lvl="4"/>
+            <a:pPr lvl="4" eaLnBrk="1" latinLnBrk="0" hangingPunct="1"/>
             <a:r>
               <a:rPr lang="ru-RU" smtClean="0"/>
               <a:t>Пятый уровень</a:t>
             </a:r>
-            <a:endParaRPr lang="ru-RU"/>
+            <a:endParaRPr kumimoji="0" lang="en-US"/>
           </a:p>
         </p:txBody>
       </p:sp>
@@ -1412,20 +4221,25 @@
             <p:ph type="title"/>
           </p:nvPr>
         </p:nvSpPr>
-        <p:spPr/>
-        <p:txBody>
-          <a:bodyPr/>
+        <p:spPr>
+          <a:xfrm>
+            <a:off x="381000" y="1143000"/>
+            <a:ext cx="8382000" cy="1069848"/>
+          </a:xfrm>
+        </p:spPr>
+        <p:txBody>
+          <a:bodyPr anchor="ctr"/>
           <a:lstStyle>
             <a:lvl1pPr>
-              <a:defRPr/>
+              <a:defRPr sz="4000" b="0" i="0" cap="none" baseline="0"/>
             </a:lvl1pPr>
           </a:lstStyle>
           <a:p>
             <a:r>
-              <a:rPr lang="ru-RU" smtClean="0"/>
+              <a:rPr kumimoji="0" lang="ru-RU" smtClean="0"/>
               <a:t>Образец заголовка</a:t>
             </a:r>
-            <a:endParaRPr lang="ru-RU"/>
+            <a:endParaRPr kumimoji="0" lang="en-US"/>
           </a:p>
         </p:txBody>
       </p:sp>
@@ -1441,54 +4255,57 @@
         </p:nvSpPr>
         <p:spPr>
           <a:xfrm>
-            <a:off x="457200" y="1535113"/>
-            <a:ext cx="4040188" cy="639762"/>
+            <a:off x="381000" y="2244970"/>
+            <a:ext cx="4041648" cy="457200"/>
           </a:xfrm>
+          <a:solidFill>
+            <a:schemeClr val="accent2">
+              <a:satMod val="150000"/>
+              <a:alpha val="25000"/>
+            </a:schemeClr>
+          </a:solidFill>
+          <a:ln w="12700">
+            <a:solidFill>
+              <a:schemeClr val="accent2"/>
+            </a:solidFill>
+          </a:ln>
         </p:spPr>
         <p:txBody>
-          <a:bodyPr anchor="b"/>
+          <a:bodyPr anchor="ctr">
+            <a:noAutofit/>
+          </a:bodyPr>
           <a:lstStyle>
-            <a:lvl1pPr marL="0" indent="0">
+            <a:lvl1pPr marL="45720" indent="0">
               <a:buNone/>
-              <a:defRPr sz="2400" b="1"/>
+              <a:defRPr sz="1900" b="1">
+                <a:solidFill>
+                  <a:schemeClr val="tx1">
+                    <a:tint val="95000"/>
+                  </a:schemeClr>
+                </a:solidFill>
+              </a:defRPr>
             </a:lvl1pPr>
-            <a:lvl2pPr marL="457200" indent="0">
+            <a:lvl2pPr>
               <a:buNone/>
               <a:defRPr sz="2000" b="1"/>
             </a:lvl2pPr>
-            <a:lvl3pPr marL="914400" indent="0">
+            <a:lvl3pPr>
               <a:buNone/>
               <a:defRPr sz="1800" b="1"/>
             </a:lvl3pPr>
-            <a:lvl4pPr marL="1371600" indent="0">
+            <a:lvl4pPr>
               <a:buNone/>
               <a:defRPr sz="1600" b="1"/>
             </a:lvl4pPr>
-            <a:lvl5pPr marL="1828800" indent="0">
+            <a:lvl5pPr>
               <a:buNone/>
               <a:defRPr sz="1600" b="1"/>
             </a:lvl5pPr>
-            <a:lvl6pPr marL="2286000" indent="0">
-              <a:buNone/>
-              <a:defRPr sz="1600" b="1"/>
-            </a:lvl6pPr>
-            <a:lvl7pPr marL="2743200" indent="0">
-              <a:buNone/>
-              <a:defRPr sz="1600" b="1"/>
-            </a:lvl7pPr>
-            <a:lvl8pPr marL="3200400" indent="0">
-              <a:buNone/>
-              <a:defRPr sz="1600" b="1"/>
-            </a:lvl8pPr>
-            <a:lvl9pPr marL="3657600" indent="0">
-              <a:buNone/>
-              <a:defRPr sz="1600" b="1"/>
-            </a:lvl9pPr>
           </a:lstStyle>
           <a:p>
-            <a:pPr lvl="0"/>
-            <a:r>
-              <a:rPr lang="ru-RU" smtClean="0"/>
+            <a:pPr lvl="0" eaLnBrk="1" latinLnBrk="0" hangingPunct="1"/>
+            <a:r>
+              <a:rPr kumimoji="0" lang="ru-RU" smtClean="0"/>
               <a:t>Образец текста</a:t>
             </a:r>
           </a:p>
@@ -1496,25 +4313,93 @@
       </p:sp>
       <p:sp>
         <p:nvSpPr>
-          <p:cNvPr id="4" name="Содержимое 3"/>
+          <p:cNvPr id="4" name="Текст 3"/>
           <p:cNvSpPr>
             <a:spLocks noGrp="1"/>
           </p:cNvSpPr>
           <p:nvPr>
-            <p:ph sz="half" idx="2"/>
+            <p:ph type="body" sz="half" idx="3"/>
           </p:nvPr>
         </p:nvSpPr>
         <p:spPr>
           <a:xfrm>
-            <a:off x="457200" y="2174875"/>
-            <a:ext cx="4040188" cy="3951288"/>
+            <a:off x="4721225" y="2244970"/>
+            <a:ext cx="4041775" cy="457200"/>
+          </a:xfrm>
+          <a:solidFill>
+            <a:schemeClr val="accent2">
+              <a:satMod val="150000"/>
+              <a:alpha val="25000"/>
+            </a:schemeClr>
+          </a:solidFill>
+          <a:ln w="12700">
+            <a:solidFill>
+              <a:schemeClr val="accent2"/>
+            </a:solidFill>
+          </a:ln>
+        </p:spPr>
+        <p:txBody>
+          <a:bodyPr anchor="ctr">
+            <a:noAutofit/>
+          </a:bodyPr>
+          <a:lstStyle>
+            <a:lvl1pPr marL="45720" indent="0">
+              <a:buNone/>
+              <a:defRPr sz="1900" b="1">
+                <a:solidFill>
+                  <a:schemeClr val="tx1">
+                    <a:tint val="95000"/>
+                  </a:schemeClr>
+                </a:solidFill>
+              </a:defRPr>
+            </a:lvl1pPr>
+            <a:lvl2pPr>
+              <a:buNone/>
+              <a:defRPr sz="2000" b="1"/>
+            </a:lvl2pPr>
+            <a:lvl3pPr>
+              <a:buNone/>
+              <a:defRPr sz="1800" b="1"/>
+            </a:lvl3pPr>
+            <a:lvl4pPr>
+              <a:buNone/>
+              <a:defRPr sz="1600" b="1"/>
+            </a:lvl4pPr>
+            <a:lvl5pPr>
+              <a:buNone/>
+              <a:defRPr sz="1600" b="1"/>
+            </a:lvl5pPr>
+          </a:lstStyle>
+          <a:p>
+            <a:pPr lvl="0" eaLnBrk="1" latinLnBrk="0" hangingPunct="1"/>
+            <a:r>
+              <a:rPr kumimoji="0" lang="ru-RU" smtClean="0"/>
+              <a:t>Образец текста</a:t>
+            </a:r>
+          </a:p>
+        </p:txBody>
+      </p:sp>
+      <p:sp>
+        <p:nvSpPr>
+          <p:cNvPr id="5" name="Содержимое 4"/>
+          <p:cNvSpPr>
+            <a:spLocks noGrp="1"/>
+          </p:cNvSpPr>
+          <p:nvPr>
+            <p:ph sz="quarter" idx="2"/>
+          </p:nvPr>
+        </p:nvSpPr>
+        <p:spPr>
+          <a:xfrm>
+            <a:off x="381000" y="2708519"/>
+            <a:ext cx="4041648" cy="3886200"/>
           </a:xfrm>
         </p:spPr>
         <p:txBody>
           <a:bodyPr/>
           <a:lstStyle>
             <a:lvl1pPr>
-              <a:defRPr sz="2400"/>
+              <a:defRPr sz="2000"/>
             </a:lvl1pPr>
             <a:lvl2pPr>
               <a:defRPr sz="2000"/>
@@ -1528,119 +4413,42 @@
             <a:lvl5pPr>
               <a:defRPr sz="1600"/>
             </a:lvl5pPr>
-            <a:lvl6pPr>
-              <a:defRPr sz="1600"/>
-            </a:lvl6pPr>
-            <a:lvl7pPr>
-              <a:defRPr sz="1600"/>
-            </a:lvl7pPr>
-            <a:lvl8pPr>
-              <a:defRPr sz="1600"/>
-            </a:lvl8pPr>
-            <a:lvl9pPr>
-              <a:defRPr sz="1600"/>
-            </a:lvl9pPr>
           </a:lstStyle>
           <a:p>
-            <a:pPr lvl="0"/>
+            <a:pPr lvl="0" eaLnBrk="1" latinLnBrk="0" hangingPunct="1"/>
             <a:r>
               <a:rPr lang="ru-RU" smtClean="0"/>
               <a:t>Образец текста</a:t>
             </a:r>
           </a:p>
           <a:p>
-            <a:pPr lvl="1"/>
+            <a:pPr lvl="1" eaLnBrk="1" latinLnBrk="0" hangingPunct="1"/>
             <a:r>
               <a:rPr lang="ru-RU" smtClean="0"/>
               <a:t>Второй уровень</a:t>
             </a:r>
           </a:p>
           <a:p>
-            <a:pPr lvl="2"/>
+            <a:pPr lvl="2" eaLnBrk="1" latinLnBrk="0" hangingPunct="1"/>
             <a:r>
               <a:rPr lang="ru-RU" smtClean="0"/>
               <a:t>Третий уровень</a:t>
             </a:r>
           </a:p>
           <a:p>
-            <a:pPr lvl="3"/>
+            <a:pPr lvl="3" eaLnBrk="1" latinLnBrk="0" hangingPunct="1"/>
             <a:r>
               <a:rPr lang="ru-RU" smtClean="0"/>
               <a:t>Четвертый уровень</a:t>
             </a:r>
           </a:p>
           <a:p>
-            <a:pPr lvl="4"/>
+            <a:pPr lvl="4" eaLnBrk="1" latinLnBrk="0" hangingPunct="1"/>
             <a:r>
               <a:rPr lang="ru-RU" smtClean="0"/>
               <a:t>Пятый уровень</a:t>
             </a:r>
-            <a:endParaRPr lang="ru-RU"/>
-          </a:p>
-        </p:txBody>
-      </p:sp>
-      <p:sp>
-        <p:nvSpPr>
-          <p:cNvPr id="5" name="Текст 4"/>
-          <p:cNvSpPr>
-            <a:spLocks noGrp="1"/>
-          </p:cNvSpPr>
-          <p:nvPr>
-            <p:ph type="body" sz="quarter" idx="3"/>
-          </p:nvPr>
-        </p:nvSpPr>
-        <p:spPr>
-          <a:xfrm>
-            <a:off x="4645025" y="1535113"/>
-            <a:ext cx="4041775" cy="639762"/>
-          </a:xfrm>
-        </p:spPr>
-        <p:txBody>
-          <a:bodyPr anchor="b"/>
-          <a:lstStyle>
-            <a:lvl1pPr marL="0" indent="0">
-              <a:buNone/>
-              <a:defRPr sz="2400" b="1"/>
-            </a:lvl1pPr>
-            <a:lvl2pPr marL="457200" indent="0">
-              <a:buNone/>
-              <a:defRPr sz="2000" b="1"/>
-            </a:lvl2pPr>
-            <a:lvl3pPr marL="914400" indent="0">
-              <a:buNone/>
-              <a:defRPr sz="1800" b="1"/>
-            </a:lvl3pPr>
-            <a:lvl4pPr marL="1371600" indent="0">
-              <a:buNone/>
-              <a:defRPr sz="1600" b="1"/>
-            </a:lvl4pPr>
-            <a:lvl5pPr marL="1828800" indent="0">
-              <a:buNone/>
-              <a:defRPr sz="1600" b="1"/>
-            </a:lvl5pPr>
-            <a:lvl6pPr marL="2286000" indent="0">
-              <a:buNone/>
-              <a:defRPr sz="1600" b="1"/>
-            </a:lvl6pPr>
-            <a:lvl7pPr marL="2743200" indent="0">
-              <a:buNone/>
-              <a:defRPr sz="1600" b="1"/>
-            </a:lvl7pPr>
-            <a:lvl8pPr marL="3200400" indent="0">
-              <a:buNone/>
-              <a:defRPr sz="1600" b="1"/>
-            </a:lvl8pPr>
-            <a:lvl9pPr marL="3657600" indent="0">
-              <a:buNone/>
-              <a:defRPr sz="1600" b="1"/>
-            </a:lvl9pPr>
-          </a:lstStyle>
-          <a:p>
-            <a:pPr lvl="0"/>
-            <a:r>
-              <a:rPr lang="ru-RU" smtClean="0"/>
-              <a:t>Образец текста</a:t>
-            </a:r>
+            <a:endParaRPr kumimoji="0" lang="en-US"/>
           </a:p>
         </p:txBody>
       </p:sp>
@@ -1656,15 +4464,15 @@
         </p:nvSpPr>
         <p:spPr>
           <a:xfrm>
-            <a:off x="4645025" y="2174875"/>
-            <a:ext cx="4041775" cy="3951288"/>
+            <a:off x="4718304" y="2708519"/>
+            <a:ext cx="4041775" cy="3886200"/>
           </a:xfrm>
         </p:spPr>
         <p:txBody>
           <a:bodyPr/>
           <a:lstStyle>
             <a:lvl1pPr>
-              <a:defRPr sz="2400"/>
+              <a:defRPr sz="2000"/>
             </a:lvl1pPr>
             <a:lvl2pPr>
               <a:defRPr sz="2000"/>
@@ -1678,60 +4486,48 @@
             <a:lvl5pPr>
               <a:defRPr sz="1600"/>
             </a:lvl5pPr>
-            <a:lvl6pPr>
-              <a:defRPr sz="1600"/>
-            </a:lvl6pPr>
-            <a:lvl7pPr>
-              <a:defRPr sz="1600"/>
-            </a:lvl7pPr>
-            <a:lvl8pPr>
-              <a:defRPr sz="1600"/>
-            </a:lvl8pPr>
-            <a:lvl9pPr>
-              <a:defRPr sz="1600"/>
-            </a:lvl9pPr>
           </a:lstStyle>
           <a:p>
-            <a:pPr lvl="0"/>
+            <a:pPr lvl="0" eaLnBrk="1" latinLnBrk="0" hangingPunct="1"/>
             <a:r>
               <a:rPr lang="ru-RU" smtClean="0"/>
               <a:t>Образец текста</a:t>
             </a:r>
           </a:p>
           <a:p>
-            <a:pPr lvl="1"/>
+            <a:pPr lvl="1" eaLnBrk="1" latinLnBrk="0" hangingPunct="1"/>
             <a:r>
               <a:rPr lang="ru-RU" smtClean="0"/>
               <a:t>Второй уровень</a:t>
             </a:r>
           </a:p>
           <a:p>
-            <a:pPr lvl="2"/>
+            <a:pPr lvl="2" eaLnBrk="1" latinLnBrk="0" hangingPunct="1"/>
             <a:r>
               <a:rPr lang="ru-RU" smtClean="0"/>
               <a:t>Третий уровень</a:t>
             </a:r>
           </a:p>
           <a:p>
-            <a:pPr lvl="3"/>
+            <a:pPr lvl="3" eaLnBrk="1" latinLnBrk="0" hangingPunct="1"/>
             <a:r>
               <a:rPr lang="ru-RU" smtClean="0"/>
               <a:t>Четвертый уровень</a:t>
             </a:r>
           </a:p>
           <a:p>
-            <a:pPr lvl="4"/>
+            <a:pPr lvl="4" eaLnBrk="1" latinLnBrk="0" hangingPunct="1"/>
             <a:r>
               <a:rPr lang="ru-RU" smtClean="0"/>
               <a:t>Пятый уровень</a:t>
             </a:r>
-            <a:endParaRPr lang="ru-RU"/>
-          </a:p>
-        </p:txBody>
-      </p:sp>
-      <p:sp>
-        <p:nvSpPr>
-          <p:cNvPr id="7" name="Дата 6"/>
+            <a:endParaRPr kumimoji="0" lang="en-US"/>
+          </a:p>
+        </p:txBody>
+      </p:sp>
+      <p:sp>
+        <p:nvSpPr>
+          <p:cNvPr id="26" name="Дата 25"/>
           <p:cNvSpPr>
             <a:spLocks noGrp="1"/>
           </p:cNvSpPr>
@@ -1741,7 +4537,7 @@
         </p:nvSpPr>
         <p:spPr/>
         <p:txBody>
-          <a:bodyPr/>
+          <a:bodyPr rtlCol="0"/>
           <a:lstStyle/>
           <a:p>
             <a:fld id="{5B106E36-FD25-4E2D-B0AA-010F637433A0}" type="datetimeFigureOut">
@@ -1755,36 +4551,17 @@
       </p:sp>
       <p:sp>
         <p:nvSpPr>
-          <p:cNvPr id="8" name="Нижний колонтитул 7"/>
+          <p:cNvPr id="27" name="Номер слайда 26"/>
           <p:cNvSpPr>
             <a:spLocks noGrp="1"/>
           </p:cNvSpPr>
           <p:nvPr>
-            <p:ph type="ftr" sz="quarter" idx="11"/>
+            <p:ph type="sldNum" sz="quarter" idx="11"/>
           </p:nvPr>
         </p:nvSpPr>
         <p:spPr/>
         <p:txBody>
-          <a:bodyPr/>
-          <a:lstStyle/>
-          <a:p>
-            <a:endParaRPr lang="ru-RU"/>
-          </a:p>
-        </p:txBody>
-      </p:sp>
-      <p:sp>
-        <p:nvSpPr>
-          <p:cNvPr id="9" name="Номер слайда 8"/>
-          <p:cNvSpPr>
-            <a:spLocks noGrp="1"/>
-          </p:cNvSpPr>
-          <p:nvPr>
-            <p:ph type="sldNum" sz="quarter" idx="12"/>
-          </p:nvPr>
-        </p:nvSpPr>
-        <p:spPr/>
-        <p:txBody>
-          <a:bodyPr/>
+          <a:bodyPr rtlCol="0"/>
           <a:lstStyle/>
           <a:p>
             <a:fld id="{725C68B6-61C2-468F-89AB-4B9F7531AA68}" type="slidenum">
@@ -1792,6 +4569,25 @@
               <a:pPr/>
               <a:t>‹#›</a:t>
             </a:fld>
+            <a:endParaRPr lang="ru-RU"/>
+          </a:p>
+        </p:txBody>
+      </p:sp>
+      <p:sp>
+        <p:nvSpPr>
+          <p:cNvPr id="28" name="Нижний колонтитул 27"/>
+          <p:cNvSpPr>
+            <a:spLocks noGrp="1"/>
+          </p:cNvSpPr>
+          <p:nvPr>
+            <p:ph type="ftr" sz="quarter" idx="12"/>
+          </p:nvPr>
+        </p:nvSpPr>
+        <p:spPr/>
+        <p:txBody>
+          <a:bodyPr rtlCol="0"/>
+          <a:lstStyle/>
+          <a:p>
             <a:endParaRPr lang="ru-RU"/>
           </a:p>
         </p:txBody>
@@ -1831,16 +4627,29 @@
             <p:ph type="title"/>
           </p:nvPr>
         </p:nvSpPr>
-        <p:spPr/>
-        <p:txBody>
-          <a:bodyPr/>
-          <a:lstStyle/>
-          <a:p>
-            <a:r>
-              <a:rPr lang="ru-RU" smtClean="0"/>
+        <p:spPr>
+          <a:xfrm>
+            <a:off x="457200" y="1143000"/>
+            <a:ext cx="8229600" cy="1069848"/>
+          </a:xfrm>
+        </p:spPr>
+        <p:txBody>
+          <a:bodyPr anchor="ctr"/>
+          <a:lstStyle>
+            <a:lvl1pPr>
+              <a:defRPr sz="4000">
+                <a:solidFill>
+                  <a:schemeClr val="tx2"/>
+                </a:solidFill>
+              </a:defRPr>
+            </a:lvl1pPr>
+          </a:lstStyle>
+          <a:p>
+            <a:r>
+              <a:rPr kumimoji="0" lang="ru-RU" smtClean="0"/>
               <a:t>Образец заголовка</a:t>
             </a:r>
-            <a:endParaRPr lang="ru-RU"/>
+            <a:endParaRPr kumimoji="0" lang="en-US"/>
           </a:p>
         </p:txBody>
       </p:sp>
@@ -1854,7 +4663,12 @@
             <p:ph type="dt" sz="half" idx="10"/>
           </p:nvPr>
         </p:nvSpPr>
-        <p:spPr/>
+        <p:spPr>
+          <a:xfrm>
+            <a:off x="6583680" y="612648"/>
+            <a:ext cx="957264" cy="457200"/>
+          </a:xfrm>
+        </p:spPr>
         <p:txBody>
           <a:bodyPr/>
           <a:lstStyle/>
@@ -1878,7 +4692,12 @@
             <p:ph type="ftr" sz="quarter" idx="11"/>
           </p:nvPr>
         </p:nvSpPr>
-        <p:spPr/>
+        <p:spPr>
+          <a:xfrm>
+            <a:off x="5257800" y="612648"/>
+            <a:ext cx="1325880" cy="457200"/>
+          </a:xfrm>
+        </p:spPr>
         <p:txBody>
           <a:bodyPr/>
           <a:lstStyle/>
@@ -1897,7 +4716,12 @@
             <p:ph type="sldNum" sz="quarter" idx="12"/>
           </p:nvPr>
         </p:nvSpPr>
-        <p:spPr/>
+        <p:spPr>
+          <a:xfrm>
+            <a:off x="8174736" y="2272"/>
+            <a:ext cx="762000" cy="365760"/>
+          </a:xfrm>
+        </p:spPr>
         <p:txBody>
           <a:bodyPr/>
           <a:lstStyle/>
@@ -2040,40 +4864,90 @@
         </p:nvSpPr>
         <p:spPr>
           <a:xfrm>
-            <a:off x="457200" y="273050"/>
-            <a:ext cx="3008313" cy="1162050"/>
+            <a:off x="5353496" y="1101970"/>
+            <a:ext cx="3383280" cy="877824"/>
           </a:xfrm>
         </p:spPr>
         <p:txBody>
           <a:bodyPr anchor="b"/>
           <a:lstStyle>
             <a:lvl1pPr algn="l">
-              <a:defRPr sz="2000" b="1"/>
+              <a:buNone/>
+              <a:defRPr sz="1800" b="1"/>
             </a:lvl1pPr>
           </a:lstStyle>
           <a:p>
             <a:r>
-              <a:rPr lang="ru-RU" smtClean="0"/>
+              <a:rPr kumimoji="0" lang="ru-RU" smtClean="0"/>
               <a:t>Образец заголовка</a:t>
             </a:r>
-            <a:endParaRPr lang="ru-RU"/>
-          </a:p>
-        </p:txBody>
-      </p:sp>
-      <p:sp>
-        <p:nvSpPr>
-          <p:cNvPr id="3" name="Содержимое 2"/>
+            <a:endParaRPr kumimoji="0" lang="en-US"/>
+          </a:p>
+        </p:txBody>
+      </p:sp>
+      <p:sp>
+        <p:nvSpPr>
+          <p:cNvPr id="3" name="Текст 2"/>
           <p:cNvSpPr>
             <a:spLocks noGrp="1"/>
           </p:cNvSpPr>
           <p:nvPr>
-            <p:ph idx="1"/>
+            <p:ph type="body" idx="2"/>
           </p:nvPr>
         </p:nvSpPr>
         <p:spPr>
           <a:xfrm>
-            <a:off x="3575050" y="273050"/>
-            <a:ext cx="5111750" cy="5853113"/>
+            <a:off x="5353496" y="2010727"/>
+            <a:ext cx="3383280" cy="4617720"/>
+          </a:xfrm>
+        </p:spPr>
+        <p:txBody>
+          <a:bodyPr/>
+          <a:lstStyle>
+            <a:lvl1pPr marL="9144" indent="0">
+              <a:buNone/>
+              <a:defRPr sz="1400"/>
+            </a:lvl1pPr>
+            <a:lvl2pPr>
+              <a:buNone/>
+              <a:defRPr sz="1200"/>
+            </a:lvl2pPr>
+            <a:lvl3pPr>
+              <a:buNone/>
+              <a:defRPr sz="1000"/>
+            </a:lvl3pPr>
+            <a:lvl4pPr>
+              <a:buNone/>
+              <a:defRPr sz="900"/>
+            </a:lvl4pPr>
+            <a:lvl5pPr>
+              <a:buNone/>
+              <a:defRPr sz="900"/>
+            </a:lvl5pPr>
+          </a:lstStyle>
+          <a:p>
+            <a:pPr lvl="0" eaLnBrk="1" latinLnBrk="0" hangingPunct="1"/>
+            <a:r>
+              <a:rPr kumimoji="0" lang="ru-RU" smtClean="0"/>
+              <a:t>Образец текста</a:t>
+            </a:r>
+          </a:p>
+        </p:txBody>
+      </p:sp>
+      <p:sp>
+        <p:nvSpPr>
+          <p:cNvPr id="4" name="Содержимое 3"/>
+          <p:cNvSpPr>
+            <a:spLocks noGrp="1"/>
+          </p:cNvSpPr>
+          <p:nvPr>
+            <p:ph sz="half" idx="1"/>
+          </p:nvPr>
+        </p:nvSpPr>
+        <p:spPr>
+          <a:xfrm>
+            <a:off x="152400" y="776287"/>
+            <a:ext cx="5102352" cy="5852160"/>
           </a:xfrm>
         </p:spPr>
         <p:txBody>
@@ -2094,119 +4968,42 @@
             <a:lvl5pPr>
               <a:defRPr sz="2000"/>
             </a:lvl5pPr>
-            <a:lvl6pPr>
-              <a:defRPr sz="2000"/>
-            </a:lvl6pPr>
-            <a:lvl7pPr>
-              <a:defRPr sz="2000"/>
-            </a:lvl7pPr>
-            <a:lvl8pPr>
-              <a:defRPr sz="2000"/>
-            </a:lvl8pPr>
-            <a:lvl9pPr>
-              <a:defRPr sz="2000"/>
-            </a:lvl9pPr>
           </a:lstStyle>
           <a:p>
-            <a:pPr lvl="0"/>
+            <a:pPr lvl="0" eaLnBrk="1" latinLnBrk="0" hangingPunct="1"/>
             <a:r>
               <a:rPr lang="ru-RU" smtClean="0"/>
               <a:t>Образец текста</a:t>
             </a:r>
           </a:p>
           <a:p>
-            <a:pPr lvl="1"/>
+            <a:pPr lvl="1" eaLnBrk="1" latinLnBrk="0" hangingPunct="1"/>
             <a:r>
               <a:rPr lang="ru-RU" smtClean="0"/>
               <a:t>Второй уровень</a:t>
             </a:r>
           </a:p>
           <a:p>
-            <a:pPr lvl="2"/>
+            <a:pPr lvl="2" eaLnBrk="1" latinLnBrk="0" hangingPunct="1"/>
             <a:r>
               <a:rPr lang="ru-RU" smtClean="0"/>
               <a:t>Третий уровень</a:t>
             </a:r>
           </a:p>
           <a:p>
-            <a:pPr lvl="3"/>
+            <a:pPr lvl="3" eaLnBrk="1" latinLnBrk="0" hangingPunct="1"/>
             <a:r>
               <a:rPr lang="ru-RU" smtClean="0"/>
               <a:t>Четвертый уровень</a:t>
             </a:r>
           </a:p>
           <a:p>
-            <a:pPr lvl="4"/>
+            <a:pPr lvl="4" eaLnBrk="1" latinLnBrk="0" hangingPunct="1"/>
             <a:r>
               <a:rPr lang="ru-RU" smtClean="0"/>
               <a:t>Пятый уровень</a:t>
             </a:r>
-            <a:endParaRPr lang="ru-RU"/>
-          </a:p>
-        </p:txBody>
-      </p:sp>
-      <p:sp>
-        <p:nvSpPr>
-          <p:cNvPr id="4" name="Текст 3"/>
-          <p:cNvSpPr>
-            <a:spLocks noGrp="1"/>
-          </p:cNvSpPr>
-          <p:nvPr>
-            <p:ph type="body" sz="half" idx="2"/>
-          </p:nvPr>
-        </p:nvSpPr>
-        <p:spPr>
-          <a:xfrm>
-            <a:off x="457200" y="1435100"/>
-            <a:ext cx="3008313" cy="4691063"/>
-          </a:xfrm>
-        </p:spPr>
-        <p:txBody>
-          <a:bodyPr/>
-          <a:lstStyle>
-            <a:lvl1pPr marL="0" indent="0">
-              <a:buNone/>
-              <a:defRPr sz="1400"/>
-            </a:lvl1pPr>
-            <a:lvl2pPr marL="457200" indent="0">
-              <a:buNone/>
-              <a:defRPr sz="1200"/>
-            </a:lvl2pPr>
-            <a:lvl3pPr marL="914400" indent="0">
-              <a:buNone/>
-              <a:defRPr sz="1000"/>
-            </a:lvl3pPr>
-            <a:lvl4pPr marL="1371600" indent="0">
-              <a:buNone/>
-              <a:defRPr sz="900"/>
-            </a:lvl4pPr>
-            <a:lvl5pPr marL="1828800" indent="0">
-              <a:buNone/>
-              <a:defRPr sz="900"/>
-            </a:lvl5pPr>
-            <a:lvl6pPr marL="2286000" indent="0">
-              <a:buNone/>
-              <a:defRPr sz="900"/>
-            </a:lvl6pPr>
-            <a:lvl7pPr marL="2743200" indent="0">
-              <a:buNone/>
-              <a:defRPr sz="900"/>
-            </a:lvl7pPr>
-            <a:lvl8pPr marL="3200400" indent="0">
-              <a:buNone/>
-              <a:defRPr sz="900"/>
-            </a:lvl8pPr>
-            <a:lvl9pPr marL="3657600" indent="0">
-              <a:buNone/>
-              <a:defRPr sz="900"/>
-            </a:lvl9pPr>
-          </a:lstStyle>
-          <a:p>
-            <a:pPr lvl="0"/>
-            <a:r>
-              <a:rPr lang="ru-RU" smtClean="0"/>
-              <a:t>Образец текста</a:t>
-            </a:r>
+            <a:endParaRPr kumimoji="0" lang="en-US"/>
           </a:p>
         </p:txBody>
       </p:sp>
@@ -2314,23 +5111,24 @@
         </p:nvSpPr>
         <p:spPr>
           <a:xfrm>
-            <a:off x="1792288" y="4800600"/>
-            <a:ext cx="5486400" cy="566738"/>
+            <a:off x="5440434" y="1109160"/>
+            <a:ext cx="586803" cy="4681637"/>
           </a:xfrm>
         </p:spPr>
         <p:txBody>
-          <a:bodyPr anchor="b"/>
+          <a:bodyPr vert="vert270" lIns="45720" tIns="0" rIns="45720" anchor="t"/>
           <a:lstStyle>
-            <a:lvl1pPr algn="l">
+            <a:lvl1pPr algn="ctr">
+              <a:buNone/>
               <a:defRPr sz="2000" b="1"/>
             </a:lvl1pPr>
           </a:lstStyle>
           <a:p>
             <a:r>
-              <a:rPr lang="ru-RU" smtClean="0"/>
+              <a:rPr kumimoji="0" lang="ru-RU" smtClean="0"/>
               <a:t>Образец заголовка</a:t>
             </a:r>
-            <a:endParaRPr lang="ru-RU"/>
+            <a:endParaRPr kumimoji="0" lang="en-US"/>
           </a:p>
         </p:txBody>
       </p:sp>
@@ -2346,9 +5144,37 @@
         </p:nvSpPr>
         <p:spPr>
           <a:xfrm>
-            <a:off x="1792288" y="612775"/>
-            <a:ext cx="5486400" cy="4114800"/>
+            <a:off x="403671" y="1143000"/>
+            <a:ext cx="4572000" cy="4572000"/>
           </a:xfrm>
+          <a:solidFill>
+            <a:srgbClr val="EAEAEA"/>
+          </a:solidFill>
+          <a:ln w="50800">
+            <a:solidFill>
+              <a:srgbClr val="FFFFFF"/>
+            </a:solidFill>
+            <a:miter lim="800000"/>
+          </a:ln>
+          <a:effectLst>
+            <a:outerShdw blurRad="57150" dist="31750" dir="4800000" algn="tl" rotWithShape="0">
+              <a:srgbClr val="000000">
+                <a:alpha val="25000"/>
+              </a:srgbClr>
+            </a:outerShdw>
+          </a:effectLst>
+          <a:scene3d>
+            <a:camera prst="orthographicFront"/>
+            <a:lightRig rig="twoPt" dir="t">
+              <a:rot lat="0" lon="0" rev="7200000"/>
+            </a:lightRig>
+          </a:scene3d>
+          <a:sp3d contourW="2540">
+            <a:bevelT w="25400" h="19050"/>
+            <a:contourClr>
+              <a:srgbClr val="AEAEAE"/>
+            </a:contourClr>
+          </a:sp3d>
         </p:spPr>
         <p:txBody>
           <a:bodyPr/>
@@ -2357,41 +5183,13 @@
               <a:buNone/>
               <a:defRPr sz="3200"/>
             </a:lvl1pPr>
-            <a:lvl2pPr marL="457200" indent="0">
-              <a:buNone/>
-              <a:defRPr sz="2800"/>
-            </a:lvl2pPr>
-            <a:lvl3pPr marL="914400" indent="0">
-              <a:buNone/>
-              <a:defRPr sz="2400"/>
-            </a:lvl3pPr>
-            <a:lvl4pPr marL="1371600" indent="0">
-              <a:buNone/>
-              <a:defRPr sz="2000"/>
-            </a:lvl4pPr>
-            <a:lvl5pPr marL="1828800" indent="0">
-              <a:buNone/>
-              <a:defRPr sz="2000"/>
-            </a:lvl5pPr>
-            <a:lvl6pPr marL="2286000" indent="0">
-              <a:buNone/>
-              <a:defRPr sz="2000"/>
-            </a:lvl6pPr>
-            <a:lvl7pPr marL="2743200" indent="0">
-              <a:buNone/>
-              <a:defRPr sz="2000"/>
-            </a:lvl7pPr>
-            <a:lvl8pPr marL="3200400" indent="0">
-              <a:buNone/>
-              <a:defRPr sz="2000"/>
-            </a:lvl8pPr>
-            <a:lvl9pPr marL="3657600" indent="0">
-              <a:buNone/>
-              <a:defRPr sz="2000"/>
-            </a:lvl9pPr>
           </a:lstStyle>
           <a:p>
-            <a:endParaRPr lang="ru-RU"/>
+            <a:r>
+              <a:rPr kumimoji="0" lang="ru-RU" smtClean="0"/>
+              <a:t>Вставка рисунка</a:t>
+            </a:r>
+            <a:endParaRPr kumimoji="0" lang="en-US" dirty="0"/>
           </a:p>
         </p:txBody>
       </p:sp>
@@ -2407,54 +5205,49 @@
         </p:nvSpPr>
         <p:spPr>
           <a:xfrm>
-            <a:off x="1792288" y="5367338"/>
-            <a:ext cx="5486400" cy="804862"/>
+            <a:off x="6088443" y="3274308"/>
+            <a:ext cx="2590800" cy="2516489"/>
           </a:xfrm>
         </p:spPr>
         <p:txBody>
-          <a:bodyPr/>
+          <a:bodyPr lIns="0" tIns="0" rIns="45720" anchor="t"/>
           <a:lstStyle>
             <a:lvl1pPr marL="0" indent="0">
+              <a:lnSpc>
+                <a:spcPct val="100000"/>
+              </a:lnSpc>
+              <a:spcBef>
+                <a:spcPts val="0"/>
+              </a:spcBef>
+              <a:buFontTx/>
               <a:buNone/>
-              <a:defRPr sz="1400"/>
+              <a:defRPr sz="1300"/>
             </a:lvl1pPr>
-            <a:lvl2pPr marL="457200" indent="0">
+            <a:lvl2pPr>
+              <a:buFontTx/>
               <a:buNone/>
               <a:defRPr sz="1200"/>
             </a:lvl2pPr>
-            <a:lvl3pPr marL="914400" indent="0">
+            <a:lvl3pPr>
+              <a:buFontTx/>
               <a:buNone/>
               <a:defRPr sz="1000"/>
             </a:lvl3pPr>
-            <a:lvl4pPr marL="1371600" indent="0">
+            <a:lvl4pPr>
+              <a:buFontTx/>
               <a:buNone/>
               <a:defRPr sz="900"/>
             </a:lvl4pPr>
-            <a:lvl5pPr marL="1828800" indent="0">
+            <a:lvl5pPr>
+              <a:buFontTx/>
               <a:buNone/>
               <a:defRPr sz="900"/>
             </a:lvl5pPr>
-            <a:lvl6pPr marL="2286000" indent="0">
-              <a:buNone/>
-              <a:defRPr sz="900"/>
-            </a:lvl6pPr>
-            <a:lvl7pPr marL="2743200" indent="0">
-              <a:buNone/>
-              <a:defRPr sz="900"/>
-            </a:lvl7pPr>
-            <a:lvl8pPr marL="3200400" indent="0">
-              <a:buNone/>
-              <a:defRPr sz="900"/>
-            </a:lvl8pPr>
-            <a:lvl9pPr marL="3657600" indent="0">
-              <a:buNone/>
-              <a:defRPr sz="900"/>
-            </a:lvl9pPr>
           </a:lstStyle>
           <a:p>
-            <a:pPr lvl="0"/>
-            <a:r>
-              <a:rPr lang="ru-RU" smtClean="0"/>
+            <a:pPr lvl="0" eaLnBrk="1" latinLnBrk="0" hangingPunct="1"/>
+            <a:r>
+              <a:rPr kumimoji="0" lang="ru-RU" smtClean="0"/>
               <a:t>Образец текста</a:t>
             </a:r>
           </a:p>
@@ -2559,7 +5352,625 @@
       </p:grpSpPr>
       <p:sp>
         <p:nvSpPr>
-          <p:cNvPr id="2" name="Заголовок 1"/>
+          <p:cNvPr id="28" name="Прямоугольник 27"/>
+          <p:cNvSpPr/>
+          <p:nvPr/>
+        </p:nvSpPr>
+        <p:spPr>
+          <a:xfrm>
+            <a:off x="1" y="366818"/>
+            <a:ext cx="9144000" cy="84407"/>
+          </a:xfrm>
+          <a:prstGeom prst="rect">
+            <a:avLst/>
+          </a:prstGeom>
+          <a:solidFill>
+            <a:schemeClr val="accent2">
+              <a:alpha val="50000"/>
+            </a:schemeClr>
+          </a:solidFill>
+          <a:ln w="50800" cap="rnd" cmpd="thickThin" algn="ctr">
+            <a:noFill/>
+            <a:prstDash val="solid"/>
+          </a:ln>
+          <a:effectLst/>
+        </p:spPr>
+        <p:style>
+          <a:lnRef idx="3">
+            <a:schemeClr val="lt1"/>
+          </a:lnRef>
+          <a:fillRef idx="1">
+            <a:schemeClr val="accent1"/>
+          </a:fillRef>
+          <a:effectRef idx="1">
+            <a:schemeClr val="accent1"/>
+          </a:effectRef>
+          <a:fontRef idx="minor">
+            <a:schemeClr val="lt1"/>
+          </a:fontRef>
+        </p:style>
+        <p:txBody>
+          <a:bodyPr anchor="ctr"/>
+          <a:lstStyle/>
+          <a:p>
+            <a:pPr algn="ctr" eaLnBrk="1" latinLnBrk="0" hangingPunct="1"/>
+            <a:endParaRPr kumimoji="0" lang="en-US"/>
+          </a:p>
+        </p:txBody>
+      </p:sp>
+      <p:sp>
+        <p:nvSpPr>
+          <p:cNvPr id="29" name="Прямоугольник 28"/>
+          <p:cNvSpPr/>
+          <p:nvPr/>
+        </p:nvSpPr>
+        <p:spPr>
+          <a:xfrm>
+            <a:off x="0" y="-1"/>
+            <a:ext cx="9144000" cy="310663"/>
+          </a:xfrm>
+          <a:prstGeom prst="rect">
+            <a:avLst/>
+          </a:prstGeom>
+          <a:solidFill>
+            <a:schemeClr val="tx2">
+              <a:alpha val="100000"/>
+            </a:schemeClr>
+          </a:solidFill>
+          <a:ln w="50800" cap="rnd" cmpd="thickThin" algn="ctr">
+            <a:noFill/>
+            <a:prstDash val="solid"/>
+          </a:ln>
+          <a:effectLst/>
+        </p:spPr>
+        <p:style>
+          <a:lnRef idx="3">
+            <a:schemeClr val="lt1"/>
+          </a:lnRef>
+          <a:fillRef idx="1">
+            <a:schemeClr val="accent1"/>
+          </a:fillRef>
+          <a:effectRef idx="1">
+            <a:schemeClr val="accent1"/>
+          </a:effectRef>
+          <a:fontRef idx="minor">
+            <a:schemeClr val="lt1"/>
+          </a:fontRef>
+        </p:style>
+        <p:txBody>
+          <a:bodyPr anchor="ctr"/>
+          <a:lstStyle/>
+          <a:p>
+            <a:pPr algn="ctr" eaLnBrk="1" latinLnBrk="0" hangingPunct="1"/>
+            <a:endParaRPr kumimoji="0" lang="en-US"/>
+          </a:p>
+        </p:txBody>
+      </p:sp>
+      <p:sp>
+        <p:nvSpPr>
+          <p:cNvPr id="30" name="Прямоугольник 29"/>
+          <p:cNvSpPr/>
+          <p:nvPr/>
+        </p:nvSpPr>
+        <p:spPr>
+          <a:xfrm>
+            <a:off x="0" y="308276"/>
+            <a:ext cx="9144001" cy="91441"/>
+          </a:xfrm>
+          <a:prstGeom prst="rect">
+            <a:avLst/>
+          </a:prstGeom>
+          <a:solidFill>
+            <a:schemeClr val="accent2">
+              <a:alpha val="100000"/>
+            </a:schemeClr>
+          </a:solidFill>
+          <a:ln w="50800" cap="rnd" cmpd="thickThin" algn="ctr">
+            <a:noFill/>
+            <a:prstDash val="solid"/>
+          </a:ln>
+          <a:effectLst/>
+        </p:spPr>
+        <p:style>
+          <a:lnRef idx="3">
+            <a:schemeClr val="lt1"/>
+          </a:lnRef>
+          <a:fillRef idx="1">
+            <a:schemeClr val="accent1"/>
+          </a:fillRef>
+          <a:effectRef idx="1">
+            <a:schemeClr val="accent1"/>
+          </a:effectRef>
+          <a:fontRef idx="minor">
+            <a:schemeClr val="lt1"/>
+          </a:fontRef>
+        </p:style>
+        <p:txBody>
+          <a:bodyPr anchor="ctr"/>
+          <a:lstStyle/>
+          <a:p>
+            <a:pPr algn="ctr" eaLnBrk="1" latinLnBrk="0" hangingPunct="1"/>
+            <a:endParaRPr kumimoji="0" lang="en-US"/>
+          </a:p>
+        </p:txBody>
+      </p:sp>
+      <p:sp>
+        <p:nvSpPr>
+          <p:cNvPr id="31" name="Прямоугольник 30"/>
+          <p:cNvSpPr/>
+          <p:nvPr/>
+        </p:nvSpPr>
+        <p:spPr>
+          <a:xfrm flipV="1">
+            <a:off x="5410182" y="360246"/>
+            <a:ext cx="3733819" cy="91087"/>
+          </a:xfrm>
+          <a:prstGeom prst="rect">
+            <a:avLst/>
+          </a:prstGeom>
+          <a:solidFill>
+            <a:schemeClr val="accent2">
+              <a:alpha val="100000"/>
+            </a:schemeClr>
+          </a:solidFill>
+          <a:ln w="50800" cap="rnd" cmpd="thickThin" algn="ctr">
+            <a:noFill/>
+            <a:prstDash val="solid"/>
+          </a:ln>
+          <a:effectLst/>
+        </p:spPr>
+        <p:style>
+          <a:lnRef idx="3">
+            <a:schemeClr val="lt1"/>
+          </a:lnRef>
+          <a:fillRef idx="1">
+            <a:schemeClr val="accent1"/>
+          </a:fillRef>
+          <a:effectRef idx="1">
+            <a:schemeClr val="accent1"/>
+          </a:effectRef>
+          <a:fontRef idx="minor">
+            <a:schemeClr val="lt1"/>
+          </a:fontRef>
+        </p:style>
+        <p:txBody>
+          <a:bodyPr anchor="ctr"/>
+          <a:lstStyle/>
+          <a:p>
+            <a:pPr algn="ctr" eaLnBrk="1" latinLnBrk="0" hangingPunct="1"/>
+            <a:endParaRPr kumimoji="0" lang="en-US"/>
+          </a:p>
+        </p:txBody>
+      </p:sp>
+      <p:sp>
+        <p:nvSpPr>
+          <p:cNvPr id="32" name="Прямоугольник 31"/>
+          <p:cNvSpPr/>
+          <p:nvPr/>
+        </p:nvSpPr>
+        <p:spPr>
+          <a:xfrm flipV="1">
+            <a:off x="5410200" y="440112"/>
+            <a:ext cx="3733801" cy="180035"/>
+          </a:xfrm>
+          <a:prstGeom prst="rect">
+            <a:avLst/>
+          </a:prstGeom>
+          <a:solidFill>
+            <a:schemeClr val="accent2">
+              <a:alpha val="50000"/>
+            </a:schemeClr>
+          </a:solidFill>
+          <a:ln w="50800" cap="rnd" cmpd="thickThin" algn="ctr">
+            <a:noFill/>
+            <a:prstDash val="solid"/>
+          </a:ln>
+          <a:effectLst/>
+        </p:spPr>
+        <p:style>
+          <a:lnRef idx="3">
+            <a:schemeClr val="lt1"/>
+          </a:lnRef>
+          <a:fillRef idx="1">
+            <a:schemeClr val="accent1"/>
+          </a:fillRef>
+          <a:effectRef idx="1">
+            <a:schemeClr val="accent1"/>
+          </a:effectRef>
+          <a:fontRef idx="minor">
+            <a:schemeClr val="lt1"/>
+          </a:fontRef>
+        </p:style>
+        <p:txBody>
+          <a:bodyPr anchor="ctr"/>
+          <a:lstStyle/>
+          <a:p>
+            <a:pPr algn="ctr" eaLnBrk="1" latinLnBrk="0" hangingPunct="1"/>
+            <a:endParaRPr kumimoji="0" lang="en-US"/>
+          </a:p>
+        </p:txBody>
+      </p:sp>
+      <p:sp useBgFill="1">
+        <p:nvSpPr>
+          <p:cNvPr id="33" name="Скругленный прямоугольник 32"/>
+          <p:cNvSpPr/>
+          <p:nvPr/>
+        </p:nvSpPr>
+        <p:spPr bwMode="white">
+          <a:xfrm>
+            <a:off x="5407339" y="497504"/>
+            <a:ext cx="3063240" cy="27432"/>
+          </a:xfrm>
+          <a:prstGeom prst="roundRect">
+            <a:avLst>
+              <a:gd name="adj" fmla="val 16667"/>
+            </a:avLst>
+          </a:prstGeom>
+          <a:ln w="50800" cap="rnd" cmpd="thickThin" algn="ctr">
+            <a:noFill/>
+            <a:prstDash val="solid"/>
+          </a:ln>
+          <a:effectLst/>
+        </p:spPr>
+        <p:style>
+          <a:lnRef idx="3">
+            <a:schemeClr val="lt1"/>
+          </a:lnRef>
+          <a:fillRef idx="1">
+            <a:schemeClr val="accent1"/>
+          </a:fillRef>
+          <a:effectRef idx="1">
+            <a:schemeClr val="accent1"/>
+          </a:effectRef>
+          <a:fontRef idx="minor">
+            <a:schemeClr val="lt1"/>
+          </a:fontRef>
+        </p:style>
+        <p:txBody>
+          <a:bodyPr anchor="ctr"/>
+          <a:lstStyle/>
+          <a:p>
+            <a:pPr algn="ctr" eaLnBrk="1" latinLnBrk="0" hangingPunct="1"/>
+            <a:endParaRPr kumimoji="0" lang="en-US"/>
+          </a:p>
+        </p:txBody>
+      </p:sp>
+      <p:sp useBgFill="1">
+        <p:nvSpPr>
+          <p:cNvPr id="34" name="Скругленный прямоугольник 33"/>
+          <p:cNvSpPr/>
+          <p:nvPr/>
+        </p:nvSpPr>
+        <p:spPr bwMode="white">
+          <a:xfrm>
+            <a:off x="7373646" y="588943"/>
+            <a:ext cx="1600200" cy="36576"/>
+          </a:xfrm>
+          <a:prstGeom prst="roundRect">
+            <a:avLst>
+              <a:gd name="adj" fmla="val 16667"/>
+            </a:avLst>
+          </a:prstGeom>
+          <a:ln w="50800" cap="rnd" cmpd="thickThin" algn="ctr">
+            <a:noFill/>
+            <a:prstDash val="solid"/>
+          </a:ln>
+          <a:effectLst/>
+        </p:spPr>
+        <p:style>
+          <a:lnRef idx="3">
+            <a:schemeClr val="lt1"/>
+          </a:lnRef>
+          <a:fillRef idx="1">
+            <a:schemeClr val="accent1"/>
+          </a:fillRef>
+          <a:effectRef idx="1">
+            <a:schemeClr val="accent1"/>
+          </a:effectRef>
+          <a:fontRef idx="minor">
+            <a:schemeClr val="lt1"/>
+          </a:fontRef>
+        </p:style>
+        <p:txBody>
+          <a:bodyPr anchor="ctr"/>
+          <a:lstStyle/>
+          <a:p>
+            <a:pPr algn="ctr" eaLnBrk="1" latinLnBrk="0" hangingPunct="1"/>
+            <a:endParaRPr kumimoji="0" lang="en-US"/>
+          </a:p>
+        </p:txBody>
+      </p:sp>
+      <p:sp>
+        <p:nvSpPr>
+          <p:cNvPr id="35" name="Прямоугольник 34"/>
+          <p:cNvSpPr/>
+          <p:nvPr/>
+        </p:nvSpPr>
+        <p:spPr bwMode="invGray">
+          <a:xfrm>
+            <a:off x="9084966" y="-2001"/>
+            <a:ext cx="57626" cy="621792"/>
+          </a:xfrm>
+          <a:prstGeom prst="rect">
+            <a:avLst/>
+          </a:prstGeom>
+          <a:solidFill>
+            <a:srgbClr val="FFFFFF">
+              <a:alpha val="65098"/>
+            </a:srgbClr>
+          </a:solidFill>
+          <a:ln w="50800" cap="rnd" cmpd="thickThin" algn="ctr">
+            <a:noFill/>
+            <a:prstDash val="solid"/>
+          </a:ln>
+          <a:effectLst/>
+        </p:spPr>
+        <p:style>
+          <a:lnRef idx="3">
+            <a:schemeClr val="lt1"/>
+          </a:lnRef>
+          <a:fillRef idx="1">
+            <a:schemeClr val="accent1"/>
+          </a:fillRef>
+          <a:effectRef idx="1">
+            <a:schemeClr val="accent1"/>
+          </a:effectRef>
+          <a:fontRef idx="minor">
+            <a:schemeClr val="lt1"/>
+          </a:fontRef>
+        </p:style>
+        <p:txBody>
+          <a:bodyPr anchor="ctr"/>
+          <a:lstStyle/>
+          <a:p>
+            <a:pPr algn="ctr" eaLnBrk="1" latinLnBrk="0" hangingPunct="1"/>
+            <a:endParaRPr kumimoji="0" lang="en-US" dirty="0"/>
+          </a:p>
+        </p:txBody>
+      </p:sp>
+      <p:sp>
+        <p:nvSpPr>
+          <p:cNvPr id="36" name="Прямоугольник 35"/>
+          <p:cNvSpPr/>
+          <p:nvPr/>
+        </p:nvSpPr>
+        <p:spPr bwMode="invGray">
+          <a:xfrm>
+            <a:off x="9044481" y="-2001"/>
+            <a:ext cx="27432" cy="621792"/>
+          </a:xfrm>
+          <a:prstGeom prst="rect">
+            <a:avLst/>
+          </a:prstGeom>
+          <a:solidFill>
+            <a:srgbClr val="FFFFFF">
+              <a:alpha val="65098"/>
+            </a:srgbClr>
+          </a:solidFill>
+          <a:ln w="50800" cap="rnd" cmpd="thickThin" algn="ctr">
+            <a:noFill/>
+            <a:prstDash val="solid"/>
+          </a:ln>
+          <a:effectLst/>
+        </p:spPr>
+        <p:style>
+          <a:lnRef idx="3">
+            <a:schemeClr val="lt1"/>
+          </a:lnRef>
+          <a:fillRef idx="1">
+            <a:schemeClr val="accent1"/>
+          </a:fillRef>
+          <a:effectRef idx="1">
+            <a:schemeClr val="accent1"/>
+          </a:effectRef>
+          <a:fontRef idx="minor">
+            <a:schemeClr val="lt1"/>
+          </a:fontRef>
+        </p:style>
+        <p:txBody>
+          <a:bodyPr anchor="ctr"/>
+          <a:lstStyle/>
+          <a:p>
+            <a:pPr algn="ctr" eaLnBrk="1" latinLnBrk="0" hangingPunct="1"/>
+            <a:endParaRPr kumimoji="0" lang="en-US" dirty="0"/>
+          </a:p>
+        </p:txBody>
+      </p:sp>
+      <p:sp>
+        <p:nvSpPr>
+          <p:cNvPr id="37" name="Прямоугольник 36"/>
+          <p:cNvSpPr/>
+          <p:nvPr/>
+        </p:nvSpPr>
+        <p:spPr bwMode="invGray">
+          <a:xfrm>
+            <a:off x="9025428" y="-2001"/>
+            <a:ext cx="9144" cy="621792"/>
+          </a:xfrm>
+          <a:prstGeom prst="rect">
+            <a:avLst/>
+          </a:prstGeom>
+          <a:solidFill>
+            <a:srgbClr val="FFFFFF">
+              <a:alpha val="60000"/>
+            </a:srgbClr>
+          </a:solidFill>
+          <a:ln w="50800" cap="rnd" cmpd="thickThin" algn="ctr">
+            <a:noFill/>
+            <a:prstDash val="solid"/>
+          </a:ln>
+          <a:effectLst/>
+        </p:spPr>
+        <p:style>
+          <a:lnRef idx="3">
+            <a:schemeClr val="lt1"/>
+          </a:lnRef>
+          <a:fillRef idx="1">
+            <a:schemeClr val="accent1"/>
+          </a:fillRef>
+          <a:effectRef idx="1">
+            <a:schemeClr val="accent1"/>
+          </a:effectRef>
+          <a:fontRef idx="minor">
+            <a:schemeClr val="lt1"/>
+          </a:fontRef>
+        </p:style>
+        <p:txBody>
+          <a:bodyPr anchor="ctr"/>
+          <a:lstStyle/>
+          <a:p>
+            <a:pPr algn="ctr" eaLnBrk="1" latinLnBrk="0" hangingPunct="1"/>
+            <a:endParaRPr kumimoji="0" lang="en-US"/>
+          </a:p>
+        </p:txBody>
+      </p:sp>
+      <p:sp>
+        <p:nvSpPr>
+          <p:cNvPr id="38" name="Прямоугольник 37"/>
+          <p:cNvSpPr/>
+          <p:nvPr/>
+        </p:nvSpPr>
+        <p:spPr bwMode="invGray">
+          <a:xfrm>
+            <a:off x="8975423" y="-2001"/>
+            <a:ext cx="27432" cy="621792"/>
+          </a:xfrm>
+          <a:prstGeom prst="rect">
+            <a:avLst/>
+          </a:prstGeom>
+          <a:solidFill>
+            <a:srgbClr val="FFFFFF">
+              <a:alpha val="40000"/>
+            </a:srgbClr>
+          </a:solidFill>
+          <a:ln w="50800" cap="rnd" cmpd="thickThin" algn="ctr">
+            <a:noFill/>
+            <a:prstDash val="solid"/>
+          </a:ln>
+          <a:effectLst/>
+        </p:spPr>
+        <p:style>
+          <a:lnRef idx="3">
+            <a:schemeClr val="lt1"/>
+          </a:lnRef>
+          <a:fillRef idx="1">
+            <a:schemeClr val="accent1"/>
+          </a:fillRef>
+          <a:effectRef idx="1">
+            <a:schemeClr val="accent1"/>
+          </a:effectRef>
+          <a:fontRef idx="minor">
+            <a:schemeClr val="lt1"/>
+          </a:fontRef>
+        </p:style>
+        <p:txBody>
+          <a:bodyPr anchor="ctr"/>
+          <a:lstStyle/>
+          <a:p>
+            <a:pPr algn="ctr" eaLnBrk="1" latinLnBrk="0" hangingPunct="1"/>
+            <a:endParaRPr kumimoji="0" lang="en-US"/>
+          </a:p>
+        </p:txBody>
+      </p:sp>
+      <p:sp>
+        <p:nvSpPr>
+          <p:cNvPr id="39" name="Прямоугольник 38"/>
+          <p:cNvSpPr/>
+          <p:nvPr/>
+        </p:nvSpPr>
+        <p:spPr bwMode="invGray">
+          <a:xfrm>
+            <a:off x="8915677" y="380"/>
+            <a:ext cx="54864" cy="585216"/>
+          </a:xfrm>
+          <a:prstGeom prst="rect">
+            <a:avLst/>
+          </a:prstGeom>
+          <a:solidFill>
+            <a:srgbClr val="FFFFFF">
+              <a:alpha val="20000"/>
+            </a:srgbClr>
+          </a:solidFill>
+          <a:ln w="50800" cap="rnd" cmpd="thickThin" algn="ctr">
+            <a:noFill/>
+            <a:prstDash val="solid"/>
+          </a:ln>
+          <a:effectLst/>
+        </p:spPr>
+        <p:style>
+          <a:lnRef idx="3">
+            <a:schemeClr val="lt1"/>
+          </a:lnRef>
+          <a:fillRef idx="1">
+            <a:schemeClr val="accent1"/>
+          </a:fillRef>
+          <a:effectRef idx="1">
+            <a:schemeClr val="accent1"/>
+          </a:effectRef>
+          <a:fontRef idx="minor">
+            <a:schemeClr val="lt1"/>
+          </a:fontRef>
+        </p:style>
+        <p:txBody>
+          <a:bodyPr anchor="ctr"/>
+          <a:lstStyle/>
+          <a:p>
+            <a:pPr algn="ctr" eaLnBrk="1" latinLnBrk="0" hangingPunct="1"/>
+            <a:endParaRPr kumimoji="0" lang="en-US"/>
+          </a:p>
+        </p:txBody>
+      </p:sp>
+      <p:sp>
+        <p:nvSpPr>
+          <p:cNvPr id="40" name="Прямоугольник 39"/>
+          <p:cNvSpPr/>
+          <p:nvPr/>
+        </p:nvSpPr>
+        <p:spPr bwMode="invGray">
+          <a:xfrm>
+            <a:off x="8873475" y="380"/>
+            <a:ext cx="9144" cy="585216"/>
+          </a:xfrm>
+          <a:prstGeom prst="rect">
+            <a:avLst/>
+          </a:prstGeom>
+          <a:solidFill>
+            <a:srgbClr val="FFFFFF">
+              <a:alpha val="30196"/>
+            </a:srgbClr>
+          </a:solidFill>
+          <a:ln w="50800" cap="rnd" cmpd="thickThin" algn="ctr">
+            <a:noFill/>
+            <a:prstDash val="solid"/>
+          </a:ln>
+          <a:effectLst/>
+        </p:spPr>
+        <p:style>
+          <a:lnRef idx="3">
+            <a:schemeClr val="lt1"/>
+          </a:lnRef>
+          <a:fillRef idx="1">
+            <a:schemeClr val="accent1"/>
+          </a:fillRef>
+          <a:effectRef idx="1">
+            <a:schemeClr val="accent1"/>
+          </a:effectRef>
+          <a:fontRef idx="minor">
+            <a:schemeClr val="lt1"/>
+          </a:fontRef>
+        </p:style>
+        <p:txBody>
+          <a:bodyPr anchor="ctr"/>
+          <a:lstStyle/>
+          <a:p>
+            <a:pPr algn="ctr" eaLnBrk="1" latinLnBrk="0" hangingPunct="1"/>
+            <a:endParaRPr kumimoji="0" lang="en-US" dirty="0"/>
+          </a:p>
+        </p:txBody>
+      </p:sp>
+      <p:sp>
+        <p:nvSpPr>
+          <p:cNvPr id="22" name="Заголовок 21"/>
           <p:cNvSpPr>
             <a:spLocks noGrp="1"/>
           </p:cNvSpPr>
@@ -2569,30 +5980,30 @@
         </p:nvSpPr>
         <p:spPr>
           <a:xfrm>
-            <a:off x="457200" y="274638"/>
-            <a:ext cx="8229600" cy="1143000"/>
+            <a:off x="457200" y="1143000"/>
+            <a:ext cx="8229600" cy="1066800"/>
           </a:xfrm>
           <a:prstGeom prst="rect">
             <a:avLst/>
           </a:prstGeom>
         </p:spPr>
         <p:txBody>
-          <a:bodyPr vert="horz" lIns="91440" tIns="45720" rIns="91440" bIns="45720" rtlCol="0" anchor="ctr">
+          <a:bodyPr vert="horz" anchor="ctr">
             <a:normAutofit/>
           </a:bodyPr>
           <a:lstStyle/>
           <a:p>
             <a:r>
-              <a:rPr lang="ru-RU" smtClean="0"/>
+              <a:rPr kumimoji="0" lang="ru-RU" smtClean="0"/>
               <a:t>Образец заголовка</a:t>
             </a:r>
-            <a:endParaRPr lang="ru-RU"/>
-          </a:p>
-        </p:txBody>
-      </p:sp>
-      <p:sp>
-        <p:nvSpPr>
-          <p:cNvPr id="3" name="Текст 2"/>
+            <a:endParaRPr kumimoji="0" lang="en-US"/>
+          </a:p>
+        </p:txBody>
+      </p:sp>
+      <p:sp>
+        <p:nvSpPr>
+          <p:cNvPr id="13" name="Текст 12"/>
           <p:cNvSpPr>
             <a:spLocks noGrp="1"/>
           </p:cNvSpPr>
@@ -2602,59 +6013,59 @@
         </p:nvSpPr>
         <p:spPr>
           <a:xfrm>
-            <a:off x="457200" y="1600200"/>
-            <a:ext cx="8229600" cy="4525963"/>
+            <a:off x="457200" y="2249424"/>
+            <a:ext cx="8229600" cy="4325112"/>
           </a:xfrm>
           <a:prstGeom prst="rect">
             <a:avLst/>
           </a:prstGeom>
         </p:spPr>
         <p:txBody>
-          <a:bodyPr vert="horz" lIns="91440" tIns="45720" rIns="91440" bIns="45720" rtlCol="0">
+          <a:bodyPr vert="horz">
             <a:normAutofit/>
           </a:bodyPr>
           <a:lstStyle/>
           <a:p>
-            <a:pPr lvl="0"/>
-            <a:r>
-              <a:rPr lang="ru-RU" smtClean="0"/>
+            <a:pPr lvl="0" eaLnBrk="1" latinLnBrk="0" hangingPunct="1"/>
+            <a:r>
+              <a:rPr kumimoji="0" lang="ru-RU" smtClean="0"/>
               <a:t>Образец текста</a:t>
             </a:r>
           </a:p>
           <a:p>
-            <a:pPr lvl="1"/>
-            <a:r>
-              <a:rPr lang="ru-RU" smtClean="0"/>
+            <a:pPr lvl="1" eaLnBrk="1" latinLnBrk="0" hangingPunct="1"/>
+            <a:r>
+              <a:rPr kumimoji="0" lang="ru-RU" smtClean="0"/>
               <a:t>Второй уровень</a:t>
             </a:r>
           </a:p>
           <a:p>
-            <a:pPr lvl="2"/>
-            <a:r>
-              <a:rPr lang="ru-RU" smtClean="0"/>
+            <a:pPr lvl="2" eaLnBrk="1" latinLnBrk="0" hangingPunct="1"/>
+            <a:r>
+              <a:rPr kumimoji="0" lang="ru-RU" smtClean="0"/>
               <a:t>Третий уровень</a:t>
             </a:r>
           </a:p>
           <a:p>
-            <a:pPr lvl="3"/>
-            <a:r>
-              <a:rPr lang="ru-RU" smtClean="0"/>
+            <a:pPr lvl="3" eaLnBrk="1" latinLnBrk="0" hangingPunct="1"/>
+            <a:r>
+              <a:rPr kumimoji="0" lang="ru-RU" smtClean="0"/>
               <a:t>Четвертый уровень</a:t>
             </a:r>
           </a:p>
           <a:p>
-            <a:pPr lvl="4"/>
-            <a:r>
-              <a:rPr lang="ru-RU" smtClean="0"/>
+            <a:pPr lvl="4" eaLnBrk="1" latinLnBrk="0" hangingPunct="1"/>
+            <a:r>
+              <a:rPr kumimoji="0" lang="ru-RU" smtClean="0"/>
               <a:t>Пятый уровень</a:t>
             </a:r>
-            <a:endParaRPr lang="ru-RU"/>
-          </a:p>
-        </p:txBody>
-      </p:sp>
-      <p:sp>
-        <p:nvSpPr>
-          <p:cNvPr id="4" name="Дата 3"/>
+            <a:endParaRPr kumimoji="0" lang="en-US"/>
+          </a:p>
+        </p:txBody>
+      </p:sp>
+      <p:sp>
+        <p:nvSpPr>
+          <p:cNvPr id="14" name="Дата 13"/>
           <p:cNvSpPr>
             <a:spLocks noGrp="1"/>
           </p:cNvSpPr>
@@ -2664,22 +6075,20 @@
         </p:nvSpPr>
         <p:spPr>
           <a:xfrm>
-            <a:off x="457200" y="6356350"/>
-            <a:ext cx="2133600" cy="365125"/>
+            <a:off x="6586536" y="612648"/>
+            <a:ext cx="957264" cy="457200"/>
           </a:xfrm>
           <a:prstGeom prst="rect">
             <a:avLst/>
           </a:prstGeom>
         </p:spPr>
         <p:txBody>
-          <a:bodyPr vert="horz" lIns="91440" tIns="45720" rIns="91440" bIns="45720" rtlCol="0" anchor="ctr"/>
+          <a:bodyPr vert="horz"/>
           <a:lstStyle>
-            <a:lvl1pPr algn="l">
-              <a:defRPr sz="1200">
+            <a:lvl1pPr algn="l" eaLnBrk="1" latinLnBrk="0" hangingPunct="1">
+              <a:defRPr kumimoji="0" sz="800">
                 <a:solidFill>
-                  <a:schemeClr val="tx1">
-                    <a:tint val="75000"/>
-                  </a:schemeClr>
+                  <a:schemeClr val="accent2"/>
                 </a:solidFill>
               </a:defRPr>
             </a:lvl1pPr>
@@ -2696,7 +6105,7 @@
       </p:sp>
       <p:sp>
         <p:nvSpPr>
-          <p:cNvPr id="5" name="Нижний колонтитул 4"/>
+          <p:cNvPr id="3" name="Нижний колонтитул 2"/>
           <p:cNvSpPr>
             <a:spLocks noGrp="1"/>
           </p:cNvSpPr>
@@ -2706,22 +6115,20 @@
         </p:nvSpPr>
         <p:spPr>
           <a:xfrm>
-            <a:off x="3124200" y="6356350"/>
-            <a:ext cx="2895600" cy="365125"/>
+            <a:off x="5257800" y="612648"/>
+            <a:ext cx="1325880" cy="457200"/>
           </a:xfrm>
           <a:prstGeom prst="rect">
             <a:avLst/>
           </a:prstGeom>
         </p:spPr>
         <p:txBody>
-          <a:bodyPr vert="horz" lIns="91440" tIns="45720" rIns="91440" bIns="45720" rtlCol="0" anchor="ctr"/>
+          <a:bodyPr vert="horz"/>
           <a:lstStyle>
-            <a:lvl1pPr algn="ctr">
-              <a:defRPr sz="1200">
+            <a:lvl1pPr algn="r" eaLnBrk="1" latinLnBrk="0" hangingPunct="1">
+              <a:defRPr kumimoji="0" sz="800">
                 <a:solidFill>
-                  <a:schemeClr val="tx1">
-                    <a:tint val="75000"/>
-                  </a:schemeClr>
+                  <a:schemeClr val="accent2"/>
                 </a:solidFill>
               </a:defRPr>
             </a:lvl1pPr>
@@ -2733,7 +6140,7 @@
       </p:sp>
       <p:sp>
         <p:nvSpPr>
-          <p:cNvPr id="6" name="Номер слайда 5"/>
+          <p:cNvPr id="23" name="Номер слайда 22"/>
           <p:cNvSpPr>
             <a:spLocks noGrp="1"/>
           </p:cNvSpPr>
@@ -2743,22 +6150,20 @@
         </p:nvSpPr>
         <p:spPr>
           <a:xfrm>
-            <a:off x="6553200" y="6356350"/>
-            <a:ext cx="2133600" cy="365125"/>
+            <a:off x="8174736" y="2272"/>
+            <a:ext cx="762000" cy="365760"/>
           </a:xfrm>
           <a:prstGeom prst="rect">
             <a:avLst/>
           </a:prstGeom>
         </p:spPr>
         <p:txBody>
-          <a:bodyPr vert="horz" lIns="91440" tIns="45720" rIns="91440" bIns="45720" rtlCol="0" anchor="ctr"/>
+          <a:bodyPr vert="horz" anchor="b"/>
           <a:lstStyle>
-            <a:lvl1pPr algn="r">
-              <a:defRPr sz="1200">
+            <a:lvl1pPr algn="r" eaLnBrk="1" latinLnBrk="0" hangingPunct="1">
+              <a:defRPr kumimoji="0" sz="1800">
                 <a:solidFill>
-                  <a:schemeClr val="tx1">
-                    <a:tint val="75000"/>
-                  </a:schemeClr>
+                  <a:srgbClr val="FFFFFF"/>
                 </a:solidFill>
               </a:defRPr>
             </a:lvl1pPr>
@@ -2777,28 +6182,28 @@
   </p:cSld>
   <p:clrMap bg1="lt1" tx1="dk1" bg2="lt2" tx2="dk2" accent1="accent1" accent2="accent2" accent3="accent3" accent4="accent4" accent5="accent5" accent6="accent6" hlink="hlink" folHlink="folHlink"/>
   <p:sldLayoutIdLst>
-    <p:sldLayoutId id="2147483649" r:id="rId1"/>
-    <p:sldLayoutId id="2147483650" r:id="rId2"/>
-    <p:sldLayoutId id="2147483651" r:id="rId3"/>
-    <p:sldLayoutId id="2147483652" r:id="rId4"/>
-    <p:sldLayoutId id="2147483653" r:id="rId5"/>
-    <p:sldLayoutId id="2147483654" r:id="rId6"/>
-    <p:sldLayoutId id="2147483655" r:id="rId7"/>
-    <p:sldLayoutId id="2147483656" r:id="rId8"/>
-    <p:sldLayoutId id="2147483657" r:id="rId9"/>
-    <p:sldLayoutId id="2147483658" r:id="rId10"/>
-    <p:sldLayoutId id="2147483659" r:id="rId11"/>
+    <p:sldLayoutId id="2147483685" r:id="rId1"/>
+    <p:sldLayoutId id="2147483686" r:id="rId2"/>
+    <p:sldLayoutId id="2147483687" r:id="rId3"/>
+    <p:sldLayoutId id="2147483688" r:id="rId4"/>
+    <p:sldLayoutId id="2147483689" r:id="rId5"/>
+    <p:sldLayoutId id="2147483690" r:id="rId6"/>
+    <p:sldLayoutId id="2147483691" r:id="rId7"/>
+    <p:sldLayoutId id="2147483692" r:id="rId8"/>
+    <p:sldLayoutId id="2147483693" r:id="rId9"/>
+    <p:sldLayoutId id="2147483694" r:id="rId10"/>
+    <p:sldLayoutId id="2147483695" r:id="rId11"/>
   </p:sldLayoutIdLst>
   <p:txStyles>
     <p:titleStyle>
-      <a:lvl1pPr algn="ctr" defTabSz="914400" rtl="0" eaLnBrk="1" latinLnBrk="0" hangingPunct="1">
+      <a:lvl1pPr algn="l" rtl="0" eaLnBrk="1" latinLnBrk="0" hangingPunct="1">
         <a:spcBef>
           <a:spcPct val="0"/>
         </a:spcBef>
         <a:buNone/>
-        <a:defRPr sz="4400" kern="1200">
+        <a:defRPr kumimoji="0" sz="4000" kern="1200">
           <a:solidFill>
-            <a:schemeClr val="tx1"/>
+            <a:schemeClr val="tx2"/>
           </a:solidFill>
           <a:latin typeface="+mj-lt"/>
           <a:ea typeface="+mj-ea"/>
@@ -2807,13 +6212,16 @@
       </a:lvl1pPr>
     </p:titleStyle>
     <p:bodyStyle>
-      <a:lvl1pPr marL="342900" indent="-342900" algn="l" defTabSz="914400" rtl="0" eaLnBrk="1" latinLnBrk="0" hangingPunct="1">
+      <a:lvl1pPr marL="365760" indent="-256032" algn="l" rtl="0" eaLnBrk="1" latinLnBrk="0" hangingPunct="1">
         <a:spcBef>
-          <a:spcPct val="20000"/>
+          <a:spcPts val="300"/>
         </a:spcBef>
-        <a:buFont typeface="Arial" pitchFamily="34" charset="0"/>
+        <a:buClr>
+          <a:schemeClr val="accent3"/>
+        </a:buClr>
+        <a:buFont typeface="Georgia"/>
         <a:buChar char="•"/>
-        <a:defRPr sz="3200" kern="1200">
+        <a:defRPr kumimoji="0" sz="2800" kern="1200">
           <a:solidFill>
             <a:schemeClr val="tx1"/>
           </a:solidFill>
@@ -2822,13 +6230,164 @@
           <a:cs typeface="+mn-cs"/>
         </a:defRPr>
       </a:lvl1pPr>
-      <a:lvl2pPr marL="742950" indent="-285750" algn="l" defTabSz="914400" rtl="0" eaLnBrk="1" latinLnBrk="0" hangingPunct="1">
+      <a:lvl2pPr marL="658368" indent="-246888" algn="l" rtl="0" eaLnBrk="1" latinLnBrk="0" hangingPunct="1">
         <a:spcBef>
-          <a:spcPct val="20000"/>
+          <a:spcPts val="300"/>
         </a:spcBef>
-        <a:buFont typeface="Arial" pitchFamily="34" charset="0"/>
-        <a:buChar char="–"/>
-        <a:defRPr sz="2800" kern="1200">
+        <a:buClr>
+          <a:schemeClr val="accent2"/>
+        </a:buClr>
+        <a:buFont typeface="Georgia"/>
+        <a:buChar char="▫"/>
+        <a:defRPr kumimoji="0" sz="2600" kern="1200">
+          <a:solidFill>
+            <a:schemeClr val="accent2"/>
+          </a:solidFill>
+          <a:latin typeface="+mn-lt"/>
+          <a:ea typeface="+mn-ea"/>
+          <a:cs typeface="+mn-cs"/>
+        </a:defRPr>
+      </a:lvl2pPr>
+      <a:lvl3pPr marL="923544" indent="-219456" algn="l" rtl="0" eaLnBrk="1" latinLnBrk="0" hangingPunct="1">
+        <a:spcBef>
+          <a:spcPts val="300"/>
+        </a:spcBef>
+        <a:buClr>
+          <a:schemeClr val="accent1"/>
+        </a:buClr>
+        <a:buFont typeface="Wingdings 2"/>
+        <a:buChar char=""/>
+        <a:defRPr kumimoji="0" sz="2400" kern="1200">
+          <a:solidFill>
+            <a:schemeClr val="accent1"/>
+          </a:solidFill>
+          <a:latin typeface="+mn-lt"/>
+          <a:ea typeface="+mn-ea"/>
+          <a:cs typeface="+mn-cs"/>
+        </a:defRPr>
+      </a:lvl3pPr>
+      <a:lvl4pPr marL="1179576" indent="-201168" algn="l" rtl="0" eaLnBrk="1" latinLnBrk="0" hangingPunct="1">
+        <a:spcBef>
+          <a:spcPts val="300"/>
+        </a:spcBef>
+        <a:buClr>
+          <a:schemeClr val="accent1"/>
+        </a:buClr>
+        <a:buFont typeface="Wingdings 2"/>
+        <a:buChar char=""/>
+        <a:defRPr kumimoji="0" sz="2200" kern="1200">
+          <a:solidFill>
+            <a:schemeClr val="accent1"/>
+          </a:solidFill>
+          <a:latin typeface="+mn-lt"/>
+          <a:ea typeface="+mn-ea"/>
+          <a:cs typeface="+mn-cs"/>
+        </a:defRPr>
+      </a:lvl4pPr>
+      <a:lvl5pPr marL="1389888" indent="-182880" algn="l" rtl="0" eaLnBrk="1" latinLnBrk="0" hangingPunct="1">
+        <a:spcBef>
+          <a:spcPts val="300"/>
+        </a:spcBef>
+        <a:buClr>
+          <a:schemeClr val="accent3"/>
+        </a:buClr>
+        <a:buFont typeface="Georgia"/>
+        <a:buChar char="▫"/>
+        <a:defRPr kumimoji="0" sz="2000" kern="1200">
+          <a:solidFill>
+            <a:schemeClr val="accent3"/>
+          </a:solidFill>
+          <a:latin typeface="+mn-lt"/>
+          <a:ea typeface="+mn-ea"/>
+          <a:cs typeface="+mn-cs"/>
+        </a:defRPr>
+      </a:lvl5pPr>
+      <a:lvl6pPr marL="1609344" indent="-182880" algn="l" rtl="0" eaLnBrk="1" latinLnBrk="0" hangingPunct="1">
+        <a:spcBef>
+          <a:spcPts val="300"/>
+        </a:spcBef>
+        <a:buClr>
+          <a:schemeClr val="accent3"/>
+        </a:buClr>
+        <a:buFont typeface="Georgia"/>
+        <a:buChar char="▫"/>
+        <a:defRPr kumimoji="0" sz="1800" kern="1200">
+          <a:solidFill>
+            <a:schemeClr val="accent3"/>
+          </a:solidFill>
+          <a:latin typeface="+mn-lt"/>
+          <a:ea typeface="+mn-ea"/>
+          <a:cs typeface="+mn-cs"/>
+        </a:defRPr>
+      </a:lvl6pPr>
+      <a:lvl7pPr marL="1828800" indent="-182880" algn="l" rtl="0" eaLnBrk="1" latinLnBrk="0" hangingPunct="1">
+        <a:spcBef>
+          <a:spcPts val="300"/>
+        </a:spcBef>
+        <a:buClr>
+          <a:schemeClr val="accent3"/>
+        </a:buClr>
+        <a:buFont typeface="Georgia"/>
+        <a:buChar char="▫"/>
+        <a:defRPr kumimoji="0" sz="1600" kern="1200">
+          <a:solidFill>
+            <a:schemeClr val="accent3"/>
+          </a:solidFill>
+          <a:latin typeface="+mn-lt"/>
+          <a:ea typeface="+mn-ea"/>
+          <a:cs typeface="+mn-cs"/>
+        </a:defRPr>
+      </a:lvl7pPr>
+      <a:lvl8pPr marL="2029968" indent="-182880" algn="l" rtl="0" eaLnBrk="1" latinLnBrk="0" hangingPunct="1">
+        <a:spcBef>
+          <a:spcPts val="300"/>
+        </a:spcBef>
+        <a:buClr>
+          <a:schemeClr val="accent3"/>
+        </a:buClr>
+        <a:buFont typeface="Georgia"/>
+        <a:buChar char="◦"/>
+        <a:defRPr kumimoji="0" sz="1500" kern="1200">
+          <a:solidFill>
+            <a:schemeClr val="accent3"/>
+          </a:solidFill>
+          <a:latin typeface="+mn-lt"/>
+          <a:ea typeface="+mn-ea"/>
+          <a:cs typeface="+mn-cs"/>
+        </a:defRPr>
+      </a:lvl8pPr>
+      <a:lvl9pPr marL="2240280" indent="-182880" algn="l" rtl="0" eaLnBrk="1" latinLnBrk="0" hangingPunct="1">
+        <a:spcBef>
+          <a:spcPts val="300"/>
+        </a:spcBef>
+        <a:buClr>
+          <a:schemeClr val="accent3"/>
+        </a:buClr>
+        <a:buFont typeface="Georgia"/>
+        <a:buChar char="◦"/>
+        <a:defRPr kumimoji="0" sz="1400" kern="1200" baseline="0">
+          <a:solidFill>
+            <a:schemeClr val="accent3"/>
+          </a:solidFill>
+          <a:latin typeface="+mn-lt"/>
+          <a:ea typeface="+mn-ea"/>
+          <a:cs typeface="+mn-cs"/>
+        </a:defRPr>
+      </a:lvl9pPr>
+    </p:bodyStyle>
+    <p:otherStyle>
+      <a:lvl1pPr marL="0" algn="l" rtl="0" eaLnBrk="1" latinLnBrk="0" hangingPunct="1">
+        <a:defRPr kumimoji="0" kern="1200">
+          <a:solidFill>
+            <a:schemeClr val="tx1"/>
+          </a:solidFill>
+          <a:latin typeface="+mn-lt"/>
+          <a:ea typeface="+mn-ea"/>
+          <a:cs typeface="+mn-cs"/>
+        </a:defRPr>
+      </a:lvl1pPr>
+      <a:lvl2pPr marL="457200" algn="l" rtl="0" eaLnBrk="1" latinLnBrk="0" hangingPunct="1">
+        <a:defRPr kumimoji="0" kern="1200">
           <a:solidFill>
             <a:schemeClr val="tx1"/>
           </a:solidFill>
@@ -2837,13 +6396,8 @@
           <a:cs typeface="+mn-cs"/>
         </a:defRPr>
       </a:lvl2pPr>
-      <a:lvl3pPr marL="1143000" indent="-228600" algn="l" defTabSz="914400" rtl="0" eaLnBrk="1" latinLnBrk="0" hangingPunct="1">
-        <a:spcBef>
-          <a:spcPct val="20000"/>
-        </a:spcBef>
-        <a:buFont typeface="Arial" pitchFamily="34" charset="0"/>
-        <a:buChar char="•"/>
-        <a:defRPr sz="2400" kern="1200">
+      <a:lvl3pPr marL="914400" algn="l" rtl="0" eaLnBrk="1" latinLnBrk="0" hangingPunct="1">
+        <a:defRPr kumimoji="0" kern="1200">
           <a:solidFill>
             <a:schemeClr val="tx1"/>
           </a:solidFill>
@@ -2852,13 +6406,8 @@
           <a:cs typeface="+mn-cs"/>
         </a:defRPr>
       </a:lvl3pPr>
-      <a:lvl4pPr marL="1600200" indent="-228600" algn="l" defTabSz="914400" rtl="0" eaLnBrk="1" latinLnBrk="0" hangingPunct="1">
-        <a:spcBef>
-          <a:spcPct val="20000"/>
-        </a:spcBef>
-        <a:buFont typeface="Arial" pitchFamily="34" charset="0"/>
-        <a:buChar char="–"/>
-        <a:defRPr sz="2000" kern="1200">
+      <a:lvl4pPr marL="1371600" algn="l" rtl="0" eaLnBrk="1" latinLnBrk="0" hangingPunct="1">
+        <a:defRPr kumimoji="0" kern="1200">
           <a:solidFill>
             <a:schemeClr val="tx1"/>
           </a:solidFill>
@@ -2867,13 +6416,8 @@
           <a:cs typeface="+mn-cs"/>
         </a:defRPr>
       </a:lvl4pPr>
-      <a:lvl5pPr marL="2057400" indent="-228600" algn="l" defTabSz="914400" rtl="0" eaLnBrk="1" latinLnBrk="0" hangingPunct="1">
-        <a:spcBef>
-          <a:spcPct val="20000"/>
-        </a:spcBef>
-        <a:buFont typeface="Arial" pitchFamily="34" charset="0"/>
-        <a:buChar char="»"/>
-        <a:defRPr sz="2000" kern="1200">
+      <a:lvl5pPr marL="1828800" algn="l" rtl="0" eaLnBrk="1" latinLnBrk="0" hangingPunct="1">
+        <a:defRPr kumimoji="0" kern="1200">
           <a:solidFill>
             <a:schemeClr val="tx1"/>
           </a:solidFill>
@@ -2882,13 +6426,8 @@
           <a:cs typeface="+mn-cs"/>
         </a:defRPr>
       </a:lvl5pPr>
-      <a:lvl6pPr marL="2514600" indent="-228600" algn="l" defTabSz="914400" rtl="0" eaLnBrk="1" latinLnBrk="0" hangingPunct="1">
-        <a:spcBef>
-          <a:spcPct val="20000"/>
-        </a:spcBef>
-        <a:buFont typeface="Arial" pitchFamily="34" charset="0"/>
-        <a:buChar char="•"/>
-        <a:defRPr sz="2000" kern="1200">
+      <a:lvl6pPr marL="2286000" algn="l" rtl="0" eaLnBrk="1" latinLnBrk="0" hangingPunct="1">
+        <a:defRPr kumimoji="0" kern="1200">
           <a:solidFill>
             <a:schemeClr val="tx1"/>
           </a:solidFill>
@@ -2897,13 +6436,8 @@
           <a:cs typeface="+mn-cs"/>
         </a:defRPr>
       </a:lvl6pPr>
-      <a:lvl7pPr marL="2971800" indent="-228600" algn="l" defTabSz="914400" rtl="0" eaLnBrk="1" latinLnBrk="0" hangingPunct="1">
-        <a:spcBef>
-          <a:spcPct val="20000"/>
-        </a:spcBef>
-        <a:buFont typeface="Arial" pitchFamily="34" charset="0"/>
-        <a:buChar char="•"/>
-        <a:defRPr sz="2000" kern="1200">
+      <a:lvl7pPr marL="2743200" algn="l" rtl="0" eaLnBrk="1" latinLnBrk="0" hangingPunct="1">
+        <a:defRPr kumimoji="0" kern="1200">
           <a:solidFill>
             <a:schemeClr val="tx1"/>
           </a:solidFill>
@@ -2912,13 +6446,8 @@
           <a:cs typeface="+mn-cs"/>
         </a:defRPr>
       </a:lvl7pPr>
-      <a:lvl8pPr marL="3429000" indent="-228600" algn="l" defTabSz="914400" rtl="0" eaLnBrk="1" latinLnBrk="0" hangingPunct="1">
-        <a:spcBef>
-          <a:spcPct val="20000"/>
-        </a:spcBef>
-        <a:buFont typeface="Arial" pitchFamily="34" charset="0"/>
-        <a:buChar char="•"/>
-        <a:defRPr sz="2000" kern="1200">
+      <a:lvl8pPr marL="3200400" algn="l" rtl="0" eaLnBrk="1" latinLnBrk="0" hangingPunct="1">
+        <a:defRPr kumimoji="0" kern="1200">
           <a:solidFill>
             <a:schemeClr val="tx1"/>
           </a:solidFill>
@@ -2927,108 +6456,8 @@
           <a:cs typeface="+mn-cs"/>
         </a:defRPr>
       </a:lvl8pPr>
-      <a:lvl9pPr marL="3886200" indent="-228600" algn="l" defTabSz="914400" rtl="0" eaLnBrk="1" latinLnBrk="0" hangingPunct="1">
-        <a:spcBef>
-          <a:spcPct val="20000"/>
-        </a:spcBef>
-        <a:buFont typeface="Arial" pitchFamily="34" charset="0"/>
-        <a:buChar char="•"/>
-        <a:defRPr sz="2000" kern="1200">
-          <a:solidFill>
-            <a:schemeClr val="tx1"/>
-          </a:solidFill>
-          <a:latin typeface="+mn-lt"/>
-          <a:ea typeface="+mn-ea"/>
-          <a:cs typeface="+mn-cs"/>
-        </a:defRPr>
-      </a:lvl9pPr>
-    </p:bodyStyle>
-    <p:otherStyle>
-      <a:defPPr>
-        <a:defRPr lang="ru-RU"/>
-      </a:defPPr>
-      <a:lvl1pPr marL="0" algn="l" defTabSz="914400" rtl="0" eaLnBrk="1" latinLnBrk="0" hangingPunct="1">
-        <a:defRPr sz="1800" kern="1200">
-          <a:solidFill>
-            <a:schemeClr val="tx1"/>
-          </a:solidFill>
-          <a:latin typeface="+mn-lt"/>
-          <a:ea typeface="+mn-ea"/>
-          <a:cs typeface="+mn-cs"/>
-        </a:defRPr>
-      </a:lvl1pPr>
-      <a:lvl2pPr marL="457200" algn="l" defTabSz="914400" rtl="0" eaLnBrk="1" latinLnBrk="0" hangingPunct="1">
-        <a:defRPr sz="1800" kern="1200">
-          <a:solidFill>
-            <a:schemeClr val="tx1"/>
-          </a:solidFill>
-          <a:latin typeface="+mn-lt"/>
-          <a:ea typeface="+mn-ea"/>
-          <a:cs typeface="+mn-cs"/>
-        </a:defRPr>
-      </a:lvl2pPr>
-      <a:lvl3pPr marL="914400" algn="l" defTabSz="914400" rtl="0" eaLnBrk="1" latinLnBrk="0" hangingPunct="1">
-        <a:defRPr sz="1800" kern="1200">
-          <a:solidFill>
-            <a:schemeClr val="tx1"/>
-          </a:solidFill>
-          <a:latin typeface="+mn-lt"/>
-          <a:ea typeface="+mn-ea"/>
-          <a:cs typeface="+mn-cs"/>
-        </a:defRPr>
-      </a:lvl3pPr>
-      <a:lvl4pPr marL="1371600" algn="l" defTabSz="914400" rtl="0" eaLnBrk="1" latinLnBrk="0" hangingPunct="1">
-        <a:defRPr sz="1800" kern="1200">
-          <a:solidFill>
-            <a:schemeClr val="tx1"/>
-          </a:solidFill>
-          <a:latin typeface="+mn-lt"/>
-          <a:ea typeface="+mn-ea"/>
-          <a:cs typeface="+mn-cs"/>
-        </a:defRPr>
-      </a:lvl4pPr>
-      <a:lvl5pPr marL="1828800" algn="l" defTabSz="914400" rtl="0" eaLnBrk="1" latinLnBrk="0" hangingPunct="1">
-        <a:defRPr sz="1800" kern="1200">
-          <a:solidFill>
-            <a:schemeClr val="tx1"/>
-          </a:solidFill>
-          <a:latin typeface="+mn-lt"/>
-          <a:ea typeface="+mn-ea"/>
-          <a:cs typeface="+mn-cs"/>
-        </a:defRPr>
-      </a:lvl5pPr>
-      <a:lvl6pPr marL="2286000" algn="l" defTabSz="914400" rtl="0" eaLnBrk="1" latinLnBrk="0" hangingPunct="1">
-        <a:defRPr sz="1800" kern="1200">
-          <a:solidFill>
-            <a:schemeClr val="tx1"/>
-          </a:solidFill>
-          <a:latin typeface="+mn-lt"/>
-          <a:ea typeface="+mn-ea"/>
-          <a:cs typeface="+mn-cs"/>
-        </a:defRPr>
-      </a:lvl6pPr>
-      <a:lvl7pPr marL="2743200" algn="l" defTabSz="914400" rtl="0" eaLnBrk="1" latinLnBrk="0" hangingPunct="1">
-        <a:defRPr sz="1800" kern="1200">
-          <a:solidFill>
-            <a:schemeClr val="tx1"/>
-          </a:solidFill>
-          <a:latin typeface="+mn-lt"/>
-          <a:ea typeface="+mn-ea"/>
-          <a:cs typeface="+mn-cs"/>
-        </a:defRPr>
-      </a:lvl7pPr>
-      <a:lvl8pPr marL="3200400" algn="l" defTabSz="914400" rtl="0" eaLnBrk="1" latinLnBrk="0" hangingPunct="1">
-        <a:defRPr sz="1800" kern="1200">
-          <a:solidFill>
-            <a:schemeClr val="tx1"/>
-          </a:solidFill>
-          <a:latin typeface="+mn-lt"/>
-          <a:ea typeface="+mn-ea"/>
-          <a:cs typeface="+mn-cs"/>
-        </a:defRPr>
-      </a:lvl8pPr>
-      <a:lvl9pPr marL="3657600" algn="l" defTabSz="914400" rtl="0" eaLnBrk="1" latinLnBrk="0" hangingPunct="1">
-        <a:defRPr sz="1800" kern="1200">
+      <a:lvl9pPr marL="3657600" algn="l" rtl="0" eaLnBrk="1" latinLnBrk="0" hangingPunct="1">
+        <a:defRPr kumimoji="0" kern="1200">
           <a:solidFill>
             <a:schemeClr val="tx1"/>
           </a:solidFill>
@@ -3071,10 +6500,16 @@
         </p:nvSpPr>
         <p:spPr/>
         <p:txBody>
-          <a:bodyPr/>
+          <a:bodyPr>
+            <a:normAutofit fontScale="90000"/>
+          </a:bodyPr>
           <a:lstStyle/>
           <a:p>
-            <a:endParaRPr lang="ru-RU"/>
+            <a:r>
+              <a:rPr lang="ru-RU" b="1" dirty="0" smtClean="0"/>
+              <a:t>Возможности поддержки принятия решений в системах управления жизненным циклом</a:t>
+            </a:r>
+            <a:endParaRPr lang="ru-RU" dirty="0"/>
           </a:p>
         </p:txBody>
       </p:sp>
@@ -3086,6 +6521,308 @@
           </p:cNvSpPr>
           <p:nvPr>
             <p:ph type="subTitle" idx="1"/>
+          </p:nvPr>
+        </p:nvSpPr>
+        <p:spPr/>
+        <p:txBody>
+          <a:bodyPr>
+            <a:normAutofit fontScale="92500" lnSpcReduction="10000"/>
+          </a:bodyPr>
+          <a:lstStyle/>
+          <a:p>
+            <a:r>
+              <a:rPr lang="ru-RU" dirty="0" smtClean="0"/>
+              <a:t>Автор: Темников А.В., студент группы 521 </a:t>
+            </a:r>
+            <a:endParaRPr lang="en-US" dirty="0" smtClean="0"/>
+          </a:p>
+          <a:p>
+            <a:r>
+              <a:rPr lang="ru-RU" dirty="0" smtClean="0"/>
+              <a:t>Финансового </a:t>
+            </a:r>
+            <a:r>
+              <a:rPr lang="ru-RU" dirty="0" smtClean="0"/>
+              <a:t>Университета при правительстве Российской Федерации</a:t>
+            </a:r>
+            <a:endParaRPr lang="ru-RU" dirty="0"/>
+          </a:p>
+        </p:txBody>
+      </p:sp>
+    </p:spTree>
+  </p:cSld>
+  <p:clrMapOvr>
+    <a:masterClrMapping/>
+  </p:clrMapOvr>
+</p:sld>
+</file>
+
+<file path=ppt/slides/slide2.xml><?xml version="1.0" encoding="utf-8"?>
+<p:sld xmlns:a="http://schemas.openxmlformats.org/drawingml/2006/main" xmlns:r="http://schemas.openxmlformats.org/officeDocument/2006/relationships" xmlns:p="http://schemas.openxmlformats.org/presentationml/2006/main">
+  <p:cSld>
+    <p:spTree>
+      <p:nvGrpSpPr>
+        <p:cNvPr id="1" name=""/>
+        <p:cNvGrpSpPr/>
+        <p:nvPr/>
+      </p:nvGrpSpPr>
+      <p:grpSpPr>
+        <a:xfrm>
+          <a:off x="0" y="0"/>
+          <a:ext cx="0" cy="0"/>
+          <a:chOff x="0" y="0"/>
+          <a:chExt cx="0" cy="0"/>
+        </a:xfrm>
+      </p:grpSpPr>
+      <p:sp>
+        <p:nvSpPr>
+          <p:cNvPr id="2" name="Заголовок 1"/>
+          <p:cNvSpPr>
+            <a:spLocks noGrp="1"/>
+          </p:cNvSpPr>
+          <p:nvPr>
+            <p:ph type="title"/>
+          </p:nvPr>
+        </p:nvSpPr>
+        <p:spPr/>
+        <p:txBody>
+          <a:bodyPr>
+            <a:normAutofit fontScale="90000"/>
+          </a:bodyPr>
+          <a:lstStyle/>
+          <a:p>
+            <a:r>
+              <a:rPr lang="ru-RU" dirty="0" smtClean="0"/>
+              <a:t>Информационные системы предприятия</a:t>
+            </a:r>
+            <a:endParaRPr lang="ru-RU" dirty="0"/>
+          </a:p>
+        </p:txBody>
+      </p:sp>
+      <p:graphicFrame>
+        <p:nvGraphicFramePr>
+          <p:cNvPr id="4" name="Содержимое 3"/>
+          <p:cNvGraphicFramePr>
+            <a:graphicFrameLocks noGrp="1"/>
+          </p:cNvGraphicFramePr>
+          <p:nvPr>
+            <p:ph idx="1"/>
+          </p:nvPr>
+        </p:nvGraphicFramePr>
+        <p:xfrm>
+          <a:off x="457200" y="2249488"/>
+          <a:ext cx="4257676" cy="4324350"/>
+        </p:xfrm>
+        <a:graphic>
+          <a:graphicData uri="http://schemas.openxmlformats.org/drawingml/2006/diagram">
+            <dgm:relIds xmlns:dgm="http://schemas.openxmlformats.org/drawingml/2006/diagram" xmlns:r="http://schemas.openxmlformats.org/officeDocument/2006/relationships" r:dm="rId2" r:lo="rId3" r:qs="rId4" r:cs="rId5"/>
+          </a:graphicData>
+        </a:graphic>
+      </p:graphicFrame>
+      <p:sp>
+        <p:nvSpPr>
+          <p:cNvPr id="6" name="TextBox 5"/>
+          <p:cNvSpPr txBox="1"/>
+          <p:nvPr/>
+        </p:nvSpPr>
+        <p:spPr>
+          <a:xfrm>
+            <a:off x="5286380" y="2357430"/>
+            <a:ext cx="3357586" cy="4524315"/>
+          </a:xfrm>
+          <a:prstGeom prst="rect">
+            <a:avLst/>
+          </a:prstGeom>
+          <a:noFill/>
+        </p:spPr>
+        <p:txBody>
+          <a:bodyPr wrap="square" rtlCol="0">
+            <a:spAutoFit/>
+          </a:bodyPr>
+          <a:lstStyle/>
+          <a:p>
+            <a:pPr>
+              <a:buFont typeface="Arial" pitchFamily="34" charset="0"/>
+              <a:buChar char="•"/>
+            </a:pPr>
+            <a:r>
+              <a:rPr lang="en-US" dirty="0" smtClean="0"/>
+              <a:t>ERP – </a:t>
+            </a:r>
+            <a:r>
+              <a:rPr lang="ru-RU" dirty="0" smtClean="0"/>
+              <a:t>Планирование </a:t>
+            </a:r>
+            <a:r>
+              <a:rPr lang="ru-RU" dirty="0" smtClean="0"/>
+              <a:t>(управление) ресурсами предприятия </a:t>
+            </a:r>
+            <a:endParaRPr lang="ru-RU" dirty="0" smtClean="0"/>
+          </a:p>
+          <a:p>
+            <a:pPr>
+              <a:buFont typeface="Arial" pitchFamily="34" charset="0"/>
+              <a:buChar char="•"/>
+            </a:pPr>
+            <a:r>
+              <a:rPr lang="en-US" dirty="0" smtClean="0"/>
+              <a:t>CSM – </a:t>
+            </a:r>
+            <a:r>
+              <a:rPr lang="ru-RU" dirty="0" smtClean="0"/>
+              <a:t>Управление цепочками поставок </a:t>
+            </a:r>
+            <a:endParaRPr lang="en-US" dirty="0" smtClean="0"/>
+          </a:p>
+          <a:p>
+            <a:pPr>
+              <a:buFont typeface="Arial" pitchFamily="34" charset="0"/>
+              <a:buChar char="•"/>
+            </a:pPr>
+            <a:r>
+              <a:rPr lang="en-US" dirty="0" smtClean="0"/>
+              <a:t>CRM – </a:t>
+            </a:r>
+            <a:r>
+              <a:rPr lang="ru-RU" dirty="0" smtClean="0"/>
+              <a:t>Управление взаимодействием с клиентом</a:t>
+            </a:r>
+            <a:endParaRPr lang="ru-RU" dirty="0" smtClean="0"/>
+          </a:p>
+          <a:p>
+            <a:pPr>
+              <a:buFont typeface="Arial" pitchFamily="34" charset="0"/>
+              <a:buChar char="•"/>
+            </a:pPr>
+            <a:r>
+              <a:rPr lang="en-US" dirty="0" smtClean="0"/>
+              <a:t>PLM – </a:t>
+            </a:r>
+            <a:r>
+              <a:rPr lang="ru-RU" dirty="0" smtClean="0"/>
+              <a:t>Управление жизненным циклом</a:t>
+            </a:r>
+          </a:p>
+          <a:p>
+            <a:pPr>
+              <a:buFont typeface="Arial" pitchFamily="34" charset="0"/>
+              <a:buChar char="•"/>
+            </a:pPr>
+            <a:endParaRPr lang="ru-RU" dirty="0" smtClean="0"/>
+          </a:p>
+          <a:p>
+            <a:pPr>
+              <a:buFont typeface="Arial" pitchFamily="34" charset="0"/>
+              <a:buChar char="•"/>
+            </a:pPr>
+            <a:r>
+              <a:rPr lang="ru-RU" dirty="0" smtClean="0"/>
+              <a:t>КССПР –</a:t>
+            </a:r>
+            <a:r>
+              <a:rPr lang="en-US" dirty="0" smtClean="0"/>
+              <a:t> </a:t>
+            </a:r>
+            <a:r>
+              <a:rPr lang="ru-RU" dirty="0" smtClean="0"/>
+              <a:t>Комплексная система поддержки принятия решений</a:t>
+            </a:r>
+            <a:endParaRPr lang="en-US" dirty="0" smtClean="0"/>
+          </a:p>
+          <a:p>
+            <a:endParaRPr lang="ru-RU" dirty="0" smtClean="0"/>
+          </a:p>
+          <a:p>
+            <a:endParaRPr lang="en-US" dirty="0" smtClean="0"/>
+          </a:p>
+          <a:p>
+            <a:endParaRPr lang="ru-RU" dirty="0"/>
+          </a:p>
+        </p:txBody>
+      </p:sp>
+    </p:spTree>
+  </p:cSld>
+  <p:clrMapOvr>
+    <a:masterClrMapping/>
+  </p:clrMapOvr>
+</p:sld>
+</file>
+
+<file path=ppt/slides/slide3.xml><?xml version="1.0" encoding="utf-8"?>
+<p:sld xmlns:a="http://schemas.openxmlformats.org/drawingml/2006/main" xmlns:r="http://schemas.openxmlformats.org/officeDocument/2006/relationships" xmlns:p="http://schemas.openxmlformats.org/presentationml/2006/main">
+  <p:cSld>
+    <p:spTree>
+      <p:nvGrpSpPr>
+        <p:cNvPr id="1" name=""/>
+        <p:cNvGrpSpPr/>
+        <p:nvPr/>
+      </p:nvGrpSpPr>
+      <p:grpSpPr>
+        <a:xfrm>
+          <a:off x="0" y="0"/>
+          <a:ext cx="0" cy="0"/>
+          <a:chOff x="0" y="0"/>
+          <a:chExt cx="0" cy="0"/>
+        </a:xfrm>
+      </p:grpSpPr>
+      <p:sp>
+        <p:nvSpPr>
+          <p:cNvPr id="2" name="Заголовок 1"/>
+          <p:cNvSpPr>
+            <a:spLocks noGrp="1"/>
+          </p:cNvSpPr>
+          <p:nvPr>
+            <p:ph type="title"/>
+          </p:nvPr>
+        </p:nvSpPr>
+        <p:spPr/>
+        <p:txBody>
+          <a:bodyPr/>
+          <a:lstStyle/>
+          <a:p>
+            <a:r>
+              <a:rPr lang="en-US" dirty="0" smtClean="0"/>
+              <a:t>PTC </a:t>
+            </a:r>
+            <a:r>
+              <a:rPr lang="en-US" dirty="0" err="1" smtClean="0"/>
+              <a:t>Windchill</a:t>
+            </a:r>
+            <a:r>
+              <a:rPr lang="en-US" dirty="0" smtClean="0"/>
+              <a:t> PLM</a:t>
+            </a:r>
+            <a:endParaRPr lang="ru-RU" dirty="0"/>
+          </a:p>
+        </p:txBody>
+      </p:sp>
+      <p:sp>
+        <p:nvSpPr>
+          <p:cNvPr id="4" name="Содержимое 3"/>
+          <p:cNvSpPr>
+            <a:spLocks noGrp="1"/>
+          </p:cNvSpPr>
+          <p:nvPr>
+            <p:ph sz="half" idx="1"/>
+          </p:nvPr>
+        </p:nvSpPr>
+        <p:spPr/>
+        <p:txBody>
+          <a:bodyPr/>
+          <a:lstStyle/>
+          <a:p>
+            <a:endParaRPr lang="ru-RU" dirty="0"/>
+          </a:p>
+        </p:txBody>
+      </p:sp>
+      <p:sp>
+        <p:nvSpPr>
+          <p:cNvPr id="5" name="Содержимое 4"/>
+          <p:cNvSpPr>
+            <a:spLocks noGrp="1"/>
+          </p:cNvSpPr>
+          <p:nvPr>
+            <p:ph sz="half" idx="2"/>
           </p:nvPr>
         </p:nvSpPr>
         <p:spPr/>
@@ -3106,9 +6843,9 @@
 </file>
 
 <file path=ppt/theme/theme1.xml><?xml version="1.0" encoding="utf-8"?>
-<a:theme xmlns:a="http://schemas.openxmlformats.org/drawingml/2006/main" name="Тема Office">
+<a:theme xmlns:a="http://schemas.openxmlformats.org/drawingml/2006/main" name="Городская">
   <a:themeElements>
-    <a:clrScheme name="Стандартная">
+    <a:clrScheme name="Городская">
       <a:dk1>
         <a:sysClr val="windowText" lastClr="000000"/>
       </a:dk1>
@@ -3116,46 +6853,80 @@
         <a:sysClr val="window" lastClr="FFFFFF"/>
       </a:lt1>
       <a:dk2>
-        <a:srgbClr val="1F497D"/>
+        <a:srgbClr val="424456"/>
       </a:dk2>
       <a:lt2>
-        <a:srgbClr val="EEECE1"/>
+        <a:srgbClr val="DEDEDE"/>
       </a:lt2>
       <a:accent1>
-        <a:srgbClr val="4F81BD"/>
+        <a:srgbClr val="53548A"/>
       </a:accent1>
       <a:accent2>
-        <a:srgbClr val="C0504D"/>
+        <a:srgbClr val="438086"/>
       </a:accent2>
       <a:accent3>
-        <a:srgbClr val="9BBB59"/>
+        <a:srgbClr val="A04DA3"/>
       </a:accent3>
       <a:accent4>
-        <a:srgbClr val="8064A2"/>
+        <a:srgbClr val="C4652D"/>
       </a:accent4>
       <a:accent5>
-        <a:srgbClr val="4BACC6"/>
+        <a:srgbClr val="8B5D3D"/>
       </a:accent5>
       <a:accent6>
-        <a:srgbClr val="F79646"/>
+        <a:srgbClr val="5C92B5"/>
       </a:accent6>
       <a:hlink>
-        <a:srgbClr val="0000FF"/>
+        <a:srgbClr val="67AFBD"/>
       </a:hlink>
       <a:folHlink>
-        <a:srgbClr val="800080"/>
+        <a:srgbClr val="C2A874"/>
       </a:folHlink>
     </a:clrScheme>
-    <a:fontScheme name="Стандартная">
+    <a:fontScheme name="Городская">
       <a:majorFont>
-        <a:latin typeface="Calibri"/>
+        <a:latin typeface="Trebuchet MS"/>
         <a:ea typeface=""/>
         <a:cs typeface=""/>
-        <a:font script="Jpan" typeface="ＭＳ Ｐゴシック"/>
+        <a:font script="Jpan" typeface="HGｺﾞｼｯｸM"/>
+        <a:font script="Hang" typeface="맑은 고딕"/>
+        <a:font script="Hans" typeface="方正姚体"/>
+        <a:font script="Hant" typeface="微軟正黑體"/>
+        <a:font script="Arab" typeface="Tahoma"/>
+        <a:font script="Hebr" typeface="Arial"/>
+        <a:font script="Thai" typeface="Cordia New"/>
+        <a:font script="Ethi" typeface="Nyala"/>
+        <a:font script="Beng" typeface="Vrinda"/>
+        <a:font script="Gujr" typeface="Shruti"/>
+        <a:font script="Khmr" typeface="DaunPenh"/>
+        <a:font script="Knda" typeface="Tunga"/>
+        <a:font script="Guru" typeface="Raavi"/>
+        <a:font script="Cans" typeface="Euphemia"/>
+        <a:font script="Cher" typeface="Plantagenet Cherokee"/>
+        <a:font script="Yiii" typeface="Microsoft Yi Baiti"/>
+        <a:font script="Tibt" typeface="Microsoft Himalaya"/>
+        <a:font script="Thaa" typeface="MV Boli"/>
+        <a:font script="Deva" typeface="Mangal"/>
+        <a:font script="Telu" typeface="Gautami"/>
+        <a:font script="Taml" typeface="Latha"/>
+        <a:font script="Syrc" typeface="Estrangelo Edessa"/>
+        <a:font script="Orya" typeface="Kalinga"/>
+        <a:font script="Mlym" typeface="Kartika"/>
+        <a:font script="Laoo" typeface="DokChampa"/>
+        <a:font script="Sinh" typeface="Iskoola Pota"/>
+        <a:font script="Mong" typeface="Mongolian Baiti"/>
+        <a:font script="Viet" typeface="Tahoma"/>
+        <a:font script="Uigh" typeface="Microsoft Uighur"/>
+      </a:majorFont>
+      <a:minorFont>
+        <a:latin typeface="Georgia"/>
+        <a:ea typeface=""/>
+        <a:cs typeface=""/>
+        <a:font script="Jpan" typeface="HG明朝B"/>
         <a:font script="Hang" typeface="맑은 고딕"/>
         <a:font script="Hans" typeface="宋体"/>
         <a:font script="Hant" typeface="新細明體"/>
-        <a:font script="Arab" typeface="Times New Roman"/>
+        <a:font script="Arab" typeface="Arial"/>
         <a:font script="Hebr" typeface="Times New Roman"/>
         <a:font script="Thai" typeface="Angsana New"/>
         <a:font script="Ethi" typeface="Nyala"/>
@@ -3180,43 +6951,9 @@
         <a:font script="Mong" typeface="Mongolian Baiti"/>
         <a:font script="Viet" typeface="Times New Roman"/>
         <a:font script="Uigh" typeface="Microsoft Uighur"/>
-      </a:majorFont>
-      <a:minorFont>
-        <a:latin typeface="Calibri"/>
-        <a:ea typeface=""/>
-        <a:cs typeface=""/>
-        <a:font script="Jpan" typeface="ＭＳ Ｐゴシック"/>
-        <a:font script="Hang" typeface="맑은 고딕"/>
-        <a:font script="Hans" typeface="宋体"/>
-        <a:font script="Hant" typeface="新細明體"/>
-        <a:font script="Arab" typeface="Arial"/>
-        <a:font script="Hebr" typeface="Arial"/>
-        <a:font script="Thai" typeface="Cordia New"/>
-        <a:font script="Ethi" typeface="Nyala"/>
-        <a:font script="Beng" typeface="Vrinda"/>
-        <a:font script="Gujr" typeface="Shruti"/>
-        <a:font script="Khmr" typeface="DaunPenh"/>
-        <a:font script="Knda" typeface="Tunga"/>
-        <a:font script="Guru" typeface="Raavi"/>
-        <a:font script="Cans" typeface="Euphemia"/>
-        <a:font script="Cher" typeface="Plantagenet Cherokee"/>
-        <a:font script="Yiii" typeface="Microsoft Yi Baiti"/>
-        <a:font script="Tibt" typeface="Microsoft Himalaya"/>
-        <a:font script="Thaa" typeface="MV Boli"/>
-        <a:font script="Deva" typeface="Mangal"/>
-        <a:font script="Telu" typeface="Gautami"/>
-        <a:font script="Taml" typeface="Latha"/>
-        <a:font script="Syrc" typeface="Estrangelo Edessa"/>
-        <a:font script="Orya" typeface="Kalinga"/>
-        <a:font script="Mlym" typeface="Kartika"/>
-        <a:font script="Laoo" typeface="DokChampa"/>
-        <a:font script="Sinh" typeface="Iskoola Pota"/>
-        <a:font script="Mong" typeface="Mongolian Baiti"/>
-        <a:font script="Viet" typeface="Arial"/>
-        <a:font script="Uigh" typeface="Microsoft Uighur"/>
       </a:minorFont>
     </a:fontScheme>
-    <a:fmtScheme name="Стандартная">
+    <a:fmtScheme name="Городская">
       <a:fillStyleLst>
         <a:solidFill>
           <a:schemeClr val="phClr"/>
@@ -3225,66 +6962,66 @@
           <a:gsLst>
             <a:gs pos="0">
               <a:schemeClr val="phClr">
-                <a:tint val="50000"/>
-                <a:satMod val="300000"/>
+                <a:tint val="1000"/>
+                <a:satMod val="255000"/>
               </a:schemeClr>
             </a:gs>
-            <a:gs pos="35000">
+            <a:gs pos="55000">
               <a:schemeClr val="phClr">
-                <a:tint val="37000"/>
-                <a:satMod val="300000"/>
+                <a:tint val="12000"/>
+                <a:satMod val="255000"/>
               </a:schemeClr>
             </a:gs>
             <a:gs pos="100000">
               <a:schemeClr val="phClr">
-                <a:tint val="15000"/>
-                <a:satMod val="350000"/>
+                <a:tint val="45000"/>
+                <a:satMod val="250000"/>
               </a:schemeClr>
             </a:gs>
           </a:gsLst>
-          <a:lin ang="16200000" scaled="1"/>
+          <a:path path="circle">
+            <a:fillToRect l="-40000" t="-90000" r="140000" b="190000"/>
+          </a:path>
         </a:gradFill>
         <a:gradFill rotWithShape="1">
           <a:gsLst>
             <a:gs pos="0">
               <a:schemeClr val="phClr">
-                <a:shade val="51000"/>
-                <a:satMod val="130000"/>
+                <a:tint val="43000"/>
+                <a:satMod val="165000"/>
               </a:schemeClr>
             </a:gs>
-            <a:gs pos="80000">
+            <a:gs pos="55000">
               <a:schemeClr val="phClr">
-                <a:shade val="93000"/>
-                <a:satMod val="130000"/>
+                <a:tint val="83000"/>
+                <a:satMod val="155000"/>
               </a:schemeClr>
             </a:gs>
             <a:gs pos="100000">
               <a:schemeClr val="phClr">
-                <a:shade val="94000"/>
-                <a:satMod val="135000"/>
+                <a:shade val="85000"/>
               </a:schemeClr>
             </a:gs>
           </a:gsLst>
-          <a:lin ang="16200000" scaled="0"/>
+          <a:path path="circle">
+            <a:fillToRect l="-40000" t="-90000" r="140000" b="190000"/>
+          </a:path>
         </a:gradFill>
       </a:fillStyleLst>
       <a:lnStyleLst>
         <a:ln w="9525" cap="flat" cmpd="sng" algn="ctr">
           <a:solidFill>
-            <a:schemeClr val="phClr">
-              <a:shade val="95000"/>
-              <a:satMod val="105000"/>
-            </a:schemeClr>
+            <a:schemeClr val="phClr"/>
           </a:solidFill>
           <a:prstDash val="solid"/>
         </a:ln>
-        <a:ln w="25400" cap="flat" cmpd="sng" algn="ctr">
+        <a:ln w="19050" cap="flat" cmpd="sng" algn="ctr">
           <a:solidFill>
             <a:schemeClr val="phClr"/>
           </a:solidFill>
           <a:prstDash val="solid"/>
         </a:ln>
-        <a:ln w="38100" cap="flat" cmpd="sng" algn="ctr">
+        <a:ln w="31750" cap="flat" cmpd="sng" algn="ctr">
           <a:solidFill>
             <a:schemeClr val="phClr"/>
           </a:solidFill>
@@ -3294,40 +7031,45 @@
       <a:effectStyleLst>
         <a:effectStyle>
           <a:effectLst>
-            <a:outerShdw blurRad="40000" dist="20000" dir="5400000" rotWithShape="0">
+            <a:outerShdw blurRad="51500" dist="25400" dir="5400000" rotWithShape="0">
               <a:srgbClr val="000000">
-                <a:alpha val="38000"/>
+                <a:alpha val="40000"/>
               </a:srgbClr>
             </a:outerShdw>
           </a:effectLst>
         </a:effectStyle>
         <a:effectStyle>
           <a:effectLst>
-            <a:outerShdw blurRad="40000" dist="23000" dir="5400000" rotWithShape="0">
+            <a:outerShdw blurRad="50800" dist="25400" dir="5400000" rotWithShape="0">
               <a:srgbClr val="000000">
-                <a:alpha val="35000"/>
+                <a:alpha val="45000"/>
               </a:srgbClr>
             </a:outerShdw>
           </a:effectLst>
         </a:effectStyle>
         <a:effectStyle>
           <a:effectLst>
-            <a:outerShdw blurRad="40000" dist="23000" dir="5400000" rotWithShape="0">
+            <a:outerShdw blurRad="50800" dist="25400" dir="5400000" rotWithShape="0">
               <a:srgbClr val="000000">
-                <a:alpha val="35000"/>
+                <a:alpha val="45000"/>
               </a:srgbClr>
             </a:outerShdw>
           </a:effectLst>
           <a:scene3d>
-            <a:camera prst="orthographicFront">
+            <a:camera prst="orthographicFront" fov="0">
               <a:rot lat="0" lon="0" rev="0"/>
             </a:camera>
-            <a:lightRig rig="threePt" dir="t">
-              <a:rot lat="0" lon="0" rev="1200000"/>
+            <a:lightRig rig="flat" dir="t">
+              <a:rot lat="0" lon="0" rev="20040000"/>
             </a:lightRig>
           </a:scene3d>
-          <a:sp3d>
-            <a:bevelT w="63500" h="25400"/>
+          <a:sp3d contourW="12700" prstMaterial="dkEdge">
+            <a:bevelT w="25400" h="38100" prst="convex"/>
+            <a:contourClr>
+              <a:schemeClr val="phClr">
+                <a:satMod val="115000"/>
+              </a:schemeClr>
+            </a:contourClr>
           </a:sp3d>
         </a:effectStyle>
       </a:effectStyleLst>
@@ -3337,49 +7079,41 @@
         </a:solidFill>
         <a:gradFill rotWithShape="1">
           <a:gsLst>
+            <a:gs pos="100000">
+              <a:schemeClr val="phClr">
+                <a:tint val="80000"/>
+                <a:satMod val="250000"/>
+              </a:schemeClr>
+            </a:gs>
+            <a:gs pos="60000">
+              <a:schemeClr val="phClr">
+                <a:shade val="38000"/>
+                <a:satMod val="175000"/>
+              </a:schemeClr>
+            </a:gs>
             <a:gs pos="0">
               <a:schemeClr val="phClr">
-                <a:tint val="40000"/>
-                <a:satMod val="350000"/>
-              </a:schemeClr>
-            </a:gs>
-            <a:gs pos="40000">
-              <a:schemeClr val="phClr">
-                <a:tint val="45000"/>
-                <a:shade val="99000"/>
-                <a:satMod val="350000"/>
-              </a:schemeClr>
-            </a:gs>
-            <a:gs pos="100000">
-              <a:schemeClr val="phClr">
-                <a:shade val="20000"/>
-                <a:satMod val="255000"/>
+                <a:shade val="30000"/>
+                <a:satMod val="175000"/>
               </a:schemeClr>
             </a:gs>
           </a:gsLst>
-          <a:path path="circle">
-            <a:fillToRect l="50000" t="-80000" r="50000" b="180000"/>
-          </a:path>
+          <a:lin ang="5400000" scaled="0"/>
         </a:gradFill>
-        <a:gradFill rotWithShape="1">
-          <a:gsLst>
-            <a:gs pos="0">
+        <a:blipFill>
+          <a:blip xmlns:r="http://schemas.openxmlformats.org/officeDocument/2006/relationships" r:embed="rId1">
+            <a:duotone>
               <a:schemeClr val="phClr">
-                <a:tint val="80000"/>
-                <a:satMod val="300000"/>
+                <a:shade val="48000"/>
               </a:schemeClr>
-            </a:gs>
-            <a:gs pos="100000">
               <a:schemeClr val="phClr">
-                <a:shade val="30000"/>
-                <a:satMod val="200000"/>
+                <a:tint val="96000"/>
+                <a:satMod val="150000"/>
               </a:schemeClr>
-            </a:gs>
-          </a:gsLst>
-          <a:path path="circle">
-            <a:fillToRect l="50000" t="50000" r="50000" b="50000"/>
-          </a:path>
-        </a:gradFill>
+            </a:duotone>
+          </a:blip>
+          <a:tile tx="0" ty="0" sx="80000" sy="80000" flip="none" algn="tl"/>
+        </a:blipFill>
       </a:bgFillStyleLst>
     </a:fmtScheme>
   </a:themeElements>

--- a/5kurs/graf/Tem521PPRpresent.pptx
+++ b/5kurs/graf/Tem521PPRpresent.pptx
@@ -8,6 +8,10 @@
     <p:sldId id="256" r:id="rId2"/>
     <p:sldId id="257" r:id="rId3"/>
     <p:sldId id="258" r:id="rId4"/>
+    <p:sldId id="259" r:id="rId5"/>
+    <p:sldId id="260" r:id="rId6"/>
+    <p:sldId id="261" r:id="rId7"/>
+    <p:sldId id="262" r:id="rId8"/>
   </p:sldIdLst>
   <p:sldSz cx="9144000" cy="6858000" type="screen4x3"/>
   <p:notesSz cx="6858000" cy="9144000"/>
@@ -1065,14 +1069,35 @@
         </dgm:presLayoutVars>
       </dgm:prSet>
       <dgm:spPr/>
+      <dgm:t>
+        <a:bodyPr/>
+        <a:lstStyle/>
+        <a:p>
+          <a:endParaRPr lang="ru-RU"/>
+        </a:p>
+      </dgm:t>
     </dgm:pt>
     <dgm:pt modelId="{2AB0E042-8A5C-479B-B0E7-62403C6D1687}" type="pres">
       <dgm:prSet presAssocID="{1746C91F-4B1F-4465-8175-98C05733A160}" presName="centerShape" presStyleLbl="node0" presStyleIdx="0" presStyleCnt="1"/>
       <dgm:spPr/>
+      <dgm:t>
+        <a:bodyPr/>
+        <a:lstStyle/>
+        <a:p>
+          <a:endParaRPr lang="ru-RU"/>
+        </a:p>
+      </dgm:t>
     </dgm:pt>
     <dgm:pt modelId="{BB1E94A0-5804-4B43-9360-E371ADA41282}" type="pres">
       <dgm:prSet presAssocID="{119037E7-367B-4BFF-81C2-7B84EFC3B8DD}" presName="parTrans" presStyleLbl="bgSibTrans2D1" presStyleIdx="0" presStyleCnt="4"/>
       <dgm:spPr/>
+      <dgm:t>
+        <a:bodyPr/>
+        <a:lstStyle/>
+        <a:p>
+          <a:endParaRPr lang="ru-RU"/>
+        </a:p>
+      </dgm:t>
     </dgm:pt>
     <dgm:pt modelId="{78A56745-F5CC-455A-81AA-BB47AA406921}" type="pres">
       <dgm:prSet presAssocID="{F5D6D4A5-34D2-43C5-AE6D-36E68EF94C99}" presName="node" presStyleLbl="node1" presStyleIdx="0" presStyleCnt="4">
@@ -1092,6 +1117,13 @@
     <dgm:pt modelId="{26B48DFA-D4F4-40A8-80A3-8C01DB2C5213}" type="pres">
       <dgm:prSet presAssocID="{9AF1024E-DD2A-4455-AAA2-03C0A76D35D4}" presName="parTrans" presStyleLbl="bgSibTrans2D1" presStyleIdx="1" presStyleCnt="4"/>
       <dgm:spPr/>
+      <dgm:t>
+        <a:bodyPr/>
+        <a:lstStyle/>
+        <a:p>
+          <a:endParaRPr lang="ru-RU"/>
+        </a:p>
+      </dgm:t>
     </dgm:pt>
     <dgm:pt modelId="{A42930F9-467B-44B9-9846-00B21B70EE2D}" type="pres">
       <dgm:prSet presAssocID="{27356A8B-E80E-466D-A4B0-B3AEE2D62B7C}" presName="node" presStyleLbl="node1" presStyleIdx="1" presStyleCnt="4">
@@ -1100,10 +1132,24 @@
         </dgm:presLayoutVars>
       </dgm:prSet>
       <dgm:spPr/>
+      <dgm:t>
+        <a:bodyPr/>
+        <a:lstStyle/>
+        <a:p>
+          <a:endParaRPr lang="ru-RU"/>
+        </a:p>
+      </dgm:t>
     </dgm:pt>
     <dgm:pt modelId="{8FCD3254-982B-4916-891C-275BF1D14115}" type="pres">
       <dgm:prSet presAssocID="{9C5A01B0-D8B7-4D7E-8FB5-E2586C7FEBFC}" presName="parTrans" presStyleLbl="bgSibTrans2D1" presStyleIdx="2" presStyleCnt="4"/>
       <dgm:spPr/>
+      <dgm:t>
+        <a:bodyPr/>
+        <a:lstStyle/>
+        <a:p>
+          <a:endParaRPr lang="ru-RU"/>
+        </a:p>
+      </dgm:t>
     </dgm:pt>
     <dgm:pt modelId="{CD8C6F4E-C072-45FC-934B-46D50ACB01B1}" type="pres">
       <dgm:prSet presAssocID="{BE11D951-3C1B-4DC3-A801-B178DAB2D39F}" presName="node" presStyleLbl="node1" presStyleIdx="2" presStyleCnt="4">
@@ -1123,6 +1169,13 @@
     <dgm:pt modelId="{D77BE649-1BEA-4DDF-8B25-085177C1946B}" type="pres">
       <dgm:prSet presAssocID="{4067613B-1207-4E98-84C1-E6E3ECC9B915}" presName="parTrans" presStyleLbl="bgSibTrans2D1" presStyleIdx="3" presStyleCnt="4"/>
       <dgm:spPr/>
+      <dgm:t>
+        <a:bodyPr/>
+        <a:lstStyle/>
+        <a:p>
+          <a:endParaRPr lang="ru-RU"/>
+        </a:p>
+      </dgm:t>
     </dgm:pt>
     <dgm:pt modelId="{CBFADEF7-5F44-4A16-B0D7-94E014C0862A}" type="pres">
       <dgm:prSet presAssocID="{86908134-5176-4445-B54E-01F2400E2233}" presName="node" presStyleLbl="node1" presStyleIdx="3" presStyleCnt="4">
@@ -3124,7 +3177,7 @@
             <a:fld id="{5B106E36-FD25-4E2D-B0AA-010F637433A0}" type="datetimeFigureOut">
               <a:rPr lang="ru-RU" smtClean="0"/>
               <a:pPr/>
-              <a:t>11.01.2016</a:t>
+              <a:t>13.01.2016</a:t>
             </a:fld>
             <a:endParaRPr lang="ru-RU"/>
           </a:p>
@@ -3309,7 +3362,7 @@
             <a:fld id="{5B106E36-FD25-4E2D-B0AA-010F637433A0}" type="datetimeFigureOut">
               <a:rPr lang="ru-RU" smtClean="0"/>
               <a:pPr/>
-              <a:t>11.01.2016</a:t>
+              <a:t>13.01.2016</a:t>
             </a:fld>
             <a:endParaRPr lang="ru-RU"/>
           </a:p>
@@ -3486,7 +3539,7 @@
             <a:fld id="{5B106E36-FD25-4E2D-B0AA-010F637433A0}" type="datetimeFigureOut">
               <a:rPr lang="ru-RU" smtClean="0"/>
               <a:pPr/>
-              <a:t>11.01.2016</a:t>
+              <a:t>13.01.2016</a:t>
             </a:fld>
             <a:endParaRPr lang="ru-RU"/>
           </a:p>
@@ -3653,7 +3706,7 @@
             <a:fld id="{5B106E36-FD25-4E2D-B0AA-010F637433A0}" type="datetimeFigureOut">
               <a:rPr lang="ru-RU" smtClean="0"/>
               <a:pPr/>
-              <a:t>11.01.2016</a:t>
+              <a:t>13.01.2016</a:t>
             </a:fld>
             <a:endParaRPr lang="ru-RU"/>
           </a:p>
@@ -3876,7 +3929,7 @@
             <a:fld id="{5B106E36-FD25-4E2D-B0AA-010F637433A0}" type="datetimeFigureOut">
               <a:rPr lang="ru-RU" smtClean="0"/>
               <a:pPr/>
-              <a:t>11.01.2016</a:t>
+              <a:t>13.01.2016</a:t>
             </a:fld>
             <a:endParaRPr lang="ru-RU"/>
           </a:p>
@@ -4137,7 +4190,7 @@
             <a:fld id="{5B106E36-FD25-4E2D-B0AA-010F637433A0}" type="datetimeFigureOut">
               <a:rPr lang="ru-RU" smtClean="0"/>
               <a:pPr/>
-              <a:t>11.01.2016</a:t>
+              <a:t>13.01.2016</a:t>
             </a:fld>
             <a:endParaRPr lang="ru-RU"/>
           </a:p>
@@ -4543,7 +4596,7 @@
             <a:fld id="{5B106E36-FD25-4E2D-B0AA-010F637433A0}" type="datetimeFigureOut">
               <a:rPr lang="ru-RU" smtClean="0"/>
               <a:pPr/>
-              <a:t>11.01.2016</a:t>
+              <a:t>13.01.2016</a:t>
             </a:fld>
             <a:endParaRPr lang="ru-RU"/>
           </a:p>
@@ -4676,7 +4729,7 @@
             <a:fld id="{5B106E36-FD25-4E2D-B0AA-010F637433A0}" type="datetimeFigureOut">
               <a:rPr lang="ru-RU" smtClean="0"/>
               <a:pPr/>
-              <a:t>11.01.2016</a:t>
+              <a:t>13.01.2016</a:t>
             </a:fld>
             <a:endParaRPr lang="ru-RU"/>
           </a:p>
@@ -4778,7 +4831,7 @@
             <a:fld id="{5B106E36-FD25-4E2D-B0AA-010F637433A0}" type="datetimeFigureOut">
               <a:rPr lang="ru-RU" smtClean="0"/>
               <a:pPr/>
-              <a:t>11.01.2016</a:t>
+              <a:t>13.01.2016</a:t>
             </a:fld>
             <a:endParaRPr lang="ru-RU"/>
           </a:p>
@@ -5025,7 +5078,7 @@
             <a:fld id="{5B106E36-FD25-4E2D-B0AA-010F637433A0}" type="datetimeFigureOut">
               <a:rPr lang="ru-RU" smtClean="0"/>
               <a:pPr/>
-              <a:t>11.01.2016</a:t>
+              <a:t>13.01.2016</a:t>
             </a:fld>
             <a:endParaRPr lang="ru-RU"/>
           </a:p>
@@ -5186,7 +5239,7 @@
           </a:lstStyle>
           <a:p>
             <a:r>
-              <a:rPr kumimoji="0" lang="ru-RU" smtClean="0"/>
+              <a:rPr kumimoji="0" lang="ru-RU" dirty="0" smtClean="0"/>
               <a:t>Вставка рисунка</a:t>
             </a:r>
             <a:endParaRPr kumimoji="0" lang="en-US" dirty="0"/>
@@ -5271,7 +5324,7 @@
             <a:fld id="{5B106E36-FD25-4E2D-B0AA-010F637433A0}" type="datetimeFigureOut">
               <a:rPr lang="ru-RU" smtClean="0"/>
               <a:pPr/>
-              <a:t>11.01.2016</a:t>
+              <a:t>13.01.2016</a:t>
             </a:fld>
             <a:endParaRPr lang="ru-RU"/>
           </a:p>
@@ -6097,7 +6150,7 @@
             <a:fld id="{5B106E36-FD25-4E2D-B0AA-010F637433A0}" type="datetimeFigureOut">
               <a:rPr lang="ru-RU" smtClean="0"/>
               <a:pPr/>
-              <a:t>11.01.2016</a:t>
+              <a:t>13.01.2016</a:t>
             </a:fld>
             <a:endParaRPr lang="ru-RU"/>
           </a:p>
@@ -6532,18 +6585,18 @@
           <a:p>
             <a:r>
               <a:rPr lang="ru-RU" dirty="0" smtClean="0"/>
-              <a:t>Автор: Темников А.В., студент группы 521 </a:t>
+              <a:t>Автор</a:t>
+            </a:r>
+            <a:r>
+              <a:rPr lang="ru-RU" dirty="0" smtClean="0"/>
+              <a:t>: Темников А.В., студент группы 521 </a:t>
             </a:r>
             <a:endParaRPr lang="en-US" dirty="0" smtClean="0"/>
           </a:p>
           <a:p>
             <a:r>
               <a:rPr lang="ru-RU" dirty="0" smtClean="0"/>
-              <a:t>Финансового </a:t>
-            </a:r>
-            <a:r>
-              <a:rPr lang="ru-RU" dirty="0" smtClean="0"/>
-              <a:t>Университета при правительстве Российской Федерации</a:t>
+              <a:t>Финансового Университета при правительстве Российской Федерации</a:t>
             </a:r>
             <a:endParaRPr lang="ru-RU" dirty="0"/>
           </a:p>
@@ -6651,11 +6704,15 @@
             </a:r>
             <a:r>
               <a:rPr lang="ru-RU" dirty="0" smtClean="0"/>
-              <a:t>Планирование </a:t>
+              <a:t>Планирование (</a:t>
             </a:r>
             <a:r>
               <a:rPr lang="ru-RU" dirty="0" smtClean="0"/>
-              <a:t>(управление) ресурсами предприятия </a:t>
+              <a:t>управление</a:t>
+            </a:r>
+            <a:r>
+              <a:rPr lang="ru-RU" dirty="0" smtClean="0"/>
+              <a:t>) ресурсами предприятия </a:t>
             </a:r>
             <a:endParaRPr lang="ru-RU" dirty="0" smtClean="0"/>
           </a:p>
@@ -6702,6 +6759,7 @@
               <a:rPr lang="ru-RU" dirty="0" smtClean="0"/>
               <a:t>Управление жизненным циклом</a:t>
             </a:r>
+            <a:endParaRPr lang="ru-RU" dirty="0" smtClean="0"/>
           </a:p>
           <a:p>
             <a:pPr>
@@ -6788,10 +6846,6 @@
               <a:rPr lang="en-US" dirty="0" err="1" smtClean="0"/>
               <a:t>Windchill</a:t>
             </a:r>
-            <a:r>
-              <a:rPr lang="en-US" dirty="0" smtClean="0"/>
-              <a:t> PLM</a:t>
-            </a:r>
             <a:endParaRPr lang="ru-RU" dirty="0"/>
           </a:p>
         </p:txBody>
@@ -6808,10 +6862,250 @@
         </p:nvSpPr>
         <p:spPr/>
         <p:txBody>
-          <a:bodyPr/>
-          <a:lstStyle/>
-          <a:p>
-            <a:endParaRPr lang="ru-RU" dirty="0"/>
+          <a:bodyPr>
+            <a:normAutofit fontScale="70000" lnSpcReduction="20000"/>
+          </a:bodyPr>
+          <a:lstStyle/>
+          <a:p>
+            <a:pPr>
+              <a:buNone/>
+            </a:pPr>
+            <a:r>
+              <a:rPr lang="ru-RU" b="1" dirty="0" smtClean="0">
+                <a:latin typeface="Times New Roman" pitchFamily="18" charset="0"/>
+                <a:cs typeface="Times New Roman" pitchFamily="18" charset="0"/>
+              </a:rPr>
+              <a:t>		PTC </a:t>
+            </a:r>
+            <a:r>
+              <a:rPr lang="ru-RU" b="1" dirty="0" err="1" smtClean="0">
+                <a:latin typeface="Times New Roman" pitchFamily="18" charset="0"/>
+                <a:cs typeface="Times New Roman" pitchFamily="18" charset="0"/>
+              </a:rPr>
+              <a:t>Windchill</a:t>
+            </a:r>
+            <a:r>
+              <a:rPr lang="ru-RU" dirty="0" smtClean="0">
+                <a:latin typeface="Times New Roman" pitchFamily="18" charset="0"/>
+                <a:cs typeface="Times New Roman" pitchFamily="18" charset="0"/>
+              </a:rPr>
+              <a:t> — это PLM-система, предназначенная для автоматизации процессов управления данными.  </a:t>
+            </a:r>
+            <a:r>
+              <a:rPr lang="ru-RU" b="1" dirty="0" smtClean="0">
+                <a:latin typeface="Times New Roman" pitchFamily="18" charset="0"/>
+                <a:cs typeface="Times New Roman" pitchFamily="18" charset="0"/>
+              </a:rPr>
+              <a:t>PTC </a:t>
+            </a:r>
+            <a:r>
+              <a:rPr lang="ru-RU" b="1" dirty="0" err="1" smtClean="0">
+                <a:latin typeface="Times New Roman" pitchFamily="18" charset="0"/>
+                <a:cs typeface="Times New Roman" pitchFamily="18" charset="0"/>
+              </a:rPr>
+              <a:t>Windchill</a:t>
+            </a:r>
+            <a:r>
+              <a:rPr lang="ru-RU" dirty="0" smtClean="0">
+                <a:latin typeface="Times New Roman" pitchFamily="18" charset="0"/>
+                <a:cs typeface="Times New Roman" pitchFamily="18" charset="0"/>
+              </a:rPr>
+              <a:t> позволяет управлять всей информацией о структуре изделия при его разработке – от концепции до утилизации, от изготовления отдельных деталей до сдачи их в эксплуатацию и т.д. </a:t>
+            </a:r>
+          </a:p>
+          <a:p>
+            <a:pPr>
+              <a:buNone/>
+            </a:pPr>
+            <a:r>
+              <a:rPr lang="ru-RU" b="1" dirty="0" smtClean="0">
+                <a:latin typeface="Times New Roman" pitchFamily="18" charset="0"/>
+                <a:cs typeface="Times New Roman" pitchFamily="18" charset="0"/>
+              </a:rPr>
+              <a:t>	</a:t>
+            </a:r>
+            <a:r>
+              <a:rPr lang="ru-RU" b="1" dirty="0" smtClean="0">
+                <a:latin typeface="Times New Roman" pitchFamily="18" charset="0"/>
+                <a:cs typeface="Times New Roman" pitchFamily="18" charset="0"/>
+              </a:rPr>
+              <a:t>	PTC</a:t>
+            </a:r>
+            <a:r>
+              <a:rPr lang="ru-RU" dirty="0" smtClean="0">
+                <a:latin typeface="Times New Roman" pitchFamily="18" charset="0"/>
+                <a:cs typeface="Times New Roman" pitchFamily="18" charset="0"/>
+              </a:rPr>
+              <a:t> </a:t>
+            </a:r>
+            <a:r>
+              <a:rPr lang="ru-RU" b="1" dirty="0" err="1" smtClean="0">
+                <a:latin typeface="Times New Roman" pitchFamily="18" charset="0"/>
+                <a:cs typeface="Times New Roman" pitchFamily="18" charset="0"/>
+              </a:rPr>
+              <a:t>Windchill</a:t>
+            </a:r>
+            <a:r>
+              <a:rPr lang="ru-RU" b="1" dirty="0" smtClean="0">
+                <a:latin typeface="Times New Roman" pitchFamily="18" charset="0"/>
+                <a:cs typeface="Times New Roman" pitchFamily="18" charset="0"/>
+              </a:rPr>
+              <a:t> </a:t>
+            </a:r>
+            <a:r>
+              <a:rPr lang="ru-RU" dirty="0" smtClean="0">
+                <a:latin typeface="Times New Roman" pitchFamily="18" charset="0"/>
+                <a:cs typeface="Times New Roman" pitchFamily="18" charset="0"/>
+              </a:rPr>
+              <a:t>предоставляет необходимую функциональность для автоматизации процессов управления данными изделия при одновременной разработке различными группами разработчиков. Архитектура системы </a:t>
+            </a:r>
+            <a:r>
+              <a:rPr lang="ru-RU" b="1" dirty="0" smtClean="0">
+                <a:latin typeface="Times New Roman" pitchFamily="18" charset="0"/>
+                <a:cs typeface="Times New Roman" pitchFamily="18" charset="0"/>
+              </a:rPr>
+              <a:t>PTC</a:t>
+            </a:r>
+            <a:r>
+              <a:rPr lang="ru-RU" dirty="0" smtClean="0">
+                <a:latin typeface="Times New Roman" pitchFamily="18" charset="0"/>
+                <a:cs typeface="Times New Roman" pitchFamily="18" charset="0"/>
+              </a:rPr>
+              <a:t> </a:t>
+            </a:r>
+            <a:r>
+              <a:rPr lang="ru-RU" b="1" dirty="0" err="1" smtClean="0">
+                <a:latin typeface="Times New Roman" pitchFamily="18" charset="0"/>
+                <a:cs typeface="Times New Roman" pitchFamily="18" charset="0"/>
+              </a:rPr>
+              <a:t>Windchill</a:t>
+            </a:r>
+            <a:r>
+              <a:rPr lang="ru-RU" dirty="0" smtClean="0">
+                <a:latin typeface="Times New Roman" pitchFamily="18" charset="0"/>
+                <a:cs typeface="Times New Roman" pitchFamily="18" charset="0"/>
+              </a:rPr>
+              <a:t> построена на основе web-технологий, что позволяет не только динамично развивать систему, но и использовать стандартные web-инструменты – такой подход существенно упрощает администрирование системы и работу ее пользователей</a:t>
+            </a:r>
+            <a:r>
+              <a:rPr lang="ru-RU" dirty="0" smtClean="0">
+                <a:latin typeface="Times New Roman" pitchFamily="18" charset="0"/>
+                <a:cs typeface="Times New Roman" pitchFamily="18" charset="0"/>
+              </a:rPr>
+              <a:t>.</a:t>
+            </a:r>
+            <a:endParaRPr lang="ru-RU" dirty="0">
+              <a:latin typeface="Times New Roman" pitchFamily="18" charset="0"/>
+              <a:cs typeface="Times New Roman" pitchFamily="18" charset="0"/>
+            </a:endParaRPr>
+          </a:p>
+        </p:txBody>
+      </p:sp>
+      <p:pic>
+        <p:nvPicPr>
+          <p:cNvPr id="6" name="Содержимое 5" descr="windchill-.png"/>
+          <p:cNvPicPr>
+            <a:picLocks noGrp="1" noChangeAspect="1"/>
+          </p:cNvPicPr>
+          <p:nvPr>
+            <p:ph sz="half" idx="2"/>
+          </p:nvPr>
+        </p:nvPicPr>
+        <p:blipFill>
+          <a:blip r:embed="rId2"/>
+          <a:stretch>
+            <a:fillRect/>
+          </a:stretch>
+        </p:blipFill>
+        <p:spPr>
+          <a:xfrm>
+            <a:off x="5105400" y="1285860"/>
+            <a:ext cx="4038600" cy="2898673"/>
+          </a:xfrm>
+        </p:spPr>
+      </p:pic>
+      <p:pic>
+        <p:nvPicPr>
+          <p:cNvPr id="7" name="Рисунок 6" descr="Windchill-10-PSB-image.png"/>
+          <p:cNvPicPr>
+            <a:picLocks noChangeAspect="1"/>
+          </p:cNvPicPr>
+          <p:nvPr/>
+        </p:nvPicPr>
+        <p:blipFill>
+          <a:blip r:embed="rId3"/>
+          <a:stretch>
+            <a:fillRect/>
+          </a:stretch>
+        </p:blipFill>
+        <p:spPr>
+          <a:xfrm>
+            <a:off x="4643437" y="3571876"/>
+            <a:ext cx="4296781" cy="3000396"/>
+          </a:xfrm>
+          <a:prstGeom prst="rect">
+            <a:avLst/>
+          </a:prstGeom>
+        </p:spPr>
+      </p:pic>
+    </p:spTree>
+  </p:cSld>
+  <p:clrMapOvr>
+    <a:masterClrMapping/>
+  </p:clrMapOvr>
+</p:sld>
+</file>
+
+<file path=ppt/slides/slide4.xml><?xml version="1.0" encoding="utf-8"?>
+<p:sld xmlns:a="http://schemas.openxmlformats.org/drawingml/2006/main" xmlns:r="http://schemas.openxmlformats.org/officeDocument/2006/relationships" xmlns:p="http://schemas.openxmlformats.org/presentationml/2006/main">
+  <p:cSld>
+    <p:spTree>
+      <p:nvGrpSpPr>
+        <p:cNvPr id="1" name=""/>
+        <p:cNvGrpSpPr/>
+        <p:nvPr/>
+      </p:nvGrpSpPr>
+      <p:grpSpPr>
+        <a:xfrm>
+          <a:off x="0" y="0"/>
+          <a:ext cx="0" cy="0"/>
+          <a:chOff x="0" y="0"/>
+          <a:chExt cx="0" cy="0"/>
+        </a:xfrm>
+      </p:grpSpPr>
+      <p:sp>
+        <p:nvSpPr>
+          <p:cNvPr id="2" name="Заголовок 1"/>
+          <p:cNvSpPr>
+            <a:spLocks noGrp="1"/>
+          </p:cNvSpPr>
+          <p:nvPr>
+            <p:ph type="title"/>
+          </p:nvPr>
+        </p:nvSpPr>
+        <p:spPr/>
+        <p:txBody>
+          <a:bodyPr>
+            <a:normAutofit fontScale="90000"/>
+          </a:bodyPr>
+          <a:lstStyle/>
+          <a:p>
+            <a:r>
+              <a:rPr lang="ru-RU" dirty="0" smtClean="0"/>
+              <a:t>Классификации </a:t>
+            </a:r>
+            <a:r>
+              <a:rPr lang="ru-RU" dirty="0" smtClean="0"/>
+              <a:t>СППР</a:t>
+            </a:r>
+            <a:br>
+              <a:rPr lang="ru-RU" dirty="0" smtClean="0"/>
+            </a:br>
+            <a:r>
+              <a:rPr lang="ru-RU" sz="3100" dirty="0" smtClean="0"/>
+              <a:t>Взаимодействие с пользователем:</a:t>
+            </a:r>
+            <a:endParaRPr lang="ru-RU" sz="3100" dirty="0"/>
           </a:p>
         </p:txBody>
       </p:sp>
@@ -6822,7 +7116,385 @@
             <a:spLocks noGrp="1"/>
           </p:cNvSpPr>
           <p:nvPr>
-            <p:ph sz="half" idx="2"/>
+            <p:ph idx="1"/>
+          </p:nvPr>
+        </p:nvSpPr>
+        <p:spPr/>
+        <p:txBody>
+          <a:bodyPr>
+            <a:normAutofit/>
+          </a:bodyPr>
+          <a:lstStyle/>
+          <a:p>
+            <a:pPr lvl="0"/>
+            <a:r>
+              <a:rPr lang="ru-RU" b="1" dirty="0" smtClean="0"/>
+              <a:t>Пассивные</a:t>
+            </a:r>
+            <a:r>
+              <a:rPr lang="ru-RU" dirty="0" smtClean="0"/>
+              <a:t> </a:t>
+            </a:r>
+            <a:r>
+              <a:rPr lang="ru-RU" dirty="0" smtClean="0"/>
+              <a:t>помогают в процессе принятия решений, но не могут выдвинуть конкретного предложения;</a:t>
+            </a:r>
+          </a:p>
+          <a:p>
+            <a:pPr lvl="0"/>
+            <a:r>
+              <a:rPr lang="ru-RU" b="1" dirty="0" smtClean="0"/>
+              <a:t>Активные</a:t>
+            </a:r>
+            <a:r>
+              <a:rPr lang="ru-RU" dirty="0" smtClean="0"/>
+              <a:t> </a:t>
+            </a:r>
+            <a:r>
+              <a:rPr lang="ru-RU" dirty="0" smtClean="0"/>
+              <a:t>непосредственно участвуют в разработке правильного решения;</a:t>
+            </a:r>
+          </a:p>
+          <a:p>
+            <a:pPr lvl="0"/>
+            <a:r>
+              <a:rPr lang="ru-RU" b="1" dirty="0" smtClean="0"/>
+              <a:t>Кооперативные</a:t>
+            </a:r>
+            <a:r>
+              <a:rPr lang="ru-RU" dirty="0" smtClean="0"/>
+              <a:t> предполагают взаимодействие СППР с пользователем. </a:t>
+            </a:r>
+            <a:endParaRPr lang="ru-RU" dirty="0" smtClean="0"/>
+          </a:p>
+        </p:txBody>
+      </p:sp>
+    </p:spTree>
+  </p:cSld>
+  <p:clrMapOvr>
+    <a:masterClrMapping/>
+  </p:clrMapOvr>
+</p:sld>
+</file>
+
+<file path=ppt/slides/slide5.xml><?xml version="1.0" encoding="utf-8"?>
+<p:sld xmlns:a="http://schemas.openxmlformats.org/drawingml/2006/main" xmlns:r="http://schemas.openxmlformats.org/officeDocument/2006/relationships" xmlns:p="http://schemas.openxmlformats.org/presentationml/2006/main">
+  <p:cSld>
+    <p:spTree>
+      <p:nvGrpSpPr>
+        <p:cNvPr id="1" name=""/>
+        <p:cNvGrpSpPr/>
+        <p:nvPr/>
+      </p:nvGrpSpPr>
+      <p:grpSpPr>
+        <a:xfrm>
+          <a:off x="0" y="0"/>
+          <a:ext cx="0" cy="0"/>
+          <a:chOff x="0" y="0"/>
+          <a:chExt cx="0" cy="0"/>
+        </a:xfrm>
+      </p:grpSpPr>
+      <p:sp>
+        <p:nvSpPr>
+          <p:cNvPr id="2" name="Заголовок 1"/>
+          <p:cNvSpPr>
+            <a:spLocks noGrp="1"/>
+          </p:cNvSpPr>
+          <p:nvPr>
+            <p:ph type="title"/>
+          </p:nvPr>
+        </p:nvSpPr>
+        <p:spPr/>
+        <p:txBody>
+          <a:bodyPr>
+            <a:normAutofit fontScale="90000"/>
+          </a:bodyPr>
+          <a:lstStyle/>
+          <a:p>
+            <a:r>
+              <a:rPr lang="ru-RU" dirty="0" smtClean="0"/>
+              <a:t>Классификации СППР</a:t>
+            </a:r>
+            <a:br>
+              <a:rPr lang="ru-RU" dirty="0" smtClean="0"/>
+            </a:br>
+            <a:r>
+              <a:rPr lang="ru-RU" sz="3100" dirty="0" smtClean="0"/>
+              <a:t>По способу поддержки различают</a:t>
+            </a:r>
+            <a:r>
+              <a:rPr lang="ru-RU" sz="3100" dirty="0" smtClean="0"/>
+              <a:t>:</a:t>
+            </a:r>
+            <a:endParaRPr lang="ru-RU" sz="3100" dirty="0"/>
+          </a:p>
+        </p:txBody>
+      </p:sp>
+      <p:sp>
+        <p:nvSpPr>
+          <p:cNvPr id="3" name="Содержимое 2"/>
+          <p:cNvSpPr>
+            <a:spLocks noGrp="1"/>
+          </p:cNvSpPr>
+          <p:nvPr>
+            <p:ph idx="1"/>
+          </p:nvPr>
+        </p:nvSpPr>
+        <p:spPr/>
+        <p:txBody>
+          <a:bodyPr>
+            <a:normAutofit fontScale="77500" lnSpcReduction="20000"/>
+          </a:bodyPr>
+          <a:lstStyle/>
+          <a:p>
+            <a:pPr lvl="0"/>
+            <a:r>
+              <a:rPr lang="ru-RU" b="1" dirty="0" smtClean="0"/>
+              <a:t>Модельно-ориентированные </a:t>
+            </a:r>
+            <a:r>
+              <a:rPr lang="ru-RU" b="1" dirty="0" smtClean="0"/>
+              <a:t>СППР</a:t>
+            </a:r>
+            <a:r>
+              <a:rPr lang="ru-RU" dirty="0" smtClean="0"/>
+              <a:t>, используют в работе доступ к статистическим, финансовым или иным моделям;</a:t>
+            </a:r>
+          </a:p>
+          <a:p>
+            <a:pPr lvl="0"/>
+            <a:r>
+              <a:rPr lang="ru-RU" b="1" dirty="0" smtClean="0"/>
+              <a:t>СППР, основанные на коммуникациях</a:t>
+            </a:r>
+            <a:r>
+              <a:rPr lang="ru-RU" dirty="0" smtClean="0"/>
+              <a:t>, поддерживают работу двух и более пользователей, занимающихся общей задачей;</a:t>
+            </a:r>
+          </a:p>
+          <a:p>
+            <a:pPr lvl="0"/>
+            <a:r>
+              <a:rPr lang="ru-RU" b="1" dirty="0" smtClean="0"/>
+              <a:t>СППР, ориентированные на данные</a:t>
+            </a:r>
+            <a:r>
+              <a:rPr lang="ru-RU" dirty="0" smtClean="0"/>
+              <a:t>, имеют доступ к временным рядам организации. Они используют в работе не только внутренние, но и внешние данные;</a:t>
+            </a:r>
+          </a:p>
+          <a:p>
+            <a:pPr lvl="0"/>
+            <a:r>
+              <a:rPr lang="ru-RU" b="1" dirty="0" smtClean="0"/>
+              <a:t>СППР, ориентированные на документы</a:t>
+            </a:r>
+            <a:r>
+              <a:rPr lang="ru-RU" dirty="0" smtClean="0"/>
+              <a:t>, манипулируют неструктурированной информацией, заключенной в различных электронных форматах;</a:t>
+            </a:r>
+          </a:p>
+          <a:p>
+            <a:pPr lvl="0"/>
+            <a:r>
+              <a:rPr lang="ru-RU" b="1" dirty="0" smtClean="0"/>
+              <a:t>СППР, ориентированные на знания</a:t>
+            </a:r>
+            <a:r>
+              <a:rPr lang="ru-RU" dirty="0" smtClean="0"/>
+              <a:t>, предоставляют специализированные решения проблем, основанные на фактах.</a:t>
+            </a:r>
+          </a:p>
+          <a:p>
+            <a:endParaRPr lang="ru-RU" dirty="0"/>
+          </a:p>
+        </p:txBody>
+      </p:sp>
+    </p:spTree>
+  </p:cSld>
+  <p:clrMapOvr>
+    <a:masterClrMapping/>
+  </p:clrMapOvr>
+</p:sld>
+</file>
+
+<file path=ppt/slides/slide6.xml><?xml version="1.0" encoding="utf-8"?>
+<p:sld xmlns:a="http://schemas.openxmlformats.org/drawingml/2006/main" xmlns:r="http://schemas.openxmlformats.org/officeDocument/2006/relationships" xmlns:p="http://schemas.openxmlformats.org/presentationml/2006/main">
+  <p:cSld>
+    <p:spTree>
+      <p:nvGrpSpPr>
+        <p:cNvPr id="1" name=""/>
+        <p:cNvGrpSpPr/>
+        <p:nvPr/>
+      </p:nvGrpSpPr>
+      <p:grpSpPr>
+        <a:xfrm>
+          <a:off x="0" y="0"/>
+          <a:ext cx="0" cy="0"/>
+          <a:chOff x="0" y="0"/>
+          <a:chExt cx="0" cy="0"/>
+        </a:xfrm>
+      </p:grpSpPr>
+      <p:sp>
+        <p:nvSpPr>
+          <p:cNvPr id="2" name="Заголовок 1"/>
+          <p:cNvSpPr>
+            <a:spLocks noGrp="1"/>
+          </p:cNvSpPr>
+          <p:nvPr>
+            <p:ph type="title"/>
+          </p:nvPr>
+        </p:nvSpPr>
+        <p:spPr/>
+        <p:txBody>
+          <a:bodyPr>
+            <a:normAutofit fontScale="90000"/>
+          </a:bodyPr>
+          <a:lstStyle/>
+          <a:p>
+            <a:r>
+              <a:rPr lang="ru-RU" dirty="0" smtClean="0"/>
+              <a:t/>
+            </a:r>
+            <a:br>
+              <a:rPr lang="ru-RU" dirty="0" smtClean="0"/>
+            </a:br>
+            <a:r>
+              <a:rPr lang="ru-RU" dirty="0" smtClean="0"/>
+              <a:t>Классификации </a:t>
+            </a:r>
+            <a:r>
+              <a:rPr lang="ru-RU" dirty="0" smtClean="0"/>
+              <a:t>СППР </a:t>
+            </a:r>
+            <a:r>
+              <a:rPr lang="ru-RU" dirty="0" smtClean="0"/>
+              <a:t/>
+            </a:r>
+            <a:br>
+              <a:rPr lang="ru-RU" dirty="0" smtClean="0"/>
+            </a:br>
+            <a:r>
+              <a:rPr lang="ru-RU" sz="3100" dirty="0" smtClean="0"/>
+              <a:t>По </a:t>
+            </a:r>
+            <a:r>
+              <a:rPr lang="ru-RU" sz="3100" dirty="0" smtClean="0"/>
+              <a:t>сфере использования выделяют:</a:t>
+            </a:r>
+            <a:r>
+              <a:rPr lang="ru-RU" dirty="0" smtClean="0"/>
+              <a:t/>
+            </a:r>
+            <a:br>
+              <a:rPr lang="ru-RU" dirty="0" smtClean="0"/>
+            </a:br>
+            <a:endParaRPr lang="ru-RU" dirty="0"/>
+          </a:p>
+        </p:txBody>
+      </p:sp>
+      <p:sp>
+        <p:nvSpPr>
+          <p:cNvPr id="3" name="Содержимое 2"/>
+          <p:cNvSpPr>
+            <a:spLocks noGrp="1"/>
+          </p:cNvSpPr>
+          <p:nvPr>
+            <p:ph idx="1"/>
+          </p:nvPr>
+        </p:nvSpPr>
+        <p:spPr/>
+        <p:txBody>
+          <a:bodyPr/>
+          <a:lstStyle/>
+          <a:p>
+            <a:r>
+              <a:rPr lang="ru-RU" b="1" dirty="0" smtClean="0"/>
+              <a:t>Общесистемные </a:t>
+            </a:r>
+            <a:r>
+              <a:rPr lang="ru-RU" dirty="0" smtClean="0"/>
+              <a:t>работают с </a:t>
+            </a:r>
+            <a:r>
+              <a:rPr lang="ru-RU" dirty="0" smtClean="0"/>
+              <a:t>большими системами хранения данных и применяются многими пользователями. </a:t>
+            </a:r>
+            <a:endParaRPr lang="ru-RU" b="1" dirty="0" smtClean="0"/>
+          </a:p>
+          <a:p>
+            <a:pPr lvl="0"/>
+            <a:r>
+              <a:rPr lang="ru-RU" b="1" dirty="0" smtClean="0"/>
+              <a:t>Настольные СППР </a:t>
+            </a:r>
+            <a:r>
+              <a:rPr lang="ru-RU" dirty="0" smtClean="0"/>
+              <a:t>являются </a:t>
+            </a:r>
+            <a:r>
+              <a:rPr lang="ru-RU" dirty="0" smtClean="0"/>
+              <a:t>небольшими системами и подходят для управления с персонального компьютера одного пользователя.</a:t>
+            </a:r>
+            <a:endParaRPr lang="ru-RU" b="1" dirty="0" smtClean="0"/>
+          </a:p>
+          <a:p>
+            <a:endParaRPr lang="ru-RU" dirty="0"/>
+          </a:p>
+        </p:txBody>
+      </p:sp>
+    </p:spTree>
+  </p:cSld>
+  <p:clrMapOvr>
+    <a:masterClrMapping/>
+  </p:clrMapOvr>
+</p:sld>
+</file>
+
+<file path=ppt/slides/slide7.xml><?xml version="1.0" encoding="utf-8"?>
+<p:sld xmlns:a="http://schemas.openxmlformats.org/drawingml/2006/main" xmlns:r="http://schemas.openxmlformats.org/officeDocument/2006/relationships" xmlns:p="http://schemas.openxmlformats.org/presentationml/2006/main">
+  <p:cSld>
+    <p:spTree>
+      <p:nvGrpSpPr>
+        <p:cNvPr id="1" name=""/>
+        <p:cNvGrpSpPr/>
+        <p:nvPr/>
+      </p:nvGrpSpPr>
+      <p:grpSpPr>
+        <a:xfrm>
+          <a:off x="0" y="0"/>
+          <a:ext cx="0" cy="0"/>
+          <a:chOff x="0" y="0"/>
+          <a:chExt cx="0" cy="0"/>
+        </a:xfrm>
+      </p:grpSpPr>
+      <p:sp>
+        <p:nvSpPr>
+          <p:cNvPr id="2" name="Заголовок 1"/>
+          <p:cNvSpPr>
+            <a:spLocks noGrp="1"/>
+          </p:cNvSpPr>
+          <p:nvPr>
+            <p:ph type="title"/>
+          </p:nvPr>
+        </p:nvSpPr>
+        <p:spPr/>
+        <p:txBody>
+          <a:bodyPr/>
+          <a:lstStyle/>
+          <a:p>
+            <a:endParaRPr lang="ru-RU"/>
+          </a:p>
+        </p:txBody>
+      </p:sp>
+      <p:sp>
+        <p:nvSpPr>
+          <p:cNvPr id="3" name="Содержимое 2"/>
+          <p:cNvSpPr>
+            <a:spLocks noGrp="1"/>
+          </p:cNvSpPr>
+          <p:nvPr>
+            <p:ph idx="1"/>
           </p:nvPr>
         </p:nvSpPr>
         <p:spPr/>

--- a/5kurs/graf/Tem521PPRpresent.pptx
+++ b/5kurs/graf/Tem521PPRpresent.pptx
@@ -12,6 +12,19 @@
     <p:sldId id="260" r:id="rId6"/>
     <p:sldId id="261" r:id="rId7"/>
     <p:sldId id="262" r:id="rId8"/>
+    <p:sldId id="263" r:id="rId9"/>
+    <p:sldId id="264" r:id="rId10"/>
+    <p:sldId id="265" r:id="rId11"/>
+    <p:sldId id="266" r:id="rId12"/>
+    <p:sldId id="267" r:id="rId13"/>
+    <p:sldId id="268" r:id="rId14"/>
+    <p:sldId id="269" r:id="rId15"/>
+    <p:sldId id="270" r:id="rId16"/>
+    <p:sldId id="271" r:id="rId17"/>
+    <p:sldId id="272" r:id="rId18"/>
+    <p:sldId id="273" r:id="rId19"/>
+    <p:sldId id="274" r:id="rId20"/>
+    <p:sldId id="275" r:id="rId21"/>
   </p:sldIdLst>
   <p:sldSz cx="9144000" cy="6858000" type="screen4x3"/>
   <p:notesSz cx="6858000" cy="9144000"/>
@@ -6610,6 +6623,1305 @@
 </p:sld>
 </file>
 
+<file path=ppt/slides/slide10.xml><?xml version="1.0" encoding="utf-8"?>
+<p:sld xmlns:a="http://schemas.openxmlformats.org/drawingml/2006/main" xmlns:r="http://schemas.openxmlformats.org/officeDocument/2006/relationships" xmlns:p="http://schemas.openxmlformats.org/presentationml/2006/main">
+  <p:cSld>
+    <p:spTree>
+      <p:nvGrpSpPr>
+        <p:cNvPr id="1" name=""/>
+        <p:cNvGrpSpPr/>
+        <p:nvPr/>
+      </p:nvGrpSpPr>
+      <p:grpSpPr>
+        <a:xfrm>
+          <a:off x="0" y="0"/>
+          <a:ext cx="0" cy="0"/>
+          <a:chOff x="0" y="0"/>
+          <a:chExt cx="0" cy="0"/>
+        </a:xfrm>
+      </p:grpSpPr>
+      <p:sp>
+        <p:nvSpPr>
+          <p:cNvPr id="5" name="Заголовок 4"/>
+          <p:cNvSpPr>
+            <a:spLocks noGrp="1"/>
+          </p:cNvSpPr>
+          <p:nvPr>
+            <p:ph type="title"/>
+          </p:nvPr>
+        </p:nvSpPr>
+        <p:spPr/>
+        <p:txBody>
+          <a:bodyPr/>
+          <a:lstStyle/>
+          <a:p>
+            <a:r>
+              <a:rPr lang="ru-RU" dirty="0" smtClean="0"/>
+              <a:t>Жизненный цикл продукции:</a:t>
+            </a:r>
+            <a:endParaRPr lang="ru-RU" dirty="0"/>
+          </a:p>
+        </p:txBody>
+      </p:sp>
+      <p:sp>
+        <p:nvSpPr>
+          <p:cNvPr id="6" name="Содержимое 5"/>
+          <p:cNvSpPr>
+            <a:spLocks noGrp="1"/>
+          </p:cNvSpPr>
+          <p:nvPr>
+            <p:ph idx="1"/>
+          </p:nvPr>
+        </p:nvSpPr>
+        <p:spPr/>
+        <p:txBody>
+          <a:bodyPr/>
+          <a:lstStyle/>
+          <a:p>
+            <a:pPr marL="624078" lvl="0" indent="-514350">
+              <a:buFont typeface="+mj-lt"/>
+              <a:buAutoNum type="arabicPeriod"/>
+            </a:pPr>
+            <a:r>
+              <a:rPr lang="ru-RU" dirty="0" smtClean="0"/>
+              <a:t>Маркетинговые исследования</a:t>
+            </a:r>
+          </a:p>
+          <a:p>
+            <a:pPr marL="624078" lvl="0" indent="-514350">
+              <a:buFont typeface="+mj-lt"/>
+              <a:buAutoNum type="arabicPeriod"/>
+            </a:pPr>
+            <a:r>
+              <a:rPr lang="ru-RU" dirty="0" smtClean="0"/>
+              <a:t>Проектирование</a:t>
+            </a:r>
+          </a:p>
+          <a:p>
+            <a:pPr marL="624078" lvl="0" indent="-514350">
+              <a:buFont typeface="+mj-lt"/>
+              <a:buAutoNum type="arabicPeriod"/>
+            </a:pPr>
+            <a:r>
+              <a:rPr lang="ru-RU" dirty="0" smtClean="0"/>
+              <a:t>Технологическая подготовка производства (ТПП)</a:t>
+            </a:r>
+          </a:p>
+          <a:p>
+            <a:pPr marL="624078" lvl="0" indent="-514350">
+              <a:buFont typeface="+mj-lt"/>
+              <a:buAutoNum type="arabicPeriod"/>
+            </a:pPr>
+            <a:r>
+              <a:rPr lang="ru-RU" dirty="0" smtClean="0"/>
+              <a:t>Собственно производство</a:t>
+            </a:r>
+          </a:p>
+          <a:p>
+            <a:pPr marL="624078" lvl="0" indent="-514350">
+              <a:buFont typeface="+mj-lt"/>
+              <a:buAutoNum type="arabicPeriod"/>
+            </a:pPr>
+            <a:r>
+              <a:rPr lang="ru-RU" dirty="0" smtClean="0"/>
+              <a:t>Послепродажное обслуживание</a:t>
+            </a:r>
+          </a:p>
+          <a:p>
+            <a:pPr marL="624078" lvl="0" indent="-514350">
+              <a:buFont typeface="+mj-lt"/>
+              <a:buAutoNum type="arabicPeriod"/>
+            </a:pPr>
+            <a:r>
+              <a:rPr lang="ru-RU" dirty="0" smtClean="0"/>
+              <a:t>Эксплуатация продукции</a:t>
+            </a:r>
+          </a:p>
+          <a:p>
+            <a:pPr marL="624078" lvl="0" indent="-514350">
+              <a:buFont typeface="+mj-lt"/>
+              <a:buAutoNum type="arabicPeriod"/>
+            </a:pPr>
+            <a:r>
+              <a:rPr lang="ru-RU" dirty="0" smtClean="0"/>
+              <a:t>Утилизация</a:t>
+            </a:r>
+          </a:p>
+          <a:p>
+            <a:endParaRPr lang="ru-RU" dirty="0"/>
+          </a:p>
+        </p:txBody>
+      </p:sp>
+    </p:spTree>
+  </p:cSld>
+  <p:clrMapOvr>
+    <a:masterClrMapping/>
+  </p:clrMapOvr>
+</p:sld>
+</file>
+
+<file path=ppt/slides/slide11.xml><?xml version="1.0" encoding="utf-8"?>
+<p:sld xmlns:a="http://schemas.openxmlformats.org/drawingml/2006/main" xmlns:r="http://schemas.openxmlformats.org/officeDocument/2006/relationships" xmlns:p="http://schemas.openxmlformats.org/presentationml/2006/main">
+  <p:cSld>
+    <p:spTree>
+      <p:nvGrpSpPr>
+        <p:cNvPr id="1" name=""/>
+        <p:cNvGrpSpPr/>
+        <p:nvPr/>
+      </p:nvGrpSpPr>
+      <p:grpSpPr>
+        <a:xfrm>
+          <a:off x="0" y="0"/>
+          <a:ext cx="0" cy="0"/>
+          <a:chOff x="0" y="0"/>
+          <a:chExt cx="0" cy="0"/>
+        </a:xfrm>
+      </p:grpSpPr>
+      <p:sp>
+        <p:nvSpPr>
+          <p:cNvPr id="2" name="Заголовок 1"/>
+          <p:cNvSpPr>
+            <a:spLocks noGrp="1"/>
+          </p:cNvSpPr>
+          <p:nvPr>
+            <p:ph type="title"/>
+          </p:nvPr>
+        </p:nvSpPr>
+        <p:spPr/>
+        <p:txBody>
+          <a:bodyPr>
+            <a:normAutofit fontScale="90000"/>
+          </a:bodyPr>
+          <a:lstStyle/>
+          <a:p>
+            <a:r>
+              <a:rPr lang="ru-RU" dirty="0" smtClean="0"/>
+              <a:t>Данные для поддержки принятия решений</a:t>
+            </a:r>
+            <a:endParaRPr lang="ru-RU" dirty="0"/>
+          </a:p>
+        </p:txBody>
+      </p:sp>
+      <p:sp>
+        <p:nvSpPr>
+          <p:cNvPr id="3" name="Содержимое 2"/>
+          <p:cNvSpPr>
+            <a:spLocks noGrp="1"/>
+          </p:cNvSpPr>
+          <p:nvPr>
+            <p:ph idx="1"/>
+          </p:nvPr>
+        </p:nvSpPr>
+        <p:spPr/>
+        <p:txBody>
+          <a:bodyPr>
+            <a:normAutofit fontScale="92500" lnSpcReduction="10000"/>
+          </a:bodyPr>
+          <a:lstStyle/>
+          <a:p>
+            <a:pPr lvl="0"/>
+            <a:r>
+              <a:rPr lang="ru-RU" dirty="0" smtClean="0"/>
+              <a:t>Количество и параметры покупных комплектующих изделий;</a:t>
+            </a:r>
+          </a:p>
+          <a:p>
+            <a:pPr lvl="0"/>
+            <a:r>
+              <a:rPr lang="ru-RU" dirty="0" smtClean="0"/>
+              <a:t>Электрические характеристики радиодеталей; </a:t>
+            </a:r>
+          </a:p>
+          <a:p>
+            <a:pPr lvl="0"/>
+            <a:r>
+              <a:rPr lang="ru-RU" dirty="0" smtClean="0"/>
+              <a:t>Допустимые замены стандартных (покупных) изделий;</a:t>
+            </a:r>
+          </a:p>
+          <a:p>
+            <a:pPr lvl="0"/>
+            <a:r>
+              <a:rPr lang="ru-RU" dirty="0" smtClean="0"/>
+              <a:t>Используемые материалы и габариты деталей;</a:t>
+            </a:r>
+          </a:p>
+          <a:p>
+            <a:pPr lvl="0"/>
+            <a:r>
+              <a:rPr lang="ru-RU" dirty="0" smtClean="0"/>
+              <a:t>Технологический маршрут изделия;</a:t>
+            </a:r>
+          </a:p>
+          <a:p>
+            <a:pPr lvl="0"/>
+            <a:r>
+              <a:rPr lang="ru-RU" dirty="0" smtClean="0"/>
+              <a:t>Состав изделия;</a:t>
+            </a:r>
+          </a:p>
+          <a:p>
+            <a:pPr lvl="0"/>
+            <a:r>
+              <a:rPr lang="ru-RU" dirty="0" smtClean="0"/>
+              <a:t>Трудоёмкость изделий и требуемый разряд рабочих;</a:t>
+            </a:r>
+          </a:p>
+          <a:p>
+            <a:pPr lvl="0"/>
+            <a:r>
+              <a:rPr lang="ru-RU" dirty="0" smtClean="0"/>
+              <a:t>История изменений изделия и др.</a:t>
+            </a:r>
+          </a:p>
+          <a:p>
+            <a:endParaRPr lang="ru-RU" dirty="0"/>
+          </a:p>
+        </p:txBody>
+      </p:sp>
+    </p:spTree>
+  </p:cSld>
+  <p:clrMapOvr>
+    <a:masterClrMapping/>
+  </p:clrMapOvr>
+</p:sld>
+</file>
+
+<file path=ppt/slides/slide12.xml><?xml version="1.0" encoding="utf-8"?>
+<p:sld xmlns:a="http://schemas.openxmlformats.org/drawingml/2006/main" xmlns:r="http://schemas.openxmlformats.org/officeDocument/2006/relationships" xmlns:p="http://schemas.openxmlformats.org/presentationml/2006/main">
+  <p:cSld>
+    <p:spTree>
+      <p:nvGrpSpPr>
+        <p:cNvPr id="1" name=""/>
+        <p:cNvGrpSpPr/>
+        <p:nvPr/>
+      </p:nvGrpSpPr>
+      <p:grpSpPr>
+        <a:xfrm>
+          <a:off x="0" y="0"/>
+          <a:ext cx="0" cy="0"/>
+          <a:chOff x="0" y="0"/>
+          <a:chExt cx="0" cy="0"/>
+        </a:xfrm>
+      </p:grpSpPr>
+      <p:sp>
+        <p:nvSpPr>
+          <p:cNvPr id="2" name="Заголовок 1"/>
+          <p:cNvSpPr>
+            <a:spLocks noGrp="1"/>
+          </p:cNvSpPr>
+          <p:nvPr>
+            <p:ph type="title"/>
+          </p:nvPr>
+        </p:nvSpPr>
+        <p:spPr/>
+        <p:txBody>
+          <a:bodyPr>
+            <a:noAutofit/>
+          </a:bodyPr>
+          <a:lstStyle/>
+          <a:p>
+            <a:pPr lvl="0"/>
+            <a:r>
+              <a:rPr lang="ru-RU" sz="2800" dirty="0" smtClean="0"/>
+              <a:t>Количество и параметры покупных комплектующих </a:t>
+            </a:r>
+            <a:r>
+              <a:rPr lang="ru-RU" sz="2800" dirty="0" smtClean="0"/>
+              <a:t>изделий, электрические характеристики, допустимые замены</a:t>
+            </a:r>
+            <a:endParaRPr lang="ru-RU" sz="2800" dirty="0"/>
+          </a:p>
+        </p:txBody>
+      </p:sp>
+      <p:sp>
+        <p:nvSpPr>
+          <p:cNvPr id="3" name="Содержимое 2"/>
+          <p:cNvSpPr>
+            <a:spLocks noGrp="1"/>
+          </p:cNvSpPr>
+          <p:nvPr>
+            <p:ph idx="1"/>
+          </p:nvPr>
+        </p:nvSpPr>
+        <p:spPr>
+          <a:xfrm>
+            <a:off x="428596" y="2357430"/>
+            <a:ext cx="8229600" cy="4325112"/>
+          </a:xfrm>
+        </p:spPr>
+        <p:txBody>
+          <a:bodyPr/>
+          <a:lstStyle/>
+          <a:p>
+            <a:pPr>
+              <a:buNone/>
+            </a:pPr>
+            <a:r>
+              <a:rPr lang="ru-RU" dirty="0" smtClean="0"/>
+              <a:t>		Возможности </a:t>
+            </a:r>
+            <a:r>
+              <a:rPr lang="ru-RU" dirty="0" smtClean="0"/>
+              <a:t>для поддержки принятия </a:t>
+            </a:r>
+            <a:r>
+              <a:rPr lang="ru-RU" dirty="0" smtClean="0"/>
+              <a:t>решений:</a:t>
+            </a:r>
+            <a:endParaRPr lang="ru-RU" dirty="0" smtClean="0"/>
+          </a:p>
+          <a:p>
+            <a:r>
+              <a:rPr lang="ru-RU" dirty="0" smtClean="0"/>
+              <a:t>Быстрый </a:t>
+            </a:r>
+            <a:r>
+              <a:rPr lang="ru-RU" dirty="0" smtClean="0"/>
+              <a:t>поиск радиоэлементов по параметрам;</a:t>
+            </a:r>
+          </a:p>
+          <a:p>
+            <a:r>
+              <a:rPr lang="ru-RU" dirty="0" smtClean="0"/>
+              <a:t>Расчет </a:t>
+            </a:r>
+            <a:r>
+              <a:rPr lang="ru-RU" dirty="0" smtClean="0"/>
+              <a:t>электрических параметров и массогабаритных характеристик;</a:t>
+            </a:r>
+          </a:p>
+          <a:p>
+            <a:r>
+              <a:rPr lang="ru-RU" dirty="0" smtClean="0"/>
+              <a:t>Информация </a:t>
+            </a:r>
+            <a:r>
+              <a:rPr lang="ru-RU" dirty="0" smtClean="0"/>
+              <a:t>о вхождении ПКИ в изделия;</a:t>
+            </a:r>
+          </a:p>
+          <a:p>
+            <a:r>
+              <a:rPr lang="ru-RU" dirty="0" smtClean="0"/>
+              <a:t>Текущее </a:t>
+            </a:r>
+            <a:r>
+              <a:rPr lang="ru-RU" dirty="0" smtClean="0"/>
+              <a:t>значение себестоимости.</a:t>
+            </a:r>
+          </a:p>
+          <a:p>
+            <a:endParaRPr lang="ru-RU" dirty="0"/>
+          </a:p>
+        </p:txBody>
+      </p:sp>
+    </p:spTree>
+  </p:cSld>
+  <p:clrMapOvr>
+    <a:masterClrMapping/>
+  </p:clrMapOvr>
+</p:sld>
+</file>
+
+<file path=ppt/slides/slide13.xml><?xml version="1.0" encoding="utf-8"?>
+<p:sld xmlns:a="http://schemas.openxmlformats.org/drawingml/2006/main" xmlns:r="http://schemas.openxmlformats.org/officeDocument/2006/relationships" xmlns:p="http://schemas.openxmlformats.org/presentationml/2006/main">
+  <p:cSld>
+    <p:spTree>
+      <p:nvGrpSpPr>
+        <p:cNvPr id="1" name=""/>
+        <p:cNvGrpSpPr/>
+        <p:nvPr/>
+      </p:nvGrpSpPr>
+      <p:grpSpPr>
+        <a:xfrm>
+          <a:off x="0" y="0"/>
+          <a:ext cx="0" cy="0"/>
+          <a:chOff x="0" y="0"/>
+          <a:chExt cx="0" cy="0"/>
+        </a:xfrm>
+      </p:grpSpPr>
+      <p:sp>
+        <p:nvSpPr>
+          <p:cNvPr id="2" name="Заголовок 1"/>
+          <p:cNvSpPr>
+            <a:spLocks noGrp="1"/>
+          </p:cNvSpPr>
+          <p:nvPr>
+            <p:ph type="title"/>
+          </p:nvPr>
+        </p:nvSpPr>
+        <p:spPr/>
+        <p:txBody>
+          <a:bodyPr>
+            <a:normAutofit fontScale="90000"/>
+          </a:bodyPr>
+          <a:lstStyle/>
+          <a:p>
+            <a:r>
+              <a:rPr lang="ru-RU" dirty="0" smtClean="0"/>
+              <a:t>Используемые материалы и габариты </a:t>
+            </a:r>
+            <a:r>
+              <a:rPr lang="ru-RU" dirty="0" smtClean="0"/>
+              <a:t>деталей</a:t>
+            </a:r>
+            <a:endParaRPr lang="ru-RU" dirty="0"/>
+          </a:p>
+        </p:txBody>
+      </p:sp>
+      <p:sp>
+        <p:nvSpPr>
+          <p:cNvPr id="3" name="Содержимое 2"/>
+          <p:cNvSpPr>
+            <a:spLocks noGrp="1"/>
+          </p:cNvSpPr>
+          <p:nvPr>
+            <p:ph idx="1"/>
+          </p:nvPr>
+        </p:nvSpPr>
+        <p:spPr/>
+        <p:txBody>
+          <a:bodyPr/>
+          <a:lstStyle/>
+          <a:p>
+            <a:pPr>
+              <a:buNone/>
+            </a:pPr>
+            <a:r>
+              <a:rPr lang="ru-RU" dirty="0" smtClean="0"/>
+              <a:t>	</a:t>
+            </a:r>
+            <a:r>
+              <a:rPr lang="ru-RU" dirty="0" smtClean="0"/>
+              <a:t>	Атрибуты для поддержки принятия решений:</a:t>
+            </a:r>
+          </a:p>
+          <a:p>
+            <a:r>
+              <a:rPr lang="ru-RU" dirty="0" smtClean="0"/>
+              <a:t>Значение </a:t>
+            </a:r>
+            <a:r>
+              <a:rPr lang="ru-RU" dirty="0" smtClean="0"/>
+              <a:t>отхода производства;</a:t>
+            </a:r>
+          </a:p>
+          <a:p>
+            <a:r>
+              <a:rPr lang="ru-RU" dirty="0" smtClean="0"/>
+              <a:t>Количество </a:t>
+            </a:r>
+            <a:r>
+              <a:rPr lang="ru-RU" dirty="0" smtClean="0"/>
+              <a:t>заготовок на один раскрой;</a:t>
+            </a:r>
+          </a:p>
+          <a:p>
+            <a:r>
+              <a:rPr lang="ru-RU" dirty="0" smtClean="0"/>
+              <a:t>Плотность</a:t>
+            </a:r>
+            <a:r>
+              <a:rPr lang="ru-RU" dirty="0" smtClean="0"/>
+              <a:t>, прочность, твердость и т.д.</a:t>
+            </a:r>
+          </a:p>
+          <a:p>
+            <a:endParaRPr lang="ru-RU" dirty="0"/>
+          </a:p>
+        </p:txBody>
+      </p:sp>
+    </p:spTree>
+  </p:cSld>
+  <p:clrMapOvr>
+    <a:masterClrMapping/>
+  </p:clrMapOvr>
+</p:sld>
+</file>
+
+<file path=ppt/slides/slide14.xml><?xml version="1.0" encoding="utf-8"?>
+<p:sld xmlns:a="http://schemas.openxmlformats.org/drawingml/2006/main" xmlns:r="http://schemas.openxmlformats.org/officeDocument/2006/relationships" xmlns:p="http://schemas.openxmlformats.org/presentationml/2006/main">
+  <p:cSld>
+    <p:spTree>
+      <p:nvGrpSpPr>
+        <p:cNvPr id="1" name=""/>
+        <p:cNvGrpSpPr/>
+        <p:nvPr/>
+      </p:nvGrpSpPr>
+      <p:grpSpPr>
+        <a:xfrm>
+          <a:off x="0" y="0"/>
+          <a:ext cx="0" cy="0"/>
+          <a:chOff x="0" y="0"/>
+          <a:chExt cx="0" cy="0"/>
+        </a:xfrm>
+      </p:grpSpPr>
+      <p:sp>
+        <p:nvSpPr>
+          <p:cNvPr id="2" name="Заголовок 1"/>
+          <p:cNvSpPr>
+            <a:spLocks noGrp="1"/>
+          </p:cNvSpPr>
+          <p:nvPr>
+            <p:ph type="title"/>
+          </p:nvPr>
+        </p:nvSpPr>
+        <p:spPr/>
+        <p:txBody>
+          <a:bodyPr>
+            <a:normAutofit fontScale="90000"/>
+          </a:bodyPr>
+          <a:lstStyle/>
+          <a:p>
+            <a:r>
+              <a:rPr lang="ru-RU" dirty="0" smtClean="0"/>
+              <a:t>Технологический маршрут изделия</a:t>
+            </a:r>
+            <a:endParaRPr lang="ru-RU" dirty="0"/>
+          </a:p>
+        </p:txBody>
+      </p:sp>
+      <p:sp>
+        <p:nvSpPr>
+          <p:cNvPr id="3" name="Содержимое 2"/>
+          <p:cNvSpPr>
+            <a:spLocks noGrp="1"/>
+          </p:cNvSpPr>
+          <p:nvPr>
+            <p:ph idx="1"/>
+          </p:nvPr>
+        </p:nvSpPr>
+        <p:spPr/>
+        <p:txBody>
+          <a:bodyPr>
+            <a:normAutofit fontScale="92500" lnSpcReduction="20000"/>
+          </a:bodyPr>
+          <a:lstStyle/>
+          <a:p>
+            <a:pPr>
+              <a:buNone/>
+            </a:pPr>
+            <a:r>
+              <a:rPr lang="ru-RU" dirty="0" smtClean="0"/>
+              <a:t>		Технологический </a:t>
+            </a:r>
+            <a:r>
+              <a:rPr lang="ru-RU" dirty="0" smtClean="0"/>
+              <a:t>маршрут может быть использован для принятия решений во многих </a:t>
+            </a:r>
+            <a:r>
+              <a:rPr lang="ru-RU" dirty="0" err="1" smtClean="0"/>
+              <a:t>бизнес-процеесах</a:t>
+            </a:r>
+            <a:r>
+              <a:rPr lang="ru-RU" dirty="0" smtClean="0"/>
+              <a:t>:</a:t>
+            </a:r>
+          </a:p>
+          <a:p>
+            <a:r>
+              <a:rPr lang="ru-RU" dirty="0" smtClean="0"/>
+              <a:t>Планирование </a:t>
+            </a:r>
+            <a:r>
+              <a:rPr lang="ru-RU" dirty="0" smtClean="0"/>
+              <a:t>производства;</a:t>
+            </a:r>
+          </a:p>
+          <a:p>
+            <a:r>
+              <a:rPr lang="ru-RU" dirty="0" smtClean="0"/>
+              <a:t>Распределение </a:t>
+            </a:r>
+            <a:r>
+              <a:rPr lang="ru-RU" dirty="0" smtClean="0"/>
+              <a:t>производственных мощностей;</a:t>
+            </a:r>
+          </a:p>
+          <a:p>
+            <a:r>
+              <a:rPr lang="ru-RU" dirty="0" smtClean="0"/>
+              <a:t>Расчет </a:t>
+            </a:r>
+            <a:r>
+              <a:rPr lang="ru-RU" dirty="0" smtClean="0"/>
+              <a:t>трудоёмкости изделия;</a:t>
+            </a:r>
+          </a:p>
+          <a:p>
+            <a:r>
+              <a:rPr lang="ru-RU" dirty="0" smtClean="0"/>
+              <a:t>Проектирование </a:t>
+            </a:r>
+            <a:r>
+              <a:rPr lang="ru-RU" dirty="0" smtClean="0"/>
+              <a:t>рабочего пространства;</a:t>
+            </a:r>
+          </a:p>
+          <a:p>
+            <a:r>
+              <a:rPr lang="ru-RU" dirty="0" smtClean="0"/>
+              <a:t>Наём </a:t>
+            </a:r>
+            <a:r>
+              <a:rPr lang="ru-RU" dirty="0" smtClean="0"/>
+              <a:t>и подготовка требуемого персонала;</a:t>
+            </a:r>
+          </a:p>
+          <a:p>
+            <a:r>
+              <a:rPr lang="ru-RU" dirty="0" smtClean="0"/>
+              <a:t>Управление </a:t>
+            </a:r>
+            <a:r>
+              <a:rPr lang="ru-RU" dirty="0" smtClean="0"/>
+              <a:t>цеховой и производственной логистикой;</a:t>
+            </a:r>
+          </a:p>
+          <a:p>
+            <a:r>
+              <a:rPr lang="ru-RU" dirty="0" smtClean="0"/>
+              <a:t>Планирование </a:t>
+            </a:r>
+            <a:r>
+              <a:rPr lang="ru-RU" dirty="0" smtClean="0"/>
+              <a:t>складского обеспечения;</a:t>
+            </a:r>
+          </a:p>
+          <a:p>
+            <a:r>
+              <a:rPr lang="ru-RU" dirty="0" smtClean="0"/>
+              <a:t>Подсчет </a:t>
+            </a:r>
+            <a:r>
+              <a:rPr lang="ru-RU" dirty="0" smtClean="0"/>
+              <a:t>выработки по цеху и т.д.</a:t>
+            </a:r>
+          </a:p>
+          <a:p>
+            <a:endParaRPr lang="ru-RU" dirty="0"/>
+          </a:p>
+        </p:txBody>
+      </p:sp>
+    </p:spTree>
+  </p:cSld>
+  <p:clrMapOvr>
+    <a:masterClrMapping/>
+  </p:clrMapOvr>
+</p:sld>
+</file>
+
+<file path=ppt/slides/slide15.xml><?xml version="1.0" encoding="utf-8"?>
+<p:sld xmlns:a="http://schemas.openxmlformats.org/drawingml/2006/main" xmlns:r="http://schemas.openxmlformats.org/officeDocument/2006/relationships" xmlns:p="http://schemas.openxmlformats.org/presentationml/2006/main">
+  <p:cSld>
+    <p:spTree>
+      <p:nvGrpSpPr>
+        <p:cNvPr id="1" name=""/>
+        <p:cNvGrpSpPr/>
+        <p:nvPr/>
+      </p:nvGrpSpPr>
+      <p:grpSpPr>
+        <a:xfrm>
+          <a:off x="0" y="0"/>
+          <a:ext cx="0" cy="0"/>
+          <a:chOff x="0" y="0"/>
+          <a:chExt cx="0" cy="0"/>
+        </a:xfrm>
+      </p:grpSpPr>
+      <p:sp>
+        <p:nvSpPr>
+          <p:cNvPr id="2" name="Заголовок 1"/>
+          <p:cNvSpPr>
+            <a:spLocks noGrp="1"/>
+          </p:cNvSpPr>
+          <p:nvPr>
+            <p:ph type="title"/>
+          </p:nvPr>
+        </p:nvSpPr>
+        <p:spPr/>
+        <p:txBody>
+          <a:bodyPr/>
+          <a:lstStyle/>
+          <a:p>
+            <a:r>
+              <a:rPr lang="ru-RU" dirty="0" smtClean="0"/>
+              <a:t>Управление составом изделия </a:t>
+            </a:r>
+            <a:endParaRPr lang="ru-RU" dirty="0"/>
+          </a:p>
+        </p:txBody>
+      </p:sp>
+      <p:sp>
+        <p:nvSpPr>
+          <p:cNvPr id="3" name="Содержимое 2"/>
+          <p:cNvSpPr>
+            <a:spLocks noGrp="1"/>
+          </p:cNvSpPr>
+          <p:nvPr>
+            <p:ph idx="1"/>
+          </p:nvPr>
+        </p:nvSpPr>
+        <p:spPr/>
+        <p:txBody>
+          <a:bodyPr>
+            <a:normAutofit fontScale="62500" lnSpcReduction="20000"/>
+          </a:bodyPr>
+          <a:lstStyle/>
+          <a:p>
+            <a:pPr>
+              <a:buNone/>
+            </a:pPr>
+            <a:r>
+              <a:rPr lang="ru-RU" dirty="0" smtClean="0"/>
+              <a:t>		В </a:t>
+            </a:r>
+            <a:r>
+              <a:rPr lang="ru-RU" dirty="0" smtClean="0"/>
+              <a:t>общем случае, при производстве могут применяться следующие типы </a:t>
+            </a:r>
+            <a:r>
+              <a:rPr lang="ru-RU" dirty="0" smtClean="0"/>
+              <a:t>объектов:</a:t>
+            </a:r>
+            <a:endParaRPr lang="ru-RU" dirty="0" smtClean="0"/>
+          </a:p>
+          <a:p>
+            <a:pPr lvl="0"/>
+            <a:r>
+              <a:rPr lang="ru-RU" dirty="0" smtClean="0"/>
+              <a:t>Материал – имеются в виду ещё не прошедшие обработку материальные ресурсы;</a:t>
+            </a:r>
+          </a:p>
+          <a:p>
+            <a:pPr lvl="0"/>
+            <a:r>
+              <a:rPr lang="ru-RU" dirty="0" smtClean="0"/>
+              <a:t>Заготовка – материал, с которым были произведены определенные операции;</a:t>
+            </a:r>
+          </a:p>
+          <a:p>
+            <a:pPr lvl="0"/>
+            <a:r>
+              <a:rPr lang="ru-RU" dirty="0" smtClean="0"/>
+              <a:t>Деталь – законченный элемент конструкции;</a:t>
+            </a:r>
+          </a:p>
+          <a:p>
+            <a:pPr lvl="0"/>
+            <a:r>
+              <a:rPr lang="ru-RU" dirty="0" smtClean="0"/>
+              <a:t>Сборочная единица – деталь, в составе которой содержатся другие детали или сборочные единицы;</a:t>
+            </a:r>
+          </a:p>
+          <a:p>
+            <a:pPr lvl="0"/>
+            <a:r>
+              <a:rPr lang="ru-RU" dirty="0" smtClean="0"/>
+              <a:t>Покупное комплектующее изделие – деталь, которая не производится на предприятии, а закупается;</a:t>
+            </a:r>
+          </a:p>
+          <a:p>
+            <a:pPr lvl="0"/>
+            <a:r>
+              <a:rPr lang="ru-RU" dirty="0" smtClean="0"/>
+              <a:t>Инструмент – применяется в том случае, если для изготовления или настройки продукции требуется нестандартное оборудование;</a:t>
+            </a:r>
+          </a:p>
+          <a:p>
+            <a:pPr lvl="0"/>
+            <a:r>
+              <a:rPr lang="ru-RU" dirty="0" smtClean="0"/>
+              <a:t>Документ – сюда относится вся сопроводительная документация, т.е. чертежи, спецификации, технические условия, перечни, инструкции, схемы и т.д</a:t>
+            </a:r>
+            <a:r>
+              <a:rPr lang="ru-RU" dirty="0" smtClean="0"/>
+              <a:t>.</a:t>
+            </a:r>
+            <a:endParaRPr lang="ru-RU" dirty="0" smtClean="0"/>
+          </a:p>
+          <a:p>
+            <a:endParaRPr lang="ru-RU" dirty="0"/>
+          </a:p>
+        </p:txBody>
+      </p:sp>
+    </p:spTree>
+  </p:cSld>
+  <p:clrMapOvr>
+    <a:masterClrMapping/>
+  </p:clrMapOvr>
+</p:sld>
+</file>
+
+<file path=ppt/slides/slide16.xml><?xml version="1.0" encoding="utf-8"?>
+<p:sld xmlns:a="http://schemas.openxmlformats.org/drawingml/2006/main" xmlns:r="http://schemas.openxmlformats.org/officeDocument/2006/relationships" xmlns:p="http://schemas.openxmlformats.org/presentationml/2006/main">
+  <p:cSld>
+    <p:spTree>
+      <p:nvGrpSpPr>
+        <p:cNvPr id="1" name=""/>
+        <p:cNvGrpSpPr/>
+        <p:nvPr/>
+      </p:nvGrpSpPr>
+      <p:grpSpPr>
+        <a:xfrm>
+          <a:off x="0" y="0"/>
+          <a:ext cx="0" cy="0"/>
+          <a:chOff x="0" y="0"/>
+          <a:chExt cx="0" cy="0"/>
+        </a:xfrm>
+      </p:grpSpPr>
+      <p:sp>
+        <p:nvSpPr>
+          <p:cNvPr id="2" name="Заголовок 1"/>
+          <p:cNvSpPr>
+            <a:spLocks noGrp="1"/>
+          </p:cNvSpPr>
+          <p:nvPr>
+            <p:ph type="title"/>
+          </p:nvPr>
+        </p:nvSpPr>
+        <p:spPr/>
+        <p:txBody>
+          <a:bodyPr>
+            <a:normAutofit fontScale="90000"/>
+          </a:bodyPr>
+          <a:lstStyle/>
+          <a:p>
+            <a:r>
+              <a:rPr lang="ru-RU" dirty="0" smtClean="0"/>
+              <a:t>Трудоёмкость </a:t>
+            </a:r>
+            <a:r>
+              <a:rPr lang="ru-RU" dirty="0" smtClean="0"/>
+              <a:t>изделия и требуемый разряд рабочих</a:t>
+            </a:r>
+            <a:endParaRPr lang="ru-RU" dirty="0"/>
+          </a:p>
+        </p:txBody>
+      </p:sp>
+      <p:sp>
+        <p:nvSpPr>
+          <p:cNvPr id="3" name="Содержимое 2"/>
+          <p:cNvSpPr>
+            <a:spLocks noGrp="1"/>
+          </p:cNvSpPr>
+          <p:nvPr>
+            <p:ph idx="1"/>
+          </p:nvPr>
+        </p:nvSpPr>
+        <p:spPr/>
+        <p:txBody>
+          <a:bodyPr/>
+          <a:lstStyle/>
+          <a:p>
+            <a:pPr>
+              <a:buNone/>
+            </a:pPr>
+            <a:r>
+              <a:rPr lang="ru-RU" dirty="0" smtClean="0"/>
+              <a:t>		Используется для расчета и формирования:</a:t>
+            </a:r>
+          </a:p>
+          <a:p>
+            <a:r>
+              <a:rPr lang="ru-RU" dirty="0" smtClean="0"/>
+              <a:t>Зарплат (по цехам, по рабочим, по заказам);</a:t>
+            </a:r>
+          </a:p>
+          <a:p>
+            <a:r>
+              <a:rPr lang="ru-RU" dirty="0" smtClean="0"/>
+              <a:t>Производственного плана;</a:t>
+            </a:r>
+          </a:p>
+          <a:p>
+            <a:r>
+              <a:rPr lang="ru-RU" dirty="0" smtClean="0"/>
+              <a:t>Плана подготовки и набора персонала;</a:t>
+            </a:r>
+          </a:p>
+          <a:p>
+            <a:r>
+              <a:rPr lang="ru-RU" dirty="0" smtClean="0"/>
+              <a:t>Распределение трудовых ресурсов и т.д.</a:t>
+            </a:r>
+          </a:p>
+          <a:p>
+            <a:endParaRPr lang="ru-RU" dirty="0"/>
+          </a:p>
+        </p:txBody>
+      </p:sp>
+    </p:spTree>
+  </p:cSld>
+  <p:clrMapOvr>
+    <a:masterClrMapping/>
+  </p:clrMapOvr>
+</p:sld>
+</file>
+
+<file path=ppt/slides/slide17.xml><?xml version="1.0" encoding="utf-8"?>
+<p:sld xmlns:a="http://schemas.openxmlformats.org/drawingml/2006/main" xmlns:r="http://schemas.openxmlformats.org/officeDocument/2006/relationships" xmlns:p="http://schemas.openxmlformats.org/presentationml/2006/main">
+  <p:cSld>
+    <p:spTree>
+      <p:nvGrpSpPr>
+        <p:cNvPr id="1" name=""/>
+        <p:cNvGrpSpPr/>
+        <p:nvPr/>
+      </p:nvGrpSpPr>
+      <p:grpSpPr>
+        <a:xfrm>
+          <a:off x="0" y="0"/>
+          <a:ext cx="0" cy="0"/>
+          <a:chOff x="0" y="0"/>
+          <a:chExt cx="0" cy="0"/>
+        </a:xfrm>
+      </p:grpSpPr>
+      <p:sp>
+        <p:nvSpPr>
+          <p:cNvPr id="2" name="Заголовок 1"/>
+          <p:cNvSpPr>
+            <a:spLocks noGrp="1"/>
+          </p:cNvSpPr>
+          <p:nvPr>
+            <p:ph type="title"/>
+          </p:nvPr>
+        </p:nvSpPr>
+        <p:spPr/>
+        <p:txBody>
+          <a:bodyPr/>
+          <a:lstStyle/>
+          <a:p>
+            <a:r>
+              <a:rPr lang="ru-RU" dirty="0" smtClean="0"/>
+              <a:t>История изменений</a:t>
+            </a:r>
+            <a:endParaRPr lang="ru-RU" dirty="0"/>
+          </a:p>
+        </p:txBody>
+      </p:sp>
+      <p:sp>
+        <p:nvSpPr>
+          <p:cNvPr id="3" name="Содержимое 2"/>
+          <p:cNvSpPr>
+            <a:spLocks noGrp="1"/>
+          </p:cNvSpPr>
+          <p:nvPr>
+            <p:ph idx="1"/>
+          </p:nvPr>
+        </p:nvSpPr>
+        <p:spPr/>
+        <p:txBody>
+          <a:bodyPr/>
+          <a:lstStyle/>
+          <a:p>
+            <a:pPr>
+              <a:buNone/>
+            </a:pPr>
+            <a:r>
+              <a:rPr lang="ru-RU" dirty="0" smtClean="0"/>
+              <a:t>		Применение:</a:t>
+            </a:r>
+          </a:p>
+          <a:p>
+            <a:r>
+              <a:rPr lang="ru-RU" dirty="0" smtClean="0"/>
+              <a:t>Восстановление предыдущих значений параметров и структуры;</a:t>
+            </a:r>
+          </a:p>
+          <a:p>
+            <a:r>
+              <a:rPr lang="ru-RU" dirty="0" smtClean="0"/>
+              <a:t>Определение обоснованности предыдущих изменений;</a:t>
+            </a:r>
+          </a:p>
+          <a:p>
+            <a:r>
+              <a:rPr lang="ru-RU" dirty="0" smtClean="0"/>
+              <a:t>Установление номера исполнения изделия.</a:t>
+            </a:r>
+            <a:endParaRPr lang="ru-RU" dirty="0"/>
+          </a:p>
+        </p:txBody>
+      </p:sp>
+    </p:spTree>
+  </p:cSld>
+  <p:clrMapOvr>
+    <a:masterClrMapping/>
+  </p:clrMapOvr>
+</p:sld>
+</file>
+
+<file path=ppt/slides/slide18.xml><?xml version="1.0" encoding="utf-8"?>
+<p:sld xmlns:a="http://schemas.openxmlformats.org/drawingml/2006/main" xmlns:r="http://schemas.openxmlformats.org/officeDocument/2006/relationships" xmlns:p="http://schemas.openxmlformats.org/presentationml/2006/main">
+  <p:cSld>
+    <p:spTree>
+      <p:nvGrpSpPr>
+        <p:cNvPr id="1" name=""/>
+        <p:cNvGrpSpPr/>
+        <p:nvPr/>
+      </p:nvGrpSpPr>
+      <p:grpSpPr>
+        <a:xfrm>
+          <a:off x="0" y="0"/>
+          <a:ext cx="0" cy="0"/>
+          <a:chOff x="0" y="0"/>
+          <a:chExt cx="0" cy="0"/>
+        </a:xfrm>
+      </p:grpSpPr>
+      <p:sp>
+        <p:nvSpPr>
+          <p:cNvPr id="2" name="Заголовок 1"/>
+          <p:cNvSpPr>
+            <a:spLocks noGrp="1"/>
+          </p:cNvSpPr>
+          <p:nvPr>
+            <p:ph type="title"/>
+          </p:nvPr>
+        </p:nvSpPr>
+        <p:spPr/>
+        <p:txBody>
+          <a:bodyPr>
+            <a:normAutofit fontScale="90000"/>
+          </a:bodyPr>
+          <a:lstStyle/>
+          <a:p>
+            <a:r>
+              <a:rPr lang="ru-RU" dirty="0" smtClean="0"/>
+              <a:t>Место </a:t>
+            </a:r>
+            <a:r>
+              <a:rPr lang="ru-RU" dirty="0" smtClean="0"/>
+              <a:t>СУЖЦ в информационной среде </a:t>
+            </a:r>
+            <a:r>
+              <a:rPr lang="ru-RU" dirty="0" smtClean="0"/>
+              <a:t>предприятия</a:t>
+            </a:r>
+            <a:endParaRPr lang="ru-RU" dirty="0"/>
+          </a:p>
+        </p:txBody>
+      </p:sp>
+      <p:sp>
+        <p:nvSpPr>
+          <p:cNvPr id="3" name="Содержимое 2"/>
+          <p:cNvSpPr>
+            <a:spLocks noGrp="1"/>
+          </p:cNvSpPr>
+          <p:nvPr>
+            <p:ph idx="1"/>
+          </p:nvPr>
+        </p:nvSpPr>
+        <p:spPr/>
+        <p:txBody>
+          <a:bodyPr>
+            <a:normAutofit fontScale="70000" lnSpcReduction="20000"/>
+          </a:bodyPr>
+          <a:lstStyle/>
+          <a:p>
+            <a:r>
+              <a:rPr lang="ru-RU" dirty="0" smtClean="0"/>
+              <a:t>СУЖЦ</a:t>
+            </a:r>
+            <a:r>
+              <a:rPr lang="en-US" dirty="0" smtClean="0"/>
+              <a:t> </a:t>
+            </a:r>
+            <a:r>
+              <a:rPr lang="ru-RU" dirty="0" smtClean="0"/>
+              <a:t>– </a:t>
+            </a:r>
+            <a:r>
+              <a:rPr lang="ru-RU" dirty="0" smtClean="0"/>
+              <a:t>обеспечение </a:t>
+            </a:r>
+            <a:r>
+              <a:rPr lang="ru-RU" dirty="0" smtClean="0"/>
+              <a:t>ввода информации в хранилище данных и </a:t>
+            </a:r>
+            <a:r>
+              <a:rPr lang="ru-RU" dirty="0" smtClean="0"/>
+              <a:t>предоставление </a:t>
+            </a:r>
+            <a:r>
+              <a:rPr lang="ru-RU" dirty="0" smtClean="0"/>
+              <a:t>удобного пользовательского интерфейса для их модификации. Кроме того, СУЖЦ применяется как "прослойка" между САПР и другими системами предприятия</a:t>
+            </a:r>
+            <a:endParaRPr lang="ru-RU" dirty="0" smtClean="0"/>
+          </a:p>
+          <a:p>
+            <a:r>
+              <a:rPr lang="en-US" dirty="0" smtClean="0"/>
+              <a:t>ERP </a:t>
+            </a:r>
+            <a:r>
+              <a:rPr lang="ru-RU" dirty="0" smtClean="0"/>
+              <a:t>– позволит отслеживать производство и при его анализе улучшать технологический процесс, непосредственно выполняет функции поддержки принятия решений;</a:t>
+            </a:r>
+          </a:p>
+          <a:p>
+            <a:r>
+              <a:rPr lang="ru-RU" dirty="0" smtClean="0"/>
+              <a:t>Электронный </a:t>
+            </a:r>
+            <a:r>
+              <a:rPr lang="ru-RU" dirty="0" smtClean="0"/>
+              <a:t>документооборот – автоматизирует передачу документов между заинтересованными лицами и позволяет избавиться от бумажной документации, что значительно ускорит обращение с изделием;</a:t>
+            </a:r>
+          </a:p>
+          <a:p>
+            <a:r>
+              <a:rPr lang="en-US" dirty="0" smtClean="0"/>
+              <a:t>CRM </a:t>
+            </a:r>
+            <a:r>
+              <a:rPr lang="ru-RU" dirty="0" smtClean="0"/>
+              <a:t>– позволяет настроить общение с потребителями и держателями документации для автоматизации обмена конструкторскими и технологическими данными.</a:t>
+            </a:r>
+          </a:p>
+          <a:p>
+            <a:endParaRPr lang="ru-RU" dirty="0"/>
+          </a:p>
+        </p:txBody>
+      </p:sp>
+    </p:spTree>
+  </p:cSld>
+  <p:clrMapOvr>
+    <a:masterClrMapping/>
+  </p:clrMapOvr>
+</p:sld>
+</file>
+
+<file path=ppt/slides/slide19.xml><?xml version="1.0" encoding="utf-8"?>
+<p:sld xmlns:a="http://schemas.openxmlformats.org/drawingml/2006/main" xmlns:r="http://schemas.openxmlformats.org/officeDocument/2006/relationships" xmlns:p="http://schemas.openxmlformats.org/presentationml/2006/main">
+  <p:cSld>
+    <p:spTree>
+      <p:nvGrpSpPr>
+        <p:cNvPr id="1" name=""/>
+        <p:cNvGrpSpPr/>
+        <p:nvPr/>
+      </p:nvGrpSpPr>
+      <p:grpSpPr>
+        <a:xfrm>
+          <a:off x="0" y="0"/>
+          <a:ext cx="0" cy="0"/>
+          <a:chOff x="0" y="0"/>
+          <a:chExt cx="0" cy="0"/>
+        </a:xfrm>
+      </p:grpSpPr>
+      <p:sp>
+        <p:nvSpPr>
+          <p:cNvPr id="2" name="Заголовок 1"/>
+          <p:cNvSpPr>
+            <a:spLocks noGrp="1"/>
+          </p:cNvSpPr>
+          <p:nvPr>
+            <p:ph type="title"/>
+          </p:nvPr>
+        </p:nvSpPr>
+        <p:spPr/>
+        <p:txBody>
+          <a:bodyPr/>
+          <a:lstStyle/>
+          <a:p>
+            <a:r>
+              <a:rPr lang="ru-RU" dirty="0" smtClean="0"/>
+              <a:t>Выводы:	</a:t>
+            </a:r>
+            <a:endParaRPr lang="ru-RU" dirty="0"/>
+          </a:p>
+        </p:txBody>
+      </p:sp>
+      <p:sp>
+        <p:nvSpPr>
+          <p:cNvPr id="3" name="Содержимое 2"/>
+          <p:cNvSpPr>
+            <a:spLocks noGrp="1"/>
+          </p:cNvSpPr>
+          <p:nvPr>
+            <p:ph idx="1"/>
+          </p:nvPr>
+        </p:nvSpPr>
+        <p:spPr/>
+        <p:txBody>
+          <a:bodyPr>
+            <a:normAutofit fontScale="85000" lnSpcReduction="20000"/>
+          </a:bodyPr>
+          <a:lstStyle/>
+          <a:p>
+            <a:pPr marL="624078" indent="-514350">
+              <a:buFont typeface="+mj-lt"/>
+              <a:buAutoNum type="arabicPeriod"/>
+            </a:pPr>
+            <a:r>
+              <a:rPr lang="ru-RU" dirty="0" smtClean="0"/>
+              <a:t>СУЖЦ отвечают основным требованиям к СППР, но не имеют достаточных средств для анализа и прогнозирования</a:t>
+            </a:r>
+            <a:r>
+              <a:rPr lang="ru-RU" dirty="0" smtClean="0"/>
+              <a:t>.</a:t>
+            </a:r>
+          </a:p>
+          <a:p>
+            <a:pPr marL="624078" indent="-514350">
+              <a:buFont typeface="+mj-lt"/>
+              <a:buAutoNum type="arabicPeriod"/>
+            </a:pPr>
+            <a:r>
+              <a:rPr lang="ru-RU" dirty="0" smtClean="0"/>
+              <a:t>Они </a:t>
+            </a:r>
+            <a:r>
+              <a:rPr lang="ru-RU" dirty="0" smtClean="0"/>
+              <a:t>являются отличным инструментом для подготовки информации для дальнейшего принятия решений, а так же оперативного решения возникающих проблем.</a:t>
+            </a:r>
+          </a:p>
+          <a:p>
+            <a:pPr marL="624078" indent="-514350">
+              <a:buFont typeface="+mj-lt"/>
+              <a:buAutoNum type="arabicPeriod"/>
+            </a:pPr>
+            <a:r>
+              <a:rPr lang="ru-RU" dirty="0" smtClean="0"/>
+              <a:t>Наиболее </a:t>
+            </a:r>
+            <a:r>
+              <a:rPr lang="ru-RU" dirty="0" smtClean="0"/>
+              <a:t>полезными функциями на этапе проектирования являются централизованное управление составом </a:t>
+            </a:r>
+            <a:r>
+              <a:rPr lang="ru-RU" dirty="0" smtClean="0"/>
+              <a:t>изделий и </a:t>
+            </a:r>
+            <a:r>
+              <a:rPr lang="ru-RU" dirty="0" smtClean="0"/>
+              <a:t>технологическим маршрутом</a:t>
+            </a:r>
+            <a:r>
+              <a:rPr lang="ru-RU" dirty="0" smtClean="0"/>
+              <a:t>.</a:t>
+            </a:r>
+          </a:p>
+          <a:p>
+            <a:pPr marL="624078" indent="-514350">
+              <a:buFont typeface="+mj-lt"/>
+              <a:buAutoNum type="arabicPeriod"/>
+            </a:pPr>
+            <a:r>
+              <a:rPr lang="ru-RU" dirty="0" smtClean="0"/>
+              <a:t>СУЖЦ занимает важное место в информационной среде предприятия </a:t>
+            </a:r>
+            <a:endParaRPr lang="ru-RU" dirty="0"/>
+          </a:p>
+        </p:txBody>
+      </p:sp>
+    </p:spTree>
+  </p:cSld>
+  <p:clrMapOvr>
+    <a:masterClrMapping/>
+  </p:clrMapOvr>
+</p:sld>
+</file>
+
 <file path=ppt/slides/slide2.xml><?xml version="1.0" encoding="utf-8"?>
 <p:sld xmlns:a="http://schemas.openxmlformats.org/drawingml/2006/main" xmlns:r="http://schemas.openxmlformats.org/officeDocument/2006/relationships" xmlns:p="http://schemas.openxmlformats.org/presentationml/2006/main">
   <p:cSld>
@@ -6792,6 +8104,86 @@
           </a:p>
           <a:p>
             <a:endParaRPr lang="en-US" dirty="0" smtClean="0"/>
+          </a:p>
+          <a:p>
+            <a:endParaRPr lang="ru-RU" dirty="0"/>
+          </a:p>
+        </p:txBody>
+      </p:sp>
+    </p:spTree>
+  </p:cSld>
+  <p:clrMapOvr>
+    <a:masterClrMapping/>
+  </p:clrMapOvr>
+</p:sld>
+</file>
+
+<file path=ppt/slides/slide20.xml><?xml version="1.0" encoding="utf-8"?>
+<p:sld xmlns:a="http://schemas.openxmlformats.org/drawingml/2006/main" xmlns:r="http://schemas.openxmlformats.org/officeDocument/2006/relationships" xmlns:p="http://schemas.openxmlformats.org/presentationml/2006/main">
+  <p:cSld>
+    <p:spTree>
+      <p:nvGrpSpPr>
+        <p:cNvPr id="1" name=""/>
+        <p:cNvGrpSpPr/>
+        <p:nvPr/>
+      </p:nvGrpSpPr>
+      <p:grpSpPr>
+        <a:xfrm>
+          <a:off x="0" y="0"/>
+          <a:ext cx="0" cy="0"/>
+          <a:chOff x="0" y="0"/>
+          <a:chExt cx="0" cy="0"/>
+        </a:xfrm>
+      </p:grpSpPr>
+      <p:sp>
+        <p:nvSpPr>
+          <p:cNvPr id="4" name="Заголовок 3"/>
+          <p:cNvSpPr>
+            <a:spLocks noGrp="1"/>
+          </p:cNvSpPr>
+          <p:nvPr>
+            <p:ph type="title"/>
+          </p:nvPr>
+        </p:nvSpPr>
+        <p:spPr/>
+        <p:txBody>
+          <a:bodyPr/>
+          <a:lstStyle/>
+          <a:p>
+            <a:r>
+              <a:rPr lang="ru-RU" dirty="0" smtClean="0"/>
+              <a:t>Благодарю за внимание!</a:t>
+            </a:r>
+            <a:endParaRPr lang="ru-RU" dirty="0"/>
+          </a:p>
+        </p:txBody>
+      </p:sp>
+      <p:sp>
+        <p:nvSpPr>
+          <p:cNvPr id="5" name="Текст 4"/>
+          <p:cNvSpPr>
+            <a:spLocks noGrp="1"/>
+          </p:cNvSpPr>
+          <p:nvPr>
+            <p:ph type="body" idx="1"/>
+          </p:nvPr>
+        </p:nvSpPr>
+        <p:spPr/>
+        <p:txBody>
+          <a:bodyPr/>
+          <a:lstStyle/>
+          <a:p>
+            <a:r>
+              <a:rPr lang="ru-RU" dirty="0" smtClean="0"/>
+              <a:t>Автор: Темников А.В., студент группы 521 </a:t>
+            </a:r>
+            <a:endParaRPr lang="en-US" dirty="0" smtClean="0"/>
+          </a:p>
+          <a:p>
+            <a:r>
+              <a:rPr lang="ru-RU" dirty="0" smtClean="0"/>
+              <a:t>Финансового Университета при правительстве Российской Федерации</a:t>
+            </a:r>
           </a:p>
           <a:p>
             <a:endParaRPr lang="ru-RU" dirty="0"/>
@@ -6875,7 +8267,14 @@
                 <a:latin typeface="Times New Roman" pitchFamily="18" charset="0"/>
                 <a:cs typeface="Times New Roman" pitchFamily="18" charset="0"/>
               </a:rPr>
-              <a:t>		PTC </a:t>
+              <a:t>		</a:t>
+            </a:r>
+            <a:r>
+              <a:rPr lang="ru-RU" b="1" dirty="0" smtClean="0">
+                <a:latin typeface="Times New Roman" pitchFamily="18" charset="0"/>
+                <a:cs typeface="Times New Roman" pitchFamily="18" charset="0"/>
+              </a:rPr>
+              <a:t>PTC </a:t>
             </a:r>
             <a:r>
               <a:rPr lang="ru-RU" b="1" dirty="0" err="1" smtClean="0">
@@ -6912,6 +8311,10 @@
               </a:rPr>
               <a:t> позволяет управлять всей информацией о структуре изделия при его разработке – от концепции до утилизации, от изготовления отдельных деталей до сдачи их в эксплуатацию и т.д. </a:t>
             </a:r>
+            <a:endParaRPr lang="ru-RU" dirty="0" smtClean="0">
+              <a:latin typeface="Times New Roman" pitchFamily="18" charset="0"/>
+              <a:cs typeface="Times New Roman" pitchFamily="18" charset="0"/>
+            </a:endParaRPr>
           </a:p>
           <a:p>
             <a:pPr>
@@ -6922,14 +8325,14 @@
                 <a:latin typeface="Times New Roman" pitchFamily="18" charset="0"/>
                 <a:cs typeface="Times New Roman" pitchFamily="18" charset="0"/>
               </a:rPr>
-              <a:t>	</a:t>
+              <a:t>		</a:t>
             </a:r>
             <a:r>
               <a:rPr lang="ru-RU" b="1" dirty="0" smtClean="0">
                 <a:latin typeface="Times New Roman" pitchFamily="18" charset="0"/>
                 <a:cs typeface="Times New Roman" pitchFamily="18" charset="0"/>
               </a:rPr>
-              <a:t>	PTC</a:t>
+              <a:t>PTC</a:t>
             </a:r>
             <a:r>
               <a:rPr lang="ru-RU" dirty="0" smtClean="0">
@@ -7092,18 +8495,22 @@
           <a:p>
             <a:r>
               <a:rPr lang="ru-RU" dirty="0" smtClean="0"/>
-              <a:t>Классификации </a:t>
-            </a:r>
-            <a:r>
-              <a:rPr lang="ru-RU" dirty="0" smtClean="0"/>
-              <a:t>СППР</a:t>
+              <a:t>Классификации СППР</a:t>
+            </a:r>
+            <a:r>
+              <a:rPr lang="ru-RU" dirty="0" smtClean="0"/>
+              <a:t/>
             </a:r>
             <a:br>
               <a:rPr lang="ru-RU" dirty="0" smtClean="0"/>
             </a:br>
             <a:r>
               <a:rPr lang="ru-RU" sz="3100" dirty="0" smtClean="0"/>
-              <a:t>Взаимодействие с пользователем:</a:t>
+              <a:t>Взаимодействие с пользователем</a:t>
+            </a:r>
+            <a:r>
+              <a:rPr lang="ru-RU" sz="3100" dirty="0" smtClean="0"/>
+              <a:t>:</a:t>
             </a:r>
             <a:endParaRPr lang="ru-RU" sz="3100" dirty="0"/>
           </a:p>
@@ -7133,11 +8540,11 @@
             </a:r>
             <a:r>
               <a:rPr lang="ru-RU" dirty="0" smtClean="0"/>
-              <a:t> </a:t>
-            </a:r>
-            <a:r>
-              <a:rPr lang="ru-RU" dirty="0" smtClean="0"/>
-              <a:t>помогают в процессе принятия решений, но не могут выдвинуть конкретного предложения;</a:t>
+              <a:t> помогают в процессе принятия решений, но не могут выдвинуть конкретного предложения</a:t>
+            </a:r>
+            <a:r>
+              <a:rPr lang="ru-RU" dirty="0" smtClean="0"/>
+              <a:t>;</a:t>
             </a:r>
           </a:p>
           <a:p>
@@ -7148,11 +8555,11 @@
             </a:r>
             <a:r>
               <a:rPr lang="ru-RU" dirty="0" smtClean="0"/>
-              <a:t> </a:t>
-            </a:r>
-            <a:r>
-              <a:rPr lang="ru-RU" dirty="0" smtClean="0"/>
-              <a:t>непосредственно участвуют в разработке правильного решения;</a:t>
+              <a:t> непосредственно участвуют в разработке правильного решения</a:t>
+            </a:r>
+            <a:r>
+              <a:rPr lang="ru-RU" dirty="0" smtClean="0"/>
+              <a:t>;</a:t>
             </a:r>
           </a:p>
           <a:p>
@@ -7215,6 +8622,10 @@
               <a:rPr lang="ru-RU" dirty="0" smtClean="0"/>
               <a:t>Классификации СППР</a:t>
             </a:r>
+            <a:r>
+              <a:rPr lang="ru-RU" dirty="0" smtClean="0"/>
+              <a:t/>
+            </a:r>
             <a:br>
               <a:rPr lang="ru-RU" dirty="0" smtClean="0"/>
             </a:br>
@@ -7250,59 +8661,91 @@
             <a:pPr lvl="0"/>
             <a:r>
               <a:rPr lang="ru-RU" b="1" dirty="0" smtClean="0"/>
-              <a:t>Модельно-ориентированные </a:t>
-            </a:r>
+              <a:t>Модельно-ориентированные СППР</a:t>
+            </a:r>
+            <a:r>
+              <a:rPr lang="ru-RU" dirty="0" smtClean="0"/>
+              <a:t>, используют в работе доступ к статистическим, финансовым или иным моделям</a:t>
+            </a:r>
+            <a:r>
+              <a:rPr lang="ru-RU" dirty="0" smtClean="0"/>
+              <a:t>;</a:t>
+            </a:r>
+          </a:p>
+          <a:p>
+            <a:pPr lvl="0"/>
             <a:r>
               <a:rPr lang="ru-RU" b="1" dirty="0" smtClean="0"/>
               <a:t>СППР</a:t>
             </a:r>
             <a:r>
-              <a:rPr lang="ru-RU" dirty="0" smtClean="0"/>
-              <a:t>, используют в работе доступ к статистическим, финансовым или иным моделям;</a:t>
+              <a:rPr lang="ru-RU" b="1" dirty="0" smtClean="0"/>
+              <a:t>, основанные на коммуникациях</a:t>
+            </a:r>
+            <a:r>
+              <a:rPr lang="ru-RU" dirty="0" smtClean="0"/>
+              <a:t>, поддерживают работу двух и более пользователей, занимающихся общей задачей</a:t>
+            </a:r>
+            <a:r>
+              <a:rPr lang="ru-RU" dirty="0" smtClean="0"/>
+              <a:t>;</a:t>
             </a:r>
           </a:p>
           <a:p>
             <a:pPr lvl="0"/>
             <a:r>
               <a:rPr lang="ru-RU" b="1" dirty="0" smtClean="0"/>
-              <a:t>СППР, основанные на коммуникациях</a:t>
-            </a:r>
-            <a:r>
-              <a:rPr lang="ru-RU" dirty="0" smtClean="0"/>
-              <a:t>, поддерживают работу двух и более пользователей, занимающихся общей задачей;</a:t>
+              <a:t>СППР</a:t>
+            </a:r>
+            <a:r>
+              <a:rPr lang="ru-RU" b="1" dirty="0" smtClean="0"/>
+              <a:t>, ориентированные на данные</a:t>
+            </a:r>
+            <a:r>
+              <a:rPr lang="ru-RU" dirty="0" smtClean="0"/>
+              <a:t>, имеют доступ к временным рядам организации. Они используют в работе не только внутренние, но и внешние данные</a:t>
+            </a:r>
+            <a:r>
+              <a:rPr lang="ru-RU" dirty="0" smtClean="0"/>
+              <a:t>;</a:t>
             </a:r>
           </a:p>
           <a:p>
             <a:pPr lvl="0"/>
             <a:r>
               <a:rPr lang="ru-RU" b="1" dirty="0" smtClean="0"/>
-              <a:t>СППР, ориентированные на данные</a:t>
-            </a:r>
-            <a:r>
-              <a:rPr lang="ru-RU" dirty="0" smtClean="0"/>
-              <a:t>, имеют доступ к временным рядам организации. Они используют в работе не только внутренние, но и внешние данные;</a:t>
+              <a:t>СППР</a:t>
+            </a:r>
+            <a:r>
+              <a:rPr lang="ru-RU" b="1" dirty="0" smtClean="0"/>
+              <a:t>, ориентированные на документы</a:t>
+            </a:r>
+            <a:r>
+              <a:rPr lang="ru-RU" dirty="0" smtClean="0"/>
+              <a:t>, манипулируют неструктурированной информацией, заключенной в различных электронных форматах</a:t>
+            </a:r>
+            <a:r>
+              <a:rPr lang="ru-RU" dirty="0" smtClean="0"/>
+              <a:t>;</a:t>
             </a:r>
           </a:p>
           <a:p>
             <a:pPr lvl="0"/>
             <a:r>
               <a:rPr lang="ru-RU" b="1" dirty="0" smtClean="0"/>
-              <a:t>СППР, ориентированные на документы</a:t>
-            </a:r>
-            <a:r>
-              <a:rPr lang="ru-RU" dirty="0" smtClean="0"/>
-              <a:t>, манипулируют неструктурированной информацией, заключенной в различных электронных форматах;</a:t>
-            </a:r>
-          </a:p>
-          <a:p>
-            <a:pPr lvl="0"/>
+              <a:t>СППР</a:t>
+            </a:r>
             <a:r>
               <a:rPr lang="ru-RU" b="1" dirty="0" smtClean="0"/>
-              <a:t>СППР, ориентированные на знания</a:t>
-            </a:r>
-            <a:r>
-              <a:rPr lang="ru-RU" dirty="0" smtClean="0"/>
-              <a:t>, предоставляют специализированные решения проблем, основанные на фактах.</a:t>
+              <a:t>, ориентированные на знания</a:t>
+            </a:r>
+            <a:r>
+              <a:rPr lang="ru-RU" dirty="0" smtClean="0"/>
+              <a:t>, предоставляют специализированные решения проблем, основанные на фактах</a:t>
+            </a:r>
+            <a:r>
+              <a:rPr lang="ru-RU" dirty="0" smtClean="0"/>
+              <a:t>.</a:t>
             </a:r>
           </a:p>
           <a:p>
@@ -7361,11 +8804,7 @@
             </a:br>
             <a:r>
               <a:rPr lang="ru-RU" dirty="0" smtClean="0"/>
-              <a:t>Классификации </a:t>
-            </a:r>
-            <a:r>
-              <a:rPr lang="ru-RU" dirty="0" smtClean="0"/>
-              <a:t>СППР </a:t>
+              <a:t>Классификации СППР </a:t>
             </a:r>
             <a:r>
               <a:rPr lang="ru-RU" dirty="0" smtClean="0"/>
@@ -7376,11 +8815,11 @@
             </a:br>
             <a:r>
               <a:rPr lang="ru-RU" sz="3100" dirty="0" smtClean="0"/>
-              <a:t>По </a:t>
+              <a:t>По сфере использования выделяют</a:t>
             </a:r>
             <a:r>
               <a:rPr lang="ru-RU" sz="3100" dirty="0" smtClean="0"/>
-              <a:t>сфере использования выделяют:</a:t>
+              <a:t>:</a:t>
             </a:r>
             <a:r>
               <a:rPr lang="ru-RU" dirty="0" smtClean="0"/>
@@ -7414,11 +8853,7 @@
             </a:r>
             <a:r>
               <a:rPr lang="ru-RU" dirty="0" smtClean="0"/>
-              <a:t>работают с </a:t>
-            </a:r>
-            <a:r>
-              <a:rPr lang="ru-RU" dirty="0" smtClean="0"/>
-              <a:t>большими системами хранения данных и применяются многими пользователями. </a:t>
+              <a:t>работают с большими системами хранения данных и применяются многими пользователями. </a:t>
             </a:r>
             <a:endParaRPr lang="ru-RU" b="1" dirty="0" smtClean="0"/>
           </a:p>
@@ -7430,11 +8865,11 @@
             </a:r>
             <a:r>
               <a:rPr lang="ru-RU" dirty="0" smtClean="0"/>
-              <a:t>являются </a:t>
-            </a:r>
-            <a:r>
-              <a:rPr lang="ru-RU" dirty="0" smtClean="0"/>
-              <a:t>небольшими системами и подходят для управления с персонального компьютера одного пользователя.</a:t>
+              <a:t>являются небольшими системами и подходят для управления с персонального компьютера одного пользователя</a:t>
+            </a:r>
+            <a:r>
+              <a:rPr lang="ru-RU" dirty="0" smtClean="0"/>
+              <a:t>.</a:t>
             </a:r>
             <a:endParaRPr lang="ru-RU" b="1" dirty="0" smtClean="0"/>
           </a:p>
@@ -7480,29 +8915,566 @@
         </p:nvSpPr>
         <p:spPr/>
         <p:txBody>
+          <a:bodyPr>
+            <a:normAutofit fontScale="90000"/>
+          </a:bodyPr>
+          <a:lstStyle/>
+          <a:p>
+            <a:pPr lvl="0"/>
+            <a:r>
+              <a:rPr lang="ru-RU" dirty="0" smtClean="0"/>
+              <a:t>Структура СППР</a:t>
+            </a:r>
+            <a:r>
+              <a:rPr lang="ru-RU" dirty="0" smtClean="0"/>
+              <a:t/>
+            </a:r>
+            <a:br>
+              <a:rPr lang="ru-RU" dirty="0" smtClean="0"/>
+            </a:br>
+            <a:r>
+              <a:rPr lang="ru-RU" sz="3100" dirty="0" smtClean="0"/>
+              <a:t>Информационные хранилища данных</a:t>
+            </a:r>
+            <a:endParaRPr lang="ru-RU" dirty="0"/>
+          </a:p>
+        </p:txBody>
+      </p:sp>
+      <p:sp>
+        <p:nvSpPr>
+          <p:cNvPr id="4" name="Содержимое 3"/>
+          <p:cNvSpPr>
+            <a:spLocks noGrp="1"/>
+          </p:cNvSpPr>
+          <p:nvPr>
+            <p:ph sz="half" idx="1"/>
+          </p:nvPr>
+        </p:nvSpPr>
+        <p:spPr/>
+        <p:txBody>
+          <a:bodyPr>
+            <a:normAutofit fontScale="92500" lnSpcReduction="20000"/>
+          </a:bodyPr>
+          <a:lstStyle/>
+          <a:p>
+            <a:pPr>
+              <a:buNone/>
+            </a:pPr>
+            <a:r>
+              <a:rPr lang="ru-RU" dirty="0" smtClean="0"/>
+              <a:t>	</a:t>
+            </a:r>
+            <a:r>
+              <a:rPr lang="ru-RU" dirty="0" smtClean="0"/>
+              <a:t>	</a:t>
+            </a:r>
+            <a:r>
+              <a:rPr lang="ru-RU" b="1" dirty="0" smtClean="0"/>
+              <a:t>Информационные хранилища данных </a:t>
+            </a:r>
+            <a:r>
+              <a:rPr lang="ru-RU" dirty="0" smtClean="0"/>
+              <a:t>– это предметно-ориентированные, интегрированные, неизменные, поддерживающие хронологию наборы данных, организованные для целей поддержки управления, призванные выступать в роли единого и единственного источника истины, обеспечивающего менеджеров и аналитиков достоверной информацией, необходимой для оперативного анализа и принятия решений.</a:t>
+            </a:r>
+            <a:endParaRPr lang="ru-RU" dirty="0"/>
+          </a:p>
+        </p:txBody>
+      </p:sp>
+      <p:sp>
+        <p:nvSpPr>
+          <p:cNvPr id="5" name="Содержимое 4"/>
+          <p:cNvSpPr>
+            <a:spLocks noGrp="1"/>
+          </p:cNvSpPr>
+          <p:nvPr>
+            <p:ph sz="half" idx="2"/>
+          </p:nvPr>
+        </p:nvSpPr>
+        <p:spPr/>
+        <p:txBody>
+          <a:bodyPr>
+            <a:normAutofit fontScale="92500" lnSpcReduction="20000"/>
+          </a:bodyPr>
+          <a:lstStyle/>
+          <a:p>
+            <a:r>
+              <a:rPr lang="ru-RU" b="1" dirty="0" smtClean="0"/>
+              <a:t>Объектно-реляционная СУБД</a:t>
+            </a:r>
+            <a:r>
+              <a:rPr lang="ru-RU" dirty="0" smtClean="0"/>
+              <a:t> — реляционная СУБД поддерживающая некоторые технологии, реализующие объектно-ориентированный подход: </a:t>
+            </a:r>
+            <a:r>
+              <a:rPr lang="ru-RU" b="1" dirty="0" smtClean="0"/>
+              <a:t>объекты</a:t>
+            </a:r>
+            <a:r>
+              <a:rPr lang="ru-RU" dirty="0" smtClean="0"/>
+              <a:t>, </a:t>
+            </a:r>
+            <a:r>
+              <a:rPr lang="ru-RU" b="1" dirty="0" smtClean="0"/>
+              <a:t>классы</a:t>
+            </a:r>
+            <a:r>
+              <a:rPr lang="ru-RU" dirty="0" smtClean="0"/>
+              <a:t> и </a:t>
+            </a:r>
+            <a:r>
+              <a:rPr lang="ru-RU" b="1" dirty="0" smtClean="0"/>
+              <a:t>наследование</a:t>
+            </a:r>
+            <a:r>
+              <a:rPr lang="ru-RU" dirty="0" smtClean="0"/>
+              <a:t> реализованы в структуре баз данных и языке запросов.</a:t>
+            </a:r>
+          </a:p>
+          <a:p>
+            <a:r>
+              <a:rPr lang="ru-RU" dirty="0" smtClean="0"/>
+              <a:t>Термин </a:t>
+            </a:r>
+            <a:r>
+              <a:rPr lang="ru-RU" b="1" dirty="0" smtClean="0"/>
+              <a:t>«</a:t>
+            </a:r>
+            <a:r>
+              <a:rPr lang="ru-RU" b="1" dirty="0" smtClean="0"/>
+              <a:t>реляционный</a:t>
+            </a:r>
+            <a:r>
+              <a:rPr lang="ru-RU" b="1" dirty="0" smtClean="0"/>
+              <a:t>» </a:t>
+            </a:r>
+            <a:r>
+              <a:rPr lang="ru-RU" dirty="0" smtClean="0"/>
+              <a:t>означает, что теория основана на математическом понятии </a:t>
+            </a:r>
+            <a:r>
+              <a:rPr lang="ru-RU" b="1" dirty="0" smtClean="0"/>
+              <a:t>отношение</a:t>
+            </a:r>
+            <a:r>
+              <a:rPr lang="ru-RU" dirty="0" smtClean="0"/>
+              <a:t> (</a:t>
+            </a:r>
+            <a:r>
+              <a:rPr lang="ru-RU" i="1" dirty="0" err="1" smtClean="0"/>
+              <a:t>relation</a:t>
+            </a:r>
+            <a:r>
+              <a:rPr lang="ru-RU" dirty="0" smtClean="0"/>
+              <a:t>). В качестве неформального синонима термину «отношение» часто встречается слово </a:t>
+            </a:r>
+            <a:r>
+              <a:rPr lang="ru-RU" b="1" dirty="0" smtClean="0"/>
+              <a:t>таблица</a:t>
+            </a:r>
+            <a:r>
+              <a:rPr lang="ru-RU" dirty="0" smtClean="0"/>
+              <a:t>.</a:t>
+            </a:r>
+            <a:endParaRPr lang="ru-RU" dirty="0"/>
+          </a:p>
+        </p:txBody>
+      </p:sp>
+    </p:spTree>
+  </p:cSld>
+  <p:clrMapOvr>
+    <a:masterClrMapping/>
+  </p:clrMapOvr>
+</p:sld>
+</file>
+
+<file path=ppt/slides/slide8.xml><?xml version="1.0" encoding="utf-8"?>
+<p:sld xmlns:a="http://schemas.openxmlformats.org/drawingml/2006/main" xmlns:r="http://schemas.openxmlformats.org/officeDocument/2006/relationships" xmlns:p="http://schemas.openxmlformats.org/presentationml/2006/main">
+  <p:cSld>
+    <p:spTree>
+      <p:nvGrpSpPr>
+        <p:cNvPr id="1" name=""/>
+        <p:cNvGrpSpPr/>
+        <p:nvPr/>
+      </p:nvGrpSpPr>
+      <p:grpSpPr>
+        <a:xfrm>
+          <a:off x="0" y="0"/>
+          <a:ext cx="0" cy="0"/>
+          <a:chOff x="0" y="0"/>
+          <a:chExt cx="0" cy="0"/>
+        </a:xfrm>
+      </p:grpSpPr>
+      <p:sp>
+        <p:nvSpPr>
+          <p:cNvPr id="2" name="Заголовок 1"/>
+          <p:cNvSpPr>
+            <a:spLocks noGrp="1"/>
+          </p:cNvSpPr>
+          <p:nvPr>
+            <p:ph type="title"/>
+          </p:nvPr>
+        </p:nvSpPr>
+        <p:spPr/>
+        <p:txBody>
+          <a:bodyPr>
+            <a:normAutofit fontScale="90000"/>
+          </a:bodyPr>
+          <a:lstStyle/>
+          <a:p>
+            <a:r>
+              <a:rPr lang="ru-RU" dirty="0" smtClean="0"/>
+              <a:t>Структура СППР</a:t>
+            </a:r>
+            <a:r>
+              <a:rPr lang="ru-RU" dirty="0" smtClean="0"/>
+              <a:t/>
+            </a:r>
+            <a:br>
+              <a:rPr lang="ru-RU" dirty="0" smtClean="0"/>
+            </a:br>
+            <a:r>
+              <a:rPr lang="ru-RU" sz="3100" dirty="0" smtClean="0"/>
+              <a:t>Средства и методы извлечения, обработки и загрузки данных (</a:t>
+            </a:r>
+            <a:r>
+              <a:rPr lang="ru-RU" sz="3100" dirty="0" smtClean="0"/>
+              <a:t>ETL</a:t>
+            </a:r>
+            <a:r>
+              <a:rPr lang="ru-RU" sz="3100" dirty="0" smtClean="0"/>
+              <a:t>)</a:t>
+            </a:r>
+            <a:r>
+              <a:rPr lang="ru-RU" dirty="0" smtClean="0"/>
+              <a:t/>
+            </a:r>
+            <a:br>
+              <a:rPr lang="ru-RU" dirty="0" smtClean="0"/>
+            </a:br>
+            <a:endParaRPr lang="ru-RU" dirty="0"/>
+          </a:p>
+        </p:txBody>
+      </p:sp>
+      <p:sp>
+        <p:nvSpPr>
+          <p:cNvPr id="3" name="Содержимое 2"/>
+          <p:cNvSpPr>
+            <a:spLocks noGrp="1"/>
+          </p:cNvSpPr>
+          <p:nvPr>
+            <p:ph idx="1"/>
+          </p:nvPr>
+        </p:nvSpPr>
+        <p:spPr/>
+        <p:txBody>
           <a:bodyPr/>
           <a:lstStyle/>
           <a:p>
-            <a:endParaRPr lang="ru-RU"/>
-          </a:p>
-        </p:txBody>
-      </p:sp>
-      <p:sp>
-        <p:nvSpPr>
-          <p:cNvPr id="3" name="Содержимое 2"/>
-          <p:cNvSpPr>
-            <a:spLocks noGrp="1"/>
-          </p:cNvSpPr>
-          <p:nvPr>
-            <p:ph idx="1"/>
+            <a:pPr>
+              <a:buNone/>
+            </a:pPr>
+            <a:r>
+              <a:rPr lang="en-US" dirty="0" smtClean="0"/>
+              <a:t>		</a:t>
+            </a:r>
+            <a:r>
+              <a:rPr lang="ru-RU" b="1" dirty="0" smtClean="0"/>
+              <a:t>ETL</a:t>
+            </a:r>
+            <a:r>
+              <a:rPr lang="ru-RU" dirty="0" smtClean="0"/>
+              <a:t> – аббревиатура от </a:t>
+            </a:r>
+            <a:r>
+              <a:rPr lang="ru-RU" b="1" dirty="0" err="1" smtClean="0"/>
+              <a:t>Extract</a:t>
+            </a:r>
+            <a:r>
+              <a:rPr lang="ru-RU" b="1" dirty="0" smtClean="0"/>
+              <a:t> </a:t>
+            </a:r>
+            <a:r>
+              <a:rPr lang="ru-RU" dirty="0" smtClean="0"/>
+              <a:t>(извлечь), </a:t>
+            </a:r>
+            <a:r>
+              <a:rPr lang="ru-RU" b="1" dirty="0" err="1" smtClean="0"/>
+              <a:t>Transform</a:t>
+            </a:r>
+            <a:r>
+              <a:rPr lang="ru-RU" b="1" dirty="0" smtClean="0"/>
+              <a:t> </a:t>
+            </a:r>
+            <a:r>
+              <a:rPr lang="ru-RU" dirty="0" smtClean="0"/>
+              <a:t>(изменить), </a:t>
+            </a:r>
+            <a:r>
+              <a:rPr lang="ru-RU" b="1" dirty="0" err="1" smtClean="0"/>
+              <a:t>Load</a:t>
+            </a:r>
+            <a:r>
+              <a:rPr lang="ru-RU" b="1" dirty="0" smtClean="0"/>
+              <a:t> </a:t>
+            </a:r>
+            <a:r>
+              <a:rPr lang="ru-RU" dirty="0" smtClean="0"/>
+              <a:t>(загрузить). Это системы корпоративного класса, которые применяются, чтобы привести к одним справочникам и загрузить в</a:t>
+            </a:r>
+            <a:r>
+              <a:rPr lang="en-US" dirty="0" smtClean="0"/>
+              <a:t> </a:t>
+            </a:r>
+            <a:r>
+              <a:rPr lang="ru-RU" dirty="0" smtClean="0"/>
+              <a:t>хранилище данных информацию из нескольких разных учетных систем</a:t>
+            </a:r>
+            <a:r>
+              <a:rPr lang="ru-RU" dirty="0" smtClean="0"/>
+              <a:t>.</a:t>
+            </a:r>
+            <a:endParaRPr lang="ru-RU" dirty="0"/>
+          </a:p>
+        </p:txBody>
+      </p:sp>
+    </p:spTree>
+  </p:cSld>
+  <p:clrMapOvr>
+    <a:masterClrMapping/>
+  </p:clrMapOvr>
+</p:sld>
+</file>
+
+<file path=ppt/slides/slide9.xml><?xml version="1.0" encoding="utf-8"?>
+<p:sld xmlns:a="http://schemas.openxmlformats.org/drawingml/2006/main" xmlns:r="http://schemas.openxmlformats.org/officeDocument/2006/relationships" xmlns:p="http://schemas.openxmlformats.org/presentationml/2006/main">
+  <p:cSld>
+    <p:spTree>
+      <p:nvGrpSpPr>
+        <p:cNvPr id="1" name=""/>
+        <p:cNvGrpSpPr/>
+        <p:nvPr/>
+      </p:nvGrpSpPr>
+      <p:grpSpPr>
+        <a:xfrm>
+          <a:off x="0" y="0"/>
+          <a:ext cx="0" cy="0"/>
+          <a:chOff x="0" y="0"/>
+          <a:chExt cx="0" cy="0"/>
+        </a:xfrm>
+      </p:grpSpPr>
+      <p:sp>
+        <p:nvSpPr>
+          <p:cNvPr id="2" name="Заголовок 1"/>
+          <p:cNvSpPr>
+            <a:spLocks noGrp="1"/>
+          </p:cNvSpPr>
+          <p:nvPr>
+            <p:ph type="title"/>
           </p:nvPr>
         </p:nvSpPr>
         <p:spPr/>
         <p:txBody>
-          <a:bodyPr/>
-          <a:lstStyle/>
-          <a:p>
-            <a:endParaRPr lang="ru-RU"/>
+          <a:bodyPr>
+            <a:normAutofit fontScale="90000"/>
+          </a:bodyPr>
+          <a:lstStyle/>
+          <a:p>
+            <a:pPr lvl="0"/>
+            <a:r>
+              <a:rPr lang="ru-RU" dirty="0" smtClean="0"/>
+              <a:t>Структура СППР</a:t>
+            </a:r>
+            <a:br>
+              <a:rPr lang="ru-RU" dirty="0" smtClean="0"/>
+            </a:br>
+            <a:r>
+              <a:rPr lang="ru-RU" dirty="0" smtClean="0"/>
+              <a:t>М</a:t>
+            </a:r>
+            <a:r>
+              <a:rPr lang="ru-RU" sz="3100" dirty="0" smtClean="0"/>
+              <a:t>ногомерная БД и средства анализа OLAP</a:t>
+            </a:r>
+            <a:r>
+              <a:rPr lang="ru-RU" sz="3100" dirty="0" smtClean="0"/>
+              <a:t>;</a:t>
+            </a:r>
+            <a:br>
+              <a:rPr lang="ru-RU" sz="3100" dirty="0" smtClean="0"/>
+            </a:br>
+            <a:r>
+              <a:rPr lang="ru-RU" sz="3100" dirty="0" smtClean="0"/>
+              <a:t>Средства </a:t>
+            </a:r>
+            <a:r>
+              <a:rPr lang="ru-RU" sz="3100" dirty="0" err="1" smtClean="0"/>
+              <a:t>Data</a:t>
+            </a:r>
+            <a:r>
+              <a:rPr lang="ru-RU" sz="3100" dirty="0" smtClean="0"/>
+              <a:t> </a:t>
+            </a:r>
+            <a:r>
+              <a:rPr lang="ru-RU" sz="3100" dirty="0" err="1" smtClean="0"/>
+              <a:t>Mining</a:t>
+            </a:r>
+            <a:r>
+              <a:rPr lang="ru-RU" sz="3100" dirty="0" smtClean="0"/>
+              <a:t>.</a:t>
+            </a:r>
+            <a:endParaRPr lang="ru-RU" sz="3100" dirty="0"/>
+          </a:p>
+        </p:txBody>
+      </p:sp>
+      <p:sp>
+        <p:nvSpPr>
+          <p:cNvPr id="8" name="Содержимое 7"/>
+          <p:cNvSpPr>
+            <a:spLocks noGrp="1"/>
+          </p:cNvSpPr>
+          <p:nvPr>
+            <p:ph sz="half" idx="1"/>
+          </p:nvPr>
+        </p:nvSpPr>
+        <p:spPr>
+          <a:xfrm>
+            <a:off x="457200" y="2428868"/>
+            <a:ext cx="4043362" cy="4346519"/>
+          </a:xfrm>
+        </p:spPr>
+        <p:txBody>
+          <a:bodyPr>
+            <a:normAutofit fontScale="85000" lnSpcReduction="10000"/>
+          </a:bodyPr>
+          <a:lstStyle/>
+          <a:p>
+            <a:pPr>
+              <a:buNone/>
+            </a:pPr>
+            <a:r>
+              <a:rPr lang="en-US" dirty="0" smtClean="0"/>
+              <a:t>		</a:t>
+            </a:r>
+            <a:r>
+              <a:rPr lang="ru-RU" b="1" dirty="0" smtClean="0"/>
+              <a:t> OLAP</a:t>
+            </a:r>
+            <a:r>
+              <a:rPr lang="ru-RU" dirty="0" smtClean="0"/>
+              <a:t> (</a:t>
+            </a:r>
+            <a:r>
+              <a:rPr lang="ru-RU" dirty="0" smtClean="0"/>
+              <a:t>англ</a:t>
+            </a:r>
+            <a:r>
+              <a:rPr lang="ru-RU" dirty="0" smtClean="0"/>
+              <a:t>. </a:t>
+            </a:r>
+            <a:r>
+              <a:rPr lang="ru-RU" dirty="0" err="1" smtClean="0"/>
+              <a:t>online</a:t>
+            </a:r>
+            <a:r>
+              <a:rPr lang="ru-RU" dirty="0" smtClean="0"/>
+              <a:t> </a:t>
+            </a:r>
+            <a:r>
+              <a:rPr lang="ru-RU" dirty="0" err="1" smtClean="0"/>
+              <a:t>analytical</a:t>
+            </a:r>
+            <a:r>
+              <a:rPr lang="ru-RU" dirty="0" smtClean="0"/>
+              <a:t> </a:t>
+            </a:r>
+            <a:r>
+              <a:rPr lang="ru-RU" dirty="0" err="1" smtClean="0"/>
+              <a:t>processing</a:t>
+            </a:r>
+            <a:r>
+              <a:rPr lang="ru-RU" dirty="0" smtClean="0"/>
+              <a:t>, аналитическая обработка в реальном времени) — технология обработки данных, заключающаяся в подготовке суммарной (</a:t>
+            </a:r>
+            <a:r>
+              <a:rPr lang="ru-RU" dirty="0" smtClean="0"/>
+              <a:t>агрегированной</a:t>
+            </a:r>
+            <a:r>
+              <a:rPr lang="ru-RU" dirty="0" smtClean="0"/>
+              <a:t>) информации на основе больших массивов данных, структурированных по многомерному принципу</a:t>
+            </a:r>
+            <a:r>
+              <a:rPr lang="ru-RU" dirty="0" smtClean="0"/>
+              <a:t>.</a:t>
+            </a:r>
+            <a:endParaRPr lang="ru-RU" dirty="0" smtClean="0"/>
+          </a:p>
+          <a:p>
+            <a:pPr>
+              <a:buNone/>
+            </a:pPr>
+            <a:r>
+              <a:rPr lang="ru-RU" dirty="0" smtClean="0"/>
+              <a:t>		Многомерное моделирование предусматривает использование измерений для предоставления максимально возможного контекста для фактов  модели.</a:t>
+            </a:r>
+            <a:endParaRPr lang="ru-RU" dirty="0"/>
+          </a:p>
+        </p:txBody>
+      </p:sp>
+      <p:sp>
+        <p:nvSpPr>
+          <p:cNvPr id="9" name="Содержимое 8"/>
+          <p:cNvSpPr>
+            <a:spLocks noGrp="1"/>
+          </p:cNvSpPr>
+          <p:nvPr>
+            <p:ph sz="half" idx="2"/>
+          </p:nvPr>
+        </p:nvSpPr>
+        <p:spPr>
+          <a:xfrm>
+            <a:off x="4648200" y="2428868"/>
+            <a:ext cx="4067204" cy="4346519"/>
+          </a:xfrm>
+        </p:spPr>
+        <p:txBody>
+          <a:bodyPr>
+            <a:normAutofit fontScale="85000" lnSpcReduction="10000"/>
+          </a:bodyPr>
+          <a:lstStyle/>
+          <a:p>
+            <a:pPr>
+              <a:buNone/>
+            </a:pPr>
+            <a:r>
+              <a:rPr lang="ru-RU" b="1" dirty="0" smtClean="0"/>
+              <a:t>		</a:t>
+            </a:r>
+            <a:r>
+              <a:rPr lang="ru-RU" b="1" dirty="0" err="1" smtClean="0"/>
+              <a:t>Data</a:t>
+            </a:r>
+            <a:r>
+              <a:rPr lang="ru-RU" b="1" dirty="0" smtClean="0"/>
+              <a:t> </a:t>
+            </a:r>
+            <a:r>
+              <a:rPr lang="ru-RU" b="1" dirty="0" err="1" smtClean="0"/>
+              <a:t>Mining</a:t>
+            </a:r>
+            <a:r>
+              <a:rPr lang="ru-RU" dirty="0" smtClean="0"/>
+              <a:t> (</a:t>
+            </a:r>
+            <a:r>
+              <a:rPr lang="ru-RU" dirty="0" smtClean="0"/>
+              <a:t>рус</a:t>
+            </a:r>
+            <a:r>
+              <a:rPr lang="ru-RU" dirty="0" smtClean="0"/>
+              <a:t>. добыча данных, интеллектуальный анализ данных, глубинный анализ данных) — собирательное название, используемое для обозначения совокупности методов обнаружения в данных ранее неизвестных, нетривиальных, практически полезных и доступных интерпретации знаний, необходимых для принятия решений в различных ...</a:t>
+            </a:r>
+            <a:endParaRPr lang="ru-RU" dirty="0"/>
           </a:p>
         </p:txBody>
       </p:sp>
